--- a/Coach/BicepIntro-MicroHack.pptx
+++ b/Coach/BicepIntro-MicroHack.pptx
@@ -21,9 +21,9 @@
     <p:sldId id="2076138004" r:id="rId12"/>
     <p:sldId id="2076137956" r:id="rId13"/>
     <p:sldId id="265" r:id="rId14"/>
-    <p:sldId id="2076138006" r:id="rId15"/>
-    <p:sldId id="2147308230" r:id="rId16"/>
-    <p:sldId id="2147308231" r:id="rId17"/>
+    <p:sldId id="2147308230" r:id="rId15"/>
+    <p:sldId id="2147308231" r:id="rId16"/>
+    <p:sldId id="2076138006" r:id="rId17"/>
     <p:sldId id="2056" r:id="rId18"/>
     <p:sldId id="270" r:id="rId19"/>
     <p:sldId id="277" r:id="rId20"/>
@@ -145,7 +145,7 @@
 <file path=ppt/revisionInfo.xml><?xml version="1.0" encoding="utf-8"?>
 <p1510:revInfo xmlns:a="http://schemas.openxmlformats.org/drawingml/2006/main" xmlns:r="http://schemas.openxmlformats.org/officeDocument/2006/relationships" xmlns:p1510="http://schemas.microsoft.com/office/powerpoint/2015/10/main">
   <p1510:revLst>
-    <p1510:client id="{5276BF07-06F6-4B00-AFA2-AEB04EADBB3E}" v="17" dt="2022-02-25T11:43:28.911"/>
+    <p1510:client id="{5276BF07-06F6-4B00-AFA2-AEB04EADBB3E}" v="25" dt="2022-03-18T11:18:49.669"/>
   </p1510:revLst>
 </p1510:revInfo>
 </file>
@@ -155,7 +155,7 @@
   <pc:docChgLst>
     <pc:chgData name="Nicola Gallacher" userId="53d0426e-eedb-4f86-89d1-95436315b32b" providerId="ADAL" clId="{5276BF07-06F6-4B00-AFA2-AEB04EADBB3E}"/>
     <pc:docChg chg="undo redo custSel addSld delSld modSld sldOrd">
-      <pc:chgData name="Nicola Gallacher" userId="53d0426e-eedb-4f86-89d1-95436315b32b" providerId="ADAL" clId="{5276BF07-06F6-4B00-AFA2-AEB04EADBB3E}" dt="2022-02-25T11:47:59.577" v="492"/>
+      <pc:chgData name="Nicola Gallacher" userId="53d0426e-eedb-4f86-89d1-95436315b32b" providerId="ADAL" clId="{5276BF07-06F6-4B00-AFA2-AEB04EADBB3E}" dt="2022-03-18T16:44:51.757" v="714" actId="1076"/>
       <pc:docMkLst>
         <pc:docMk/>
       </pc:docMkLst>
@@ -226,6 +226,37 @@
           <pc:sldMk cId="559782471" sldId="488"/>
         </pc:sldMkLst>
       </pc:sldChg>
+      <pc:sldChg chg="addSp delSp modSp add del mod">
+        <pc:chgData name="Nicola Gallacher" userId="53d0426e-eedb-4f86-89d1-95436315b32b" providerId="ADAL" clId="{5276BF07-06F6-4B00-AFA2-AEB04EADBB3E}" dt="2022-03-18T15:36:11.703" v="709" actId="1076"/>
+        <pc:sldMkLst>
+          <pc:docMk/>
+          <pc:sldMk cId="140998855" sldId="489"/>
+        </pc:sldMkLst>
+        <pc:spChg chg="del">
+          <ac:chgData name="Nicola Gallacher" userId="53d0426e-eedb-4f86-89d1-95436315b32b" providerId="ADAL" clId="{5276BF07-06F6-4B00-AFA2-AEB04EADBB3E}" dt="2022-03-18T15:36:01.396" v="704" actId="478"/>
+          <ac:spMkLst>
+            <pc:docMk/>
+            <pc:sldMk cId="140998855" sldId="489"/>
+            <ac:spMk id="2" creationId="{1C45BB3D-5835-4BBF-B22D-0F91C1BC5704}"/>
+          </ac:spMkLst>
+        </pc:spChg>
+        <pc:picChg chg="del">
+          <ac:chgData name="Nicola Gallacher" userId="53d0426e-eedb-4f86-89d1-95436315b32b" providerId="ADAL" clId="{5276BF07-06F6-4B00-AFA2-AEB04EADBB3E}" dt="2022-03-18T15:35:59.410" v="703" actId="478"/>
+          <ac:picMkLst>
+            <pc:docMk/>
+            <pc:sldMk cId="140998855" sldId="489"/>
+            <ac:picMk id="5" creationId="{546EE67A-8A1F-4FA2-A519-1D022DBF18AC}"/>
+          </ac:picMkLst>
+        </pc:picChg>
+        <pc:picChg chg="add mod">
+          <ac:chgData name="Nicola Gallacher" userId="53d0426e-eedb-4f86-89d1-95436315b32b" providerId="ADAL" clId="{5276BF07-06F6-4B00-AFA2-AEB04EADBB3E}" dt="2022-03-18T15:36:11.703" v="709" actId="1076"/>
+          <ac:picMkLst>
+            <pc:docMk/>
+            <pc:sldMk cId="140998855" sldId="489"/>
+            <ac:picMk id="6" creationId="{04271098-2E17-4D63-9B0C-AC91DBA20F55}"/>
+          </ac:picMkLst>
+        </pc:picChg>
+      </pc:sldChg>
       <pc:sldChg chg="ord">
         <pc:chgData name="Nicola Gallacher" userId="53d0426e-eedb-4f86-89d1-95436315b32b" providerId="ADAL" clId="{5276BF07-06F6-4B00-AFA2-AEB04EADBB3E}" dt="2022-02-25T11:47:42.312" v="488"/>
         <pc:sldMkLst>
@@ -233,12 +264,67 @@
           <pc:sldMk cId="2835728914" sldId="490"/>
         </pc:sldMkLst>
       </pc:sldChg>
-      <pc:sldChg chg="ord">
-        <pc:chgData name="Nicola Gallacher" userId="53d0426e-eedb-4f86-89d1-95436315b32b" providerId="ADAL" clId="{5276BF07-06F6-4B00-AFA2-AEB04EADBB3E}" dt="2022-02-25T11:47:50.667" v="490"/>
+      <pc:sldChg chg="addSp delSp modSp mod ord">
+        <pc:chgData name="Nicola Gallacher" userId="53d0426e-eedb-4f86-89d1-95436315b32b" providerId="ADAL" clId="{5276BF07-06F6-4B00-AFA2-AEB04EADBB3E}" dt="2022-03-18T14:57:48.440" v="702" actId="1076"/>
         <pc:sldMkLst>
           <pc:docMk/>
           <pc:sldMk cId="1748706824" sldId="491"/>
         </pc:sldMkLst>
+        <pc:spChg chg="del">
+          <ac:chgData name="Nicola Gallacher" userId="53d0426e-eedb-4f86-89d1-95436315b32b" providerId="ADAL" clId="{5276BF07-06F6-4B00-AFA2-AEB04EADBB3E}" dt="2022-03-18T11:29:54.140" v="693" actId="478"/>
+          <ac:spMkLst>
+            <pc:docMk/>
+            <pc:sldMk cId="1748706824" sldId="491"/>
+            <ac:spMk id="2" creationId="{4FCDACC8-B253-47B9-8BE4-CA23B1CEB147}"/>
+          </ac:spMkLst>
+        </pc:spChg>
+        <pc:picChg chg="del">
+          <ac:chgData name="Nicola Gallacher" userId="53d0426e-eedb-4f86-89d1-95436315b32b" providerId="ADAL" clId="{5276BF07-06F6-4B00-AFA2-AEB04EADBB3E}" dt="2022-03-18T11:29:52.691" v="692" actId="478"/>
+          <ac:picMkLst>
+            <pc:docMk/>
+            <pc:sldMk cId="1748706824" sldId="491"/>
+            <ac:picMk id="3" creationId="{5FA652A4-0451-4260-AFA5-349E820E031B}"/>
+          </ac:picMkLst>
+        </pc:picChg>
+        <pc:picChg chg="add mod">
+          <ac:chgData name="Nicola Gallacher" userId="53d0426e-eedb-4f86-89d1-95436315b32b" providerId="ADAL" clId="{5276BF07-06F6-4B00-AFA2-AEB04EADBB3E}" dt="2022-03-18T14:57:48.440" v="702" actId="1076"/>
+          <ac:picMkLst>
+            <pc:docMk/>
+            <pc:sldMk cId="1748706824" sldId="491"/>
+            <ac:picMk id="6" creationId="{DA106E4C-BB65-4B1E-8B28-D7E20CAFB750}"/>
+          </ac:picMkLst>
+        </pc:picChg>
+      </pc:sldChg>
+      <pc:sldChg chg="addSp delSp modSp mod">
+        <pc:chgData name="Nicola Gallacher" userId="53d0426e-eedb-4f86-89d1-95436315b32b" providerId="ADAL" clId="{5276BF07-06F6-4B00-AFA2-AEB04EADBB3E}" dt="2022-03-18T16:44:51.757" v="714" actId="1076"/>
+        <pc:sldMkLst>
+          <pc:docMk/>
+          <pc:sldMk cId="2737153016" sldId="493"/>
+        </pc:sldMkLst>
+        <pc:spChg chg="del">
+          <ac:chgData name="Nicola Gallacher" userId="53d0426e-eedb-4f86-89d1-95436315b32b" providerId="ADAL" clId="{5276BF07-06F6-4B00-AFA2-AEB04EADBB3E}" dt="2022-03-18T16:44:44.325" v="711" actId="478"/>
+          <ac:spMkLst>
+            <pc:docMk/>
+            <pc:sldMk cId="2737153016" sldId="493"/>
+            <ac:spMk id="2" creationId="{A37F169F-F63B-40B3-8350-A44280B9E570}"/>
+          </ac:spMkLst>
+        </pc:spChg>
+        <pc:picChg chg="add mod">
+          <ac:chgData name="Nicola Gallacher" userId="53d0426e-eedb-4f86-89d1-95436315b32b" providerId="ADAL" clId="{5276BF07-06F6-4B00-AFA2-AEB04EADBB3E}" dt="2022-03-18T16:44:51.757" v="714" actId="1076"/>
+          <ac:picMkLst>
+            <pc:docMk/>
+            <pc:sldMk cId="2737153016" sldId="493"/>
+            <ac:picMk id="5" creationId="{56A00194-C68F-4350-9FEB-AEC9AEFD022F}"/>
+          </ac:picMkLst>
+        </pc:picChg>
+        <pc:picChg chg="del">
+          <ac:chgData name="Nicola Gallacher" userId="53d0426e-eedb-4f86-89d1-95436315b32b" providerId="ADAL" clId="{5276BF07-06F6-4B00-AFA2-AEB04EADBB3E}" dt="2022-03-18T16:44:42.945" v="710" actId="478"/>
+          <ac:picMkLst>
+            <pc:docMk/>
+            <pc:sldMk cId="2737153016" sldId="493"/>
+            <ac:picMk id="9" creationId="{6CDEF23C-6CA5-4D48-9D2E-26E7B5ECEA1A}"/>
+          </ac:picMkLst>
+        </pc:picChg>
       </pc:sldChg>
       <pc:sldChg chg="ord">
         <pc:chgData name="Nicola Gallacher" userId="53d0426e-eedb-4f86-89d1-95436315b32b" providerId="ADAL" clId="{5276BF07-06F6-4B00-AFA2-AEB04EADBB3E}" dt="2022-02-25T11:38:43.699" v="419"/>
@@ -276,8 +362,8 @@
           </ac:spMkLst>
         </pc:spChg>
       </pc:sldChg>
-      <pc:sldChg chg="modNotesTx">
-        <pc:chgData name="Nicola Gallacher" userId="53d0426e-eedb-4f86-89d1-95436315b32b" providerId="ADAL" clId="{5276BF07-06F6-4B00-AFA2-AEB04EADBB3E}" dt="2022-02-25T11:22:51.686" v="67"/>
+      <pc:sldChg chg="ord modNotesTx">
+        <pc:chgData name="Nicola Gallacher" userId="53d0426e-eedb-4f86-89d1-95436315b32b" providerId="ADAL" clId="{5276BF07-06F6-4B00-AFA2-AEB04EADBB3E}" dt="2022-03-18T11:22:40.472" v="691"/>
         <pc:sldMkLst>
           <pc:docMk/>
           <pc:sldMk cId="898176749" sldId="2076138006"/>
@@ -305,27 +391,131 @@
           <pc:sldMk cId="1929641985" sldId="2147308229"/>
         </pc:sldMkLst>
       </pc:sldChg>
-      <pc:sldChg chg="modSp mod ord modShow">
-        <pc:chgData name="Nicola Gallacher" userId="53d0426e-eedb-4f86-89d1-95436315b32b" providerId="ADAL" clId="{5276BF07-06F6-4B00-AFA2-AEB04EADBB3E}" dt="2022-02-25T11:42:48.906" v="444" actId="729"/>
+      <pc:sldChg chg="addSp delSp modSp mod ord modShow">
+        <pc:chgData name="Nicola Gallacher" userId="53d0426e-eedb-4f86-89d1-95436315b32b" providerId="ADAL" clId="{5276BF07-06F6-4B00-AFA2-AEB04EADBB3E}" dt="2022-03-18T11:22:28.516" v="689" actId="729"/>
         <pc:sldMkLst>
           <pc:docMk/>
           <pc:sldMk cId="4172461425" sldId="2147308230"/>
         </pc:sldMkLst>
+        <pc:spChg chg="add mod">
+          <ac:chgData name="Nicola Gallacher" userId="53d0426e-eedb-4f86-89d1-95436315b32b" providerId="ADAL" clId="{5276BF07-06F6-4B00-AFA2-AEB04EADBB3E}" dt="2022-03-18T11:16:13.336" v="676" actId="1076"/>
+          <ac:spMkLst>
+            <pc:docMk/>
+            <pc:sldMk cId="4172461425" sldId="2147308230"/>
+            <ac:spMk id="2" creationId="{F1CE81F4-4898-4F54-B869-3C60229D23BA}"/>
+          </ac:spMkLst>
+        </pc:spChg>
+        <pc:spChg chg="add mod">
+          <ac:chgData name="Nicola Gallacher" userId="53d0426e-eedb-4f86-89d1-95436315b32b" providerId="ADAL" clId="{5276BF07-06F6-4B00-AFA2-AEB04EADBB3E}" dt="2022-03-18T11:16:23.771" v="679" actId="1076"/>
+          <ac:spMkLst>
+            <pc:docMk/>
+            <pc:sldMk cId="4172461425" sldId="2147308230"/>
+            <ac:spMk id="4" creationId="{B063A9C0-4C38-44A6-B55A-073FA5515BB7}"/>
+          </ac:spMkLst>
+        </pc:spChg>
         <pc:spChg chg="mod">
-          <ac:chgData name="Nicola Gallacher" userId="53d0426e-eedb-4f86-89d1-95436315b32b" providerId="ADAL" clId="{5276BF07-06F6-4B00-AFA2-AEB04EADBB3E}" dt="2022-02-25T11:42:41.329" v="443" actId="21"/>
+          <ac:chgData name="Nicola Gallacher" userId="53d0426e-eedb-4f86-89d1-95436315b32b" providerId="ADAL" clId="{5276BF07-06F6-4B00-AFA2-AEB04EADBB3E}" dt="2022-03-18T11:06:10.413" v="549" actId="108"/>
+          <ac:spMkLst>
+            <pc:docMk/>
+            <pc:sldMk cId="4172461425" sldId="2147308230"/>
+            <ac:spMk id="8" creationId="{2B26C363-220D-426E-934F-3F61D6428A22}"/>
+          </ac:spMkLst>
+        </pc:spChg>
+        <pc:spChg chg="add del mod">
+          <ac:chgData name="Nicola Gallacher" userId="53d0426e-eedb-4f86-89d1-95436315b32b" providerId="ADAL" clId="{5276BF07-06F6-4B00-AFA2-AEB04EADBB3E}" dt="2022-03-18T11:16:18.989" v="678" actId="478"/>
+          <ac:spMkLst>
+            <pc:docMk/>
+            <pc:sldMk cId="4172461425" sldId="2147308230"/>
+            <ac:spMk id="12" creationId="{A25C8EF1-CB6D-4B0D-85A5-9D8953D165DB}"/>
+          </ac:spMkLst>
+        </pc:spChg>
+        <pc:spChg chg="mod">
+          <ac:chgData name="Nicola Gallacher" userId="53d0426e-eedb-4f86-89d1-95436315b32b" providerId="ADAL" clId="{5276BF07-06F6-4B00-AFA2-AEB04EADBB3E}" dt="2022-03-18T11:15:51.800" v="675" actId="6549"/>
           <ac:spMkLst>
             <pc:docMk/>
             <pc:sldMk cId="4172461425" sldId="2147308230"/>
             <ac:spMk id="13" creationId="{740DAD87-6F1A-4F6F-A916-D3975A35F294}"/>
           </ac:spMkLst>
         </pc:spChg>
+        <pc:spChg chg="add mod">
+          <ac:chgData name="Nicola Gallacher" userId="53d0426e-eedb-4f86-89d1-95436315b32b" providerId="ADAL" clId="{5276BF07-06F6-4B00-AFA2-AEB04EADBB3E}" dt="2022-03-18T11:16:31.622" v="680" actId="1076"/>
+          <ac:spMkLst>
+            <pc:docMk/>
+            <pc:sldMk cId="4172461425" sldId="2147308230"/>
+            <ac:spMk id="18" creationId="{E24F60CC-35C4-4CAF-A2F4-3F71A6E3CA34}"/>
+          </ac:spMkLst>
+        </pc:spChg>
+        <pc:spChg chg="add mod">
+          <ac:chgData name="Nicola Gallacher" userId="53d0426e-eedb-4f86-89d1-95436315b32b" providerId="ADAL" clId="{5276BF07-06F6-4B00-AFA2-AEB04EADBB3E}" dt="2022-03-18T11:16:41.411" v="681" actId="1076"/>
+          <ac:spMkLst>
+            <pc:docMk/>
+            <pc:sldMk cId="4172461425" sldId="2147308230"/>
+            <ac:spMk id="22" creationId="{90A16A80-4ECF-4D2F-AEE9-3C9AB2761783}"/>
+          </ac:spMkLst>
+        </pc:spChg>
+        <pc:spChg chg="add del mod">
+          <ac:chgData name="Nicola Gallacher" userId="53d0426e-eedb-4f86-89d1-95436315b32b" providerId="ADAL" clId="{5276BF07-06F6-4B00-AFA2-AEB04EADBB3E}" dt="2022-03-18T11:11:19.154" v="638" actId="478"/>
+          <ac:spMkLst>
+            <pc:docMk/>
+            <pc:sldMk cId="4172461425" sldId="2147308230"/>
+            <ac:spMk id="26" creationId="{E89098AD-A8CB-43DE-A0BF-99C38BF2C5D7}"/>
+          </ac:spMkLst>
+        </pc:spChg>
+        <pc:picChg chg="add mod">
+          <ac:chgData name="Nicola Gallacher" userId="53d0426e-eedb-4f86-89d1-95436315b32b" providerId="ADAL" clId="{5276BF07-06F6-4B00-AFA2-AEB04EADBB3E}" dt="2022-03-18T11:17:40.258" v="683" actId="207"/>
+          <ac:picMkLst>
+            <pc:docMk/>
+            <pc:sldMk cId="4172461425" sldId="2147308230"/>
+            <ac:picMk id="3" creationId="{1AC5FF66-FE8E-4EFC-92C1-2C8DC77AECCE}"/>
+          </ac:picMkLst>
+        </pc:picChg>
+        <pc:picChg chg="add mod">
+          <ac:chgData name="Nicola Gallacher" userId="53d0426e-eedb-4f86-89d1-95436315b32b" providerId="ADAL" clId="{5276BF07-06F6-4B00-AFA2-AEB04EADBB3E}" dt="2022-03-18T11:18:05.457" v="685" actId="207"/>
+          <ac:picMkLst>
+            <pc:docMk/>
+            <pc:sldMk cId="4172461425" sldId="2147308230"/>
+            <ac:picMk id="6" creationId="{7FCCD219-807E-4BF5-8020-12A77F5E8D9C}"/>
+          </ac:picMkLst>
+        </pc:picChg>
+        <pc:picChg chg="add del mod">
+          <ac:chgData name="Nicola Gallacher" userId="53d0426e-eedb-4f86-89d1-95436315b32b" providerId="ADAL" clId="{5276BF07-06F6-4B00-AFA2-AEB04EADBB3E}" dt="2022-03-18T11:16:18.318" v="677" actId="478"/>
+          <ac:picMkLst>
+            <pc:docMk/>
+            <pc:sldMk cId="4172461425" sldId="2147308230"/>
+            <ac:picMk id="16" creationId="{0EF79486-9CB3-42AD-A656-1A725D161452}"/>
+          </ac:picMkLst>
+        </pc:picChg>
+        <pc:picChg chg="add mod">
+          <ac:chgData name="Nicola Gallacher" userId="53d0426e-eedb-4f86-89d1-95436315b32b" providerId="ADAL" clId="{5276BF07-06F6-4B00-AFA2-AEB04EADBB3E}" dt="2022-03-18T11:16:31.622" v="680" actId="1076"/>
+          <ac:picMkLst>
+            <pc:docMk/>
+            <pc:sldMk cId="4172461425" sldId="2147308230"/>
+            <ac:picMk id="20" creationId="{1AEE8BFB-B16E-42AE-A893-19CE5FB29DB1}"/>
+          </ac:picMkLst>
+        </pc:picChg>
+        <pc:picChg chg="add mod">
+          <ac:chgData name="Nicola Gallacher" userId="53d0426e-eedb-4f86-89d1-95436315b32b" providerId="ADAL" clId="{5276BF07-06F6-4B00-AFA2-AEB04EADBB3E}" dt="2022-03-18T11:18:51.835" v="687" actId="207"/>
+          <ac:picMkLst>
+            <pc:docMk/>
+            <pc:sldMk cId="4172461425" sldId="2147308230"/>
+            <ac:picMk id="24" creationId="{EF350C51-9360-423A-97A5-50C404066BDD}"/>
+          </ac:picMkLst>
+        </pc:picChg>
       </pc:sldChg>
       <pc:sldChg chg="addSp delSp modSp add mod modNotesTx">
-        <pc:chgData name="Nicola Gallacher" userId="53d0426e-eedb-4f86-89d1-95436315b32b" providerId="ADAL" clId="{5276BF07-06F6-4B00-AFA2-AEB04EADBB3E}" dt="2022-02-25T11:45:19.224" v="471" actId="1076"/>
+        <pc:chgData name="Nicola Gallacher" userId="53d0426e-eedb-4f86-89d1-95436315b32b" providerId="ADAL" clId="{5276BF07-06F6-4B00-AFA2-AEB04EADBB3E}" dt="2022-03-18T11:19:17.769" v="688" actId="14100"/>
         <pc:sldMkLst>
           <pc:docMk/>
           <pc:sldMk cId="1482256732" sldId="2147308231"/>
         </pc:sldMkLst>
+        <pc:spChg chg="add mod">
+          <ac:chgData name="Nicola Gallacher" userId="53d0426e-eedb-4f86-89d1-95436315b32b" providerId="ADAL" clId="{5276BF07-06F6-4B00-AFA2-AEB04EADBB3E}" dt="2022-03-18T11:03:02.456" v="538" actId="1076"/>
+          <ac:spMkLst>
+            <pc:docMk/>
+            <pc:sldMk cId="1482256732" sldId="2147308231"/>
+            <ac:spMk id="3" creationId="{B6E2592B-DA3B-4584-923A-088E6BF82DC2}"/>
+          </ac:spMkLst>
+        </pc:spChg>
         <pc:spChg chg="mod">
           <ac:chgData name="Nicola Gallacher" userId="53d0426e-eedb-4f86-89d1-95436315b32b" providerId="ADAL" clId="{5276BF07-06F6-4B00-AFA2-AEB04EADBB3E}" dt="2022-02-25T11:26:41.439" v="283" actId="20577"/>
           <ac:spMkLst>
@@ -375,7 +565,7 @@
           </ac:spMkLst>
         </pc:spChg>
         <pc:spChg chg="add mod">
-          <ac:chgData name="Nicola Gallacher" userId="53d0426e-eedb-4f86-89d1-95436315b32b" providerId="ADAL" clId="{5276BF07-06F6-4B00-AFA2-AEB04EADBB3E}" dt="2022-02-25T11:45:19.224" v="471" actId="1076"/>
+          <ac:chgData name="Nicola Gallacher" userId="53d0426e-eedb-4f86-89d1-95436315b32b" providerId="ADAL" clId="{5276BF07-06F6-4B00-AFA2-AEB04EADBB3E}" dt="2022-03-18T11:02:46.288" v="536" actId="1076"/>
           <ac:spMkLst>
             <pc:docMk/>
             <pc:sldMk cId="1482256732" sldId="2147308231"/>
@@ -406,6 +596,22 @@
             <ac:spMk id="49" creationId="{898DA0C2-BDA4-4158-B6AA-7F112210AA2E}"/>
           </ac:spMkLst>
         </pc:spChg>
+        <pc:grpChg chg="mod">
+          <ac:chgData name="Nicola Gallacher" userId="53d0426e-eedb-4f86-89d1-95436315b32b" providerId="ADAL" clId="{5276BF07-06F6-4B00-AFA2-AEB04EADBB3E}" dt="2022-03-18T11:05:40.783" v="547" actId="14100"/>
+          <ac:grpSpMkLst>
+            <pc:docMk/>
+            <pc:sldMk cId="1482256732" sldId="2147308231"/>
+            <ac:grpSpMk id="7" creationId="{D1C6A5ED-F3AF-47DE-85F1-1B9E3BE56459}"/>
+          </ac:grpSpMkLst>
+        </pc:grpChg>
+        <pc:grpChg chg="mod">
+          <ac:chgData name="Nicola Gallacher" userId="53d0426e-eedb-4f86-89d1-95436315b32b" providerId="ADAL" clId="{5276BF07-06F6-4B00-AFA2-AEB04EADBB3E}" dt="2022-03-18T11:05:41.112" v="548" actId="14100"/>
+          <ac:grpSpMkLst>
+            <pc:docMk/>
+            <pc:sldMk cId="1482256732" sldId="2147308231"/>
+            <ac:grpSpMk id="8" creationId="{C41EC495-2DF9-4DAC-9F24-4E202FB16F12}"/>
+          </ac:grpSpMkLst>
+        </pc:grpChg>
         <pc:grpChg chg="del">
           <ac:chgData name="Nicola Gallacher" userId="53d0426e-eedb-4f86-89d1-95436315b32b" providerId="ADAL" clId="{5276BF07-06F6-4B00-AFA2-AEB04EADBB3E}" dt="2022-02-25T11:25:34.274" v="140" actId="478"/>
           <ac:grpSpMkLst>
@@ -431,7 +637,7 @@
           </ac:grpSpMkLst>
         </pc:grpChg>
         <pc:grpChg chg="add mod">
-          <ac:chgData name="Nicola Gallacher" userId="53d0426e-eedb-4f86-89d1-95436315b32b" providerId="ADAL" clId="{5276BF07-06F6-4B00-AFA2-AEB04EADBB3E}" dt="2022-02-25T11:44:22.806" v="464" actId="1076"/>
+          <ac:chgData name="Nicola Gallacher" userId="53d0426e-eedb-4f86-89d1-95436315b32b" providerId="ADAL" clId="{5276BF07-06F6-4B00-AFA2-AEB04EADBB3E}" dt="2022-03-18T11:19:17.769" v="688" actId="14100"/>
           <ac:grpSpMkLst>
             <pc:docMk/>
             <pc:sldMk cId="1482256732" sldId="2147308231"/>
@@ -444,6 +650,14 @@
             <pc:docMk/>
             <pc:sldMk cId="1482256732" sldId="2147308231"/>
             <ac:picMk id="2" creationId="{0720EAA1-CCB6-4021-8113-EC1682FEE72D}"/>
+          </ac:picMkLst>
+        </pc:picChg>
+        <pc:picChg chg="add mod">
+          <ac:chgData name="Nicola Gallacher" userId="53d0426e-eedb-4f86-89d1-95436315b32b" providerId="ADAL" clId="{5276BF07-06F6-4B00-AFA2-AEB04EADBB3E}" dt="2022-03-18T11:04:30.509" v="544" actId="1582"/>
+          <ac:picMkLst>
+            <pc:docMk/>
+            <pc:sldMk cId="1482256732" sldId="2147308231"/>
+            <ac:picMk id="4" creationId="{69935899-2D13-43BA-B08C-673303C7847E}"/>
           </ac:picMkLst>
         </pc:picChg>
         <pc:picChg chg="del">
@@ -463,8 +677,8 @@
           </ac:picMkLst>
         </pc:picChg>
       </pc:sldChg>
-      <pc:sldChg chg="modSp new mod">
-        <pc:chgData name="Nicola Gallacher" userId="53d0426e-eedb-4f86-89d1-95436315b32b" providerId="ADAL" clId="{5276BF07-06F6-4B00-AFA2-AEB04EADBB3E}" dt="2022-02-25T11:46:26.075" v="486"/>
+      <pc:sldChg chg="modSp new mod modShow">
+        <pc:chgData name="Nicola Gallacher" userId="53d0426e-eedb-4f86-89d1-95436315b32b" providerId="ADAL" clId="{5276BF07-06F6-4B00-AFA2-AEB04EADBB3E}" dt="2022-03-18T11:01:17.424" v="528" actId="729"/>
         <pc:sldMkLst>
           <pc:docMk/>
           <pc:sldMk cId="2795354251" sldId="2147308232"/>
@@ -580,7 +794,7 @@
           <a:p>
             <a:fld id="{B9603ABB-4AD3-4616-B87B-161BE90D3D9F}" type="datetimeFigureOut">
               <a:rPr lang="en-GB" smtClean="0"/>
-              <a:t>25/02/2022</a:t>
+              <a:t>18/03/2022</a:t>
             </a:fld>
             <a:endParaRPr lang="en-GB"/>
           </a:p>
@@ -2064,7 +2278,7 @@
                 <a:tabLst/>
                 <a:defRPr/>
               </a:pPr>
-              <a:t>2/25/2022 11:33 AM</a:t>
+              <a:t>3/18/2022 10:57 AM</a:t>
             </a:fld>
             <a:endParaRPr kumimoji="0" lang="en-US" sz="1800" b="0" i="0" u="none" strike="noStrike" kern="0" cap="none" spc="0" normalizeH="0" baseline="0" noProof="0" dirty="0">
               <a:ln>
@@ -2374,7 +2588,7 @@
                 <a:tabLst/>
                 <a:defRPr/>
               </a:pPr>
-              <a:t>2/25/2022 11:33 AM</a:t>
+              <a:t>3/18/2022 10:57 AM</a:t>
             </a:fld>
             <a:endParaRPr kumimoji="0" lang="en-US" sz="1800" b="0" i="0" u="none" strike="noStrike" kern="0" cap="none" spc="0" normalizeH="0" baseline="0" noProof="0" dirty="0">
               <a:ln>
@@ -2736,7 +2950,7 @@
                 <a:tabLst/>
                 <a:defRPr/>
               </a:pPr>
-              <a:t>2/25/2022 11:33 AM</a:t>
+              <a:t>3/18/2022 10:57 AM</a:t>
             </a:fld>
             <a:endParaRPr kumimoji="0" lang="en-US" sz="1800" b="0" i="0" u="none" strike="noStrike" kern="0" cap="none" spc="0" normalizeH="0" baseline="0" noProof="0" dirty="0">
               <a:ln>
@@ -3046,7 +3260,7 @@
                 <a:tabLst/>
                 <a:defRPr/>
               </a:pPr>
-              <a:t>2/25/2022 11:33 AM</a:t>
+              <a:t>3/18/2022 10:57 AM</a:t>
             </a:fld>
             <a:endParaRPr kumimoji="0" lang="en-US" sz="1800" b="0" i="0" u="none" strike="noStrike" kern="0" cap="none" spc="0" normalizeH="0" baseline="0" noProof="0" dirty="0">
               <a:ln>
@@ -3408,7 +3622,7 @@
                 <a:tabLst/>
                 <a:defRPr/>
               </a:pPr>
-              <a:t>2/25/2022 11:33 AM</a:t>
+              <a:t>3/18/2022 10:57 AM</a:t>
             </a:fld>
             <a:endParaRPr kumimoji="0" lang="en-US" sz="1800" b="0" i="0" u="none" strike="noStrike" kern="0" cap="none" spc="0" normalizeH="0" baseline="0" noProof="0" dirty="0">
               <a:ln>
@@ -3718,7 +3932,7 @@
                 <a:tabLst/>
                 <a:defRPr/>
               </a:pPr>
-              <a:t>2/25/2022 11:33 AM</a:t>
+              <a:t>3/18/2022 10:57 AM</a:t>
             </a:fld>
             <a:endParaRPr kumimoji="0" lang="en-US" sz="1800" b="0" i="0" u="none" strike="noStrike" kern="0" cap="none" spc="0" normalizeH="0" baseline="0" noProof="0" dirty="0">
               <a:ln>
@@ -4175,7 +4389,7 @@
                 <a:tabLst/>
                 <a:defRPr/>
               </a:pPr>
-              <a:t>2/25/2022 11:37 AM</a:t>
+              <a:t>3/18/2022 10:57 AM</a:t>
             </a:fld>
             <a:endParaRPr kumimoji="0" lang="en-US" sz="1200" b="0" i="0" u="none" strike="noStrike" kern="1200" cap="none" spc="0" normalizeH="0" baseline="0" noProof="0">
               <a:ln>
@@ -4511,7 +4725,7 @@
                 <a:tabLst/>
                 <a:defRPr/>
               </a:pPr>
-              <a:t>2/25/2022 11:33 AM</a:t>
+              <a:t>3/18/2022 10:57 AM</a:t>
             </a:fld>
             <a:endParaRPr kumimoji="0" lang="en-US" sz="1800" b="0" i="0" u="none" strike="noStrike" kern="0" cap="none" spc="0" normalizeH="0" baseline="0" noProof="0" dirty="0">
               <a:ln>
@@ -6011,479 +6225,7 @@
           <a:bodyPr/>
           <a:lstStyle/>
           <a:p>
-            <a:pPr marL="171450" marR="0" lvl="0" indent="-171450" algn="l" defTabSz="914400" rtl="0" eaLnBrk="1" fontAlgn="auto" latinLnBrk="0" hangingPunct="1">
-              <a:lnSpc>
-                <a:spcPct val="100000"/>
-              </a:lnSpc>
-              <a:spcBef>
-                <a:spcPts val="300"/>
-              </a:spcBef>
-              <a:spcAft>
-                <a:spcPts val="1800"/>
-              </a:spcAft>
-              <a:buClrTx/>
-              <a:buSzTx/>
-              <a:buFont typeface="Arial" panose="020B0604020202020204" pitchFamily="34" charset="0"/>
-              <a:buChar char="•"/>
-              <a:tabLst/>
-              <a:defRPr/>
-            </a:pPr>
-            <a:r>
-              <a:rPr lang="en-US" dirty="0">
-                <a:solidFill>
-                  <a:schemeClr val="tx1">
-                    <a:lumMod val="85000"/>
-                    <a:lumOff val="15000"/>
-                  </a:schemeClr>
-                </a:solidFill>
-                <a:latin typeface="Segoe UI" panose="020B0502040204020203" pitchFamily="34" charset="0"/>
-                <a:cs typeface="Segoe UI" panose="020B0502040204020203" pitchFamily="34" charset="0"/>
-              </a:rPr>
-              <a:t>More readable and write-able syntax. No JSON noise.</a:t>
-            </a:r>
-          </a:p>
-          <a:p>
-            <a:pPr marL="171450" marR="0" lvl="0" indent="-171450" algn="l" defTabSz="914400" rtl="0" eaLnBrk="1" fontAlgn="auto" latinLnBrk="0" hangingPunct="1">
-              <a:lnSpc>
-                <a:spcPct val="100000"/>
-              </a:lnSpc>
-              <a:spcBef>
-                <a:spcPts val="300"/>
-              </a:spcBef>
-              <a:spcAft>
-                <a:spcPts val="1800"/>
-              </a:spcAft>
-              <a:buClrTx/>
-              <a:buSzTx/>
-              <a:buFont typeface="Arial" panose="020B0604020202020204" pitchFamily="34" charset="0"/>
-              <a:buChar char="•"/>
-              <a:tabLst/>
-              <a:defRPr/>
-            </a:pPr>
-            <a:r>
-              <a:rPr lang="en-US" dirty="0">
-                <a:solidFill>
-                  <a:schemeClr val="tx1">
-                    <a:lumMod val="85000"/>
-                    <a:lumOff val="15000"/>
-                  </a:schemeClr>
-                </a:solidFill>
-                <a:latin typeface="Segoe UI" panose="020B0502040204020203" pitchFamily="34" charset="0"/>
-                <a:cs typeface="Segoe UI" panose="020B0502040204020203" pitchFamily="34" charset="0"/>
-              </a:rPr>
-              <a:t>Day Zero support for all Azure resource types. </a:t>
-            </a:r>
-          </a:p>
-          <a:p>
-            <a:pPr marL="171450" marR="0" lvl="0" indent="-171450" algn="l" defTabSz="914400" rtl="0" eaLnBrk="1" fontAlgn="auto" latinLnBrk="0" hangingPunct="1">
-              <a:lnSpc>
-                <a:spcPct val="100000"/>
-              </a:lnSpc>
-              <a:spcBef>
-                <a:spcPts val="300"/>
-              </a:spcBef>
-              <a:spcAft>
-                <a:spcPts val="1800"/>
-              </a:spcAft>
-              <a:buClrTx/>
-              <a:buSzTx/>
-              <a:buFont typeface="Arial" panose="020B0604020202020204" pitchFamily="34" charset="0"/>
-              <a:buChar char="•"/>
-              <a:tabLst/>
-              <a:defRPr/>
-            </a:pPr>
-            <a:r>
-              <a:rPr lang="en-US" dirty="0">
-                <a:solidFill>
-                  <a:schemeClr val="tx1">
-                    <a:lumMod val="85000"/>
-                    <a:lumOff val="15000"/>
-                  </a:schemeClr>
-                </a:solidFill>
-                <a:latin typeface="Segoe UI" panose="020B0502040204020203" pitchFamily="34" charset="0"/>
-                <a:cs typeface="Segoe UI" panose="020B0502040204020203" pitchFamily="34" charset="0"/>
-              </a:rPr>
-              <a:t>No state management. State is managed by the Azure platform.</a:t>
-            </a:r>
-          </a:p>
-          <a:p>
-            <a:pPr marL="171450" marR="0" lvl="0" indent="-171450" algn="l" defTabSz="914400" rtl="0" eaLnBrk="1" fontAlgn="auto" latinLnBrk="0" hangingPunct="1">
-              <a:lnSpc>
-                <a:spcPct val="100000"/>
-              </a:lnSpc>
-              <a:spcBef>
-                <a:spcPts val="300"/>
-              </a:spcBef>
-              <a:spcAft>
-                <a:spcPts val="1800"/>
-              </a:spcAft>
-              <a:buClrTx/>
-              <a:buSzTx/>
-              <a:buFont typeface="Arial" panose="020B0604020202020204" pitchFamily="34" charset="0"/>
-              <a:buChar char="•"/>
-              <a:tabLst/>
-              <a:defRPr/>
-            </a:pPr>
-            <a:r>
-              <a:rPr lang="en-US" dirty="0">
-                <a:solidFill>
-                  <a:schemeClr val="tx1">
-                    <a:lumMod val="85000"/>
-                    <a:lumOff val="15000"/>
-                  </a:schemeClr>
-                </a:solidFill>
-                <a:latin typeface="Segoe UI" panose="020B0502040204020203" pitchFamily="34" charset="0"/>
-                <a:cs typeface="Segoe UI" panose="020B0502040204020203" pitchFamily="34" charset="0"/>
-              </a:rPr>
-              <a:t>Richer type-safety, validation, IntelliSense. Built for </a:t>
-            </a:r>
-            <a:r>
-              <a:rPr lang="en-US" dirty="0" err="1">
-                <a:solidFill>
-                  <a:schemeClr val="tx1">
-                    <a:lumMod val="85000"/>
-                    <a:lumOff val="15000"/>
-                  </a:schemeClr>
-                </a:solidFill>
-                <a:latin typeface="Segoe UI" panose="020B0502040204020203" pitchFamily="34" charset="0"/>
-                <a:cs typeface="Segoe UI" panose="020B0502040204020203" pitchFamily="34" charset="0"/>
-              </a:rPr>
-              <a:t>Toolability</a:t>
-            </a:r>
-            <a:r>
-              <a:rPr lang="en-US" dirty="0">
-                <a:solidFill>
-                  <a:schemeClr val="tx1">
-                    <a:lumMod val="85000"/>
-                    <a:lumOff val="15000"/>
-                  </a:schemeClr>
-                </a:solidFill>
-                <a:latin typeface="Segoe UI" panose="020B0502040204020203" pitchFamily="34" charset="0"/>
-                <a:cs typeface="Segoe UI" panose="020B0502040204020203" pitchFamily="34" charset="0"/>
-              </a:rPr>
-              <a:t>.</a:t>
-            </a:r>
-          </a:p>
-          <a:p>
-            <a:pPr marL="171450" marR="0" lvl="0" indent="-171450" algn="l" defTabSz="914400" rtl="0" eaLnBrk="1" fontAlgn="auto" latinLnBrk="0" hangingPunct="1">
-              <a:lnSpc>
-                <a:spcPct val="100000"/>
-              </a:lnSpc>
-              <a:spcBef>
-                <a:spcPts val="300"/>
-              </a:spcBef>
-              <a:spcAft>
-                <a:spcPts val="1800"/>
-              </a:spcAft>
-              <a:buClrTx/>
-              <a:buSzTx/>
-              <a:buFont typeface="Arial" panose="020B0604020202020204" pitchFamily="34" charset="0"/>
-              <a:buChar char="•"/>
-              <a:tabLst/>
-              <a:defRPr/>
-            </a:pPr>
-            <a:r>
-              <a:rPr lang="en-US" dirty="0">
-                <a:solidFill>
-                  <a:schemeClr val="tx1">
-                    <a:lumMod val="85000"/>
-                    <a:lumOff val="15000"/>
-                  </a:schemeClr>
-                </a:solidFill>
-                <a:latin typeface="Segoe UI" panose="020B0502040204020203" pitchFamily="34" charset="0"/>
-                <a:cs typeface="Segoe UI" panose="020B0502040204020203" pitchFamily="34" charset="0"/>
-              </a:rPr>
-              <a:t>Modules to break your bicep code into manageable chunks.</a:t>
-            </a:r>
-          </a:p>
-          <a:p>
-            <a:pPr marL="171450" marR="0" lvl="0" indent="-171450" algn="l" defTabSz="914400" rtl="0" eaLnBrk="1" fontAlgn="auto" latinLnBrk="0" hangingPunct="1">
-              <a:lnSpc>
-                <a:spcPct val="100000"/>
-              </a:lnSpc>
-              <a:spcBef>
-                <a:spcPts val="300"/>
-              </a:spcBef>
-              <a:spcAft>
-                <a:spcPts val="1800"/>
-              </a:spcAft>
-              <a:buClrTx/>
-              <a:buSzTx/>
-              <a:buFont typeface="Arial" panose="020B0604020202020204" pitchFamily="34" charset="0"/>
-              <a:buChar char="•"/>
-              <a:tabLst/>
-              <a:defRPr/>
-            </a:pPr>
-            <a:r>
-              <a:rPr lang="en-US" dirty="0">
-                <a:solidFill>
-                  <a:schemeClr val="tx1">
-                    <a:lumMod val="85000"/>
-                    <a:lumOff val="15000"/>
-                  </a:schemeClr>
-                </a:solidFill>
-                <a:latin typeface="Segoe UI" panose="020B0502040204020203" pitchFamily="34" charset="0"/>
-                <a:cs typeface="Segoe UI" panose="020B0502040204020203" pitchFamily="34" charset="0"/>
-              </a:rPr>
-              <a:t>Integrated into the platform (Export Templates, Remediate resources with templates in policy)</a:t>
-            </a:r>
-          </a:p>
-          <a:p>
-            <a:pPr marL="171450" marR="0" lvl="0" indent="-171450" algn="l" defTabSz="914400" rtl="0" eaLnBrk="1" fontAlgn="auto" latinLnBrk="0" hangingPunct="1">
-              <a:lnSpc>
-                <a:spcPct val="100000"/>
-              </a:lnSpc>
-              <a:spcBef>
-                <a:spcPts val="300"/>
-              </a:spcBef>
-              <a:spcAft>
-                <a:spcPts val="1800"/>
-              </a:spcAft>
-              <a:buClrTx/>
-              <a:buSzTx/>
-              <a:buFont typeface="Arial" panose="020B0604020202020204" pitchFamily="34" charset="0"/>
-              <a:buChar char="•"/>
-              <a:tabLst/>
-              <a:defRPr/>
-            </a:pPr>
-            <a:endParaRPr lang="en-US" dirty="0">
-              <a:solidFill>
-                <a:schemeClr val="tx1">
-                  <a:lumMod val="85000"/>
-                  <a:lumOff val="15000"/>
-                </a:schemeClr>
-              </a:solidFill>
-              <a:latin typeface="Segoe UI" panose="020B0502040204020203" pitchFamily="34" charset="0"/>
-              <a:cs typeface="Segoe UI" panose="020B0502040204020203" pitchFamily="34" charset="0"/>
-            </a:endParaRPr>
-          </a:p>
-          <a:p>
-            <a:pPr algn="l"/>
-            <a:r>
-              <a:rPr lang="en-GB" sz="1800" dirty="0">
-                <a:solidFill>
-                  <a:srgbClr val="000000"/>
-                </a:solidFill>
-                <a:effectLst/>
-                <a:latin typeface="Segoe UI" panose="020B0502040204020203" pitchFamily="34" charset="0"/>
-              </a:rPr>
-              <a:t>Support for all resource types and API versions: Bicep immediately supports all preview and GA versions for Azure services. As soon as a resource provider introduces new resources types and API versions, you can use them in your Bicep file. You don't have to wait for tools to be updated before using the new services.</a:t>
-            </a:r>
-            <a:endParaRPr lang="en-GB" dirty="0">
-              <a:solidFill>
-                <a:srgbClr val="FFFFFF"/>
-              </a:solidFill>
-              <a:effectLst/>
-              <a:latin typeface="Segoe UI" panose="020B0502040204020203" pitchFamily="34" charset="0"/>
-            </a:endParaRPr>
-          </a:p>
-          <a:p>
-            <a:pPr algn="l"/>
-            <a:r>
-              <a:rPr lang="en-GB" sz="1800" dirty="0">
-                <a:solidFill>
-                  <a:srgbClr val="000000"/>
-                </a:solidFill>
-                <a:effectLst/>
-                <a:latin typeface="Segoe UI" panose="020B0502040204020203" pitchFamily="34" charset="0"/>
-              </a:rPr>
-              <a:t>Simple syntax: When compared to the equivalent JSON template, Bicep files are more concise and easier to read. Bicep requires no previous knowledge of programming languages. Bicep syntax is declarative and specifies which resources and resource properties you want to deploy.</a:t>
-            </a:r>
-            <a:endParaRPr lang="en-GB" dirty="0">
-              <a:solidFill>
-                <a:srgbClr val="FFFFFF"/>
-              </a:solidFill>
-              <a:effectLst/>
-              <a:latin typeface="Segoe UI" panose="020B0502040204020203" pitchFamily="34" charset="0"/>
-            </a:endParaRPr>
-          </a:p>
-          <a:p>
-            <a:pPr algn="l"/>
-            <a:r>
-              <a:rPr lang="en-GB" sz="1800" dirty="0">
-                <a:solidFill>
-                  <a:srgbClr val="000000"/>
-                </a:solidFill>
-                <a:effectLst/>
-                <a:latin typeface="Segoe UI" panose="020B0502040204020203" pitchFamily="34" charset="0"/>
-              </a:rPr>
-              <a:t>Authoring experience: When you use VS Code to create your Bicep files, you get a first-class authoring experience. The editor provides rich type-safety, </a:t>
-            </a:r>
-            <a:r>
-              <a:rPr lang="en-GB" sz="1800" dirty="0" err="1">
-                <a:solidFill>
-                  <a:srgbClr val="000000"/>
-                </a:solidFill>
-                <a:effectLst/>
-                <a:latin typeface="Segoe UI" panose="020B0502040204020203" pitchFamily="34" charset="0"/>
-              </a:rPr>
-              <a:t>intellisense</a:t>
-            </a:r>
-            <a:r>
-              <a:rPr lang="en-GB" sz="1800" dirty="0">
-                <a:solidFill>
-                  <a:srgbClr val="000000"/>
-                </a:solidFill>
-                <a:effectLst/>
-                <a:latin typeface="Segoe UI" panose="020B0502040204020203" pitchFamily="34" charset="0"/>
-              </a:rPr>
-              <a:t>, and syntax validation.</a:t>
-            </a:r>
-            <a:endParaRPr lang="en-GB" dirty="0">
-              <a:solidFill>
-                <a:srgbClr val="FFFFFF"/>
-              </a:solidFill>
-              <a:effectLst/>
-              <a:latin typeface="Segoe UI" panose="020B0502040204020203" pitchFamily="34" charset="0"/>
-            </a:endParaRPr>
-          </a:p>
-          <a:p>
-            <a:pPr algn="l"/>
-            <a:r>
-              <a:rPr lang="en-GB" sz="1800" dirty="0">
-                <a:solidFill>
-                  <a:srgbClr val="000000"/>
-                </a:solidFill>
-                <a:effectLst/>
-                <a:latin typeface="Segoe UI" panose="020B0502040204020203" pitchFamily="34" charset="0"/>
-              </a:rPr>
-              <a:t>Modularity: You can break your Bicep code into manageable parts by using </a:t>
-            </a:r>
-            <a:r>
-              <a:rPr lang="en-GB" sz="1800" u="none" strike="noStrike" dirty="0">
-                <a:solidFill>
-                  <a:srgbClr val="9399F5"/>
-                </a:solidFill>
-                <a:effectLst/>
-                <a:latin typeface="Segoe UI" panose="020B0502040204020203" pitchFamily="34" charset="0"/>
-                <a:hlinkClick r:id="rId3" tooltip="https://docs.microsoft.com/en-us/azure/azure-resource-manager/bicep/modules"/>
-              </a:rPr>
-              <a:t>modules</a:t>
-            </a:r>
-            <a:r>
-              <a:rPr lang="en-GB" sz="1800" dirty="0">
-                <a:solidFill>
-                  <a:srgbClr val="000000"/>
-                </a:solidFill>
-                <a:effectLst/>
-                <a:latin typeface="Segoe UI" panose="020B0502040204020203" pitchFamily="34" charset="0"/>
-              </a:rPr>
-              <a:t>. The module deploys a set of related resources. Modules enable you to reuse code and simplify development. Add the module to a Bicep file anytime you need to deploy those resources.</a:t>
-            </a:r>
-            <a:endParaRPr lang="en-GB" dirty="0">
-              <a:solidFill>
-                <a:srgbClr val="FFFFFF"/>
-              </a:solidFill>
-              <a:effectLst/>
-              <a:latin typeface="Segoe UI" panose="020B0502040204020203" pitchFamily="34" charset="0"/>
-            </a:endParaRPr>
-          </a:p>
-          <a:p>
-            <a:pPr algn="l"/>
-            <a:r>
-              <a:rPr lang="en-GB" sz="1800" dirty="0">
-                <a:solidFill>
-                  <a:srgbClr val="000000"/>
-                </a:solidFill>
-                <a:effectLst/>
-                <a:latin typeface="Segoe UI" panose="020B0502040204020203" pitchFamily="34" charset="0"/>
-              </a:rPr>
-              <a:t>Integration with Azure services: Bicep is integrated with Azure services such as Azure Policy, template specs, and Blueprints.</a:t>
-            </a:r>
-            <a:endParaRPr lang="en-GB" dirty="0">
-              <a:solidFill>
-                <a:srgbClr val="FFFFFF"/>
-              </a:solidFill>
-              <a:effectLst/>
-              <a:latin typeface="Segoe UI" panose="020B0502040204020203" pitchFamily="34" charset="0"/>
-            </a:endParaRPr>
-          </a:p>
-          <a:p>
-            <a:pPr algn="l"/>
-            <a:r>
-              <a:rPr lang="en-GB" sz="1800" dirty="0">
-                <a:solidFill>
-                  <a:srgbClr val="000000"/>
-                </a:solidFill>
-                <a:effectLst/>
-                <a:latin typeface="Segoe UI" panose="020B0502040204020203" pitchFamily="34" charset="0"/>
-              </a:rPr>
-              <a:t>No state or state files to manage: All state is stored in Azure. Users can collaborate and have confidence their updates are handled as expected. Use the </a:t>
-            </a:r>
-            <a:r>
-              <a:rPr lang="en-GB" sz="1800" u="none" strike="noStrike" dirty="0">
-                <a:solidFill>
-                  <a:srgbClr val="9399F5"/>
-                </a:solidFill>
-                <a:effectLst/>
-                <a:latin typeface="Segoe UI" panose="020B0502040204020203" pitchFamily="34" charset="0"/>
-                <a:hlinkClick r:id="rId4" tooltip="https://docs.microsoft.com/en-us/azure/azure-resource-manager/bicep/deploy-what-if"/>
-              </a:rPr>
-              <a:t>what-if operation</a:t>
-            </a:r>
-            <a:r>
-              <a:rPr lang="en-GB" sz="1800" dirty="0">
-                <a:solidFill>
-                  <a:srgbClr val="000000"/>
-                </a:solidFill>
-                <a:effectLst/>
-                <a:latin typeface="Segoe UI" panose="020B0502040204020203" pitchFamily="34" charset="0"/>
-              </a:rPr>
-              <a:t> to preview changes before deploying your template.</a:t>
-            </a:r>
-            <a:endParaRPr lang="en-GB" dirty="0">
-              <a:solidFill>
-                <a:srgbClr val="FFFFFF"/>
-              </a:solidFill>
-              <a:effectLst/>
-              <a:latin typeface="Segoe UI" panose="020B0502040204020203" pitchFamily="34" charset="0"/>
-            </a:endParaRPr>
-          </a:p>
-          <a:p>
-            <a:pPr algn="l"/>
-            <a:r>
-              <a:rPr lang="en-GB" sz="1800" dirty="0">
-                <a:solidFill>
-                  <a:srgbClr val="000000"/>
-                </a:solidFill>
-                <a:effectLst/>
-                <a:latin typeface="Segoe UI" panose="020B0502040204020203" pitchFamily="34" charset="0"/>
-              </a:rPr>
-              <a:t>No cost and open source: Bicep is completely free. You don't have to pay for premium capabilities. It's also supported by Microsoft support.</a:t>
-            </a:r>
-            <a:endParaRPr lang="en-GB" dirty="0">
-              <a:solidFill>
-                <a:srgbClr val="FFFFFF"/>
-              </a:solidFill>
-              <a:effectLst/>
-              <a:latin typeface="Segoe UI" panose="020B0502040204020203" pitchFamily="34" charset="0"/>
-            </a:endParaRPr>
-          </a:p>
-          <a:p>
-            <a:pPr marL="171450" marR="0" lvl="0" indent="-171450" algn="l" defTabSz="914400" rtl="0" eaLnBrk="1" fontAlgn="auto" latinLnBrk="0" hangingPunct="1">
-              <a:lnSpc>
-                <a:spcPct val="100000"/>
-              </a:lnSpc>
-              <a:spcBef>
-                <a:spcPts val="300"/>
-              </a:spcBef>
-              <a:spcAft>
-                <a:spcPts val="1800"/>
-              </a:spcAft>
-              <a:buClrTx/>
-              <a:buSzTx/>
-              <a:buFont typeface="Arial" panose="020B0604020202020204" pitchFamily="34" charset="0"/>
-              <a:buChar char="•"/>
-              <a:tabLst/>
-              <a:defRPr/>
-            </a:pPr>
-            <a:endParaRPr lang="en-US" dirty="0">
-              <a:solidFill>
-                <a:schemeClr val="tx1">
-                  <a:lumMod val="85000"/>
-                  <a:lumOff val="15000"/>
-                </a:schemeClr>
-              </a:solidFill>
+            <a:endParaRPr lang="en-US" sz="1200">
               <a:latin typeface="Segoe UI" panose="020B0502040204020203" pitchFamily="34" charset="0"/>
               <a:cs typeface="Segoe UI" panose="020B0502040204020203" pitchFamily="34" charset="0"/>
             </a:endParaRPr>
@@ -6497,7 +6239,7 @@
             <a:spLocks noGrp="1"/>
           </p:cNvSpPr>
           <p:nvPr>
-            <p:ph type="sldNum" sz="quarter" idx="10"/>
+            <p:ph type="sldNum" sz="quarter" idx="5"/>
           </p:nvPr>
         </p:nvSpPr>
         <p:spPr/>
@@ -6505,78 +6247,18 @@
           <a:bodyPr/>
           <a:lstStyle/>
           <a:p>
-            <a:pPr marL="0" marR="0" lvl="0" indent="0" algn="r" defTabSz="914367" rtl="0" eaLnBrk="1" fontAlgn="auto" latinLnBrk="0" hangingPunct="1">
-              <a:lnSpc>
-                <a:spcPct val="100000"/>
-              </a:lnSpc>
-              <a:spcBef>
-                <a:spcPts val="0"/>
-              </a:spcBef>
-              <a:spcAft>
-                <a:spcPts val="0"/>
-              </a:spcAft>
-              <a:buClrTx/>
-              <a:buSzTx/>
-              <a:buFontTx/>
-              <a:buNone/>
-              <a:tabLst/>
-              <a:defRPr/>
-            </a:pPr>
-            <a:fld id="{5F2D3714-B553-A044-BA72-366907BA36B5}" type="slidenum">
-              <a:rPr kumimoji="0" lang="en-US" sz="1200" b="0" i="0" u="none" strike="noStrike" kern="1200" cap="none" spc="0" normalizeH="0" baseline="0" noProof="0" smtClean="0">
-                <a:ln>
-                  <a:noFill/>
-                </a:ln>
-                <a:solidFill>
-                  <a:prstClr val="black"/>
-                </a:solidFill>
-                <a:effectLst/>
-                <a:uLnTx/>
-                <a:uFillTx/>
-                <a:latin typeface="Segoe UI" pitchFamily="34" charset="0"/>
-                <a:ea typeface="+mn-ea"/>
-                <a:cs typeface="+mn-cs"/>
-              </a:rPr>
-              <a:pPr marL="0" marR="0" lvl="0" indent="0" algn="r" defTabSz="914367" rtl="0" eaLnBrk="1" fontAlgn="auto" latinLnBrk="0" hangingPunct="1">
-                <a:lnSpc>
-                  <a:spcPct val="100000"/>
-                </a:lnSpc>
-                <a:spcBef>
-                  <a:spcPts val="0"/>
-                </a:spcBef>
-                <a:spcAft>
-                  <a:spcPts val="0"/>
-                </a:spcAft>
-                <a:buClrTx/>
-                <a:buSzTx/>
-                <a:buFontTx/>
-                <a:buNone/>
-                <a:tabLst/>
-                <a:defRPr/>
-              </a:pPr>
+            <a:fld id="{0ECDA408-8408-4425-B170-5B05EF45E99D}" type="slidenum">
+              <a:rPr lang="en-US" smtClean="0"/>
               <a:t>10</a:t>
             </a:fld>
-            <a:endParaRPr kumimoji="0" lang="en-US" sz="1200" b="0" i="0" u="none" strike="noStrike" kern="1200" cap="none" spc="0" normalizeH="0" baseline="0" noProof="0">
-              <a:ln>
-                <a:noFill/>
-              </a:ln>
-              <a:solidFill>
-                <a:prstClr val="black"/>
-              </a:solidFill>
-              <a:effectLst/>
-              <a:uLnTx/>
-              <a:uFillTx/>
-              <a:latin typeface="Segoe UI" pitchFamily="34" charset="0"/>
-              <a:ea typeface="+mn-ea"/>
-              <a:cs typeface="+mn-cs"/>
-            </a:endParaRPr>
+            <a:endParaRPr lang="en-US"/>
           </a:p>
         </p:txBody>
       </p:sp>
     </p:spTree>
     <p:extLst>
       <p:ext uri="{BB962C8B-B14F-4D97-AF65-F5344CB8AC3E}">
-        <p14:creationId xmlns:p14="http://schemas.microsoft.com/office/powerpoint/2010/main" val="2363551554"/>
+        <p14:creationId xmlns:p14="http://schemas.microsoft.com/office/powerpoint/2010/main" val="189788989"/>
       </p:ext>
     </p:extLst>
   </p:cSld>
@@ -6630,7 +6312,249 @@
           <a:bodyPr/>
           <a:lstStyle/>
           <a:p>
-            <a:endParaRPr lang="en-US" sz="1200">
+            <a:pPr marL="171450" marR="0" lvl="0" indent="-171450" algn="l" defTabSz="914400" rtl="0" eaLnBrk="1" fontAlgn="auto" latinLnBrk="0" hangingPunct="1">
+              <a:lnSpc>
+                <a:spcPct val="100000"/>
+              </a:lnSpc>
+              <a:spcBef>
+                <a:spcPts val="300"/>
+              </a:spcBef>
+              <a:spcAft>
+                <a:spcPts val="1800"/>
+              </a:spcAft>
+              <a:buClrTx/>
+              <a:buSzTx/>
+              <a:buFont typeface="Arial" panose="020B0604020202020204" pitchFamily="34" charset="0"/>
+              <a:buChar char="•"/>
+              <a:tabLst/>
+              <a:defRPr/>
+            </a:pPr>
+            <a:r>
+              <a:rPr lang="en-US" dirty="0">
+                <a:solidFill>
+                  <a:schemeClr val="tx1">
+                    <a:lumMod val="85000"/>
+                    <a:lumOff val="15000"/>
+                  </a:schemeClr>
+                </a:solidFill>
+                <a:latin typeface="Segoe UI" panose="020B0502040204020203" pitchFamily="34" charset="0"/>
+                <a:cs typeface="Segoe UI" panose="020B0502040204020203" pitchFamily="34" charset="0"/>
+              </a:rPr>
+              <a:t>Terraform comparison </a:t>
+            </a:r>
+          </a:p>
+          <a:p>
+            <a:pPr marL="171450" marR="0" lvl="0" indent="-171450" algn="l" defTabSz="914400" rtl="0" eaLnBrk="1" fontAlgn="auto" latinLnBrk="0" hangingPunct="1">
+              <a:lnSpc>
+                <a:spcPct val="100000"/>
+              </a:lnSpc>
+              <a:spcBef>
+                <a:spcPts val="300"/>
+              </a:spcBef>
+              <a:spcAft>
+                <a:spcPts val="1800"/>
+              </a:spcAft>
+              <a:buClrTx/>
+              <a:buSzTx/>
+              <a:buFont typeface="Arial" panose="020B0604020202020204" pitchFamily="34" charset="0"/>
+              <a:buChar char="•"/>
+              <a:tabLst/>
+              <a:defRPr/>
+            </a:pPr>
+            <a:endParaRPr lang="en-US" dirty="0">
+              <a:solidFill>
+                <a:schemeClr val="tx1">
+                  <a:lumMod val="85000"/>
+                  <a:lumOff val="15000"/>
+                </a:schemeClr>
+              </a:solidFill>
+              <a:latin typeface="Segoe UI" panose="020B0502040204020203" pitchFamily="34" charset="0"/>
+              <a:cs typeface="Segoe UI" panose="020B0502040204020203" pitchFamily="34" charset="0"/>
+            </a:endParaRPr>
+          </a:p>
+          <a:p>
+            <a:pPr algn="l"/>
+            <a:r>
+              <a:rPr lang="en-GB" b="0" i="0" dirty="0">
+                <a:solidFill>
+                  <a:srgbClr val="FFFFFF"/>
+                </a:solidFill>
+                <a:effectLst/>
+                <a:latin typeface="Segoe UI" panose="020B0502040204020203" pitchFamily="34" charset="0"/>
+              </a:rPr>
+              <a:t>Terraform uses desired state configuration (DSC). Terraform invokes the underlying cloud infrastructure APIs and mutates the target environment (e.g., Azure) to match the desired state defined by the user. Every Terraform project has a lifecycle, and Terraform CLI assists users while creating, mutating, and destroying infrastructures.</a:t>
+            </a:r>
+            <a:br>
+              <a:rPr lang="en-GB" b="0" i="0">
+                <a:solidFill>
+                  <a:srgbClr val="FFFFFF"/>
+                </a:solidFill>
+                <a:effectLst/>
+                <a:latin typeface="Segoe UI" panose="020B0502040204020203" pitchFamily="34" charset="0"/>
+              </a:rPr>
+            </a:br>
+            <a:endParaRPr lang="en-GB" b="0" i="0" dirty="0">
+              <a:solidFill>
+                <a:srgbClr val="FFFFFF"/>
+              </a:solidFill>
+              <a:effectLst/>
+              <a:latin typeface="Segoe UI" panose="020B0502040204020203" pitchFamily="34" charset="0"/>
+            </a:endParaRPr>
+          </a:p>
+          <a:p>
+            <a:pPr algn="l"/>
+            <a:r>
+              <a:rPr lang="en-GB" b="0" i="0" dirty="0">
+                <a:solidFill>
+                  <a:srgbClr val="FFFFFF"/>
+                </a:solidFill>
+                <a:effectLst/>
+                <a:latin typeface="Segoe UI" panose="020B0502040204020203" pitchFamily="34" charset="0"/>
+              </a:rPr>
+              <a:t>In contrast, Bicep defaults to incremental deployments like underlying ARM Templates. Incremental deployments may add or modify Azure services on a configurable scope (Resource Group, Subscription, Management Group, or Tenant). Relying on incremental deployments, Bicep will never delete a service instance from Azure when you remove it from your source code.</a:t>
+            </a:r>
+          </a:p>
+          <a:p>
+            <a:pPr marL="171450" marR="0" lvl="0" indent="-171450" algn="l" defTabSz="914400" rtl="0" eaLnBrk="1" fontAlgn="auto" latinLnBrk="0" hangingPunct="1">
+              <a:lnSpc>
+                <a:spcPct val="100000"/>
+              </a:lnSpc>
+              <a:spcBef>
+                <a:spcPts val="300"/>
+              </a:spcBef>
+              <a:spcAft>
+                <a:spcPts val="1800"/>
+              </a:spcAft>
+              <a:buClrTx/>
+              <a:buSzTx/>
+              <a:buFont typeface="Arial" panose="020B0604020202020204" pitchFamily="34" charset="0"/>
+              <a:buChar char="•"/>
+              <a:tabLst/>
+              <a:defRPr/>
+            </a:pPr>
+            <a:endParaRPr lang="en-US" dirty="0">
+              <a:solidFill>
+                <a:schemeClr val="tx1">
+                  <a:lumMod val="85000"/>
+                  <a:lumOff val="15000"/>
+                </a:schemeClr>
+              </a:solidFill>
+              <a:latin typeface="Segoe UI" panose="020B0502040204020203" pitchFamily="34" charset="0"/>
+              <a:cs typeface="Segoe UI" panose="020B0502040204020203" pitchFamily="34" charset="0"/>
+            </a:endParaRPr>
+          </a:p>
+          <a:p>
+            <a:pPr marL="171450" marR="0" lvl="0" indent="-171450" algn="l" defTabSz="914400" rtl="0" eaLnBrk="1" fontAlgn="auto" latinLnBrk="0" hangingPunct="1">
+              <a:lnSpc>
+                <a:spcPct val="100000"/>
+              </a:lnSpc>
+              <a:spcBef>
+                <a:spcPts val="300"/>
+              </a:spcBef>
+              <a:spcAft>
+                <a:spcPts val="1800"/>
+              </a:spcAft>
+              <a:buClrTx/>
+              <a:buSzTx/>
+              <a:buFont typeface="Arial" panose="020B0604020202020204" pitchFamily="34" charset="0"/>
+              <a:buChar char="•"/>
+              <a:tabLst/>
+              <a:defRPr/>
+            </a:pPr>
+            <a:endParaRPr lang="en-US" dirty="0">
+              <a:solidFill>
+                <a:schemeClr val="tx1">
+                  <a:lumMod val="85000"/>
+                  <a:lumOff val="15000"/>
+                </a:schemeClr>
+              </a:solidFill>
+              <a:latin typeface="Segoe UI" panose="020B0502040204020203" pitchFamily="34" charset="0"/>
+              <a:cs typeface="Segoe UI" panose="020B0502040204020203" pitchFamily="34" charset="0"/>
+            </a:endParaRPr>
+          </a:p>
+          <a:p>
+            <a:pPr marL="171450" marR="0" lvl="0" indent="-171450" algn="l" defTabSz="914400" rtl="0" eaLnBrk="1" fontAlgn="auto" latinLnBrk="0" hangingPunct="1">
+              <a:lnSpc>
+                <a:spcPct val="100000"/>
+              </a:lnSpc>
+              <a:spcBef>
+                <a:spcPts val="300"/>
+              </a:spcBef>
+              <a:spcAft>
+                <a:spcPts val="1800"/>
+              </a:spcAft>
+              <a:buClrTx/>
+              <a:buSzTx/>
+              <a:buFont typeface="Arial" panose="020B0604020202020204" pitchFamily="34" charset="0"/>
+              <a:buChar char="•"/>
+              <a:tabLst/>
+              <a:defRPr/>
+            </a:pPr>
+            <a:endParaRPr lang="en-US" dirty="0">
+              <a:solidFill>
+                <a:schemeClr val="tx1">
+                  <a:lumMod val="85000"/>
+                  <a:lumOff val="15000"/>
+                </a:schemeClr>
+              </a:solidFill>
+              <a:latin typeface="Segoe UI" panose="020B0502040204020203" pitchFamily="34" charset="0"/>
+              <a:cs typeface="Segoe UI" panose="020B0502040204020203" pitchFamily="34" charset="0"/>
+            </a:endParaRPr>
+          </a:p>
+          <a:p>
+            <a:pPr marL="171450" marR="0" lvl="0" indent="-171450" algn="l" defTabSz="914400" rtl="0" eaLnBrk="1" fontAlgn="auto" latinLnBrk="0" hangingPunct="1">
+              <a:lnSpc>
+                <a:spcPct val="100000"/>
+              </a:lnSpc>
+              <a:spcBef>
+                <a:spcPts val="300"/>
+              </a:spcBef>
+              <a:spcAft>
+                <a:spcPts val="1800"/>
+              </a:spcAft>
+              <a:buClrTx/>
+              <a:buSzTx/>
+              <a:buFont typeface="Arial" panose="020B0604020202020204" pitchFamily="34" charset="0"/>
+              <a:buChar char="•"/>
+              <a:tabLst/>
+              <a:defRPr/>
+            </a:pPr>
+            <a:endParaRPr lang="en-US" dirty="0">
+              <a:solidFill>
+                <a:schemeClr val="tx1">
+                  <a:lumMod val="85000"/>
+                  <a:lumOff val="15000"/>
+                </a:schemeClr>
+              </a:solidFill>
+              <a:latin typeface="Segoe UI" panose="020B0502040204020203" pitchFamily="34" charset="0"/>
+              <a:cs typeface="Segoe UI" panose="020B0502040204020203" pitchFamily="34" charset="0"/>
+            </a:endParaRPr>
+          </a:p>
+          <a:p>
+            <a:pPr marL="171450" marR="0" lvl="0" indent="-171450" algn="l" defTabSz="914400" rtl="0" eaLnBrk="1" fontAlgn="auto" latinLnBrk="0" hangingPunct="1">
+              <a:lnSpc>
+                <a:spcPct val="100000"/>
+              </a:lnSpc>
+              <a:spcBef>
+                <a:spcPts val="300"/>
+              </a:spcBef>
+              <a:spcAft>
+                <a:spcPts val="1800"/>
+              </a:spcAft>
+              <a:buClrTx/>
+              <a:buSzTx/>
+              <a:buFont typeface="Arial" panose="020B0604020202020204" pitchFamily="34" charset="0"/>
+              <a:buChar char="•"/>
+              <a:tabLst/>
+              <a:defRPr/>
+            </a:pPr>
+            <a:endParaRPr lang="en-US" dirty="0">
+              <a:solidFill>
+                <a:schemeClr val="tx1">
+                  <a:lumMod val="85000"/>
+                  <a:lumOff val="15000"/>
+                </a:schemeClr>
+              </a:solidFill>
               <a:latin typeface="Segoe UI" panose="020B0502040204020203" pitchFamily="34" charset="0"/>
               <a:cs typeface="Segoe UI" panose="020B0502040204020203" pitchFamily="34" charset="0"/>
             </a:endParaRPr>
@@ -6644,7 +6568,7 @@
             <a:spLocks noGrp="1"/>
           </p:cNvSpPr>
           <p:nvPr>
-            <p:ph type="sldNum" sz="quarter" idx="5"/>
+            <p:ph type="sldNum" sz="quarter" idx="10"/>
           </p:nvPr>
         </p:nvSpPr>
         <p:spPr/>
@@ -6652,18 +6576,78 @@
           <a:bodyPr/>
           <a:lstStyle/>
           <a:p>
-            <a:fld id="{0ECDA408-8408-4425-B170-5B05EF45E99D}" type="slidenum">
-              <a:rPr lang="en-US" smtClean="0"/>
+            <a:pPr marL="0" marR="0" lvl="0" indent="0" algn="r" defTabSz="914367" rtl="0" eaLnBrk="1" fontAlgn="auto" latinLnBrk="0" hangingPunct="1">
+              <a:lnSpc>
+                <a:spcPct val="100000"/>
+              </a:lnSpc>
+              <a:spcBef>
+                <a:spcPts val="0"/>
+              </a:spcBef>
+              <a:spcAft>
+                <a:spcPts val="0"/>
+              </a:spcAft>
+              <a:buClrTx/>
+              <a:buSzTx/>
+              <a:buFontTx/>
+              <a:buNone/>
+              <a:tabLst/>
+              <a:defRPr/>
+            </a:pPr>
+            <a:fld id="{5F2D3714-B553-A044-BA72-366907BA36B5}" type="slidenum">
+              <a:rPr kumimoji="0" lang="en-US" sz="1200" b="0" i="0" u="none" strike="noStrike" kern="1200" cap="none" spc="0" normalizeH="0" baseline="0" noProof="0" smtClean="0">
+                <a:ln>
+                  <a:noFill/>
+                </a:ln>
+                <a:solidFill>
+                  <a:prstClr val="black"/>
+                </a:solidFill>
+                <a:effectLst/>
+                <a:uLnTx/>
+                <a:uFillTx/>
+                <a:latin typeface="Segoe UI" pitchFamily="34" charset="0"/>
+                <a:ea typeface="+mn-ea"/>
+                <a:cs typeface="+mn-cs"/>
+              </a:rPr>
+              <a:pPr marL="0" marR="0" lvl="0" indent="0" algn="r" defTabSz="914367" rtl="0" eaLnBrk="1" fontAlgn="auto" latinLnBrk="0" hangingPunct="1">
+                <a:lnSpc>
+                  <a:spcPct val="100000"/>
+                </a:lnSpc>
+                <a:spcBef>
+                  <a:spcPts val="0"/>
+                </a:spcBef>
+                <a:spcAft>
+                  <a:spcPts val="0"/>
+                </a:spcAft>
+                <a:buClrTx/>
+                <a:buSzTx/>
+                <a:buFontTx/>
+                <a:buNone/>
+                <a:tabLst/>
+                <a:defRPr/>
+              </a:pPr>
               <a:t>11</a:t>
             </a:fld>
-            <a:endParaRPr lang="en-US"/>
+            <a:endParaRPr kumimoji="0" lang="en-US" sz="1200" b="0" i="0" u="none" strike="noStrike" kern="1200" cap="none" spc="0" normalizeH="0" baseline="0" noProof="0">
+              <a:ln>
+                <a:noFill/>
+              </a:ln>
+              <a:solidFill>
+                <a:prstClr val="black"/>
+              </a:solidFill>
+              <a:effectLst/>
+              <a:uLnTx/>
+              <a:uFillTx/>
+              <a:latin typeface="Segoe UI" pitchFamily="34" charset="0"/>
+              <a:ea typeface="+mn-ea"/>
+              <a:cs typeface="+mn-cs"/>
+            </a:endParaRPr>
           </a:p>
         </p:txBody>
       </p:sp>
     </p:spTree>
     <p:extLst>
       <p:ext uri="{BB962C8B-B14F-4D97-AF65-F5344CB8AC3E}">
-        <p14:creationId xmlns:p14="http://schemas.microsoft.com/office/powerpoint/2010/main" val="189788989"/>
+        <p14:creationId xmlns:p14="http://schemas.microsoft.com/office/powerpoint/2010/main" val="2516101917"/>
       </p:ext>
     </p:extLst>
   </p:cSld>
@@ -6716,6 +6700,455 @@
         <p:txBody>
           <a:bodyPr/>
           <a:lstStyle/>
+          <a:p>
+            <a:pPr marL="171450" marR="0" lvl="0" indent="-171450" algn="l" defTabSz="914400" rtl="0" eaLnBrk="1" fontAlgn="auto" latinLnBrk="0" hangingPunct="1">
+              <a:lnSpc>
+                <a:spcPct val="100000"/>
+              </a:lnSpc>
+              <a:spcBef>
+                <a:spcPts val="300"/>
+              </a:spcBef>
+              <a:spcAft>
+                <a:spcPts val="1800"/>
+              </a:spcAft>
+              <a:buClrTx/>
+              <a:buSzTx/>
+              <a:buFont typeface="Arial" panose="020B0604020202020204" pitchFamily="34" charset="0"/>
+              <a:buChar char="•"/>
+              <a:tabLst/>
+              <a:defRPr/>
+            </a:pPr>
+            <a:r>
+              <a:rPr lang="en-US" dirty="0">
+                <a:solidFill>
+                  <a:schemeClr val="tx1">
+                    <a:lumMod val="85000"/>
+                    <a:lumOff val="15000"/>
+                  </a:schemeClr>
+                </a:solidFill>
+                <a:latin typeface="Segoe UI" panose="020B0502040204020203" pitchFamily="34" charset="0"/>
+                <a:cs typeface="Segoe UI" panose="020B0502040204020203" pitchFamily="34" charset="0"/>
+              </a:rPr>
+              <a:t>More readable and write-able syntax. No JSON noise.</a:t>
+            </a:r>
+          </a:p>
+          <a:p>
+            <a:pPr marL="171450" marR="0" lvl="0" indent="-171450" algn="l" defTabSz="914400" rtl="0" eaLnBrk="1" fontAlgn="auto" latinLnBrk="0" hangingPunct="1">
+              <a:lnSpc>
+                <a:spcPct val="100000"/>
+              </a:lnSpc>
+              <a:spcBef>
+                <a:spcPts val="300"/>
+              </a:spcBef>
+              <a:spcAft>
+                <a:spcPts val="1800"/>
+              </a:spcAft>
+              <a:buClrTx/>
+              <a:buSzTx/>
+              <a:buFont typeface="Arial" panose="020B0604020202020204" pitchFamily="34" charset="0"/>
+              <a:buChar char="•"/>
+              <a:tabLst/>
+              <a:defRPr/>
+            </a:pPr>
+            <a:r>
+              <a:rPr lang="en-US" dirty="0">
+                <a:solidFill>
+                  <a:schemeClr val="tx1">
+                    <a:lumMod val="85000"/>
+                    <a:lumOff val="15000"/>
+                  </a:schemeClr>
+                </a:solidFill>
+                <a:latin typeface="Segoe UI" panose="020B0502040204020203" pitchFamily="34" charset="0"/>
+                <a:cs typeface="Segoe UI" panose="020B0502040204020203" pitchFamily="34" charset="0"/>
+              </a:rPr>
+              <a:t>Day Zero support for all Azure resource types. </a:t>
+            </a:r>
+          </a:p>
+          <a:p>
+            <a:pPr marL="171450" marR="0" lvl="0" indent="-171450" algn="l" defTabSz="914400" rtl="0" eaLnBrk="1" fontAlgn="auto" latinLnBrk="0" hangingPunct="1">
+              <a:lnSpc>
+                <a:spcPct val="100000"/>
+              </a:lnSpc>
+              <a:spcBef>
+                <a:spcPts val="300"/>
+              </a:spcBef>
+              <a:spcAft>
+                <a:spcPts val="1800"/>
+              </a:spcAft>
+              <a:buClrTx/>
+              <a:buSzTx/>
+              <a:buFont typeface="Arial" panose="020B0604020202020204" pitchFamily="34" charset="0"/>
+              <a:buChar char="•"/>
+              <a:tabLst/>
+              <a:defRPr/>
+            </a:pPr>
+            <a:r>
+              <a:rPr lang="en-US" dirty="0">
+                <a:solidFill>
+                  <a:schemeClr val="tx1">
+                    <a:lumMod val="85000"/>
+                    <a:lumOff val="15000"/>
+                  </a:schemeClr>
+                </a:solidFill>
+                <a:latin typeface="Segoe UI" panose="020B0502040204020203" pitchFamily="34" charset="0"/>
+                <a:cs typeface="Segoe UI" panose="020B0502040204020203" pitchFamily="34" charset="0"/>
+              </a:rPr>
+              <a:t>No state management. State is managed by the Azure platform.</a:t>
+            </a:r>
+          </a:p>
+          <a:p>
+            <a:pPr marL="171450" marR="0" lvl="0" indent="-171450" algn="l" defTabSz="914400" rtl="0" eaLnBrk="1" fontAlgn="auto" latinLnBrk="0" hangingPunct="1">
+              <a:lnSpc>
+                <a:spcPct val="100000"/>
+              </a:lnSpc>
+              <a:spcBef>
+                <a:spcPts val="300"/>
+              </a:spcBef>
+              <a:spcAft>
+                <a:spcPts val="1800"/>
+              </a:spcAft>
+              <a:buClrTx/>
+              <a:buSzTx/>
+              <a:buFont typeface="Arial" panose="020B0604020202020204" pitchFamily="34" charset="0"/>
+              <a:buChar char="•"/>
+              <a:tabLst/>
+              <a:defRPr/>
+            </a:pPr>
+            <a:r>
+              <a:rPr lang="en-US" dirty="0">
+                <a:solidFill>
+                  <a:schemeClr val="tx1">
+                    <a:lumMod val="85000"/>
+                    <a:lumOff val="15000"/>
+                  </a:schemeClr>
+                </a:solidFill>
+                <a:latin typeface="Segoe UI" panose="020B0502040204020203" pitchFamily="34" charset="0"/>
+                <a:cs typeface="Segoe UI" panose="020B0502040204020203" pitchFamily="34" charset="0"/>
+              </a:rPr>
+              <a:t>Richer type-safety, validation, IntelliSense. Built for </a:t>
+            </a:r>
+            <a:r>
+              <a:rPr lang="en-US" dirty="0" err="1">
+                <a:solidFill>
+                  <a:schemeClr val="tx1">
+                    <a:lumMod val="85000"/>
+                    <a:lumOff val="15000"/>
+                  </a:schemeClr>
+                </a:solidFill>
+                <a:latin typeface="Segoe UI" panose="020B0502040204020203" pitchFamily="34" charset="0"/>
+                <a:cs typeface="Segoe UI" panose="020B0502040204020203" pitchFamily="34" charset="0"/>
+              </a:rPr>
+              <a:t>Toolability</a:t>
+            </a:r>
+            <a:r>
+              <a:rPr lang="en-US" dirty="0">
+                <a:solidFill>
+                  <a:schemeClr val="tx1">
+                    <a:lumMod val="85000"/>
+                    <a:lumOff val="15000"/>
+                  </a:schemeClr>
+                </a:solidFill>
+                <a:latin typeface="Segoe UI" panose="020B0502040204020203" pitchFamily="34" charset="0"/>
+                <a:cs typeface="Segoe UI" panose="020B0502040204020203" pitchFamily="34" charset="0"/>
+              </a:rPr>
+              <a:t>.</a:t>
+            </a:r>
+          </a:p>
+          <a:p>
+            <a:pPr marL="171450" marR="0" lvl="0" indent="-171450" algn="l" defTabSz="914400" rtl="0" eaLnBrk="1" fontAlgn="auto" latinLnBrk="0" hangingPunct="1">
+              <a:lnSpc>
+                <a:spcPct val="100000"/>
+              </a:lnSpc>
+              <a:spcBef>
+                <a:spcPts val="300"/>
+              </a:spcBef>
+              <a:spcAft>
+                <a:spcPts val="1800"/>
+              </a:spcAft>
+              <a:buClrTx/>
+              <a:buSzTx/>
+              <a:buFont typeface="Arial" panose="020B0604020202020204" pitchFamily="34" charset="0"/>
+              <a:buChar char="•"/>
+              <a:tabLst/>
+              <a:defRPr/>
+            </a:pPr>
+            <a:r>
+              <a:rPr lang="en-US" dirty="0">
+                <a:solidFill>
+                  <a:schemeClr val="tx1">
+                    <a:lumMod val="85000"/>
+                    <a:lumOff val="15000"/>
+                  </a:schemeClr>
+                </a:solidFill>
+                <a:latin typeface="Segoe UI" panose="020B0502040204020203" pitchFamily="34" charset="0"/>
+                <a:cs typeface="Segoe UI" panose="020B0502040204020203" pitchFamily="34" charset="0"/>
+              </a:rPr>
+              <a:t>Modules to break your bicep code into manageable chunks.</a:t>
+            </a:r>
+          </a:p>
+          <a:p>
+            <a:pPr marL="171450" marR="0" lvl="0" indent="-171450" algn="l" defTabSz="914400" rtl="0" eaLnBrk="1" fontAlgn="auto" latinLnBrk="0" hangingPunct="1">
+              <a:lnSpc>
+                <a:spcPct val="100000"/>
+              </a:lnSpc>
+              <a:spcBef>
+                <a:spcPts val="300"/>
+              </a:spcBef>
+              <a:spcAft>
+                <a:spcPts val="1800"/>
+              </a:spcAft>
+              <a:buClrTx/>
+              <a:buSzTx/>
+              <a:buFont typeface="Arial" panose="020B0604020202020204" pitchFamily="34" charset="0"/>
+              <a:buChar char="•"/>
+              <a:tabLst/>
+              <a:defRPr/>
+            </a:pPr>
+            <a:r>
+              <a:rPr lang="en-US" dirty="0">
+                <a:solidFill>
+                  <a:schemeClr val="tx1">
+                    <a:lumMod val="85000"/>
+                    <a:lumOff val="15000"/>
+                  </a:schemeClr>
+                </a:solidFill>
+                <a:latin typeface="Segoe UI" panose="020B0502040204020203" pitchFamily="34" charset="0"/>
+                <a:cs typeface="Segoe UI" panose="020B0502040204020203" pitchFamily="34" charset="0"/>
+              </a:rPr>
+              <a:t>Integrated into the platform (Export Templates, Remediate resources with templates in policy)</a:t>
+            </a:r>
+          </a:p>
+          <a:p>
+            <a:pPr marL="171450" marR="0" lvl="0" indent="-171450" algn="l" defTabSz="914400" rtl="0" eaLnBrk="1" fontAlgn="auto" latinLnBrk="0" hangingPunct="1">
+              <a:lnSpc>
+                <a:spcPct val="100000"/>
+              </a:lnSpc>
+              <a:spcBef>
+                <a:spcPts val="300"/>
+              </a:spcBef>
+              <a:spcAft>
+                <a:spcPts val="1800"/>
+              </a:spcAft>
+              <a:buClrTx/>
+              <a:buSzTx/>
+              <a:buFont typeface="Arial" panose="020B0604020202020204" pitchFamily="34" charset="0"/>
+              <a:buChar char="•"/>
+              <a:tabLst/>
+              <a:defRPr/>
+            </a:pPr>
+            <a:endParaRPr lang="en-US" dirty="0">
+              <a:solidFill>
+                <a:schemeClr val="tx1">
+                  <a:lumMod val="85000"/>
+                  <a:lumOff val="15000"/>
+                </a:schemeClr>
+              </a:solidFill>
+              <a:latin typeface="Segoe UI" panose="020B0502040204020203" pitchFamily="34" charset="0"/>
+              <a:cs typeface="Segoe UI" panose="020B0502040204020203" pitchFamily="34" charset="0"/>
+            </a:endParaRPr>
+          </a:p>
+          <a:p>
+            <a:pPr algn="l"/>
+            <a:r>
+              <a:rPr lang="en-GB" sz="1800" dirty="0">
+                <a:solidFill>
+                  <a:srgbClr val="000000"/>
+                </a:solidFill>
+                <a:effectLst/>
+                <a:latin typeface="Segoe UI" panose="020B0502040204020203" pitchFamily="34" charset="0"/>
+              </a:rPr>
+              <a:t>Support for all resource types and API versions: Bicep immediately supports all preview and GA versions for Azure services. As soon as a resource provider introduces new resources types and API versions, you can use them in your Bicep file. You don't have to wait for tools to be updated before using the new services.</a:t>
+            </a:r>
+            <a:endParaRPr lang="en-GB" dirty="0">
+              <a:solidFill>
+                <a:srgbClr val="FFFFFF"/>
+              </a:solidFill>
+              <a:effectLst/>
+              <a:latin typeface="Segoe UI" panose="020B0502040204020203" pitchFamily="34" charset="0"/>
+            </a:endParaRPr>
+          </a:p>
+          <a:p>
+            <a:pPr algn="l"/>
+            <a:r>
+              <a:rPr lang="en-GB" sz="1800" dirty="0">
+                <a:solidFill>
+                  <a:srgbClr val="000000"/>
+                </a:solidFill>
+                <a:effectLst/>
+                <a:latin typeface="Segoe UI" panose="020B0502040204020203" pitchFamily="34" charset="0"/>
+              </a:rPr>
+              <a:t>Simple syntax: When compared to the equivalent JSON template, Bicep files are more concise and easier to read. Bicep requires no previous knowledge of programming languages. Bicep syntax is declarative and specifies which resources and resource properties you want to deploy.</a:t>
+            </a:r>
+            <a:endParaRPr lang="en-GB" dirty="0">
+              <a:solidFill>
+                <a:srgbClr val="FFFFFF"/>
+              </a:solidFill>
+              <a:effectLst/>
+              <a:latin typeface="Segoe UI" panose="020B0502040204020203" pitchFamily="34" charset="0"/>
+            </a:endParaRPr>
+          </a:p>
+          <a:p>
+            <a:pPr algn="l"/>
+            <a:r>
+              <a:rPr lang="en-GB" sz="1800" dirty="0">
+                <a:solidFill>
+                  <a:srgbClr val="000000"/>
+                </a:solidFill>
+                <a:effectLst/>
+                <a:latin typeface="Segoe UI" panose="020B0502040204020203" pitchFamily="34" charset="0"/>
+              </a:rPr>
+              <a:t>Authoring experience: When you use VS Code to create your Bicep files, you get a first-class authoring experience. The editor provides rich type-safety, </a:t>
+            </a:r>
+            <a:r>
+              <a:rPr lang="en-GB" sz="1800" dirty="0" err="1">
+                <a:solidFill>
+                  <a:srgbClr val="000000"/>
+                </a:solidFill>
+                <a:effectLst/>
+                <a:latin typeface="Segoe UI" panose="020B0502040204020203" pitchFamily="34" charset="0"/>
+              </a:rPr>
+              <a:t>intellisense</a:t>
+            </a:r>
+            <a:r>
+              <a:rPr lang="en-GB" sz="1800" dirty="0">
+                <a:solidFill>
+                  <a:srgbClr val="000000"/>
+                </a:solidFill>
+                <a:effectLst/>
+                <a:latin typeface="Segoe UI" panose="020B0502040204020203" pitchFamily="34" charset="0"/>
+              </a:rPr>
+              <a:t>, and syntax validation.</a:t>
+            </a:r>
+            <a:endParaRPr lang="en-GB" dirty="0">
+              <a:solidFill>
+                <a:srgbClr val="FFFFFF"/>
+              </a:solidFill>
+              <a:effectLst/>
+              <a:latin typeface="Segoe UI" panose="020B0502040204020203" pitchFamily="34" charset="0"/>
+            </a:endParaRPr>
+          </a:p>
+          <a:p>
+            <a:pPr algn="l"/>
+            <a:r>
+              <a:rPr lang="en-GB" sz="1800" dirty="0">
+                <a:solidFill>
+                  <a:srgbClr val="000000"/>
+                </a:solidFill>
+                <a:effectLst/>
+                <a:latin typeface="Segoe UI" panose="020B0502040204020203" pitchFamily="34" charset="0"/>
+              </a:rPr>
+              <a:t>Modularity: You can break your Bicep code into manageable parts by using </a:t>
+            </a:r>
+            <a:r>
+              <a:rPr lang="en-GB" sz="1800" u="none" strike="noStrike" dirty="0">
+                <a:solidFill>
+                  <a:srgbClr val="9399F5"/>
+                </a:solidFill>
+                <a:effectLst/>
+                <a:latin typeface="Segoe UI" panose="020B0502040204020203" pitchFamily="34" charset="0"/>
+                <a:hlinkClick r:id="rId3" tooltip="https://docs.microsoft.com/en-us/azure/azure-resource-manager/bicep/modules"/>
+              </a:rPr>
+              <a:t>modules</a:t>
+            </a:r>
+            <a:r>
+              <a:rPr lang="en-GB" sz="1800" dirty="0">
+                <a:solidFill>
+                  <a:srgbClr val="000000"/>
+                </a:solidFill>
+                <a:effectLst/>
+                <a:latin typeface="Segoe UI" panose="020B0502040204020203" pitchFamily="34" charset="0"/>
+              </a:rPr>
+              <a:t>. The module deploys a set of related resources. Modules enable you to reuse code and simplify development. Add the module to a Bicep file anytime you need to deploy those resources.</a:t>
+            </a:r>
+            <a:endParaRPr lang="en-GB" dirty="0">
+              <a:solidFill>
+                <a:srgbClr val="FFFFFF"/>
+              </a:solidFill>
+              <a:effectLst/>
+              <a:latin typeface="Segoe UI" panose="020B0502040204020203" pitchFamily="34" charset="0"/>
+            </a:endParaRPr>
+          </a:p>
+          <a:p>
+            <a:pPr algn="l"/>
+            <a:r>
+              <a:rPr lang="en-GB" sz="1800" dirty="0">
+                <a:solidFill>
+                  <a:srgbClr val="000000"/>
+                </a:solidFill>
+                <a:effectLst/>
+                <a:latin typeface="Segoe UI" panose="020B0502040204020203" pitchFamily="34" charset="0"/>
+              </a:rPr>
+              <a:t>Integration with Azure services: Bicep is integrated with Azure services such as Azure Policy, template specs, and Blueprints.</a:t>
+            </a:r>
+            <a:endParaRPr lang="en-GB" dirty="0">
+              <a:solidFill>
+                <a:srgbClr val="FFFFFF"/>
+              </a:solidFill>
+              <a:effectLst/>
+              <a:latin typeface="Segoe UI" panose="020B0502040204020203" pitchFamily="34" charset="0"/>
+            </a:endParaRPr>
+          </a:p>
+          <a:p>
+            <a:pPr algn="l"/>
+            <a:r>
+              <a:rPr lang="en-GB" sz="1800" dirty="0">
+                <a:solidFill>
+                  <a:srgbClr val="000000"/>
+                </a:solidFill>
+                <a:effectLst/>
+                <a:latin typeface="Segoe UI" panose="020B0502040204020203" pitchFamily="34" charset="0"/>
+              </a:rPr>
+              <a:t>No state or state files to manage: All state is stored in Azure. Users can collaborate and have confidence their updates are handled as expected. Use the </a:t>
+            </a:r>
+            <a:r>
+              <a:rPr lang="en-GB" sz="1800" u="none" strike="noStrike" dirty="0">
+                <a:solidFill>
+                  <a:srgbClr val="9399F5"/>
+                </a:solidFill>
+                <a:effectLst/>
+                <a:latin typeface="Segoe UI" panose="020B0502040204020203" pitchFamily="34" charset="0"/>
+                <a:hlinkClick r:id="rId4" tooltip="https://docs.microsoft.com/en-us/azure/azure-resource-manager/bicep/deploy-what-if"/>
+              </a:rPr>
+              <a:t>what-if operation</a:t>
+            </a:r>
+            <a:r>
+              <a:rPr lang="en-GB" sz="1800" dirty="0">
+                <a:solidFill>
+                  <a:srgbClr val="000000"/>
+                </a:solidFill>
+                <a:effectLst/>
+                <a:latin typeface="Segoe UI" panose="020B0502040204020203" pitchFamily="34" charset="0"/>
+              </a:rPr>
+              <a:t> to preview changes before deploying your template.</a:t>
+            </a:r>
+            <a:endParaRPr lang="en-GB" dirty="0">
+              <a:solidFill>
+                <a:srgbClr val="FFFFFF"/>
+              </a:solidFill>
+              <a:effectLst/>
+              <a:latin typeface="Segoe UI" panose="020B0502040204020203" pitchFamily="34" charset="0"/>
+            </a:endParaRPr>
+          </a:p>
+          <a:p>
+            <a:pPr algn="l"/>
+            <a:r>
+              <a:rPr lang="en-GB" sz="1800" dirty="0">
+                <a:solidFill>
+                  <a:srgbClr val="000000"/>
+                </a:solidFill>
+                <a:effectLst/>
+                <a:latin typeface="Segoe UI" panose="020B0502040204020203" pitchFamily="34" charset="0"/>
+              </a:rPr>
+              <a:t>No cost and open source: Bicep is completely free. You don't have to pay for premium capabilities. It's also supported by Microsoft support.</a:t>
+            </a:r>
+            <a:endParaRPr lang="en-GB" dirty="0">
+              <a:solidFill>
+                <a:srgbClr val="FFFFFF"/>
+              </a:solidFill>
+              <a:effectLst/>
+              <a:latin typeface="Segoe UI" panose="020B0502040204020203" pitchFamily="34" charset="0"/>
+            </a:endParaRPr>
+          </a:p>
           <a:p>
             <a:pPr marL="171450" marR="0" lvl="0" indent="-171450" algn="l" defTabSz="914400" rtl="0" eaLnBrk="1" fontAlgn="auto" latinLnBrk="0" hangingPunct="1">
               <a:lnSpc>
@@ -6833,7 +7266,7 @@
     </p:spTree>
     <p:extLst>
       <p:ext uri="{BB962C8B-B14F-4D97-AF65-F5344CB8AC3E}">
-        <p14:creationId xmlns:p14="http://schemas.microsoft.com/office/powerpoint/2010/main" val="2516101917"/>
+        <p14:creationId xmlns:p14="http://schemas.microsoft.com/office/powerpoint/2010/main" val="2363551554"/>
       </p:ext>
     </p:extLst>
   </p:cSld>
@@ -6992,7 +7425,7 @@
           <a:p>
             <a:fld id="{DD61DF94-B8C9-4063-A9C4-F3BB546A40B1}" type="datetimeFigureOut">
               <a:rPr lang="en-GB" smtClean="0"/>
-              <a:t>25/02/2022</a:t>
+              <a:t>18/03/2022</a:t>
             </a:fld>
             <a:endParaRPr lang="en-GB"/>
           </a:p>
@@ -7192,7 +7625,7 @@
           <a:p>
             <a:fld id="{DD61DF94-B8C9-4063-A9C4-F3BB546A40B1}" type="datetimeFigureOut">
               <a:rPr lang="en-GB" smtClean="0"/>
-              <a:t>25/02/2022</a:t>
+              <a:t>18/03/2022</a:t>
             </a:fld>
             <a:endParaRPr lang="en-GB"/>
           </a:p>
@@ -7402,7 +7835,7 @@
           <a:p>
             <a:fld id="{DD61DF94-B8C9-4063-A9C4-F3BB546A40B1}" type="datetimeFigureOut">
               <a:rPr lang="en-GB" smtClean="0"/>
-              <a:t>25/02/2022</a:t>
+              <a:t>18/03/2022</a:t>
             </a:fld>
             <a:endParaRPr lang="en-GB"/>
           </a:p>
@@ -8057,7 +8490,7 @@
           <a:p>
             <a:fld id="{01ED125B-8150-4BC6-9B77-30AFBFE90379}" type="datetimeFigureOut">
               <a:rPr lang="en-US" smtClean="0"/>
-              <a:t>2/25/2022</a:t>
+              <a:t>3/18/2022</a:t>
             </a:fld>
             <a:endParaRPr lang="en-US"/>
           </a:p>
@@ -8255,7 +8688,7 @@
           <a:p>
             <a:fld id="{01ED125B-8150-4BC6-9B77-30AFBFE90379}" type="datetimeFigureOut">
               <a:rPr lang="en-US" smtClean="0"/>
-              <a:t>2/25/2022</a:t>
+              <a:t>3/18/2022</a:t>
             </a:fld>
             <a:endParaRPr lang="en-US"/>
           </a:p>
@@ -8530,7 +8963,7 @@
           <a:p>
             <a:fld id="{01ED125B-8150-4BC6-9B77-30AFBFE90379}" type="datetimeFigureOut">
               <a:rPr lang="en-US" smtClean="0"/>
-              <a:t>2/25/2022</a:t>
+              <a:t>3/18/2022</a:t>
             </a:fld>
             <a:endParaRPr lang="en-US"/>
           </a:p>
@@ -8795,7 +9228,7 @@
           <a:p>
             <a:fld id="{01ED125B-8150-4BC6-9B77-30AFBFE90379}" type="datetimeFigureOut">
               <a:rPr lang="en-US" smtClean="0"/>
-              <a:t>2/25/2022</a:t>
+              <a:t>3/18/2022</a:t>
             </a:fld>
             <a:endParaRPr lang="en-US"/>
           </a:p>
@@ -9207,7 +9640,7 @@
           <a:p>
             <a:fld id="{01ED125B-8150-4BC6-9B77-30AFBFE90379}" type="datetimeFigureOut">
               <a:rPr lang="en-US" smtClean="0"/>
-              <a:t>2/25/2022</a:t>
+              <a:t>3/18/2022</a:t>
             </a:fld>
             <a:endParaRPr lang="en-US"/>
           </a:p>
@@ -9407,7 +9840,7 @@
           <a:p>
             <a:fld id="{DD61DF94-B8C9-4063-A9C4-F3BB546A40B1}" type="datetimeFigureOut">
               <a:rPr lang="en-GB" smtClean="0"/>
-              <a:t>25/02/2022</a:t>
+              <a:t>18/03/2022</a:t>
             </a:fld>
             <a:endParaRPr lang="en-GB"/>
           </a:p>
@@ -9548,7 +9981,7 @@
           <a:p>
             <a:fld id="{01ED125B-8150-4BC6-9B77-30AFBFE90379}" type="datetimeFigureOut">
               <a:rPr lang="en-US" smtClean="0"/>
-              <a:t>2/25/2022</a:t>
+              <a:t>3/18/2022</a:t>
             </a:fld>
             <a:endParaRPr lang="en-US"/>
           </a:p>
@@ -9661,7 +10094,7 @@
           <a:p>
             <a:fld id="{01ED125B-8150-4BC6-9B77-30AFBFE90379}" type="datetimeFigureOut">
               <a:rPr lang="en-US" smtClean="0"/>
-              <a:t>2/25/2022</a:t>
+              <a:t>3/18/2022</a:t>
             </a:fld>
             <a:endParaRPr lang="en-US"/>
           </a:p>
@@ -9972,7 +10405,7 @@
           <a:p>
             <a:fld id="{01ED125B-8150-4BC6-9B77-30AFBFE90379}" type="datetimeFigureOut">
               <a:rPr lang="en-US" smtClean="0"/>
-              <a:t>2/25/2022</a:t>
+              <a:t>3/18/2022</a:t>
             </a:fld>
             <a:endParaRPr lang="en-US"/>
           </a:p>
@@ -10260,7 +10693,7 @@
           <a:p>
             <a:fld id="{01ED125B-8150-4BC6-9B77-30AFBFE90379}" type="datetimeFigureOut">
               <a:rPr lang="en-US" smtClean="0"/>
-              <a:t>2/25/2022</a:t>
+              <a:t>3/18/2022</a:t>
             </a:fld>
             <a:endParaRPr lang="en-US"/>
           </a:p>
@@ -10458,7 +10891,7 @@
           <a:p>
             <a:fld id="{01ED125B-8150-4BC6-9B77-30AFBFE90379}" type="datetimeFigureOut">
               <a:rPr lang="en-US" smtClean="0"/>
-              <a:t>2/25/2022</a:t>
+              <a:t>3/18/2022</a:t>
             </a:fld>
             <a:endParaRPr lang="en-US"/>
           </a:p>
@@ -10666,7 +11099,7 @@
           <a:p>
             <a:fld id="{01ED125B-8150-4BC6-9B77-30AFBFE90379}" type="datetimeFigureOut">
               <a:rPr lang="en-US" smtClean="0"/>
-              <a:t>2/25/2022</a:t>
+              <a:t>3/18/2022</a:t>
             </a:fld>
             <a:endParaRPr lang="en-US"/>
           </a:p>
@@ -11542,7 +11975,7 @@
           <a:p>
             <a:fld id="{DD61DF94-B8C9-4063-A9C4-F3BB546A40B1}" type="datetimeFigureOut">
               <a:rPr lang="en-GB" smtClean="0"/>
-              <a:t>25/02/2022</a:t>
+              <a:t>18/03/2022</a:t>
             </a:fld>
             <a:endParaRPr lang="en-GB"/>
           </a:p>
@@ -13383,7 +13816,7 @@
           <a:p>
             <a:fld id="{DD61DF94-B8C9-4063-A9C4-F3BB546A40B1}" type="datetimeFigureOut">
               <a:rPr lang="en-GB" smtClean="0"/>
-              <a:t>25/02/2022</a:t>
+              <a:t>18/03/2022</a:t>
             </a:fld>
             <a:endParaRPr lang="en-GB"/>
           </a:p>
@@ -13759,7 +14192,7 @@
                 </a:solidFill>
               </a:rPr>
               <a:pPr/>
-              <a:t>2/25/2022</a:t>
+              <a:t>3/18/2022</a:t>
             </a:fld>
             <a:endParaRPr lang="en-US">
               <a:solidFill>
@@ -15361,7 +15794,7 @@
           <a:p>
             <a:fld id="{DD61DF94-B8C9-4063-A9C4-F3BB546A40B1}" type="datetimeFigureOut">
               <a:rPr lang="en-GB" smtClean="0"/>
-              <a:t>25/02/2022</a:t>
+              <a:t>18/03/2022</a:t>
             </a:fld>
             <a:endParaRPr lang="en-GB"/>
           </a:p>
@@ -16738,7 +17171,7 @@
                 </a:solidFill>
               </a:rPr>
               <a:pPr/>
-              <a:t>2/25/2022</a:t>
+              <a:t>3/18/2022</a:t>
             </a:fld>
             <a:endParaRPr lang="en-US">
               <a:solidFill>
@@ -17444,7 +17877,7 @@
           <a:p>
             <a:fld id="{DD61DF94-B8C9-4063-A9C4-F3BB546A40B1}" type="datetimeFigureOut">
               <a:rPr lang="en-GB" smtClean="0"/>
-              <a:t>25/02/2022</a:t>
+              <a:t>18/03/2022</a:t>
             </a:fld>
             <a:endParaRPr lang="en-GB"/>
           </a:p>
@@ -19648,7 +20081,7 @@
           <a:p>
             <a:fld id="{DD61DF94-B8C9-4063-A9C4-F3BB546A40B1}" type="datetimeFigureOut">
               <a:rPr lang="en-GB" smtClean="0"/>
-              <a:t>25/02/2022</a:t>
+              <a:t>18/03/2022</a:t>
             </a:fld>
             <a:endParaRPr lang="en-GB"/>
           </a:p>
@@ -21435,7 +21868,7 @@
           <a:p>
             <a:fld id="{DD61DF94-B8C9-4063-A9C4-F3BB546A40B1}" type="datetimeFigureOut">
               <a:rPr lang="en-GB" smtClean="0"/>
-              <a:t>25/02/2022</a:t>
+              <a:t>18/03/2022</a:t>
             </a:fld>
             <a:endParaRPr lang="en-GB"/>
           </a:p>
@@ -22243,7 +22676,7 @@
           <a:p>
             <a:fld id="{0C073916-BD35-402F-A4AE-1BBD43C16282}" type="datetimeFigureOut">
               <a:rPr lang="en-NZ" smtClean="0"/>
-              <a:t>25/02/2022</a:t>
+              <a:t>18/03/2022</a:t>
             </a:fld>
             <a:endParaRPr lang="en-NZ"/>
           </a:p>
@@ -22532,7 +22965,7 @@
           <a:p>
             <a:fld id="{DD61DF94-B8C9-4063-A9C4-F3BB546A40B1}" type="datetimeFigureOut">
               <a:rPr lang="en-GB" smtClean="0"/>
-              <a:t>25/02/2022</a:t>
+              <a:t>18/03/2022</a:t>
             </a:fld>
             <a:endParaRPr lang="en-GB"/>
           </a:p>
@@ -22775,7 +23208,7 @@
           <a:p>
             <a:fld id="{DD61DF94-B8C9-4063-A9C4-F3BB546A40B1}" type="datetimeFigureOut">
               <a:rPr lang="en-GB" smtClean="0"/>
-              <a:t>25/02/2022</a:t>
+              <a:t>18/03/2022</a:t>
             </a:fld>
             <a:endParaRPr lang="en-GB"/>
           </a:p>
@@ -23353,7 +23786,7 @@
             <a:fld id="{01ED125B-8150-4BC6-9B77-30AFBFE90379}" type="datetimeFigureOut">
               <a:rPr lang="en-US" smtClean="0"/>
               <a:pPr/>
-              <a:t>2/25/2022</a:t>
+              <a:t>3/18/2022</a:t>
             </a:fld>
             <a:endParaRPr lang="en-US"/>
           </a:p>
@@ -27472,6 +27905,3478 @@
 </file>
 
 <file path=ppt/slides/slide10.xml><?xml version="1.0" encoding="utf-8"?>
+<p:sld xmlns:a="http://schemas.openxmlformats.org/drawingml/2006/main" xmlns:r="http://schemas.openxmlformats.org/officeDocument/2006/relationships" xmlns:p="http://schemas.openxmlformats.org/presentationml/2006/main">
+  <p:cSld>
+    <p:spTree>
+      <p:nvGrpSpPr>
+        <p:cNvPr id="1" name=""/>
+        <p:cNvGrpSpPr/>
+        <p:nvPr/>
+      </p:nvGrpSpPr>
+      <p:grpSpPr>
+        <a:xfrm>
+          <a:off x="0" y="0"/>
+          <a:ext cx="0" cy="0"/>
+          <a:chOff x="0" y="0"/>
+          <a:chExt cx="0" cy="0"/>
+        </a:xfrm>
+      </p:grpSpPr>
+      <p:sp>
+        <p:nvSpPr>
+          <p:cNvPr id="8" name="TextBox 7">
+            <a:extLst>
+              <a:ext uri="{FF2B5EF4-FFF2-40B4-BE49-F238E27FC236}">
+                <a16:creationId xmlns:a16="http://schemas.microsoft.com/office/drawing/2014/main" id="{2B26C363-220D-426E-934F-3F61D6428A22}"/>
+              </a:ext>
+            </a:extLst>
+          </p:cNvPr>
+          <p:cNvSpPr txBox="1"/>
+          <p:nvPr/>
+        </p:nvSpPr>
+        <p:spPr>
+          <a:xfrm>
+            <a:off x="278604" y="224061"/>
+            <a:ext cx="4714875" cy="363946"/>
+          </a:xfrm>
+          <a:prstGeom prst="rect">
+            <a:avLst/>
+          </a:prstGeom>
+          <a:noFill/>
+        </p:spPr>
+        <p:txBody>
+          <a:bodyPr wrap="square" rtlCol="0">
+            <a:spAutoFit/>
+          </a:bodyPr>
+          <a:lstStyle/>
+          <a:p>
+            <a:r>
+              <a:rPr lang="en-US" sz="1765" b="1" dirty="0">
+                <a:solidFill>
+                  <a:srgbClr val="0000FF"/>
+                </a:solidFill>
+                <a:latin typeface="Segoe UI" panose="020B0502040204020203" pitchFamily="34" charset="0"/>
+                <a:cs typeface="Segoe UI" panose="020B0502040204020203" pitchFamily="34" charset="0"/>
+              </a:rPr>
+              <a:t>When to use Bicep</a:t>
+            </a:r>
+          </a:p>
+        </p:txBody>
+      </p:sp>
+      <p:sp>
+        <p:nvSpPr>
+          <p:cNvPr id="9" name="TextBox 8">
+            <a:extLst>
+              <a:ext uri="{FF2B5EF4-FFF2-40B4-BE49-F238E27FC236}">
+                <a16:creationId xmlns:a16="http://schemas.microsoft.com/office/drawing/2014/main" id="{682ED9ED-FB52-4ECF-9A98-8AE89F5178A3}"/>
+              </a:ext>
+            </a:extLst>
+          </p:cNvPr>
+          <p:cNvSpPr txBox="1"/>
+          <p:nvPr/>
+        </p:nvSpPr>
+        <p:spPr>
+          <a:xfrm>
+            <a:off x="7865198" y="6424364"/>
+            <a:ext cx="6097508" cy="369332"/>
+          </a:xfrm>
+          <a:prstGeom prst="rect">
+            <a:avLst/>
+          </a:prstGeom>
+          <a:noFill/>
+        </p:spPr>
+        <p:txBody>
+          <a:bodyPr wrap="square">
+            <a:spAutoFit/>
+          </a:bodyPr>
+          <a:lstStyle/>
+          <a:p>
+            <a:r>
+              <a:rPr lang="en-GB" dirty="0">
+                <a:hlinkClick r:id="rId3"/>
+              </a:rPr>
+              <a:t>When to use Bicep - Learn | Microsoft Docs</a:t>
+            </a:r>
+            <a:endParaRPr lang="en-GB" dirty="0"/>
+          </a:p>
+        </p:txBody>
+      </p:sp>
+      <p:sp>
+        <p:nvSpPr>
+          <p:cNvPr id="13" name="Rectangle 5">
+            <a:extLst>
+              <a:ext uri="{FF2B5EF4-FFF2-40B4-BE49-F238E27FC236}">
+                <a16:creationId xmlns:a16="http://schemas.microsoft.com/office/drawing/2014/main" id="{740DAD87-6F1A-4F6F-A916-D3975A35F294}"/>
+              </a:ext>
+            </a:extLst>
+          </p:cNvPr>
+          <p:cNvSpPr>
+            <a:spLocks noChangeArrowheads="1"/>
+          </p:cNvSpPr>
+          <p:nvPr/>
+        </p:nvSpPr>
+        <p:spPr bwMode="auto">
+          <a:xfrm>
+            <a:off x="1164185" y="1013309"/>
+            <a:ext cx="9324754" cy="5108257"/>
+          </a:xfrm>
+          <a:prstGeom prst="rect">
+            <a:avLst/>
+          </a:prstGeom>
+          <a:solidFill>
+            <a:srgbClr val="FFFFFF"/>
+          </a:solidFill>
+          <a:ln>
+            <a:noFill/>
+          </a:ln>
+          <a:effectLst/>
+          <a:extLst>
+            <a:ext uri="{91240B29-F687-4F45-9708-019B960494DF}">
+              <a14:hiddenLine xmlns:a14="http://schemas.microsoft.com/office/drawing/2010/main" w="9525">
+                <a:solidFill>
+                  <a:schemeClr val="tx1"/>
+                </a:solidFill>
+                <a:miter lim="800000"/>
+                <a:headEnd/>
+                <a:tailEnd/>
+              </a14:hiddenLine>
+            </a:ext>
+            <a:ext uri="{AF507438-7753-43E0-B8FC-AC1667EBCBE1}">
+              <a14:hiddenEffects xmlns:a14="http://schemas.microsoft.com/office/drawing/2010/main">
+                <a:effectLst>
+                  <a:outerShdw dist="35921" dir="2700000" algn="ctr" rotWithShape="0">
+                    <a:schemeClr val="bg2"/>
+                  </a:outerShdw>
+                </a:effectLst>
+              </a14:hiddenEffects>
+            </a:ext>
+          </a:extLst>
+        </p:spPr>
+        <p:txBody>
+          <a:bodyPr vert="horz" wrap="square" lIns="241224" tIns="101568" rIns="0" bIns="101568" numCol="1" anchor="ctr" anchorCtr="0" compatLnSpc="1">
+            <a:prstTxWarp prst="textNoShape">
+              <a:avLst/>
+            </a:prstTxWarp>
+            <a:spAutoFit/>
+          </a:bodyPr>
+          <a:lstStyle>
+            <a:lvl1pPr eaLnBrk="0" fontAlgn="base" hangingPunct="0">
+              <a:spcBef>
+                <a:spcPct val="0"/>
+              </a:spcBef>
+              <a:spcAft>
+                <a:spcPct val="0"/>
+              </a:spcAft>
+              <a:defRPr>
+                <a:solidFill>
+                  <a:schemeClr val="tx1"/>
+                </a:solidFill>
+                <a:latin typeface="Arial" panose="020B0604020202020204" pitchFamily="34" charset="0"/>
+              </a:defRPr>
+            </a:lvl1pPr>
+            <a:lvl2pPr eaLnBrk="0" fontAlgn="base" hangingPunct="0">
+              <a:spcBef>
+                <a:spcPct val="0"/>
+              </a:spcBef>
+              <a:spcAft>
+                <a:spcPct val="0"/>
+              </a:spcAft>
+              <a:defRPr>
+                <a:solidFill>
+                  <a:schemeClr val="tx1"/>
+                </a:solidFill>
+                <a:latin typeface="Arial" panose="020B0604020202020204" pitchFamily="34" charset="0"/>
+              </a:defRPr>
+            </a:lvl2pPr>
+            <a:lvl3pPr eaLnBrk="0" fontAlgn="base" hangingPunct="0">
+              <a:spcBef>
+                <a:spcPct val="0"/>
+              </a:spcBef>
+              <a:spcAft>
+                <a:spcPct val="0"/>
+              </a:spcAft>
+              <a:defRPr>
+                <a:solidFill>
+                  <a:schemeClr val="tx1"/>
+                </a:solidFill>
+                <a:latin typeface="Arial" panose="020B0604020202020204" pitchFamily="34" charset="0"/>
+              </a:defRPr>
+            </a:lvl3pPr>
+            <a:lvl4pPr eaLnBrk="0" fontAlgn="base" hangingPunct="0">
+              <a:spcBef>
+                <a:spcPct val="0"/>
+              </a:spcBef>
+              <a:spcAft>
+                <a:spcPct val="0"/>
+              </a:spcAft>
+              <a:defRPr>
+                <a:solidFill>
+                  <a:schemeClr val="tx1"/>
+                </a:solidFill>
+                <a:latin typeface="Arial" panose="020B0604020202020204" pitchFamily="34" charset="0"/>
+              </a:defRPr>
+            </a:lvl4pPr>
+            <a:lvl5pPr eaLnBrk="0" fontAlgn="base" hangingPunct="0">
+              <a:spcBef>
+                <a:spcPct val="0"/>
+              </a:spcBef>
+              <a:spcAft>
+                <a:spcPct val="0"/>
+              </a:spcAft>
+              <a:defRPr>
+                <a:solidFill>
+                  <a:schemeClr val="tx1"/>
+                </a:solidFill>
+                <a:latin typeface="Arial" panose="020B0604020202020204" pitchFamily="34" charset="0"/>
+              </a:defRPr>
+            </a:lvl5pPr>
+            <a:lvl6pPr eaLnBrk="0" fontAlgn="base" hangingPunct="0">
+              <a:spcBef>
+                <a:spcPct val="0"/>
+              </a:spcBef>
+              <a:spcAft>
+                <a:spcPct val="0"/>
+              </a:spcAft>
+              <a:defRPr>
+                <a:solidFill>
+                  <a:schemeClr val="tx1"/>
+                </a:solidFill>
+                <a:latin typeface="Arial" panose="020B0604020202020204" pitchFamily="34" charset="0"/>
+              </a:defRPr>
+            </a:lvl6pPr>
+            <a:lvl7pPr eaLnBrk="0" fontAlgn="base" hangingPunct="0">
+              <a:spcBef>
+                <a:spcPct val="0"/>
+              </a:spcBef>
+              <a:spcAft>
+                <a:spcPct val="0"/>
+              </a:spcAft>
+              <a:defRPr>
+                <a:solidFill>
+                  <a:schemeClr val="tx1"/>
+                </a:solidFill>
+                <a:latin typeface="Arial" panose="020B0604020202020204" pitchFamily="34" charset="0"/>
+              </a:defRPr>
+            </a:lvl7pPr>
+            <a:lvl8pPr eaLnBrk="0" fontAlgn="base" hangingPunct="0">
+              <a:spcBef>
+                <a:spcPct val="0"/>
+              </a:spcBef>
+              <a:spcAft>
+                <a:spcPct val="0"/>
+              </a:spcAft>
+              <a:defRPr>
+                <a:solidFill>
+                  <a:schemeClr val="tx1"/>
+                </a:solidFill>
+                <a:latin typeface="Arial" panose="020B0604020202020204" pitchFamily="34" charset="0"/>
+              </a:defRPr>
+            </a:lvl8pPr>
+            <a:lvl9pPr eaLnBrk="0" fontAlgn="base" hangingPunct="0">
+              <a:spcBef>
+                <a:spcPct val="0"/>
+              </a:spcBef>
+              <a:spcAft>
+                <a:spcPct val="0"/>
+              </a:spcAft>
+              <a:defRPr>
+                <a:solidFill>
+                  <a:schemeClr val="tx1"/>
+                </a:solidFill>
+                <a:latin typeface="Arial" panose="020B0604020202020204" pitchFamily="34" charset="0"/>
+              </a:defRPr>
+            </a:lvl9pPr>
+          </a:lstStyle>
+          <a:p>
+            <a:pPr marR="0" lvl="0" eaLnBrk="1" fontAlgn="base" hangingPunct="1">
+              <a:lnSpc>
+                <a:spcPct val="100000"/>
+              </a:lnSpc>
+              <a:spcBef>
+                <a:spcPts val="300"/>
+              </a:spcBef>
+              <a:spcAft>
+                <a:spcPct val="0"/>
+              </a:spcAft>
+              <a:buClrTx/>
+              <a:buSzTx/>
+              <a:tabLst/>
+            </a:pPr>
+            <a:r>
+              <a:rPr lang="en-US" altLang="en-US" sz="2353" dirty="0">
+                <a:solidFill>
+                  <a:srgbClr val="000000">
+                    <a:lumMod val="65000"/>
+                    <a:lumOff val="35000"/>
+                  </a:srgbClr>
+                </a:solidFill>
+                <a:latin typeface="Segoe UI Semibold"/>
+              </a:rPr>
+              <a:t>Azure-native</a:t>
+            </a:r>
+          </a:p>
+          <a:p>
+            <a:pPr marR="0" lvl="0" eaLnBrk="1" fontAlgn="base" hangingPunct="1">
+              <a:lnSpc>
+                <a:spcPct val="100000"/>
+              </a:lnSpc>
+              <a:spcBef>
+                <a:spcPts val="300"/>
+              </a:spcBef>
+              <a:spcAft>
+                <a:spcPct val="0"/>
+              </a:spcAft>
+              <a:buClrTx/>
+              <a:buSzTx/>
+              <a:tabLst/>
+            </a:pPr>
+            <a:r>
+              <a:rPr lang="en-US" altLang="en-US" sz="1400" dirty="0">
+                <a:latin typeface="Segoe UI"/>
+                <a:cs typeface="Segoe UI"/>
+              </a:rPr>
+              <a:t>With Bicep, you're using a language that is native to Azure. When new Azure resources are released or updated, Bicep will support those features on day one. When using other third-party tools, it might take some time for new features to be defined in the tool set</a:t>
+            </a:r>
+            <a:r>
+              <a:rPr lang="en-US" altLang="en-US" sz="1600" dirty="0">
+                <a:latin typeface="Segoe UI"/>
+                <a:cs typeface="Segoe UI"/>
+              </a:rPr>
+              <a:t>.</a:t>
+            </a:r>
+          </a:p>
+          <a:p>
+            <a:pPr eaLnBrk="1" hangingPunct="1">
+              <a:spcBef>
+                <a:spcPts val="300"/>
+              </a:spcBef>
+            </a:pPr>
+            <a:r>
+              <a:rPr lang="en-US" altLang="en-US" sz="2353" dirty="0">
+                <a:solidFill>
+                  <a:srgbClr val="000000">
+                    <a:lumMod val="65000"/>
+                    <a:lumOff val="35000"/>
+                  </a:srgbClr>
+                </a:solidFill>
+                <a:latin typeface="Segoe UI Semibold"/>
+              </a:rPr>
+              <a:t>Azure integration &amp; support</a:t>
+            </a:r>
+          </a:p>
+          <a:p>
+            <a:pPr eaLnBrk="1" hangingPunct="1">
+              <a:spcBef>
+                <a:spcPts val="300"/>
+              </a:spcBef>
+            </a:pPr>
+            <a:r>
+              <a:rPr lang="en-US" altLang="en-US" sz="1400" dirty="0">
+                <a:latin typeface="Segoe UI"/>
+                <a:cs typeface="Segoe UI"/>
+              </a:rPr>
+              <a:t>ARM templates, both JSON and Bicep, are fully integrated within the Azure platform. With Resource Manager-based deployments, you can monitor the progress of your deployment in the Azure portal.</a:t>
+            </a:r>
+          </a:p>
+          <a:p>
+            <a:pPr marR="0" lvl="0" eaLnBrk="1" fontAlgn="base" hangingPunct="1">
+              <a:lnSpc>
+                <a:spcPct val="100000"/>
+              </a:lnSpc>
+              <a:spcBef>
+                <a:spcPts val="300"/>
+              </a:spcBef>
+              <a:spcAft>
+                <a:spcPct val="0"/>
+              </a:spcAft>
+              <a:buClrTx/>
+              <a:buSzTx/>
+              <a:tabLst/>
+            </a:pPr>
+            <a:r>
+              <a:rPr lang="en-US" altLang="en-US" sz="1400" dirty="0">
+                <a:latin typeface="Segoe UI"/>
+                <a:cs typeface="Segoe UI"/>
+              </a:rPr>
+              <a:t>Bicep is a fully supported product with Microsoft Support </a:t>
+            </a:r>
+            <a:r>
+              <a:rPr lang="en-US" altLang="en-US" sz="1400" b="1" dirty="0">
+                <a:latin typeface="Segoe UI"/>
+                <a:cs typeface="Segoe UI"/>
+              </a:rPr>
+              <a:t>DO WE NEED TO CAVEAT AVS Here? </a:t>
+            </a:r>
+          </a:p>
+          <a:p>
+            <a:pPr marR="0" lvl="0" eaLnBrk="1" fontAlgn="base" hangingPunct="1">
+              <a:lnSpc>
+                <a:spcPct val="100000"/>
+              </a:lnSpc>
+              <a:spcBef>
+                <a:spcPts val="300"/>
+              </a:spcBef>
+              <a:spcAft>
+                <a:spcPct val="0"/>
+              </a:spcAft>
+              <a:buClrTx/>
+              <a:buSzTx/>
+              <a:tabLst/>
+            </a:pPr>
+            <a:r>
+              <a:rPr lang="en-US" altLang="en-US" sz="2353" dirty="0">
+                <a:solidFill>
+                  <a:srgbClr val="000000">
+                    <a:lumMod val="65000"/>
+                    <a:lumOff val="35000"/>
+                  </a:srgbClr>
+                </a:solidFill>
+                <a:latin typeface="Segoe UI Semibold"/>
+              </a:rPr>
+              <a:t>No state management</a:t>
+            </a:r>
+            <a:r>
+              <a:rPr lang="en-US" altLang="en-US" sz="1200" dirty="0">
+                <a:latin typeface="Segoe UI"/>
+                <a:cs typeface="Segoe UI"/>
+              </a:rPr>
+              <a:t> </a:t>
+            </a:r>
+          </a:p>
+          <a:p>
+            <a:pPr marR="0" lvl="0" eaLnBrk="1" fontAlgn="base" hangingPunct="1">
+              <a:lnSpc>
+                <a:spcPct val="100000"/>
+              </a:lnSpc>
+              <a:spcBef>
+                <a:spcPts val="300"/>
+              </a:spcBef>
+              <a:spcAft>
+                <a:spcPct val="0"/>
+              </a:spcAft>
+              <a:buClrTx/>
+              <a:buSzTx/>
+              <a:tabLst/>
+            </a:pPr>
+            <a:r>
+              <a:rPr lang="en-US" altLang="en-US" sz="1400" dirty="0">
+                <a:latin typeface="Segoe UI"/>
+                <a:cs typeface="Segoe UI"/>
+              </a:rPr>
+              <a:t>Bicep deployments compare the current state of your Azure resources with the state that you define in the template. You don't need to keep your resource state information somewhere else, like in a storage account. Azure automatically keeps track of this state for you.</a:t>
+            </a:r>
+          </a:p>
+          <a:p>
+            <a:pPr marR="0" lvl="0" eaLnBrk="1" fontAlgn="base" hangingPunct="1">
+              <a:lnSpc>
+                <a:spcPct val="100000"/>
+              </a:lnSpc>
+              <a:spcBef>
+                <a:spcPts val="300"/>
+              </a:spcBef>
+              <a:spcAft>
+                <a:spcPct val="0"/>
+              </a:spcAft>
+              <a:buClrTx/>
+              <a:buSzTx/>
+              <a:tabLst/>
+            </a:pPr>
+            <a:r>
+              <a:rPr lang="en-US" altLang="en-US" sz="2353" dirty="0">
+                <a:solidFill>
+                  <a:srgbClr val="000000">
+                    <a:lumMod val="65000"/>
+                    <a:lumOff val="35000"/>
+                  </a:srgbClr>
+                </a:solidFill>
+                <a:latin typeface="Segoe UI Semibold"/>
+              </a:rPr>
+              <a:t>Easy transition from JSON </a:t>
+            </a:r>
+          </a:p>
+          <a:p>
+            <a:pPr marR="0" lvl="0" eaLnBrk="1" fontAlgn="base" hangingPunct="1">
+              <a:lnSpc>
+                <a:spcPct val="100000"/>
+              </a:lnSpc>
+              <a:spcBef>
+                <a:spcPts val="300"/>
+              </a:spcBef>
+              <a:spcAft>
+                <a:spcPct val="0"/>
+              </a:spcAft>
+              <a:buClrTx/>
+              <a:buSzTx/>
+              <a:tabLst/>
+            </a:pPr>
+            <a:r>
+              <a:rPr lang="en-US" altLang="en-US" sz="1400" dirty="0">
+                <a:latin typeface="Segoe UI"/>
+                <a:cs typeface="Segoe UI"/>
+              </a:rPr>
+              <a:t>If you're already using ARM JSON templates as your declarative template language, it isn't a difficult process to transition to using Bicep. You can use the Bicep CLI to decompile any ARM template into a Bicep template by using the bicep decompile command.</a:t>
+            </a:r>
+          </a:p>
+          <a:p>
+            <a:pPr marL="182880" marR="0" lvl="0" indent="-274320" eaLnBrk="1" fontAlgn="base" hangingPunct="1">
+              <a:lnSpc>
+                <a:spcPct val="100000"/>
+              </a:lnSpc>
+              <a:spcBef>
+                <a:spcPts val="300"/>
+              </a:spcBef>
+              <a:spcAft>
+                <a:spcPct val="0"/>
+              </a:spcAft>
+              <a:buClrTx/>
+              <a:buSzTx/>
+              <a:buFont typeface="Wingdings" panose="05000000000000000000" pitchFamily="2" charset="2"/>
+              <a:buChar char="§"/>
+              <a:tabLst/>
+            </a:pPr>
+            <a:endParaRPr lang="en-US" altLang="en-US" sz="1400" dirty="0">
+              <a:latin typeface="Segoe UI"/>
+              <a:cs typeface="Segoe UI"/>
+            </a:endParaRPr>
+          </a:p>
+          <a:p>
+            <a:pPr marL="0" marR="0" lvl="0" indent="0" algn="l" defTabSz="914400" rtl="0" eaLnBrk="0" fontAlgn="base" latinLnBrk="0" hangingPunct="0">
+              <a:lnSpc>
+                <a:spcPct val="100000"/>
+              </a:lnSpc>
+              <a:spcBef>
+                <a:spcPct val="0"/>
+              </a:spcBef>
+              <a:spcAft>
+                <a:spcPct val="0"/>
+              </a:spcAft>
+              <a:buClrTx/>
+              <a:buSzTx/>
+              <a:buFontTx/>
+              <a:buNone/>
+              <a:tabLst/>
+            </a:pPr>
+            <a:endParaRPr kumimoji="0" lang="en-US" altLang="en-US" sz="1800" b="0" i="0" u="none" strike="noStrike" cap="none" normalizeH="0" baseline="0" dirty="0">
+              <a:ln>
+                <a:noFill/>
+              </a:ln>
+              <a:solidFill>
+                <a:schemeClr val="tx1"/>
+              </a:solidFill>
+              <a:effectLst/>
+              <a:latin typeface="Arial" panose="020B0604020202020204" pitchFamily="34" charset="0"/>
+            </a:endParaRPr>
+          </a:p>
+        </p:txBody>
+      </p:sp>
+      <p:sp>
+        <p:nvSpPr>
+          <p:cNvPr id="2" name="Oval 1">
+            <a:extLst>
+              <a:ext uri="{FF2B5EF4-FFF2-40B4-BE49-F238E27FC236}">
+                <a16:creationId xmlns:a16="http://schemas.microsoft.com/office/drawing/2014/main" id="{F1CE81F4-4898-4F54-B869-3C60229D23BA}"/>
+              </a:ext>
+              <a:ext uri="{C183D7F6-B498-43B3-948B-1728B52AA6E4}">
+                <adec:decorative xmlns:adec="http://schemas.microsoft.com/office/drawing/2017/decorative" val="1"/>
+              </a:ext>
+            </a:extLst>
+          </p:cNvPr>
+          <p:cNvSpPr/>
+          <p:nvPr/>
+        </p:nvSpPr>
+        <p:spPr bwMode="auto">
+          <a:xfrm>
+            <a:off x="491568" y="1164279"/>
+            <a:ext cx="544305" cy="544304"/>
+          </a:xfrm>
+          <a:prstGeom prst="ellipse">
+            <a:avLst/>
+          </a:prstGeom>
+          <a:solidFill>
+            <a:srgbClr val="EAEAEA"/>
+          </a:solidFill>
+          <a:ln>
+            <a:noFill/>
+            <a:headEnd type="none" w="med" len="med"/>
+            <a:tailEnd type="none" w="med" len="med"/>
+          </a:ln>
+          <a:effectLst/>
+        </p:spPr>
+        <p:style>
+          <a:lnRef idx="1">
+            <a:schemeClr val="accent2"/>
+          </a:lnRef>
+          <a:fillRef idx="3">
+            <a:schemeClr val="accent2"/>
+          </a:fillRef>
+          <a:effectRef idx="2">
+            <a:schemeClr val="accent2"/>
+          </a:effectRef>
+          <a:fontRef idx="minor">
+            <a:schemeClr val="lt1"/>
+          </a:fontRef>
+        </p:style>
+        <p:txBody>
+          <a:bodyPr rot="0" spcFirstLastPara="0" vertOverflow="overflow" horzOverflow="overflow" vert="horz" wrap="square" lIns="179259" tIns="143407" rIns="179259" bIns="143407" numCol="1" spcCol="0" rtlCol="0" fromWordArt="0" anchor="t" anchorCtr="0" forceAA="0" compatLnSpc="1">
+            <a:prstTxWarp prst="textNoShape">
+              <a:avLst/>
+            </a:prstTxWarp>
+            <a:noAutofit/>
+          </a:bodyPr>
+          <a:lstStyle/>
+          <a:p>
+            <a:pPr algn="ctr" defTabSz="913927" fontAlgn="base">
+              <a:lnSpc>
+                <a:spcPct val="90000"/>
+              </a:lnSpc>
+              <a:spcBef>
+                <a:spcPct val="0"/>
+              </a:spcBef>
+              <a:spcAft>
+                <a:spcPct val="0"/>
+              </a:spcAft>
+              <a:defRPr/>
+            </a:pPr>
+            <a:endParaRPr lang="en-US" sz="2353" err="1">
+              <a:gradFill>
+                <a:gsLst>
+                  <a:gs pos="0">
+                    <a:srgbClr val="FFFFFF"/>
+                  </a:gs>
+                  <a:gs pos="100000">
+                    <a:srgbClr val="FFFFFF"/>
+                  </a:gs>
+                </a:gsLst>
+                <a:lin ang="5400000" scaled="0"/>
+              </a:gradFill>
+              <a:latin typeface="Segoe UI"/>
+              <a:ea typeface="Segoe UI" pitchFamily="34" charset="0"/>
+              <a:cs typeface="Segoe UI" pitchFamily="34" charset="0"/>
+            </a:endParaRPr>
+          </a:p>
+        </p:txBody>
+      </p:sp>
+      <p:pic>
+        <p:nvPicPr>
+          <p:cNvPr id="3" name="Graphic 2" descr="Suburban scene with solid fill">
+            <a:extLst>
+              <a:ext uri="{FF2B5EF4-FFF2-40B4-BE49-F238E27FC236}">
+                <a16:creationId xmlns:a16="http://schemas.microsoft.com/office/drawing/2014/main" id="{1AC5FF66-FE8E-4EFC-92C1-2C8DC77AECCE}"/>
+              </a:ext>
+              <a:ext uri="{C183D7F6-B498-43B3-948B-1728B52AA6E4}">
+                <adec:decorative xmlns:adec="http://schemas.microsoft.com/office/drawing/2017/decorative" val="1"/>
+              </a:ext>
+            </a:extLst>
+          </p:cNvPr>
+          <p:cNvPicPr>
+            <a:picLocks noChangeAspect="1"/>
+          </p:cNvPicPr>
+          <p:nvPr/>
+        </p:nvPicPr>
+        <p:blipFill>
+          <a:blip r:embed="rId4">
+            <a:extLst>
+              <a:ext uri="{28A0092B-C50C-407E-A947-70E740481C1C}">
+                <a14:useLocalDpi xmlns:a14="http://schemas.microsoft.com/office/drawing/2010/main" val="0"/>
+              </a:ext>
+              <a:ext uri="{96DAC541-7B7A-43D3-8B79-37D633B846F1}">
+                <asvg:svgBlip xmlns:asvg="http://schemas.microsoft.com/office/drawing/2016/SVG/main" r:embed="rId5"/>
+              </a:ext>
+            </a:extLst>
+          </a:blip>
+          <a:srcRect/>
+          <a:stretch/>
+        </p:blipFill>
+        <p:spPr>
+          <a:xfrm>
+            <a:off x="619880" y="1296384"/>
+            <a:ext cx="280093" cy="280093"/>
+          </a:xfrm>
+          <a:prstGeom prst="rect">
+            <a:avLst/>
+          </a:prstGeom>
+        </p:spPr>
+      </p:pic>
+      <p:sp>
+        <p:nvSpPr>
+          <p:cNvPr id="4" name="Oval 3">
+            <a:extLst>
+              <a:ext uri="{FF2B5EF4-FFF2-40B4-BE49-F238E27FC236}">
+                <a16:creationId xmlns:a16="http://schemas.microsoft.com/office/drawing/2014/main" id="{B063A9C0-4C38-44A6-B55A-073FA5515BB7}"/>
+              </a:ext>
+              <a:ext uri="{C183D7F6-B498-43B3-948B-1728B52AA6E4}">
+                <adec:decorative xmlns:adec="http://schemas.microsoft.com/office/drawing/2017/decorative" val="1"/>
+              </a:ext>
+            </a:extLst>
+          </p:cNvPr>
+          <p:cNvSpPr/>
+          <p:nvPr/>
+        </p:nvSpPr>
+        <p:spPr bwMode="auto">
+          <a:xfrm>
+            <a:off x="491568" y="2284855"/>
+            <a:ext cx="544305" cy="544304"/>
+          </a:xfrm>
+          <a:prstGeom prst="ellipse">
+            <a:avLst/>
+          </a:prstGeom>
+          <a:solidFill>
+            <a:srgbClr val="EAEAEA"/>
+          </a:solidFill>
+          <a:ln>
+            <a:noFill/>
+            <a:headEnd type="none" w="med" len="med"/>
+            <a:tailEnd type="none" w="med" len="med"/>
+          </a:ln>
+          <a:effectLst/>
+        </p:spPr>
+        <p:style>
+          <a:lnRef idx="1">
+            <a:schemeClr val="accent2"/>
+          </a:lnRef>
+          <a:fillRef idx="3">
+            <a:schemeClr val="accent2"/>
+          </a:fillRef>
+          <a:effectRef idx="2">
+            <a:schemeClr val="accent2"/>
+          </a:effectRef>
+          <a:fontRef idx="minor">
+            <a:schemeClr val="lt1"/>
+          </a:fontRef>
+        </p:style>
+        <p:txBody>
+          <a:bodyPr rot="0" spcFirstLastPara="0" vertOverflow="overflow" horzOverflow="overflow" vert="horz" wrap="square" lIns="179259" tIns="143407" rIns="179259" bIns="143407" numCol="1" spcCol="0" rtlCol="0" fromWordArt="0" anchor="t" anchorCtr="0" forceAA="0" compatLnSpc="1">
+            <a:prstTxWarp prst="textNoShape">
+              <a:avLst/>
+            </a:prstTxWarp>
+            <a:noAutofit/>
+          </a:bodyPr>
+          <a:lstStyle/>
+          <a:p>
+            <a:pPr algn="ctr" defTabSz="913927" fontAlgn="base">
+              <a:lnSpc>
+                <a:spcPct val="90000"/>
+              </a:lnSpc>
+              <a:spcBef>
+                <a:spcPct val="0"/>
+              </a:spcBef>
+              <a:spcAft>
+                <a:spcPct val="0"/>
+              </a:spcAft>
+              <a:defRPr/>
+            </a:pPr>
+            <a:endParaRPr lang="en-US" sz="2353" err="1">
+              <a:gradFill>
+                <a:gsLst>
+                  <a:gs pos="0">
+                    <a:srgbClr val="FFFFFF"/>
+                  </a:gs>
+                  <a:gs pos="100000">
+                    <a:srgbClr val="FFFFFF"/>
+                  </a:gs>
+                </a:gsLst>
+                <a:lin ang="5400000" scaled="0"/>
+              </a:gradFill>
+              <a:latin typeface="Segoe UI"/>
+              <a:ea typeface="Segoe UI" pitchFamily="34" charset="0"/>
+              <a:cs typeface="Segoe UI" pitchFamily="34" charset="0"/>
+            </a:endParaRPr>
+          </a:p>
+        </p:txBody>
+      </p:sp>
+      <p:pic>
+        <p:nvPicPr>
+          <p:cNvPr id="6" name="Graphic 5" descr="Wrench with solid fill">
+            <a:extLst>
+              <a:ext uri="{FF2B5EF4-FFF2-40B4-BE49-F238E27FC236}">
+                <a16:creationId xmlns:a16="http://schemas.microsoft.com/office/drawing/2014/main" id="{7FCCD219-807E-4BF5-8020-12A77F5E8D9C}"/>
+              </a:ext>
+              <a:ext uri="{C183D7F6-B498-43B3-948B-1728B52AA6E4}">
+                <adec:decorative xmlns:adec="http://schemas.microsoft.com/office/drawing/2017/decorative" val="1"/>
+              </a:ext>
+            </a:extLst>
+          </p:cNvPr>
+          <p:cNvPicPr>
+            <a:picLocks noChangeAspect="1"/>
+          </p:cNvPicPr>
+          <p:nvPr/>
+        </p:nvPicPr>
+        <p:blipFill>
+          <a:blip r:embed="rId6">
+            <a:extLst>
+              <a:ext uri="{28A0092B-C50C-407E-A947-70E740481C1C}">
+                <a14:useLocalDpi xmlns:a14="http://schemas.microsoft.com/office/drawing/2010/main" val="0"/>
+              </a:ext>
+              <a:ext uri="{96DAC541-7B7A-43D3-8B79-37D633B846F1}">
+                <asvg:svgBlip xmlns:asvg="http://schemas.microsoft.com/office/drawing/2016/SVG/main" r:embed="rId7"/>
+              </a:ext>
+            </a:extLst>
+          </a:blip>
+          <a:srcRect/>
+          <a:stretch/>
+        </p:blipFill>
+        <p:spPr>
+          <a:xfrm>
+            <a:off x="619880" y="2416960"/>
+            <a:ext cx="280093" cy="280093"/>
+          </a:xfrm>
+          <a:prstGeom prst="rect">
+            <a:avLst/>
+          </a:prstGeom>
+        </p:spPr>
+      </p:pic>
+      <p:sp>
+        <p:nvSpPr>
+          <p:cNvPr id="18" name="Oval 17">
+            <a:extLst>
+              <a:ext uri="{FF2B5EF4-FFF2-40B4-BE49-F238E27FC236}">
+                <a16:creationId xmlns:a16="http://schemas.microsoft.com/office/drawing/2014/main" id="{E24F60CC-35C4-4CAF-A2F4-3F71A6E3CA34}"/>
+              </a:ext>
+              <a:ext uri="{C183D7F6-B498-43B3-948B-1728B52AA6E4}">
+                <adec:decorative xmlns:adec="http://schemas.microsoft.com/office/drawing/2017/decorative" val="1"/>
+              </a:ext>
+            </a:extLst>
+          </p:cNvPr>
+          <p:cNvSpPr/>
+          <p:nvPr/>
+        </p:nvSpPr>
+        <p:spPr bwMode="auto">
+          <a:xfrm>
+            <a:off x="504272" y="3403872"/>
+            <a:ext cx="544305" cy="544304"/>
+          </a:xfrm>
+          <a:prstGeom prst="ellipse">
+            <a:avLst/>
+          </a:prstGeom>
+          <a:solidFill>
+            <a:srgbClr val="EAEAEA"/>
+          </a:solidFill>
+          <a:ln>
+            <a:noFill/>
+            <a:headEnd type="none" w="med" len="med"/>
+            <a:tailEnd type="none" w="med" len="med"/>
+          </a:ln>
+          <a:effectLst/>
+        </p:spPr>
+        <p:style>
+          <a:lnRef idx="1">
+            <a:schemeClr val="accent2"/>
+          </a:lnRef>
+          <a:fillRef idx="3">
+            <a:schemeClr val="accent2"/>
+          </a:fillRef>
+          <a:effectRef idx="2">
+            <a:schemeClr val="accent2"/>
+          </a:effectRef>
+          <a:fontRef idx="minor">
+            <a:schemeClr val="lt1"/>
+          </a:fontRef>
+        </p:style>
+        <p:txBody>
+          <a:bodyPr rot="0" spcFirstLastPara="0" vertOverflow="overflow" horzOverflow="overflow" vert="horz" wrap="square" lIns="179259" tIns="143407" rIns="179259" bIns="143407" numCol="1" spcCol="0" rtlCol="0" fromWordArt="0" anchor="t" anchorCtr="0" forceAA="0" compatLnSpc="1">
+            <a:prstTxWarp prst="textNoShape">
+              <a:avLst/>
+            </a:prstTxWarp>
+            <a:noAutofit/>
+          </a:bodyPr>
+          <a:lstStyle/>
+          <a:p>
+            <a:pPr algn="ctr" defTabSz="913927" fontAlgn="base">
+              <a:lnSpc>
+                <a:spcPct val="90000"/>
+              </a:lnSpc>
+              <a:spcBef>
+                <a:spcPct val="0"/>
+              </a:spcBef>
+              <a:spcAft>
+                <a:spcPct val="0"/>
+              </a:spcAft>
+              <a:defRPr/>
+            </a:pPr>
+            <a:endParaRPr lang="en-US" sz="2353" err="1">
+              <a:gradFill>
+                <a:gsLst>
+                  <a:gs pos="0">
+                    <a:srgbClr val="FFFFFF"/>
+                  </a:gs>
+                  <a:gs pos="100000">
+                    <a:srgbClr val="FFFFFF"/>
+                  </a:gs>
+                </a:gsLst>
+                <a:lin ang="5400000" scaled="0"/>
+              </a:gradFill>
+              <a:latin typeface="Segoe UI"/>
+              <a:ea typeface="Segoe UI" pitchFamily="34" charset="0"/>
+              <a:cs typeface="Segoe UI" pitchFamily="34" charset="0"/>
+            </a:endParaRPr>
+          </a:p>
+        </p:txBody>
+      </p:sp>
+      <p:pic>
+        <p:nvPicPr>
+          <p:cNvPr id="20" name="Graphic 19">
+            <a:extLst>
+              <a:ext uri="{FF2B5EF4-FFF2-40B4-BE49-F238E27FC236}">
+                <a16:creationId xmlns:a16="http://schemas.microsoft.com/office/drawing/2014/main" id="{1AEE8BFB-B16E-42AE-A893-19CE5FB29DB1}"/>
+              </a:ext>
+              <a:ext uri="{C183D7F6-B498-43B3-948B-1728B52AA6E4}">
+                <adec:decorative xmlns:adec="http://schemas.microsoft.com/office/drawing/2017/decorative" val="1"/>
+              </a:ext>
+            </a:extLst>
+          </p:cNvPr>
+          <p:cNvPicPr>
+            <a:picLocks noChangeAspect="1"/>
+          </p:cNvPicPr>
+          <p:nvPr/>
+        </p:nvPicPr>
+        <p:blipFill>
+          <a:blip r:embed="rId8">
+            <a:extLst>
+              <a:ext uri="{28A0092B-C50C-407E-A947-70E740481C1C}">
+                <a14:useLocalDpi xmlns:a14="http://schemas.microsoft.com/office/drawing/2010/main" val="0"/>
+              </a:ext>
+              <a:ext uri="{96DAC541-7B7A-43D3-8B79-37D633B846F1}">
+                <asvg:svgBlip xmlns:asvg="http://schemas.microsoft.com/office/drawing/2016/SVG/main" r:embed="rId9"/>
+              </a:ext>
+            </a:extLst>
+          </a:blip>
+          <a:stretch>
+            <a:fillRect/>
+          </a:stretch>
+        </p:blipFill>
+        <p:spPr>
+          <a:xfrm>
+            <a:off x="632584" y="3535977"/>
+            <a:ext cx="280093" cy="280093"/>
+          </a:xfrm>
+          <a:prstGeom prst="rect">
+            <a:avLst/>
+          </a:prstGeom>
+        </p:spPr>
+      </p:pic>
+      <p:sp>
+        <p:nvSpPr>
+          <p:cNvPr id="22" name="Oval 21">
+            <a:extLst>
+              <a:ext uri="{FF2B5EF4-FFF2-40B4-BE49-F238E27FC236}">
+                <a16:creationId xmlns:a16="http://schemas.microsoft.com/office/drawing/2014/main" id="{90A16A80-4ECF-4D2F-AEE9-3C9AB2761783}"/>
+              </a:ext>
+              <a:ext uri="{C183D7F6-B498-43B3-948B-1728B52AA6E4}">
+                <adec:decorative xmlns:adec="http://schemas.microsoft.com/office/drawing/2017/decorative" val="1"/>
+              </a:ext>
+            </a:extLst>
+          </p:cNvPr>
+          <p:cNvSpPr/>
+          <p:nvPr/>
+        </p:nvSpPr>
+        <p:spPr bwMode="auto">
+          <a:xfrm>
+            <a:off x="522003" y="4517509"/>
+            <a:ext cx="544305" cy="544304"/>
+          </a:xfrm>
+          <a:prstGeom prst="ellipse">
+            <a:avLst/>
+          </a:prstGeom>
+          <a:solidFill>
+            <a:srgbClr val="EAEAEA"/>
+          </a:solidFill>
+          <a:ln>
+            <a:noFill/>
+            <a:headEnd type="none" w="med" len="med"/>
+            <a:tailEnd type="none" w="med" len="med"/>
+          </a:ln>
+          <a:effectLst/>
+        </p:spPr>
+        <p:style>
+          <a:lnRef idx="1">
+            <a:schemeClr val="accent2"/>
+          </a:lnRef>
+          <a:fillRef idx="3">
+            <a:schemeClr val="accent2"/>
+          </a:fillRef>
+          <a:effectRef idx="2">
+            <a:schemeClr val="accent2"/>
+          </a:effectRef>
+          <a:fontRef idx="minor">
+            <a:schemeClr val="lt1"/>
+          </a:fontRef>
+        </p:style>
+        <p:txBody>
+          <a:bodyPr rot="0" spcFirstLastPara="0" vertOverflow="overflow" horzOverflow="overflow" vert="horz" wrap="square" lIns="179259" tIns="143407" rIns="179259" bIns="143407" numCol="1" spcCol="0" rtlCol="0" fromWordArt="0" anchor="t" anchorCtr="0" forceAA="0" compatLnSpc="1">
+            <a:prstTxWarp prst="textNoShape">
+              <a:avLst/>
+            </a:prstTxWarp>
+            <a:noAutofit/>
+          </a:bodyPr>
+          <a:lstStyle/>
+          <a:p>
+            <a:pPr algn="ctr" defTabSz="913927" fontAlgn="base">
+              <a:lnSpc>
+                <a:spcPct val="90000"/>
+              </a:lnSpc>
+              <a:spcBef>
+                <a:spcPct val="0"/>
+              </a:spcBef>
+              <a:spcAft>
+                <a:spcPct val="0"/>
+              </a:spcAft>
+              <a:defRPr/>
+            </a:pPr>
+            <a:endParaRPr lang="en-US" sz="2353" err="1">
+              <a:gradFill>
+                <a:gsLst>
+                  <a:gs pos="0">
+                    <a:srgbClr val="FFFFFF"/>
+                  </a:gs>
+                  <a:gs pos="100000">
+                    <a:srgbClr val="FFFFFF"/>
+                  </a:gs>
+                </a:gsLst>
+                <a:lin ang="5400000" scaled="0"/>
+              </a:gradFill>
+              <a:latin typeface="Segoe UI"/>
+              <a:ea typeface="Segoe UI" pitchFamily="34" charset="0"/>
+              <a:cs typeface="Segoe UI" pitchFamily="34" charset="0"/>
+            </a:endParaRPr>
+          </a:p>
+        </p:txBody>
+      </p:sp>
+      <p:pic>
+        <p:nvPicPr>
+          <p:cNvPr id="24" name="Graphic 23" descr="Transfer with solid fill">
+            <a:extLst>
+              <a:ext uri="{FF2B5EF4-FFF2-40B4-BE49-F238E27FC236}">
+                <a16:creationId xmlns:a16="http://schemas.microsoft.com/office/drawing/2014/main" id="{EF350C51-9360-423A-97A5-50C404066BDD}"/>
+              </a:ext>
+              <a:ext uri="{C183D7F6-B498-43B3-948B-1728B52AA6E4}">
+                <adec:decorative xmlns:adec="http://schemas.microsoft.com/office/drawing/2017/decorative" val="1"/>
+              </a:ext>
+            </a:extLst>
+          </p:cNvPr>
+          <p:cNvPicPr>
+            <a:picLocks noChangeAspect="1"/>
+          </p:cNvPicPr>
+          <p:nvPr/>
+        </p:nvPicPr>
+        <p:blipFill>
+          <a:blip r:embed="rId10">
+            <a:extLst>
+              <a:ext uri="{28A0092B-C50C-407E-A947-70E740481C1C}">
+                <a14:useLocalDpi xmlns:a14="http://schemas.microsoft.com/office/drawing/2010/main" val="0"/>
+              </a:ext>
+              <a:ext uri="{96DAC541-7B7A-43D3-8B79-37D633B846F1}">
+                <asvg:svgBlip xmlns:asvg="http://schemas.microsoft.com/office/drawing/2016/SVG/main" r:embed="rId11"/>
+              </a:ext>
+            </a:extLst>
+          </a:blip>
+          <a:srcRect/>
+          <a:stretch/>
+        </p:blipFill>
+        <p:spPr>
+          <a:xfrm>
+            <a:off x="650315" y="4649614"/>
+            <a:ext cx="280093" cy="280093"/>
+          </a:xfrm>
+          <a:prstGeom prst="rect">
+            <a:avLst/>
+          </a:prstGeom>
+        </p:spPr>
+      </p:pic>
+    </p:spTree>
+    <p:extLst>
+      <p:ext uri="{BB962C8B-B14F-4D97-AF65-F5344CB8AC3E}">
+        <p14:creationId xmlns:p14="http://schemas.microsoft.com/office/powerpoint/2010/main" val="4172461425"/>
+      </p:ext>
+    </p:extLst>
+  </p:cSld>
+  <p:clrMapOvr>
+    <a:masterClrMapping/>
+  </p:clrMapOvr>
+</p:sld>
+</file>
+
+<file path=ppt/slides/slide11.xml><?xml version="1.0" encoding="utf-8"?>
+<p:sld xmlns:a="http://schemas.openxmlformats.org/drawingml/2006/main" xmlns:r="http://schemas.openxmlformats.org/officeDocument/2006/relationships" xmlns:p="http://schemas.openxmlformats.org/presentationml/2006/main">
+  <p:cSld>
+    <p:spTree>
+      <p:nvGrpSpPr>
+        <p:cNvPr id="1" name=""/>
+        <p:cNvGrpSpPr/>
+        <p:nvPr/>
+      </p:nvGrpSpPr>
+      <p:grpSpPr>
+        <a:xfrm>
+          <a:off x="0" y="0"/>
+          <a:ext cx="0" cy="0"/>
+          <a:chOff x="0" y="0"/>
+          <a:chExt cx="0" cy="0"/>
+        </a:xfrm>
+      </p:grpSpPr>
+      <p:grpSp>
+        <p:nvGrpSpPr>
+          <p:cNvPr id="7" name="Group 6">
+            <a:extLst>
+              <a:ext uri="{FF2B5EF4-FFF2-40B4-BE49-F238E27FC236}">
+                <a16:creationId xmlns:a16="http://schemas.microsoft.com/office/drawing/2014/main" id="{D1C6A5ED-F3AF-47DE-85F1-1B9E3BE56459}"/>
+              </a:ext>
+              <a:ext uri="{C183D7F6-B498-43B3-948B-1728B52AA6E4}">
+                <adec:decorative xmlns:adec="http://schemas.microsoft.com/office/drawing/2017/decorative" val="1"/>
+              </a:ext>
+            </a:extLst>
+          </p:cNvPr>
+          <p:cNvGrpSpPr/>
+          <p:nvPr/>
+        </p:nvGrpSpPr>
+        <p:grpSpPr>
+          <a:xfrm>
+            <a:off x="433387" y="1422923"/>
+            <a:ext cx="6607428" cy="1009381"/>
+            <a:chOff x="436378" y="1545025"/>
+            <a:chExt cx="6608366" cy="1009524"/>
+          </a:xfrm>
+        </p:grpSpPr>
+        <p:sp>
+          <p:nvSpPr>
+            <p:cNvPr id="12" name="TextBox 11">
+              <a:extLst>
+                <a:ext uri="{FF2B5EF4-FFF2-40B4-BE49-F238E27FC236}">
+                  <a16:creationId xmlns:a16="http://schemas.microsoft.com/office/drawing/2014/main" id="{2C90A02D-FA22-4D75-8262-E67026C3F459}"/>
+                </a:ext>
+              </a:extLst>
+            </p:cNvPr>
+            <p:cNvSpPr txBox="1"/>
+            <p:nvPr/>
+          </p:nvSpPr>
+          <p:spPr>
+            <a:xfrm>
+              <a:off x="1044773" y="1545025"/>
+              <a:ext cx="5600726" cy="622056"/>
+            </a:xfrm>
+            <a:prstGeom prst="rect">
+              <a:avLst/>
+            </a:prstGeom>
+            <a:noFill/>
+          </p:spPr>
+          <p:txBody>
+            <a:bodyPr wrap="square" lIns="179259" tIns="143407" rIns="179259" bIns="143407" rtlCol="0">
+              <a:spAutoFit/>
+            </a:bodyPr>
+            <a:lstStyle/>
+            <a:p>
+              <a:pPr defTabSz="914192">
+                <a:lnSpc>
+                  <a:spcPct val="90000"/>
+                </a:lnSpc>
+                <a:spcAft>
+                  <a:spcPts val="588"/>
+                </a:spcAft>
+                <a:defRPr/>
+              </a:pPr>
+              <a:r>
+                <a:rPr lang="en-GB" sz="2353" dirty="0">
+                  <a:solidFill>
+                    <a:srgbClr val="000000">
+                      <a:lumMod val="65000"/>
+                      <a:lumOff val="35000"/>
+                    </a:srgbClr>
+                  </a:solidFill>
+                  <a:latin typeface="Segoe UI Semibold"/>
+                </a:rPr>
+                <a:t>One language to rule them all</a:t>
+              </a:r>
+            </a:p>
+          </p:txBody>
+        </p:sp>
+        <p:sp>
+          <p:nvSpPr>
+            <p:cNvPr id="9" name="Oval 8">
+              <a:extLst>
+                <a:ext uri="{FF2B5EF4-FFF2-40B4-BE49-F238E27FC236}">
+                  <a16:creationId xmlns:a16="http://schemas.microsoft.com/office/drawing/2014/main" id="{3303B4F4-BD54-418F-ABEC-9DA56768EB4B}"/>
+                </a:ext>
+                <a:ext uri="{C183D7F6-B498-43B3-948B-1728B52AA6E4}">
+                  <adec:decorative xmlns:adec="http://schemas.microsoft.com/office/drawing/2017/decorative" val="1"/>
+                </a:ext>
+              </a:extLst>
+            </p:cNvPr>
+            <p:cNvSpPr/>
+            <p:nvPr/>
+          </p:nvSpPr>
+          <p:spPr bwMode="auto">
+            <a:xfrm>
+              <a:off x="436378" y="1698136"/>
+              <a:ext cx="544382" cy="544382"/>
+            </a:xfrm>
+            <a:prstGeom prst="ellipse">
+              <a:avLst/>
+            </a:prstGeom>
+            <a:solidFill>
+              <a:srgbClr val="EAEAEA"/>
+            </a:solidFill>
+            <a:ln>
+              <a:noFill/>
+              <a:headEnd type="none" w="med" len="med"/>
+              <a:tailEnd type="none" w="med" len="med"/>
+            </a:ln>
+            <a:effectLst/>
+          </p:spPr>
+          <p:style>
+            <a:lnRef idx="1">
+              <a:schemeClr val="accent2"/>
+            </a:lnRef>
+            <a:fillRef idx="3">
+              <a:schemeClr val="accent2"/>
+            </a:fillRef>
+            <a:effectRef idx="2">
+              <a:schemeClr val="accent2"/>
+            </a:effectRef>
+            <a:fontRef idx="minor">
+              <a:schemeClr val="lt1"/>
+            </a:fontRef>
+          </p:style>
+          <p:txBody>
+            <a:bodyPr rot="0" spcFirstLastPara="0" vertOverflow="overflow" horzOverflow="overflow" vert="horz" wrap="square" lIns="179259" tIns="143407" rIns="179259" bIns="143407" numCol="1" spcCol="0" rtlCol="0" fromWordArt="0" anchor="t" anchorCtr="0" forceAA="0" compatLnSpc="1">
+              <a:prstTxWarp prst="textNoShape">
+                <a:avLst/>
+              </a:prstTxWarp>
+              <a:noAutofit/>
+            </a:bodyPr>
+            <a:lstStyle/>
+            <a:p>
+              <a:pPr algn="ctr" defTabSz="913927" fontAlgn="base">
+                <a:lnSpc>
+                  <a:spcPct val="90000"/>
+                </a:lnSpc>
+                <a:spcBef>
+                  <a:spcPct val="0"/>
+                </a:spcBef>
+                <a:spcAft>
+                  <a:spcPct val="0"/>
+                </a:spcAft>
+                <a:defRPr/>
+              </a:pPr>
+              <a:endParaRPr lang="en-US" sz="2353" err="1">
+                <a:gradFill>
+                  <a:gsLst>
+                    <a:gs pos="0">
+                      <a:srgbClr val="FFFFFF"/>
+                    </a:gs>
+                    <a:gs pos="100000">
+                      <a:srgbClr val="FFFFFF"/>
+                    </a:gs>
+                  </a:gsLst>
+                  <a:lin ang="5400000" scaled="0"/>
+                </a:gradFill>
+                <a:latin typeface="Segoe UI"/>
+                <a:ea typeface="Segoe UI" pitchFamily="34" charset="0"/>
+                <a:cs typeface="Segoe UI" pitchFamily="34" charset="0"/>
+              </a:endParaRPr>
+            </a:p>
+          </p:txBody>
+        </p:sp>
+        <p:sp>
+          <p:nvSpPr>
+            <p:cNvPr id="10" name="TextBox 9">
+              <a:extLst>
+                <a:ext uri="{FF2B5EF4-FFF2-40B4-BE49-F238E27FC236}">
+                  <a16:creationId xmlns:a16="http://schemas.microsoft.com/office/drawing/2014/main" id="{967D699B-D6CA-484D-9DCC-8760B5AE64AE}"/>
+                </a:ext>
+              </a:extLst>
+            </p:cNvPr>
+            <p:cNvSpPr txBox="1"/>
+            <p:nvPr/>
+          </p:nvSpPr>
+          <p:spPr>
+            <a:xfrm>
+              <a:off x="1044772" y="1903205"/>
+              <a:ext cx="5999972" cy="651344"/>
+            </a:xfrm>
+            <a:prstGeom prst="rect">
+              <a:avLst/>
+            </a:prstGeom>
+            <a:noFill/>
+          </p:spPr>
+          <p:txBody>
+            <a:bodyPr wrap="square" lIns="179259" tIns="143407" rIns="179259" bIns="143407" rtlCol="0">
+              <a:spAutoFit/>
+            </a:bodyPr>
+            <a:lstStyle/>
+            <a:p>
+              <a:pPr defTabSz="914192">
+                <a:spcAft>
+                  <a:spcPts val="588"/>
+                </a:spcAft>
+                <a:defRPr/>
+              </a:pPr>
+              <a:r>
+                <a:rPr lang="en-US" sz="1175" dirty="0">
+                  <a:solidFill>
+                    <a:srgbClr val="595959"/>
+                  </a:solidFill>
+                  <a:latin typeface="Segoe UI"/>
+                </a:rPr>
+                <a:t>Bicep does not have awareness of State so if this is a requirement Terraform may be a better option</a:t>
+              </a:r>
+            </a:p>
+          </p:txBody>
+        </p:sp>
+      </p:grpSp>
+      <p:grpSp>
+        <p:nvGrpSpPr>
+          <p:cNvPr id="8" name="Group 7">
+            <a:extLst>
+              <a:ext uri="{FF2B5EF4-FFF2-40B4-BE49-F238E27FC236}">
+                <a16:creationId xmlns:a16="http://schemas.microsoft.com/office/drawing/2014/main" id="{C41EC495-2DF9-4DAC-9F24-4E202FB16F12}"/>
+              </a:ext>
+              <a:ext uri="{C183D7F6-B498-43B3-948B-1728B52AA6E4}">
+                <adec:decorative xmlns:adec="http://schemas.microsoft.com/office/drawing/2017/decorative" val="1"/>
+              </a:ext>
+            </a:extLst>
+          </p:cNvPr>
+          <p:cNvGrpSpPr/>
+          <p:nvPr/>
+        </p:nvGrpSpPr>
+        <p:grpSpPr>
+          <a:xfrm>
+            <a:off x="437182" y="2380088"/>
+            <a:ext cx="6603634" cy="1902453"/>
+            <a:chOff x="436378" y="2624823"/>
+            <a:chExt cx="6604571" cy="1902724"/>
+          </a:xfrm>
+        </p:grpSpPr>
+        <p:sp>
+          <p:nvSpPr>
+            <p:cNvPr id="18" name="Oval 17">
+              <a:extLst>
+                <a:ext uri="{FF2B5EF4-FFF2-40B4-BE49-F238E27FC236}">
+                  <a16:creationId xmlns:a16="http://schemas.microsoft.com/office/drawing/2014/main" id="{FFDB50A0-8DD6-48CA-80CD-8F55978146FF}"/>
+                </a:ext>
+                <a:ext uri="{C183D7F6-B498-43B3-948B-1728B52AA6E4}">
+                  <adec:decorative xmlns:adec="http://schemas.microsoft.com/office/drawing/2017/decorative" val="1"/>
+                </a:ext>
+              </a:extLst>
+            </p:cNvPr>
+            <p:cNvSpPr/>
+            <p:nvPr/>
+          </p:nvSpPr>
+          <p:spPr bwMode="auto">
+            <a:xfrm>
+              <a:off x="436378" y="2770677"/>
+              <a:ext cx="544382" cy="544382"/>
+            </a:xfrm>
+            <a:prstGeom prst="ellipse">
+              <a:avLst/>
+            </a:prstGeom>
+            <a:solidFill>
+              <a:srgbClr val="EAEAEA"/>
+            </a:solidFill>
+            <a:ln>
+              <a:noFill/>
+              <a:headEnd type="none" w="med" len="med"/>
+              <a:tailEnd type="none" w="med" len="med"/>
+            </a:ln>
+            <a:effectLst/>
+          </p:spPr>
+          <p:style>
+            <a:lnRef idx="1">
+              <a:schemeClr val="accent2"/>
+            </a:lnRef>
+            <a:fillRef idx="3">
+              <a:schemeClr val="accent2"/>
+            </a:fillRef>
+            <a:effectRef idx="2">
+              <a:schemeClr val="accent2"/>
+            </a:effectRef>
+            <a:fontRef idx="minor">
+              <a:schemeClr val="lt1"/>
+            </a:fontRef>
+          </p:style>
+          <p:txBody>
+            <a:bodyPr rot="0" spcFirstLastPara="0" vertOverflow="overflow" horzOverflow="overflow" vert="horz" wrap="square" lIns="179259" tIns="143407" rIns="179259" bIns="143407" numCol="1" spcCol="0" rtlCol="0" fromWordArt="0" anchor="t" anchorCtr="0" forceAA="0" compatLnSpc="1">
+              <a:prstTxWarp prst="textNoShape">
+                <a:avLst/>
+              </a:prstTxWarp>
+              <a:noAutofit/>
+            </a:bodyPr>
+            <a:lstStyle/>
+            <a:p>
+              <a:pPr algn="ctr" defTabSz="913927" fontAlgn="base">
+                <a:lnSpc>
+                  <a:spcPct val="90000"/>
+                </a:lnSpc>
+                <a:spcBef>
+                  <a:spcPct val="0"/>
+                </a:spcBef>
+                <a:spcAft>
+                  <a:spcPct val="0"/>
+                </a:spcAft>
+                <a:defRPr/>
+              </a:pPr>
+              <a:endParaRPr lang="en-US" sz="2353" err="1">
+                <a:gradFill>
+                  <a:gsLst>
+                    <a:gs pos="0">
+                      <a:srgbClr val="FFFFFF"/>
+                    </a:gs>
+                    <a:gs pos="100000">
+                      <a:srgbClr val="FFFFFF"/>
+                    </a:gs>
+                  </a:gsLst>
+                  <a:lin ang="5400000" scaled="0"/>
+                </a:gradFill>
+                <a:latin typeface="Segoe UI"/>
+                <a:ea typeface="Segoe UI" pitchFamily="34" charset="0"/>
+                <a:cs typeface="Segoe UI" pitchFamily="34" charset="0"/>
+              </a:endParaRPr>
+            </a:p>
+          </p:txBody>
+        </p:sp>
+        <p:sp>
+          <p:nvSpPr>
+            <p:cNvPr id="20" name="TextBox 19">
+              <a:extLst>
+                <a:ext uri="{FF2B5EF4-FFF2-40B4-BE49-F238E27FC236}">
+                  <a16:creationId xmlns:a16="http://schemas.microsoft.com/office/drawing/2014/main" id="{D306CDB6-E465-4A41-B520-9DC0AC0600BC}"/>
+                </a:ext>
+              </a:extLst>
+            </p:cNvPr>
+            <p:cNvSpPr txBox="1"/>
+            <p:nvPr/>
+          </p:nvSpPr>
+          <p:spPr>
+            <a:xfrm>
+              <a:off x="1044773" y="2624823"/>
+              <a:ext cx="3584824" cy="622056"/>
+            </a:xfrm>
+            <a:prstGeom prst="rect">
+              <a:avLst/>
+            </a:prstGeom>
+            <a:noFill/>
+          </p:spPr>
+          <p:txBody>
+            <a:bodyPr wrap="square" lIns="179259" tIns="143407" rIns="179259" bIns="143407" rtlCol="0">
+              <a:spAutoFit/>
+            </a:bodyPr>
+            <a:lstStyle/>
+            <a:p>
+              <a:pPr defTabSz="914192">
+                <a:lnSpc>
+                  <a:spcPct val="90000"/>
+                </a:lnSpc>
+                <a:spcAft>
+                  <a:spcPts val="588"/>
+                </a:spcAft>
+                <a:defRPr/>
+              </a:pPr>
+              <a:r>
+                <a:rPr lang="en-US" sz="2353" dirty="0">
+                  <a:solidFill>
+                    <a:srgbClr val="000000">
+                      <a:lumMod val="65000"/>
+                      <a:lumOff val="35000"/>
+                    </a:srgbClr>
+                  </a:solidFill>
+                  <a:latin typeface="Segoe UI Semibold"/>
+                </a:rPr>
+                <a:t>Invent new technology</a:t>
+              </a:r>
+            </a:p>
+          </p:txBody>
+        </p:sp>
+        <p:sp>
+          <p:nvSpPr>
+            <p:cNvPr id="21" name="TextBox 20">
+              <a:extLst>
+                <a:ext uri="{FF2B5EF4-FFF2-40B4-BE49-F238E27FC236}">
+                  <a16:creationId xmlns:a16="http://schemas.microsoft.com/office/drawing/2014/main" id="{48F696DB-EE80-40C9-9008-6142F73C1492}"/>
+                </a:ext>
+              </a:extLst>
+            </p:cNvPr>
+            <p:cNvSpPr txBox="1"/>
+            <p:nvPr/>
+          </p:nvSpPr>
+          <p:spPr>
+            <a:xfrm>
+              <a:off x="1044773" y="2983523"/>
+              <a:ext cx="5996176" cy="1544024"/>
+            </a:xfrm>
+            <a:prstGeom prst="rect">
+              <a:avLst/>
+            </a:prstGeom>
+            <a:noFill/>
+          </p:spPr>
+          <p:txBody>
+            <a:bodyPr wrap="square" lIns="179259" tIns="143407" rIns="179259" bIns="143407" rtlCol="0">
+              <a:spAutoFit/>
+            </a:bodyPr>
+            <a:lstStyle/>
+            <a:p>
+              <a:pPr defTabSz="914192">
+                <a:spcAft>
+                  <a:spcPts val="588"/>
+                </a:spcAft>
+                <a:defRPr/>
+              </a:pPr>
+              <a:r>
+                <a:rPr lang="en-NZ" sz="1175" dirty="0">
+                  <a:solidFill>
+                    <a:srgbClr val="595959"/>
+                  </a:solidFill>
+                  <a:latin typeface="Segoe UI"/>
+                </a:rPr>
+                <a:t>Based off existing Azure Resource Manager principles. </a:t>
+              </a:r>
+            </a:p>
+            <a:p>
+              <a:pPr defTabSz="914192">
+                <a:spcAft>
+                  <a:spcPts val="588"/>
+                </a:spcAft>
+                <a:defRPr/>
+              </a:pPr>
+              <a:r>
+                <a:rPr lang="en-US" altLang="en-US" sz="1200" dirty="0">
+                  <a:latin typeface="Segoe UI"/>
+                  <a:cs typeface="Segoe UI"/>
+                </a:rPr>
+                <a:t>the first question to ask is, "Does my organization already have a tool set in use?" Many tooling options are available that can be used for infrastructure as code-based resource provisioning. Sometimes, it makes sense to use existing financial and knowledge investments when you consider adopting a new process.</a:t>
+              </a:r>
+            </a:p>
+            <a:p>
+              <a:pPr defTabSz="914192">
+                <a:spcAft>
+                  <a:spcPts val="588"/>
+                </a:spcAft>
+                <a:defRPr/>
+              </a:pPr>
+              <a:endParaRPr lang="en-US" sz="1175" dirty="0">
+                <a:solidFill>
+                  <a:srgbClr val="595959"/>
+                </a:solidFill>
+                <a:latin typeface="Segoe UI"/>
+              </a:endParaRPr>
+            </a:p>
+          </p:txBody>
+        </p:sp>
+        <p:pic>
+          <p:nvPicPr>
+            <p:cNvPr id="35" name="Graphic 34">
+              <a:extLst>
+                <a:ext uri="{FF2B5EF4-FFF2-40B4-BE49-F238E27FC236}">
+                  <a16:creationId xmlns:a16="http://schemas.microsoft.com/office/drawing/2014/main" id="{ABE2A09F-ABD7-45CC-B307-1E4AEABBFC16}"/>
+                </a:ext>
+                <a:ext uri="{C183D7F6-B498-43B3-948B-1728B52AA6E4}">
+                  <adec:decorative xmlns:adec="http://schemas.microsoft.com/office/drawing/2017/decorative" val="1"/>
+                </a:ext>
+              </a:extLst>
+            </p:cNvPr>
+            <p:cNvPicPr>
+              <a:picLocks noChangeAspect="1"/>
+            </p:cNvPicPr>
+            <p:nvPr/>
+          </p:nvPicPr>
+          <p:blipFill>
+            <a:blip r:embed="rId3">
+              <a:extLst>
+                <a:ext uri="{28A0092B-C50C-407E-A947-70E740481C1C}">
+                  <a14:useLocalDpi xmlns:a14="http://schemas.microsoft.com/office/drawing/2010/main" val="0"/>
+                </a:ext>
+                <a:ext uri="{96DAC541-7B7A-43D3-8B79-37D633B846F1}">
+                  <asvg:svgBlip xmlns:asvg="http://schemas.microsoft.com/office/drawing/2016/SVG/main" r:embed="rId4"/>
+                </a:ext>
+              </a:extLst>
+            </a:blip>
+            <a:stretch>
+              <a:fillRect/>
+            </a:stretch>
+          </p:blipFill>
+          <p:spPr>
+            <a:xfrm>
+              <a:off x="564708" y="2902801"/>
+              <a:ext cx="280133" cy="280133"/>
+            </a:xfrm>
+            <a:prstGeom prst="rect">
+              <a:avLst/>
+            </a:prstGeom>
+          </p:spPr>
+        </p:pic>
+      </p:grpSp>
+      <p:grpSp>
+        <p:nvGrpSpPr>
+          <p:cNvPr id="46" name="Group 45">
+            <a:extLst>
+              <a:ext uri="{FF2B5EF4-FFF2-40B4-BE49-F238E27FC236}">
+                <a16:creationId xmlns:a16="http://schemas.microsoft.com/office/drawing/2014/main" id="{EF9AFAD9-4ECD-4E9F-977B-4D2A1CB7CD27}"/>
+              </a:ext>
+              <a:ext uri="{C183D7F6-B498-43B3-948B-1728B52AA6E4}">
+                <adec:decorative xmlns:adec="http://schemas.microsoft.com/office/drawing/2017/decorative" val="1"/>
+              </a:ext>
+            </a:extLst>
+          </p:cNvPr>
+          <p:cNvGrpSpPr/>
+          <p:nvPr/>
+        </p:nvGrpSpPr>
+        <p:grpSpPr>
+          <a:xfrm>
+            <a:off x="10150622" y="6373551"/>
+            <a:ext cx="2490398" cy="229259"/>
+            <a:chOff x="9701248" y="4775731"/>
+            <a:chExt cx="2490752" cy="229291"/>
+          </a:xfrm>
+        </p:grpSpPr>
+        <p:sp>
+          <p:nvSpPr>
+            <p:cNvPr id="28" name="Text Placeholder 3">
+              <a:extLst>
+                <a:ext uri="{FF2B5EF4-FFF2-40B4-BE49-F238E27FC236}">
+                  <a16:creationId xmlns:a16="http://schemas.microsoft.com/office/drawing/2014/main" id="{12CDE9BA-C365-4833-B2DD-01DF20A79BB3}"/>
+                </a:ext>
+              </a:extLst>
+            </p:cNvPr>
+            <p:cNvSpPr txBox="1">
+              <a:spLocks/>
+            </p:cNvSpPr>
+            <p:nvPr/>
+          </p:nvSpPr>
+          <p:spPr>
+            <a:xfrm>
+              <a:off x="10006819" y="4790881"/>
+              <a:ext cx="2185181" cy="169301"/>
+            </a:xfrm>
+            <a:prstGeom prst="rect">
+              <a:avLst/>
+            </a:prstGeom>
+          </p:spPr>
+          <p:txBody>
+            <a:bodyPr vert="horz" wrap="square" lIns="0" tIns="0" rIns="0" bIns="0" rtlCol="0">
+              <a:spAutoFit/>
+            </a:bodyPr>
+            <a:lstStyle>
+              <a:lvl1pPr marL="228600" marR="0" indent="-228600" algn="l" defTabSz="932742" rtl="0" eaLnBrk="1" fontAlgn="auto" latinLnBrk="0" hangingPunct="1">
+                <a:lnSpc>
+                  <a:spcPct val="100000"/>
+                </a:lnSpc>
+                <a:spcBef>
+                  <a:spcPct val="20000"/>
+                </a:spcBef>
+                <a:spcAft>
+                  <a:spcPts val="0"/>
+                </a:spcAft>
+                <a:buClrTx/>
+                <a:buSzPct val="90000"/>
+                <a:buFont typeface="Wingdings" panose="05000000000000000000" pitchFamily="2" charset="2"/>
+                <a:buChar char=""/>
+                <a:tabLst/>
+                <a:defRPr sz="2800" kern="1200" spc="0" baseline="0">
+                  <a:gradFill>
+                    <a:gsLst>
+                      <a:gs pos="1250">
+                        <a:schemeClr val="tx1"/>
+                      </a:gs>
+                      <a:gs pos="100000">
+                        <a:schemeClr val="tx1"/>
+                      </a:gs>
+                    </a:gsLst>
+                    <a:lin ang="5400000" scaled="0"/>
+                  </a:gradFill>
+                  <a:latin typeface="Segoe UI Semilight" panose="020B0402040204020203" pitchFamily="34" charset="0"/>
+                  <a:ea typeface="+mn-ea"/>
+                  <a:cs typeface="Segoe UI Semilight" panose="020B0402040204020203" pitchFamily="34" charset="0"/>
+                </a:defRPr>
+              </a:lvl1pPr>
+              <a:lvl2pPr marL="457200" marR="0" indent="-228600" algn="l" defTabSz="932742" rtl="0" eaLnBrk="1" fontAlgn="auto" latinLnBrk="0" hangingPunct="1">
+                <a:lnSpc>
+                  <a:spcPct val="100000"/>
+                </a:lnSpc>
+                <a:spcBef>
+                  <a:spcPct val="20000"/>
+                </a:spcBef>
+                <a:spcAft>
+                  <a:spcPts val="0"/>
+                </a:spcAft>
+                <a:buClrTx/>
+                <a:buSzPct val="90000"/>
+                <a:buFont typeface="Wingdings" panose="05000000000000000000" pitchFamily="2" charset="2"/>
+                <a:buChar char=""/>
+                <a:tabLst/>
+                <a:defRPr sz="2000" kern="1200" spc="0" baseline="0">
+                  <a:gradFill>
+                    <a:gsLst>
+                      <a:gs pos="1250">
+                        <a:schemeClr val="tx1"/>
+                      </a:gs>
+                      <a:gs pos="100000">
+                        <a:schemeClr val="tx1"/>
+                      </a:gs>
+                    </a:gsLst>
+                    <a:lin ang="5400000" scaled="0"/>
+                  </a:gradFill>
+                  <a:latin typeface="+mn-lt"/>
+                  <a:ea typeface="+mn-ea"/>
+                  <a:cs typeface="+mn-cs"/>
+                </a:defRPr>
+              </a:lvl2pPr>
+              <a:lvl3pPr marL="657225" marR="0" indent="-200025" algn="l" defTabSz="932742" rtl="0" eaLnBrk="1" fontAlgn="auto" latinLnBrk="0" hangingPunct="1">
+                <a:lnSpc>
+                  <a:spcPct val="100000"/>
+                </a:lnSpc>
+                <a:spcBef>
+                  <a:spcPct val="20000"/>
+                </a:spcBef>
+                <a:spcAft>
+                  <a:spcPts val="0"/>
+                </a:spcAft>
+                <a:buClrTx/>
+                <a:buSzPct val="90000"/>
+                <a:buFont typeface="Wingdings" panose="05000000000000000000" pitchFamily="2" charset="2"/>
+                <a:buChar char=""/>
+                <a:tabLst/>
+                <a:defRPr sz="1600" kern="1200" spc="0" baseline="0">
+                  <a:gradFill>
+                    <a:gsLst>
+                      <a:gs pos="1250">
+                        <a:schemeClr val="tx1"/>
+                      </a:gs>
+                      <a:gs pos="100000">
+                        <a:schemeClr val="tx1"/>
+                      </a:gs>
+                    </a:gsLst>
+                    <a:lin ang="5400000" scaled="0"/>
+                  </a:gradFill>
+                  <a:latin typeface="+mn-lt"/>
+                  <a:ea typeface="+mn-ea"/>
+                  <a:cs typeface="+mn-cs"/>
+                </a:defRPr>
+              </a:lvl3pPr>
+              <a:lvl4pPr marL="842963" marR="0" indent="-180975" algn="l" defTabSz="932742" rtl="0" eaLnBrk="1" fontAlgn="auto" latinLnBrk="0" hangingPunct="1">
+                <a:lnSpc>
+                  <a:spcPct val="100000"/>
+                </a:lnSpc>
+                <a:spcBef>
+                  <a:spcPct val="20000"/>
+                </a:spcBef>
+                <a:spcAft>
+                  <a:spcPts val="0"/>
+                </a:spcAft>
+                <a:buClrTx/>
+                <a:buSzPct val="90000"/>
+                <a:buFont typeface="Wingdings" panose="05000000000000000000" pitchFamily="2" charset="2"/>
+                <a:buChar char=""/>
+                <a:tabLst/>
+                <a:defRPr sz="1400" kern="1200" spc="0" baseline="0">
+                  <a:gradFill>
+                    <a:gsLst>
+                      <a:gs pos="1250">
+                        <a:schemeClr val="tx1"/>
+                      </a:gs>
+                      <a:gs pos="100000">
+                        <a:schemeClr val="tx1"/>
+                      </a:gs>
+                    </a:gsLst>
+                    <a:lin ang="5400000" scaled="0"/>
+                  </a:gradFill>
+                  <a:latin typeface="+mn-lt"/>
+                  <a:ea typeface="+mn-ea"/>
+                  <a:cs typeface="+mn-cs"/>
+                </a:defRPr>
+              </a:lvl4pPr>
+              <a:lvl5pPr marL="1023938" marR="0" indent="-168275" algn="l" defTabSz="932742" rtl="0" eaLnBrk="1" fontAlgn="auto" latinLnBrk="0" hangingPunct="1">
+                <a:lnSpc>
+                  <a:spcPct val="100000"/>
+                </a:lnSpc>
+                <a:spcBef>
+                  <a:spcPct val="20000"/>
+                </a:spcBef>
+                <a:spcAft>
+                  <a:spcPts val="0"/>
+                </a:spcAft>
+                <a:buClrTx/>
+                <a:buSzPct val="90000"/>
+                <a:buFont typeface="Wingdings" panose="05000000000000000000" pitchFamily="2" charset="2"/>
+                <a:buChar char=""/>
+                <a:tabLst/>
+                <a:defRPr sz="1400" kern="1200" spc="0" baseline="0">
+                  <a:gradFill>
+                    <a:gsLst>
+                      <a:gs pos="1250">
+                        <a:schemeClr val="tx1"/>
+                      </a:gs>
+                      <a:gs pos="100000">
+                        <a:schemeClr val="tx1"/>
+                      </a:gs>
+                    </a:gsLst>
+                    <a:lin ang="5400000" scaled="0"/>
+                  </a:gradFill>
+                  <a:latin typeface="+mn-lt"/>
+                  <a:ea typeface="+mn-ea"/>
+                  <a:cs typeface="+mn-cs"/>
+                </a:defRPr>
+              </a:lvl5pPr>
+              <a:lvl6pPr marL="2565040" indent="-233186" algn="l" defTabSz="932742" rtl="0" eaLnBrk="1" latinLnBrk="0" hangingPunct="1">
+                <a:spcBef>
+                  <a:spcPct val="20000"/>
+                </a:spcBef>
+                <a:buFont typeface="Arial" pitchFamily="34" charset="0"/>
+                <a:buChar char="•"/>
+                <a:defRPr sz="2000" kern="1200">
+                  <a:solidFill>
+                    <a:schemeClr val="tx1"/>
+                  </a:solidFill>
+                  <a:latin typeface="+mn-lt"/>
+                  <a:ea typeface="+mn-ea"/>
+                  <a:cs typeface="+mn-cs"/>
+                </a:defRPr>
+              </a:lvl6pPr>
+              <a:lvl7pPr marL="3031412" indent="-233186" algn="l" defTabSz="932742" rtl="0" eaLnBrk="1" latinLnBrk="0" hangingPunct="1">
+                <a:spcBef>
+                  <a:spcPct val="20000"/>
+                </a:spcBef>
+                <a:buFont typeface="Arial" pitchFamily="34" charset="0"/>
+                <a:buChar char="•"/>
+                <a:defRPr sz="2000" kern="1200">
+                  <a:solidFill>
+                    <a:schemeClr val="tx1"/>
+                  </a:solidFill>
+                  <a:latin typeface="+mn-lt"/>
+                  <a:ea typeface="+mn-ea"/>
+                  <a:cs typeface="+mn-cs"/>
+                </a:defRPr>
+              </a:lvl7pPr>
+              <a:lvl8pPr marL="3497783" indent="-233186" algn="l" defTabSz="932742" rtl="0" eaLnBrk="1" latinLnBrk="0" hangingPunct="1">
+                <a:spcBef>
+                  <a:spcPct val="20000"/>
+                </a:spcBef>
+                <a:buFont typeface="Arial" pitchFamily="34" charset="0"/>
+                <a:buChar char="•"/>
+                <a:defRPr sz="2000" kern="1200">
+                  <a:solidFill>
+                    <a:schemeClr val="tx1"/>
+                  </a:solidFill>
+                  <a:latin typeface="+mn-lt"/>
+                  <a:ea typeface="+mn-ea"/>
+                  <a:cs typeface="+mn-cs"/>
+                </a:defRPr>
+              </a:lvl8pPr>
+              <a:lvl9pPr marL="3964155" indent="-233186" algn="l" defTabSz="932742" rtl="0" eaLnBrk="1" latinLnBrk="0" hangingPunct="1">
+                <a:spcBef>
+                  <a:spcPct val="20000"/>
+                </a:spcBef>
+                <a:buFont typeface="Arial" pitchFamily="34" charset="0"/>
+                <a:buChar char="•"/>
+                <a:defRPr sz="2000" kern="1200">
+                  <a:solidFill>
+                    <a:schemeClr val="tx1"/>
+                  </a:solidFill>
+                  <a:latin typeface="+mn-lt"/>
+                  <a:ea typeface="+mn-ea"/>
+                  <a:cs typeface="+mn-cs"/>
+                </a:defRPr>
+              </a:lvl9pPr>
+            </a:lstStyle>
+            <a:p>
+              <a:pPr marL="0" indent="0" defTabSz="932563">
+                <a:buNone/>
+                <a:defRPr/>
+              </a:pPr>
+              <a:r>
+                <a:rPr lang="en-US" sz="1100" b="1" dirty="0">
+                  <a:solidFill>
+                    <a:srgbClr val="2C65E1"/>
+                  </a:solidFill>
+                  <a:latin typeface="Segoe UI Semibold" panose="020B0702040204020203" pitchFamily="34" charset="0"/>
+                  <a:cs typeface="Segoe UI Semibold" panose="020B0702040204020203" pitchFamily="34" charset="0"/>
+                </a:rPr>
+                <a:t>https://aka.ms/BicepDocs</a:t>
+              </a:r>
+            </a:p>
+          </p:txBody>
+        </p:sp>
+        <p:sp>
+          <p:nvSpPr>
+            <p:cNvPr id="27" name="Freeform 9">
+              <a:extLst>
+                <a:ext uri="{FF2B5EF4-FFF2-40B4-BE49-F238E27FC236}">
+                  <a16:creationId xmlns:a16="http://schemas.microsoft.com/office/drawing/2014/main" id="{F0C7D1F0-6926-4143-897F-8BF9C54E9CEC}"/>
+                </a:ext>
+              </a:extLst>
+            </p:cNvPr>
+            <p:cNvSpPr>
+              <a:spLocks noEditPoints="1"/>
+            </p:cNvSpPr>
+            <p:nvPr/>
+          </p:nvSpPr>
+          <p:spPr bwMode="black">
+            <a:xfrm>
+              <a:off x="9701248" y="4775731"/>
+              <a:ext cx="228363" cy="229291"/>
+            </a:xfrm>
+            <a:custGeom>
+              <a:avLst/>
+              <a:gdLst>
+                <a:gd name="T0" fmla="*/ 88 w 149"/>
+                <a:gd name="T1" fmla="*/ 67 h 149"/>
+                <a:gd name="T2" fmla="*/ 65 w 149"/>
+                <a:gd name="T3" fmla="*/ 46 h 149"/>
+                <a:gd name="T4" fmla="*/ 84 w 149"/>
+                <a:gd name="T5" fmla="*/ 46 h 149"/>
+                <a:gd name="T6" fmla="*/ 115 w 149"/>
+                <a:gd name="T7" fmla="*/ 75 h 149"/>
+                <a:gd name="T8" fmla="*/ 84 w 149"/>
+                <a:gd name="T9" fmla="*/ 104 h 149"/>
+                <a:gd name="T10" fmla="*/ 65 w 149"/>
+                <a:gd name="T11" fmla="*/ 104 h 149"/>
+                <a:gd name="T12" fmla="*/ 88 w 149"/>
+                <a:gd name="T13" fmla="*/ 82 h 149"/>
+                <a:gd name="T14" fmla="*/ 36 w 149"/>
+                <a:gd name="T15" fmla="*/ 82 h 149"/>
+                <a:gd name="T16" fmla="*/ 36 w 149"/>
+                <a:gd name="T17" fmla="*/ 67 h 149"/>
+                <a:gd name="T18" fmla="*/ 88 w 149"/>
+                <a:gd name="T19" fmla="*/ 67 h 149"/>
+                <a:gd name="T20" fmla="*/ 74 w 149"/>
+                <a:gd name="T21" fmla="*/ 9 h 149"/>
+                <a:gd name="T22" fmla="*/ 140 w 149"/>
+                <a:gd name="T23" fmla="*/ 75 h 149"/>
+                <a:gd name="T24" fmla="*/ 74 w 149"/>
+                <a:gd name="T25" fmla="*/ 140 h 149"/>
+                <a:gd name="T26" fmla="*/ 9 w 149"/>
+                <a:gd name="T27" fmla="*/ 75 h 149"/>
+                <a:gd name="T28" fmla="*/ 74 w 149"/>
+                <a:gd name="T29" fmla="*/ 9 h 149"/>
+                <a:gd name="T30" fmla="*/ 74 w 149"/>
+                <a:gd name="T31" fmla="*/ 0 h 149"/>
+                <a:gd name="T32" fmla="*/ 0 w 149"/>
+                <a:gd name="T33" fmla="*/ 75 h 149"/>
+                <a:gd name="T34" fmla="*/ 74 w 149"/>
+                <a:gd name="T35" fmla="*/ 149 h 149"/>
+                <a:gd name="T36" fmla="*/ 149 w 149"/>
+                <a:gd name="T37" fmla="*/ 75 h 149"/>
+                <a:gd name="T38" fmla="*/ 74 w 149"/>
+                <a:gd name="T39" fmla="*/ 0 h 149"/>
+              </a:gdLst>
+              <a:ahLst/>
+              <a:cxnLst>
+                <a:cxn ang="0">
+                  <a:pos x="T0" y="T1"/>
+                </a:cxn>
+                <a:cxn ang="0">
+                  <a:pos x="T2" y="T3"/>
+                </a:cxn>
+                <a:cxn ang="0">
+                  <a:pos x="T4" y="T5"/>
+                </a:cxn>
+                <a:cxn ang="0">
+                  <a:pos x="T6" y="T7"/>
+                </a:cxn>
+                <a:cxn ang="0">
+                  <a:pos x="T8" y="T9"/>
+                </a:cxn>
+                <a:cxn ang="0">
+                  <a:pos x="T10" y="T11"/>
+                </a:cxn>
+                <a:cxn ang="0">
+                  <a:pos x="T12" y="T13"/>
+                </a:cxn>
+                <a:cxn ang="0">
+                  <a:pos x="T14" y="T15"/>
+                </a:cxn>
+                <a:cxn ang="0">
+                  <a:pos x="T16" y="T17"/>
+                </a:cxn>
+                <a:cxn ang="0">
+                  <a:pos x="T18" y="T19"/>
+                </a:cxn>
+                <a:cxn ang="0">
+                  <a:pos x="T20" y="T21"/>
+                </a:cxn>
+                <a:cxn ang="0">
+                  <a:pos x="T22" y="T23"/>
+                </a:cxn>
+                <a:cxn ang="0">
+                  <a:pos x="T24" y="T25"/>
+                </a:cxn>
+                <a:cxn ang="0">
+                  <a:pos x="T26" y="T27"/>
+                </a:cxn>
+                <a:cxn ang="0">
+                  <a:pos x="T28" y="T29"/>
+                </a:cxn>
+                <a:cxn ang="0">
+                  <a:pos x="T30" y="T31"/>
+                </a:cxn>
+                <a:cxn ang="0">
+                  <a:pos x="T32" y="T33"/>
+                </a:cxn>
+                <a:cxn ang="0">
+                  <a:pos x="T34" y="T35"/>
+                </a:cxn>
+                <a:cxn ang="0">
+                  <a:pos x="T36" y="T37"/>
+                </a:cxn>
+                <a:cxn ang="0">
+                  <a:pos x="T38" y="T39"/>
+                </a:cxn>
+              </a:cxnLst>
+              <a:rect l="0" t="0" r="r" b="b"/>
+              <a:pathLst>
+                <a:path w="149" h="149">
+                  <a:moveTo>
+                    <a:pt x="88" y="67"/>
+                  </a:moveTo>
+                  <a:cubicBezTo>
+                    <a:pt x="65" y="46"/>
+                    <a:pt x="65" y="46"/>
+                    <a:pt x="65" y="46"/>
+                  </a:cubicBezTo>
+                  <a:cubicBezTo>
+                    <a:pt x="84" y="46"/>
+                    <a:pt x="84" y="46"/>
+                    <a:pt x="84" y="46"/>
+                  </a:cubicBezTo>
+                  <a:cubicBezTo>
+                    <a:pt x="115" y="75"/>
+                    <a:pt x="115" y="75"/>
+                    <a:pt x="115" y="75"/>
+                  </a:cubicBezTo>
+                  <a:cubicBezTo>
+                    <a:pt x="84" y="104"/>
+                    <a:pt x="84" y="104"/>
+                    <a:pt x="84" y="104"/>
+                  </a:cubicBezTo>
+                  <a:cubicBezTo>
+                    <a:pt x="65" y="104"/>
+                    <a:pt x="65" y="104"/>
+                    <a:pt x="65" y="104"/>
+                  </a:cubicBezTo>
+                  <a:cubicBezTo>
+                    <a:pt x="88" y="82"/>
+                    <a:pt x="88" y="82"/>
+                    <a:pt x="88" y="82"/>
+                  </a:cubicBezTo>
+                  <a:cubicBezTo>
+                    <a:pt x="36" y="82"/>
+                    <a:pt x="36" y="82"/>
+                    <a:pt x="36" y="82"/>
+                  </a:cubicBezTo>
+                  <a:cubicBezTo>
+                    <a:pt x="36" y="67"/>
+                    <a:pt x="36" y="67"/>
+                    <a:pt x="36" y="67"/>
+                  </a:cubicBezTo>
+                  <a:lnTo>
+                    <a:pt x="88" y="67"/>
+                  </a:lnTo>
+                  <a:close/>
+                  <a:moveTo>
+                    <a:pt x="74" y="9"/>
+                  </a:moveTo>
+                  <a:cubicBezTo>
+                    <a:pt x="110" y="9"/>
+                    <a:pt x="140" y="39"/>
+                    <a:pt x="140" y="75"/>
+                  </a:cubicBezTo>
+                  <a:cubicBezTo>
+                    <a:pt x="140" y="111"/>
+                    <a:pt x="110" y="140"/>
+                    <a:pt x="74" y="140"/>
+                  </a:cubicBezTo>
+                  <a:cubicBezTo>
+                    <a:pt x="38" y="140"/>
+                    <a:pt x="9" y="111"/>
+                    <a:pt x="9" y="75"/>
+                  </a:cubicBezTo>
+                  <a:cubicBezTo>
+                    <a:pt x="9" y="39"/>
+                    <a:pt x="38" y="9"/>
+                    <a:pt x="74" y="9"/>
+                  </a:cubicBezTo>
+                  <a:moveTo>
+                    <a:pt x="74" y="0"/>
+                  </a:moveTo>
+                  <a:cubicBezTo>
+                    <a:pt x="33" y="0"/>
+                    <a:pt x="0" y="33"/>
+                    <a:pt x="0" y="75"/>
+                  </a:cubicBezTo>
+                  <a:cubicBezTo>
+                    <a:pt x="0" y="116"/>
+                    <a:pt x="33" y="149"/>
+                    <a:pt x="74" y="149"/>
+                  </a:cubicBezTo>
+                  <a:cubicBezTo>
+                    <a:pt x="116" y="149"/>
+                    <a:pt x="149" y="116"/>
+                    <a:pt x="149" y="75"/>
+                  </a:cubicBezTo>
+                  <a:cubicBezTo>
+                    <a:pt x="149" y="33"/>
+                    <a:pt x="116" y="0"/>
+                    <a:pt x="74" y="0"/>
+                  </a:cubicBezTo>
+                </a:path>
+              </a:pathLst>
+            </a:custGeom>
+            <a:solidFill>
+              <a:srgbClr val="2C65E1"/>
+            </a:solidFill>
+            <a:ln>
+              <a:noFill/>
+            </a:ln>
+          </p:spPr>
+          <p:txBody>
+            <a:bodyPr vert="horz" wrap="square" lIns="91427" tIns="45713" rIns="91427" bIns="45713" numCol="1" anchor="t" anchorCtr="0" compatLnSpc="1">
+              <a:prstTxWarp prst="textNoShape">
+                <a:avLst/>
+              </a:prstTxWarp>
+            </a:bodyPr>
+            <a:lstStyle/>
+            <a:p>
+              <a:pPr defTabSz="914225">
+                <a:defRPr/>
+              </a:pPr>
+              <a:endParaRPr lang="en-US" sz="1800">
+                <a:solidFill>
+                  <a:srgbClr val="000000"/>
+                </a:solidFill>
+                <a:latin typeface="Segoe UI"/>
+              </a:endParaRPr>
+            </a:p>
+          </p:txBody>
+        </p:sp>
+      </p:grpSp>
+      <p:sp>
+        <p:nvSpPr>
+          <p:cNvPr id="36" name="Title 3">
+            <a:extLst>
+              <a:ext uri="{FF2B5EF4-FFF2-40B4-BE49-F238E27FC236}">
+                <a16:creationId xmlns:a16="http://schemas.microsoft.com/office/drawing/2014/main" id="{F31C2209-FBCC-D444-88EA-B274AED4593E}"/>
+              </a:ext>
+            </a:extLst>
+          </p:cNvPr>
+          <p:cNvSpPr txBox="1">
+            <a:spLocks/>
+          </p:cNvSpPr>
+          <p:nvPr/>
+        </p:nvSpPr>
+        <p:spPr>
+          <a:xfrm>
+            <a:off x="197867" y="155321"/>
+            <a:ext cx="5081270" cy="199140"/>
+          </a:xfrm>
+          <a:prstGeom prst="rect">
+            <a:avLst/>
+          </a:prstGeom>
+        </p:spPr>
+        <p:txBody>
+          <a:bodyPr/>
+          <a:lstStyle>
+            <a:lvl1pPr algn="l" defTabSz="932597" rtl="0" eaLnBrk="1" latinLnBrk="0" hangingPunct="1">
+              <a:lnSpc>
+                <a:spcPct val="90000"/>
+              </a:lnSpc>
+              <a:spcBef>
+                <a:spcPct val="0"/>
+              </a:spcBef>
+              <a:buNone/>
+              <a:defRPr kumimoji="0" lang="en-US" sz="4488" b="1" i="0" u="none" strike="noStrike" kern="1200" cap="none" spc="0" normalizeH="0" baseline="0" smtClean="0">
+                <a:ln>
+                  <a:noFill/>
+                </a:ln>
+                <a:solidFill>
+                  <a:srgbClr val="331C58"/>
+                </a:solidFill>
+                <a:effectLst/>
+                <a:uLnTx/>
+                <a:uFillTx/>
+                <a:latin typeface="Segoe UI" panose="020B0502040204020203" pitchFamily="34" charset="0"/>
+                <a:ea typeface="+mn-ea"/>
+                <a:cs typeface="Segoe UI" panose="020B0502040204020203" pitchFamily="34" charset="0"/>
+              </a:defRPr>
+            </a:lvl1pPr>
+          </a:lstStyle>
+          <a:p>
+            <a:pPr defTabSz="914225">
+              <a:lnSpc>
+                <a:spcPct val="150000"/>
+              </a:lnSpc>
+              <a:defRPr/>
+            </a:pPr>
+            <a:r>
+              <a:rPr lang="en-US" sz="784" b="0" spc="294">
+                <a:solidFill>
+                  <a:prstClr val="black">
+                    <a:lumMod val="50000"/>
+                    <a:lumOff val="50000"/>
+                  </a:prstClr>
+                </a:solidFill>
+              </a:rPr>
+              <a:t>AZURE</a:t>
+            </a:r>
+          </a:p>
+        </p:txBody>
+      </p:sp>
+      <p:sp>
+        <p:nvSpPr>
+          <p:cNvPr id="38" name="Text Placeholder 4">
+            <a:extLst>
+              <a:ext uri="{FF2B5EF4-FFF2-40B4-BE49-F238E27FC236}">
+                <a16:creationId xmlns:a16="http://schemas.microsoft.com/office/drawing/2014/main" id="{7DDE4EB7-AB40-CA48-8310-B20D7CD8C201}"/>
+              </a:ext>
+            </a:extLst>
+          </p:cNvPr>
+          <p:cNvSpPr txBox="1">
+            <a:spLocks noGrp="1"/>
+          </p:cNvSpPr>
+          <p:nvPr>
+            <p:ph type="title" idx="4294967295"/>
+          </p:nvPr>
+        </p:nvSpPr>
+        <p:spPr>
+          <a:xfrm>
+            <a:off x="197867" y="383539"/>
+            <a:ext cx="5081270" cy="346521"/>
+          </a:xfrm>
+          <a:prstGeom prst="rect">
+            <a:avLst/>
+          </a:prstGeom>
+          <a:noFill/>
+          <a:ln>
+            <a:noFill/>
+            <a:prstDash/>
+          </a:ln>
+          <a:effectLst/>
+        </p:spPr>
+        <p:txBody>
+          <a:bodyPr rot="0" spcFirstLastPara="0" vertOverflow="overflow" horzOverflow="overflow" vert="horz" wrap="square" lIns="89642" tIns="44821" rIns="89642" bIns="44821" numCol="1" spcCol="0" rtlCol="0" fromWordArt="0" anchor="t" anchorCtr="0" forceAA="0" compatLnSpc="1">
+            <a:prstTxWarp prst="textNoShape">
+              <a:avLst/>
+            </a:prstTxWarp>
+            <a:noAutofit/>
+          </a:bodyPr>
+          <a:lstStyle>
+            <a:lvl1pPr marL="233149" indent="-233149" algn="l" defTabSz="932597" rtl="0" eaLnBrk="1" latinLnBrk="0" hangingPunct="1">
+              <a:lnSpc>
+                <a:spcPct val="90000"/>
+              </a:lnSpc>
+              <a:spcBef>
+                <a:spcPts val="1020"/>
+              </a:spcBef>
+              <a:buFont typeface="Arial" panose="020B0604020202020204" pitchFamily="34" charset="0"/>
+              <a:buChar char="•"/>
+              <a:defRPr sz="2856" kern="1200">
+                <a:solidFill>
+                  <a:schemeClr val="tx1"/>
+                </a:solidFill>
+                <a:latin typeface="Segoe UI" panose="020B0502040204020203" pitchFamily="34" charset="0"/>
+                <a:ea typeface="+mn-ea"/>
+                <a:cs typeface="Segoe UI" panose="020B0502040204020203" pitchFamily="34" charset="0"/>
+              </a:defRPr>
+            </a:lvl1pPr>
+            <a:lvl2pPr marL="699447" indent="-233149" algn="l" defTabSz="932597" rtl="0" eaLnBrk="1" latinLnBrk="0" hangingPunct="1">
+              <a:lnSpc>
+                <a:spcPct val="90000"/>
+              </a:lnSpc>
+              <a:spcBef>
+                <a:spcPts val="510"/>
+              </a:spcBef>
+              <a:buFont typeface="Arial" panose="020B0604020202020204" pitchFamily="34" charset="0"/>
+              <a:buChar char="•"/>
+              <a:defRPr sz="2448" kern="1200">
+                <a:solidFill>
+                  <a:schemeClr val="tx1"/>
+                </a:solidFill>
+                <a:latin typeface="Segoe UI" panose="020B0502040204020203" pitchFamily="34" charset="0"/>
+                <a:ea typeface="+mn-ea"/>
+                <a:cs typeface="Segoe UI" panose="020B0502040204020203" pitchFamily="34" charset="0"/>
+              </a:defRPr>
+            </a:lvl2pPr>
+            <a:lvl3pPr marL="1165746" indent="-233149" algn="l" defTabSz="932597" rtl="0" eaLnBrk="1" latinLnBrk="0" hangingPunct="1">
+              <a:lnSpc>
+                <a:spcPct val="90000"/>
+              </a:lnSpc>
+              <a:spcBef>
+                <a:spcPts val="510"/>
+              </a:spcBef>
+              <a:buFont typeface="Arial" panose="020B0604020202020204" pitchFamily="34" charset="0"/>
+              <a:buChar char="•"/>
+              <a:defRPr sz="2040" kern="1200">
+                <a:solidFill>
+                  <a:schemeClr val="tx1"/>
+                </a:solidFill>
+                <a:latin typeface="Segoe UI" panose="020B0502040204020203" pitchFamily="34" charset="0"/>
+                <a:ea typeface="+mn-ea"/>
+                <a:cs typeface="Segoe UI" panose="020B0502040204020203" pitchFamily="34" charset="0"/>
+              </a:defRPr>
+            </a:lvl3pPr>
+            <a:lvl4pPr marL="1632044" indent="-233149" algn="l" defTabSz="932597" rtl="0" eaLnBrk="1" latinLnBrk="0" hangingPunct="1">
+              <a:lnSpc>
+                <a:spcPct val="90000"/>
+              </a:lnSpc>
+              <a:spcBef>
+                <a:spcPts val="510"/>
+              </a:spcBef>
+              <a:buFont typeface="Arial" panose="020B0604020202020204" pitchFamily="34" charset="0"/>
+              <a:buChar char="•"/>
+              <a:defRPr sz="1836" kern="1200">
+                <a:solidFill>
+                  <a:schemeClr val="tx1"/>
+                </a:solidFill>
+                <a:latin typeface="Segoe UI" panose="020B0502040204020203" pitchFamily="34" charset="0"/>
+                <a:ea typeface="+mn-ea"/>
+                <a:cs typeface="Segoe UI" panose="020B0502040204020203" pitchFamily="34" charset="0"/>
+              </a:defRPr>
+            </a:lvl4pPr>
+            <a:lvl5pPr marL="2098342" indent="-233149" algn="l" defTabSz="932597" rtl="0" eaLnBrk="1" latinLnBrk="0" hangingPunct="1">
+              <a:lnSpc>
+                <a:spcPct val="90000"/>
+              </a:lnSpc>
+              <a:spcBef>
+                <a:spcPts val="510"/>
+              </a:spcBef>
+              <a:buFont typeface="Arial" panose="020B0604020202020204" pitchFamily="34" charset="0"/>
+              <a:buChar char="•"/>
+              <a:defRPr sz="1836" kern="1200">
+                <a:solidFill>
+                  <a:schemeClr val="tx1"/>
+                </a:solidFill>
+                <a:latin typeface="Segoe UI" panose="020B0502040204020203" pitchFamily="34" charset="0"/>
+                <a:ea typeface="+mn-ea"/>
+                <a:cs typeface="Segoe UI" panose="020B0502040204020203" pitchFamily="34" charset="0"/>
+              </a:defRPr>
+            </a:lvl5pPr>
+            <a:lvl6pPr marL="2564641" indent="-233149" algn="l" defTabSz="932597" rtl="0" eaLnBrk="1" latinLnBrk="0" hangingPunct="1">
+              <a:lnSpc>
+                <a:spcPct val="90000"/>
+              </a:lnSpc>
+              <a:spcBef>
+                <a:spcPts val="510"/>
+              </a:spcBef>
+              <a:buFont typeface="Arial" panose="020B0604020202020204" pitchFamily="34" charset="0"/>
+              <a:buChar char="•"/>
+              <a:defRPr sz="1836" kern="1200">
+                <a:solidFill>
+                  <a:schemeClr val="tx1"/>
+                </a:solidFill>
+                <a:latin typeface="+mn-lt"/>
+                <a:ea typeface="+mn-ea"/>
+                <a:cs typeface="+mn-cs"/>
+              </a:defRPr>
+            </a:lvl6pPr>
+            <a:lvl7pPr marL="3030939" indent="-233149" algn="l" defTabSz="932597" rtl="0" eaLnBrk="1" latinLnBrk="0" hangingPunct="1">
+              <a:lnSpc>
+                <a:spcPct val="90000"/>
+              </a:lnSpc>
+              <a:spcBef>
+                <a:spcPts val="510"/>
+              </a:spcBef>
+              <a:buFont typeface="Arial" panose="020B0604020202020204" pitchFamily="34" charset="0"/>
+              <a:buChar char="•"/>
+              <a:defRPr sz="1836" kern="1200">
+                <a:solidFill>
+                  <a:schemeClr val="tx1"/>
+                </a:solidFill>
+                <a:latin typeface="+mn-lt"/>
+                <a:ea typeface="+mn-ea"/>
+                <a:cs typeface="+mn-cs"/>
+              </a:defRPr>
+            </a:lvl7pPr>
+            <a:lvl8pPr marL="3497237" indent="-233149" algn="l" defTabSz="932597" rtl="0" eaLnBrk="1" latinLnBrk="0" hangingPunct="1">
+              <a:lnSpc>
+                <a:spcPct val="90000"/>
+              </a:lnSpc>
+              <a:spcBef>
+                <a:spcPts val="510"/>
+              </a:spcBef>
+              <a:buFont typeface="Arial" panose="020B0604020202020204" pitchFamily="34" charset="0"/>
+              <a:buChar char="•"/>
+              <a:defRPr sz="1836" kern="1200">
+                <a:solidFill>
+                  <a:schemeClr val="tx1"/>
+                </a:solidFill>
+                <a:latin typeface="+mn-lt"/>
+                <a:ea typeface="+mn-ea"/>
+                <a:cs typeface="+mn-cs"/>
+              </a:defRPr>
+            </a:lvl8pPr>
+            <a:lvl9pPr marL="3963535" indent="-233149" algn="l" defTabSz="932597" rtl="0" eaLnBrk="1" latinLnBrk="0" hangingPunct="1">
+              <a:lnSpc>
+                <a:spcPct val="90000"/>
+              </a:lnSpc>
+              <a:spcBef>
+                <a:spcPts val="510"/>
+              </a:spcBef>
+              <a:buFont typeface="Arial" panose="020B0604020202020204" pitchFamily="34" charset="0"/>
+              <a:buChar char="•"/>
+              <a:defRPr sz="1836" kern="1200">
+                <a:solidFill>
+                  <a:schemeClr val="tx1"/>
+                </a:solidFill>
+                <a:latin typeface="+mn-lt"/>
+                <a:ea typeface="+mn-ea"/>
+                <a:cs typeface="+mn-cs"/>
+              </a:defRPr>
+            </a:lvl9pPr>
+          </a:lstStyle>
+          <a:p>
+            <a:pPr marL="0" indent="0" defTabSz="914225">
+              <a:lnSpc>
+                <a:spcPct val="100000"/>
+              </a:lnSpc>
+              <a:spcBef>
+                <a:spcPts val="1000"/>
+              </a:spcBef>
+              <a:buNone/>
+              <a:defRPr/>
+            </a:pPr>
+            <a:r>
+              <a:rPr lang="en-US" sz="1765" b="1" spc="0" dirty="0">
+                <a:ln>
+                  <a:noFill/>
+                </a:ln>
+                <a:solidFill>
+                  <a:srgbClr val="0000FF"/>
+                </a:solidFill>
+              </a:rPr>
+              <a:t>What Bicep is NOT</a:t>
+            </a:r>
+          </a:p>
+        </p:txBody>
+      </p:sp>
+      <p:sp>
+        <p:nvSpPr>
+          <p:cNvPr id="41" name="Rectangle 40">
+            <a:extLst>
+              <a:ext uri="{FF2B5EF4-FFF2-40B4-BE49-F238E27FC236}">
+                <a16:creationId xmlns:a16="http://schemas.microsoft.com/office/drawing/2014/main" id="{68FE213C-5448-5C40-BAC2-1DCA15A0C038}"/>
+              </a:ext>
+              <a:ext uri="{C183D7F6-B498-43B3-948B-1728B52AA6E4}">
+                <adec:decorative xmlns:adec="http://schemas.microsoft.com/office/drawing/2017/decorative" val="1"/>
+              </a:ext>
+            </a:extLst>
+          </p:cNvPr>
+          <p:cNvSpPr/>
+          <p:nvPr/>
+        </p:nvSpPr>
+        <p:spPr>
+          <a:xfrm>
+            <a:off x="299121" y="776407"/>
+            <a:ext cx="44820" cy="155419"/>
+          </a:xfrm>
+          <a:prstGeom prst="rect">
+            <a:avLst/>
+          </a:prstGeom>
+          <a:solidFill>
+            <a:srgbClr val="0000FF"/>
+          </a:solidFill>
+          <a:ln>
+            <a:noFill/>
+          </a:ln>
+        </p:spPr>
+        <p:style>
+          <a:lnRef idx="2">
+            <a:schemeClr val="accent1">
+              <a:shade val="50000"/>
+            </a:schemeClr>
+          </a:lnRef>
+          <a:fillRef idx="1">
+            <a:schemeClr val="accent1"/>
+          </a:fillRef>
+          <a:effectRef idx="0">
+            <a:schemeClr val="accent1"/>
+          </a:effectRef>
+          <a:fontRef idx="minor">
+            <a:schemeClr val="lt1"/>
+          </a:fontRef>
+        </p:style>
+        <p:txBody>
+          <a:bodyPr rtlCol="0" anchor="ctr"/>
+          <a:lstStyle>
+            <a:defPPr>
+              <a:defRPr lang="en-US"/>
+            </a:defPPr>
+            <a:lvl1pPr marL="0" algn="l" defTabSz="914400" rtl="0" eaLnBrk="1" latinLnBrk="0" hangingPunct="1">
+              <a:defRPr sz="1800" kern="1200">
+                <a:solidFill>
+                  <a:schemeClr val="lt1"/>
+                </a:solidFill>
+                <a:latin typeface="+mn-lt"/>
+                <a:ea typeface="+mn-ea"/>
+                <a:cs typeface="+mn-cs"/>
+              </a:defRPr>
+            </a:lvl1pPr>
+            <a:lvl2pPr marL="457200" algn="l" defTabSz="914400" rtl="0" eaLnBrk="1" latinLnBrk="0" hangingPunct="1">
+              <a:defRPr sz="1800" kern="1200">
+                <a:solidFill>
+                  <a:schemeClr val="lt1"/>
+                </a:solidFill>
+                <a:latin typeface="+mn-lt"/>
+                <a:ea typeface="+mn-ea"/>
+                <a:cs typeface="+mn-cs"/>
+              </a:defRPr>
+            </a:lvl2pPr>
+            <a:lvl3pPr marL="914400" algn="l" defTabSz="914400" rtl="0" eaLnBrk="1" latinLnBrk="0" hangingPunct="1">
+              <a:defRPr sz="1800" kern="1200">
+                <a:solidFill>
+                  <a:schemeClr val="lt1"/>
+                </a:solidFill>
+                <a:latin typeface="+mn-lt"/>
+                <a:ea typeface="+mn-ea"/>
+                <a:cs typeface="+mn-cs"/>
+              </a:defRPr>
+            </a:lvl3pPr>
+            <a:lvl4pPr marL="1371600" algn="l" defTabSz="914400" rtl="0" eaLnBrk="1" latinLnBrk="0" hangingPunct="1">
+              <a:defRPr sz="1800" kern="1200">
+                <a:solidFill>
+                  <a:schemeClr val="lt1"/>
+                </a:solidFill>
+                <a:latin typeface="+mn-lt"/>
+                <a:ea typeface="+mn-ea"/>
+                <a:cs typeface="+mn-cs"/>
+              </a:defRPr>
+            </a:lvl4pPr>
+            <a:lvl5pPr marL="1828800" algn="l" defTabSz="914400" rtl="0" eaLnBrk="1" latinLnBrk="0" hangingPunct="1">
+              <a:defRPr sz="1800" kern="1200">
+                <a:solidFill>
+                  <a:schemeClr val="lt1"/>
+                </a:solidFill>
+                <a:latin typeface="+mn-lt"/>
+                <a:ea typeface="+mn-ea"/>
+                <a:cs typeface="+mn-cs"/>
+              </a:defRPr>
+            </a:lvl5pPr>
+            <a:lvl6pPr marL="2286000" algn="l" defTabSz="914400" rtl="0" eaLnBrk="1" latinLnBrk="0" hangingPunct="1">
+              <a:defRPr sz="1800" kern="1200">
+                <a:solidFill>
+                  <a:schemeClr val="lt1"/>
+                </a:solidFill>
+                <a:latin typeface="+mn-lt"/>
+                <a:ea typeface="+mn-ea"/>
+                <a:cs typeface="+mn-cs"/>
+              </a:defRPr>
+            </a:lvl6pPr>
+            <a:lvl7pPr marL="2743200" algn="l" defTabSz="914400" rtl="0" eaLnBrk="1" latinLnBrk="0" hangingPunct="1">
+              <a:defRPr sz="1800" kern="1200">
+                <a:solidFill>
+                  <a:schemeClr val="lt1"/>
+                </a:solidFill>
+                <a:latin typeface="+mn-lt"/>
+                <a:ea typeface="+mn-ea"/>
+                <a:cs typeface="+mn-cs"/>
+              </a:defRPr>
+            </a:lvl7pPr>
+            <a:lvl8pPr marL="3200400" algn="l" defTabSz="914400" rtl="0" eaLnBrk="1" latinLnBrk="0" hangingPunct="1">
+              <a:defRPr sz="1800" kern="1200">
+                <a:solidFill>
+                  <a:schemeClr val="lt1"/>
+                </a:solidFill>
+                <a:latin typeface="+mn-lt"/>
+                <a:ea typeface="+mn-ea"/>
+                <a:cs typeface="+mn-cs"/>
+              </a:defRPr>
+            </a:lvl8pPr>
+            <a:lvl9pPr marL="3657600" algn="l" defTabSz="914400" rtl="0" eaLnBrk="1" latinLnBrk="0" hangingPunct="1">
+              <a:defRPr sz="1800" kern="1200">
+                <a:solidFill>
+                  <a:schemeClr val="lt1"/>
+                </a:solidFill>
+                <a:latin typeface="+mn-lt"/>
+                <a:ea typeface="+mn-ea"/>
+                <a:cs typeface="+mn-cs"/>
+              </a:defRPr>
+            </a:lvl9pPr>
+          </a:lstStyle>
+          <a:p>
+            <a:pPr algn="ctr" defTabSz="896386">
+              <a:defRPr/>
+            </a:pPr>
+            <a:endParaRPr lang="en-US" sz="1765">
+              <a:solidFill>
+                <a:prstClr val="white"/>
+              </a:solidFill>
+              <a:latin typeface="Calibri" panose="020F0502020204030204"/>
+            </a:endParaRPr>
+          </a:p>
+        </p:txBody>
+      </p:sp>
+      <p:pic>
+        <p:nvPicPr>
+          <p:cNvPr id="2" name="Graphic 1">
+            <a:extLst>
+              <a:ext uri="{FF2B5EF4-FFF2-40B4-BE49-F238E27FC236}">
+                <a16:creationId xmlns:a16="http://schemas.microsoft.com/office/drawing/2014/main" id="{0720EAA1-CCB6-4021-8113-EC1682FEE72D}"/>
+              </a:ext>
+            </a:extLst>
+          </p:cNvPr>
+          <p:cNvPicPr>
+            <a:picLocks noChangeAspect="1"/>
+          </p:cNvPicPr>
+          <p:nvPr/>
+        </p:nvPicPr>
+        <p:blipFill>
+          <a:blip r:embed="rId5" cstate="print">
+            <a:extLst>
+              <a:ext uri="{28A0092B-C50C-407E-A947-70E740481C1C}">
+                <a14:useLocalDpi xmlns:a14="http://schemas.microsoft.com/office/drawing/2010/main" val="0"/>
+              </a:ext>
+              <a:ext uri="{96DAC541-7B7A-43D3-8B79-37D633B846F1}">
+                <asvg:svgBlip xmlns:asvg="http://schemas.microsoft.com/office/drawing/2016/SVG/main" r:embed="rId6"/>
+              </a:ext>
+            </a:extLst>
+          </a:blip>
+          <a:stretch>
+            <a:fillRect/>
+          </a:stretch>
+        </p:blipFill>
+        <p:spPr>
+          <a:xfrm>
+            <a:off x="585328" y="1709503"/>
+            <a:ext cx="268038" cy="277324"/>
+          </a:xfrm>
+          <a:prstGeom prst="rect">
+            <a:avLst/>
+          </a:prstGeom>
+        </p:spPr>
+      </p:pic>
+      <p:pic>
+        <p:nvPicPr>
+          <p:cNvPr id="1026" name="Picture 2" descr="one language to rule them all - lotr-one-ring-to-rule-them-all | Meme  Generator">
+            <a:extLst>
+              <a:ext uri="{FF2B5EF4-FFF2-40B4-BE49-F238E27FC236}">
+                <a16:creationId xmlns:a16="http://schemas.microsoft.com/office/drawing/2014/main" id="{272859A2-8E5C-4E31-8D04-4B33599C2D09}"/>
+              </a:ext>
+            </a:extLst>
+          </p:cNvPr>
+          <p:cNvPicPr>
+            <a:picLocks noChangeAspect="1" noChangeArrowheads="1"/>
+          </p:cNvPicPr>
+          <p:nvPr/>
+        </p:nvPicPr>
+        <p:blipFill>
+          <a:blip r:embed="rId7">
+            <a:extLst>
+              <a:ext uri="{28A0092B-C50C-407E-A947-70E740481C1C}">
+                <a14:useLocalDpi xmlns:a14="http://schemas.microsoft.com/office/drawing/2010/main" val="0"/>
+              </a:ext>
+            </a:extLst>
+          </a:blip>
+          <a:srcRect/>
+          <a:stretch>
+            <a:fillRect/>
+          </a:stretch>
+        </p:blipFill>
+        <p:spPr bwMode="auto">
+          <a:xfrm>
+            <a:off x="9173466" y="457157"/>
+            <a:ext cx="2719413" cy="1529670"/>
+          </a:xfrm>
+          <a:prstGeom prst="rect">
+            <a:avLst/>
+          </a:prstGeom>
+          <a:noFill/>
+          <a:extLst>
+            <a:ext uri="{909E8E84-426E-40DD-AFC4-6F175D3DCCD1}">
+              <a14:hiddenFill xmlns:a14="http://schemas.microsoft.com/office/drawing/2010/main">
+                <a:solidFill>
+                  <a:srgbClr val="FFFFFF"/>
+                </a:solidFill>
+              </a14:hiddenFill>
+            </a:ext>
+          </a:extLst>
+        </p:spPr>
+      </p:pic>
+      <p:sp>
+        <p:nvSpPr>
+          <p:cNvPr id="44" name="TextBox 43">
+            <a:extLst>
+              <a:ext uri="{FF2B5EF4-FFF2-40B4-BE49-F238E27FC236}">
+                <a16:creationId xmlns:a16="http://schemas.microsoft.com/office/drawing/2014/main" id="{AC9001B7-CA4A-4232-9F6A-E39A03EEF74F}"/>
+              </a:ext>
+            </a:extLst>
+          </p:cNvPr>
+          <p:cNvSpPr txBox="1"/>
+          <p:nvPr/>
+        </p:nvSpPr>
+        <p:spPr>
+          <a:xfrm>
+            <a:off x="1041695" y="4087910"/>
+            <a:ext cx="8594523" cy="1046890"/>
+          </a:xfrm>
+          <a:prstGeom prst="rect">
+            <a:avLst/>
+          </a:prstGeom>
+          <a:noFill/>
+        </p:spPr>
+        <p:txBody>
+          <a:bodyPr wrap="square">
+            <a:spAutoFit/>
+          </a:bodyPr>
+          <a:lstStyle/>
+          <a:p>
+            <a:pPr eaLnBrk="1" hangingPunct="1">
+              <a:spcBef>
+                <a:spcPts val="300"/>
+              </a:spcBef>
+            </a:pPr>
+            <a:r>
+              <a:rPr lang="en-US" altLang="en-US" sz="2353" dirty="0">
+                <a:solidFill>
+                  <a:srgbClr val="000000">
+                    <a:lumMod val="65000"/>
+                    <a:lumOff val="35000"/>
+                  </a:srgbClr>
+                </a:solidFill>
+                <a:latin typeface="Segoe UI Semibold"/>
+              </a:rPr>
+              <a:t>Multi-cloud</a:t>
+            </a:r>
+          </a:p>
+          <a:p>
+            <a:pPr eaLnBrk="1" hangingPunct="1">
+              <a:spcBef>
+                <a:spcPts val="300"/>
+              </a:spcBef>
+            </a:pPr>
+            <a:r>
+              <a:rPr lang="en-US" altLang="en-US" sz="1200" dirty="0">
+                <a:latin typeface="Segoe UI"/>
+                <a:cs typeface="Segoe UI"/>
+              </a:rPr>
+              <a:t>If your organization uses multiple cloud providers to host its infrastructure, Bicep might not be the right tool. Other cloud providers don't support Bicep as a template language. Open-source tools like Terraform can be used for multi-cloud deployments, including deployments to Azure.</a:t>
+            </a:r>
+          </a:p>
+        </p:txBody>
+      </p:sp>
+      <p:grpSp>
+        <p:nvGrpSpPr>
+          <p:cNvPr id="47" name="Group 46">
+            <a:extLst>
+              <a:ext uri="{FF2B5EF4-FFF2-40B4-BE49-F238E27FC236}">
+                <a16:creationId xmlns:a16="http://schemas.microsoft.com/office/drawing/2014/main" id="{95DC6F3A-D35A-4ADB-BED5-77D5F680DF42}"/>
+              </a:ext>
+              <a:ext uri="{C183D7F6-B498-43B3-948B-1728B52AA6E4}">
+                <adec:decorative xmlns:adec="http://schemas.microsoft.com/office/drawing/2017/decorative" val="1"/>
+              </a:ext>
+            </a:extLst>
+          </p:cNvPr>
+          <p:cNvGrpSpPr/>
+          <p:nvPr/>
+        </p:nvGrpSpPr>
+        <p:grpSpPr>
+          <a:xfrm>
+            <a:off x="7040815" y="6376419"/>
+            <a:ext cx="2994931" cy="353702"/>
+            <a:chOff x="9701248" y="4775731"/>
+            <a:chExt cx="2490752" cy="353751"/>
+          </a:xfrm>
+        </p:grpSpPr>
+        <p:sp>
+          <p:nvSpPr>
+            <p:cNvPr id="48" name="Text Placeholder 3">
+              <a:extLst>
+                <a:ext uri="{FF2B5EF4-FFF2-40B4-BE49-F238E27FC236}">
+                  <a16:creationId xmlns:a16="http://schemas.microsoft.com/office/drawing/2014/main" id="{95EDC105-6F39-4DDE-AC20-975817173699}"/>
+                </a:ext>
+              </a:extLst>
+            </p:cNvPr>
+            <p:cNvSpPr txBox="1">
+              <a:spLocks/>
+            </p:cNvSpPr>
+            <p:nvPr/>
+          </p:nvSpPr>
+          <p:spPr>
+            <a:xfrm>
+              <a:off x="10006819" y="4790881"/>
+              <a:ext cx="2185181" cy="338601"/>
+            </a:xfrm>
+            <a:prstGeom prst="rect">
+              <a:avLst/>
+            </a:prstGeom>
+          </p:spPr>
+          <p:txBody>
+            <a:bodyPr vert="horz" wrap="square" lIns="0" tIns="0" rIns="0" bIns="0" rtlCol="0">
+              <a:spAutoFit/>
+            </a:bodyPr>
+            <a:lstStyle>
+              <a:lvl1pPr marL="228600" marR="0" indent="-228600" algn="l" defTabSz="932742" rtl="0" eaLnBrk="1" fontAlgn="auto" latinLnBrk="0" hangingPunct="1">
+                <a:lnSpc>
+                  <a:spcPct val="100000"/>
+                </a:lnSpc>
+                <a:spcBef>
+                  <a:spcPct val="20000"/>
+                </a:spcBef>
+                <a:spcAft>
+                  <a:spcPts val="0"/>
+                </a:spcAft>
+                <a:buClrTx/>
+                <a:buSzPct val="90000"/>
+                <a:buFont typeface="Wingdings" panose="05000000000000000000" pitchFamily="2" charset="2"/>
+                <a:buChar char=""/>
+                <a:tabLst/>
+                <a:defRPr sz="2800" kern="1200" spc="0" baseline="0">
+                  <a:gradFill>
+                    <a:gsLst>
+                      <a:gs pos="1250">
+                        <a:schemeClr val="tx1"/>
+                      </a:gs>
+                      <a:gs pos="100000">
+                        <a:schemeClr val="tx1"/>
+                      </a:gs>
+                    </a:gsLst>
+                    <a:lin ang="5400000" scaled="0"/>
+                  </a:gradFill>
+                  <a:latin typeface="Segoe UI Semilight" panose="020B0402040204020203" pitchFamily="34" charset="0"/>
+                  <a:ea typeface="+mn-ea"/>
+                  <a:cs typeface="Segoe UI Semilight" panose="020B0402040204020203" pitchFamily="34" charset="0"/>
+                </a:defRPr>
+              </a:lvl1pPr>
+              <a:lvl2pPr marL="457200" marR="0" indent="-228600" algn="l" defTabSz="932742" rtl="0" eaLnBrk="1" fontAlgn="auto" latinLnBrk="0" hangingPunct="1">
+                <a:lnSpc>
+                  <a:spcPct val="100000"/>
+                </a:lnSpc>
+                <a:spcBef>
+                  <a:spcPct val="20000"/>
+                </a:spcBef>
+                <a:spcAft>
+                  <a:spcPts val="0"/>
+                </a:spcAft>
+                <a:buClrTx/>
+                <a:buSzPct val="90000"/>
+                <a:buFont typeface="Wingdings" panose="05000000000000000000" pitchFamily="2" charset="2"/>
+                <a:buChar char=""/>
+                <a:tabLst/>
+                <a:defRPr sz="2000" kern="1200" spc="0" baseline="0">
+                  <a:gradFill>
+                    <a:gsLst>
+                      <a:gs pos="1250">
+                        <a:schemeClr val="tx1"/>
+                      </a:gs>
+                      <a:gs pos="100000">
+                        <a:schemeClr val="tx1"/>
+                      </a:gs>
+                    </a:gsLst>
+                    <a:lin ang="5400000" scaled="0"/>
+                  </a:gradFill>
+                  <a:latin typeface="+mn-lt"/>
+                  <a:ea typeface="+mn-ea"/>
+                  <a:cs typeface="+mn-cs"/>
+                </a:defRPr>
+              </a:lvl2pPr>
+              <a:lvl3pPr marL="657225" marR="0" indent="-200025" algn="l" defTabSz="932742" rtl="0" eaLnBrk="1" fontAlgn="auto" latinLnBrk="0" hangingPunct="1">
+                <a:lnSpc>
+                  <a:spcPct val="100000"/>
+                </a:lnSpc>
+                <a:spcBef>
+                  <a:spcPct val="20000"/>
+                </a:spcBef>
+                <a:spcAft>
+                  <a:spcPts val="0"/>
+                </a:spcAft>
+                <a:buClrTx/>
+                <a:buSzPct val="90000"/>
+                <a:buFont typeface="Wingdings" panose="05000000000000000000" pitchFamily="2" charset="2"/>
+                <a:buChar char=""/>
+                <a:tabLst/>
+                <a:defRPr sz="1600" kern="1200" spc="0" baseline="0">
+                  <a:gradFill>
+                    <a:gsLst>
+                      <a:gs pos="1250">
+                        <a:schemeClr val="tx1"/>
+                      </a:gs>
+                      <a:gs pos="100000">
+                        <a:schemeClr val="tx1"/>
+                      </a:gs>
+                    </a:gsLst>
+                    <a:lin ang="5400000" scaled="0"/>
+                  </a:gradFill>
+                  <a:latin typeface="+mn-lt"/>
+                  <a:ea typeface="+mn-ea"/>
+                  <a:cs typeface="+mn-cs"/>
+                </a:defRPr>
+              </a:lvl3pPr>
+              <a:lvl4pPr marL="842963" marR="0" indent="-180975" algn="l" defTabSz="932742" rtl="0" eaLnBrk="1" fontAlgn="auto" latinLnBrk="0" hangingPunct="1">
+                <a:lnSpc>
+                  <a:spcPct val="100000"/>
+                </a:lnSpc>
+                <a:spcBef>
+                  <a:spcPct val="20000"/>
+                </a:spcBef>
+                <a:spcAft>
+                  <a:spcPts val="0"/>
+                </a:spcAft>
+                <a:buClrTx/>
+                <a:buSzPct val="90000"/>
+                <a:buFont typeface="Wingdings" panose="05000000000000000000" pitchFamily="2" charset="2"/>
+                <a:buChar char=""/>
+                <a:tabLst/>
+                <a:defRPr sz="1400" kern="1200" spc="0" baseline="0">
+                  <a:gradFill>
+                    <a:gsLst>
+                      <a:gs pos="1250">
+                        <a:schemeClr val="tx1"/>
+                      </a:gs>
+                      <a:gs pos="100000">
+                        <a:schemeClr val="tx1"/>
+                      </a:gs>
+                    </a:gsLst>
+                    <a:lin ang="5400000" scaled="0"/>
+                  </a:gradFill>
+                  <a:latin typeface="+mn-lt"/>
+                  <a:ea typeface="+mn-ea"/>
+                  <a:cs typeface="+mn-cs"/>
+                </a:defRPr>
+              </a:lvl4pPr>
+              <a:lvl5pPr marL="1023938" marR="0" indent="-168275" algn="l" defTabSz="932742" rtl="0" eaLnBrk="1" fontAlgn="auto" latinLnBrk="0" hangingPunct="1">
+                <a:lnSpc>
+                  <a:spcPct val="100000"/>
+                </a:lnSpc>
+                <a:spcBef>
+                  <a:spcPct val="20000"/>
+                </a:spcBef>
+                <a:spcAft>
+                  <a:spcPts val="0"/>
+                </a:spcAft>
+                <a:buClrTx/>
+                <a:buSzPct val="90000"/>
+                <a:buFont typeface="Wingdings" panose="05000000000000000000" pitchFamily="2" charset="2"/>
+                <a:buChar char=""/>
+                <a:tabLst/>
+                <a:defRPr sz="1400" kern="1200" spc="0" baseline="0">
+                  <a:gradFill>
+                    <a:gsLst>
+                      <a:gs pos="1250">
+                        <a:schemeClr val="tx1"/>
+                      </a:gs>
+                      <a:gs pos="100000">
+                        <a:schemeClr val="tx1"/>
+                      </a:gs>
+                    </a:gsLst>
+                    <a:lin ang="5400000" scaled="0"/>
+                  </a:gradFill>
+                  <a:latin typeface="+mn-lt"/>
+                  <a:ea typeface="+mn-ea"/>
+                  <a:cs typeface="+mn-cs"/>
+                </a:defRPr>
+              </a:lvl5pPr>
+              <a:lvl6pPr marL="2565040" indent="-233186" algn="l" defTabSz="932742" rtl="0" eaLnBrk="1" latinLnBrk="0" hangingPunct="1">
+                <a:spcBef>
+                  <a:spcPct val="20000"/>
+                </a:spcBef>
+                <a:buFont typeface="Arial" pitchFamily="34" charset="0"/>
+                <a:buChar char="•"/>
+                <a:defRPr sz="2000" kern="1200">
+                  <a:solidFill>
+                    <a:schemeClr val="tx1"/>
+                  </a:solidFill>
+                  <a:latin typeface="+mn-lt"/>
+                  <a:ea typeface="+mn-ea"/>
+                  <a:cs typeface="+mn-cs"/>
+                </a:defRPr>
+              </a:lvl6pPr>
+              <a:lvl7pPr marL="3031412" indent="-233186" algn="l" defTabSz="932742" rtl="0" eaLnBrk="1" latinLnBrk="0" hangingPunct="1">
+                <a:spcBef>
+                  <a:spcPct val="20000"/>
+                </a:spcBef>
+                <a:buFont typeface="Arial" pitchFamily="34" charset="0"/>
+                <a:buChar char="•"/>
+                <a:defRPr sz="2000" kern="1200">
+                  <a:solidFill>
+                    <a:schemeClr val="tx1"/>
+                  </a:solidFill>
+                  <a:latin typeface="+mn-lt"/>
+                  <a:ea typeface="+mn-ea"/>
+                  <a:cs typeface="+mn-cs"/>
+                </a:defRPr>
+              </a:lvl7pPr>
+              <a:lvl8pPr marL="3497783" indent="-233186" algn="l" defTabSz="932742" rtl="0" eaLnBrk="1" latinLnBrk="0" hangingPunct="1">
+                <a:spcBef>
+                  <a:spcPct val="20000"/>
+                </a:spcBef>
+                <a:buFont typeface="Arial" pitchFamily="34" charset="0"/>
+                <a:buChar char="•"/>
+                <a:defRPr sz="2000" kern="1200">
+                  <a:solidFill>
+                    <a:schemeClr val="tx1"/>
+                  </a:solidFill>
+                  <a:latin typeface="+mn-lt"/>
+                  <a:ea typeface="+mn-ea"/>
+                  <a:cs typeface="+mn-cs"/>
+                </a:defRPr>
+              </a:lvl8pPr>
+              <a:lvl9pPr marL="3964155" indent="-233186" algn="l" defTabSz="932742" rtl="0" eaLnBrk="1" latinLnBrk="0" hangingPunct="1">
+                <a:spcBef>
+                  <a:spcPct val="20000"/>
+                </a:spcBef>
+                <a:buFont typeface="Arial" pitchFamily="34" charset="0"/>
+                <a:buChar char="•"/>
+                <a:defRPr sz="2000" kern="1200">
+                  <a:solidFill>
+                    <a:schemeClr val="tx1"/>
+                  </a:solidFill>
+                  <a:latin typeface="+mn-lt"/>
+                  <a:ea typeface="+mn-ea"/>
+                  <a:cs typeface="+mn-cs"/>
+                </a:defRPr>
+              </a:lvl9pPr>
+            </a:lstStyle>
+            <a:p>
+              <a:pPr marL="0" marR="0" lvl="0" indent="0" algn="l" defTabSz="914400" rtl="0" eaLnBrk="1" fontAlgn="auto" latinLnBrk="0" hangingPunct="1">
+                <a:lnSpc>
+                  <a:spcPct val="100000"/>
+                </a:lnSpc>
+                <a:spcBef>
+                  <a:spcPts val="0"/>
+                </a:spcBef>
+                <a:spcAft>
+                  <a:spcPts val="0"/>
+                </a:spcAft>
+                <a:buClrTx/>
+                <a:buSzTx/>
+                <a:buFontTx/>
+                <a:buNone/>
+                <a:tabLst/>
+                <a:defRPr/>
+              </a:pPr>
+              <a:r>
+                <a:rPr kumimoji="0" lang="en-GB" sz="1100" b="0" i="0" u="none" strike="noStrike" kern="1200" cap="none" spc="0" normalizeH="0" baseline="0" noProof="0" dirty="0">
+                  <a:ln>
+                    <a:noFill/>
+                  </a:ln>
+                  <a:solidFill>
+                    <a:prstClr val="black"/>
+                  </a:solidFill>
+                  <a:effectLst/>
+                  <a:uLnTx/>
+                  <a:uFillTx/>
+                  <a:latin typeface="Calibri" panose="020F0502020204030204"/>
+                  <a:ea typeface="+mn-ea"/>
+                  <a:cs typeface="+mn-cs"/>
+                  <a:hlinkClick r:id="rId8"/>
+                </a:rPr>
+                <a:t>When to use Bicep - Learn | Microsoft Docs</a:t>
+              </a:r>
+              <a:endParaRPr kumimoji="0" lang="en-GB" sz="1100" b="0" i="0" u="none" strike="noStrike" kern="1200" cap="none" spc="0" normalizeH="0" baseline="0" noProof="0" dirty="0">
+                <a:ln>
+                  <a:noFill/>
+                </a:ln>
+                <a:solidFill>
+                  <a:prstClr val="black"/>
+                </a:solidFill>
+                <a:effectLst/>
+                <a:uLnTx/>
+                <a:uFillTx/>
+                <a:latin typeface="Calibri" panose="020F0502020204030204"/>
+                <a:ea typeface="+mn-ea"/>
+                <a:cs typeface="+mn-cs"/>
+              </a:endParaRPr>
+            </a:p>
+          </p:txBody>
+        </p:sp>
+        <p:sp>
+          <p:nvSpPr>
+            <p:cNvPr id="49" name="Freeform 9">
+              <a:extLst>
+                <a:ext uri="{FF2B5EF4-FFF2-40B4-BE49-F238E27FC236}">
+                  <a16:creationId xmlns:a16="http://schemas.microsoft.com/office/drawing/2014/main" id="{898DA0C2-BDA4-4158-B6AA-7F112210AA2E}"/>
+                </a:ext>
+              </a:extLst>
+            </p:cNvPr>
+            <p:cNvSpPr>
+              <a:spLocks noEditPoints="1"/>
+            </p:cNvSpPr>
+            <p:nvPr/>
+          </p:nvSpPr>
+          <p:spPr bwMode="black">
+            <a:xfrm>
+              <a:off x="9701248" y="4775731"/>
+              <a:ext cx="228363" cy="229291"/>
+            </a:xfrm>
+            <a:custGeom>
+              <a:avLst/>
+              <a:gdLst>
+                <a:gd name="T0" fmla="*/ 88 w 149"/>
+                <a:gd name="T1" fmla="*/ 67 h 149"/>
+                <a:gd name="T2" fmla="*/ 65 w 149"/>
+                <a:gd name="T3" fmla="*/ 46 h 149"/>
+                <a:gd name="T4" fmla="*/ 84 w 149"/>
+                <a:gd name="T5" fmla="*/ 46 h 149"/>
+                <a:gd name="T6" fmla="*/ 115 w 149"/>
+                <a:gd name="T7" fmla="*/ 75 h 149"/>
+                <a:gd name="T8" fmla="*/ 84 w 149"/>
+                <a:gd name="T9" fmla="*/ 104 h 149"/>
+                <a:gd name="T10" fmla="*/ 65 w 149"/>
+                <a:gd name="T11" fmla="*/ 104 h 149"/>
+                <a:gd name="T12" fmla="*/ 88 w 149"/>
+                <a:gd name="T13" fmla="*/ 82 h 149"/>
+                <a:gd name="T14" fmla="*/ 36 w 149"/>
+                <a:gd name="T15" fmla="*/ 82 h 149"/>
+                <a:gd name="T16" fmla="*/ 36 w 149"/>
+                <a:gd name="T17" fmla="*/ 67 h 149"/>
+                <a:gd name="T18" fmla="*/ 88 w 149"/>
+                <a:gd name="T19" fmla="*/ 67 h 149"/>
+                <a:gd name="T20" fmla="*/ 74 w 149"/>
+                <a:gd name="T21" fmla="*/ 9 h 149"/>
+                <a:gd name="T22" fmla="*/ 140 w 149"/>
+                <a:gd name="T23" fmla="*/ 75 h 149"/>
+                <a:gd name="T24" fmla="*/ 74 w 149"/>
+                <a:gd name="T25" fmla="*/ 140 h 149"/>
+                <a:gd name="T26" fmla="*/ 9 w 149"/>
+                <a:gd name="T27" fmla="*/ 75 h 149"/>
+                <a:gd name="T28" fmla="*/ 74 w 149"/>
+                <a:gd name="T29" fmla="*/ 9 h 149"/>
+                <a:gd name="T30" fmla="*/ 74 w 149"/>
+                <a:gd name="T31" fmla="*/ 0 h 149"/>
+                <a:gd name="T32" fmla="*/ 0 w 149"/>
+                <a:gd name="T33" fmla="*/ 75 h 149"/>
+                <a:gd name="T34" fmla="*/ 74 w 149"/>
+                <a:gd name="T35" fmla="*/ 149 h 149"/>
+                <a:gd name="T36" fmla="*/ 149 w 149"/>
+                <a:gd name="T37" fmla="*/ 75 h 149"/>
+                <a:gd name="T38" fmla="*/ 74 w 149"/>
+                <a:gd name="T39" fmla="*/ 0 h 149"/>
+              </a:gdLst>
+              <a:ahLst/>
+              <a:cxnLst>
+                <a:cxn ang="0">
+                  <a:pos x="T0" y="T1"/>
+                </a:cxn>
+                <a:cxn ang="0">
+                  <a:pos x="T2" y="T3"/>
+                </a:cxn>
+                <a:cxn ang="0">
+                  <a:pos x="T4" y="T5"/>
+                </a:cxn>
+                <a:cxn ang="0">
+                  <a:pos x="T6" y="T7"/>
+                </a:cxn>
+                <a:cxn ang="0">
+                  <a:pos x="T8" y="T9"/>
+                </a:cxn>
+                <a:cxn ang="0">
+                  <a:pos x="T10" y="T11"/>
+                </a:cxn>
+                <a:cxn ang="0">
+                  <a:pos x="T12" y="T13"/>
+                </a:cxn>
+                <a:cxn ang="0">
+                  <a:pos x="T14" y="T15"/>
+                </a:cxn>
+                <a:cxn ang="0">
+                  <a:pos x="T16" y="T17"/>
+                </a:cxn>
+                <a:cxn ang="0">
+                  <a:pos x="T18" y="T19"/>
+                </a:cxn>
+                <a:cxn ang="0">
+                  <a:pos x="T20" y="T21"/>
+                </a:cxn>
+                <a:cxn ang="0">
+                  <a:pos x="T22" y="T23"/>
+                </a:cxn>
+                <a:cxn ang="0">
+                  <a:pos x="T24" y="T25"/>
+                </a:cxn>
+                <a:cxn ang="0">
+                  <a:pos x="T26" y="T27"/>
+                </a:cxn>
+                <a:cxn ang="0">
+                  <a:pos x="T28" y="T29"/>
+                </a:cxn>
+                <a:cxn ang="0">
+                  <a:pos x="T30" y="T31"/>
+                </a:cxn>
+                <a:cxn ang="0">
+                  <a:pos x="T32" y="T33"/>
+                </a:cxn>
+                <a:cxn ang="0">
+                  <a:pos x="T34" y="T35"/>
+                </a:cxn>
+                <a:cxn ang="0">
+                  <a:pos x="T36" y="T37"/>
+                </a:cxn>
+                <a:cxn ang="0">
+                  <a:pos x="T38" y="T39"/>
+                </a:cxn>
+              </a:cxnLst>
+              <a:rect l="0" t="0" r="r" b="b"/>
+              <a:pathLst>
+                <a:path w="149" h="149">
+                  <a:moveTo>
+                    <a:pt x="88" y="67"/>
+                  </a:moveTo>
+                  <a:cubicBezTo>
+                    <a:pt x="65" y="46"/>
+                    <a:pt x="65" y="46"/>
+                    <a:pt x="65" y="46"/>
+                  </a:cubicBezTo>
+                  <a:cubicBezTo>
+                    <a:pt x="84" y="46"/>
+                    <a:pt x="84" y="46"/>
+                    <a:pt x="84" y="46"/>
+                  </a:cubicBezTo>
+                  <a:cubicBezTo>
+                    <a:pt x="115" y="75"/>
+                    <a:pt x="115" y="75"/>
+                    <a:pt x="115" y="75"/>
+                  </a:cubicBezTo>
+                  <a:cubicBezTo>
+                    <a:pt x="84" y="104"/>
+                    <a:pt x="84" y="104"/>
+                    <a:pt x="84" y="104"/>
+                  </a:cubicBezTo>
+                  <a:cubicBezTo>
+                    <a:pt x="65" y="104"/>
+                    <a:pt x="65" y="104"/>
+                    <a:pt x="65" y="104"/>
+                  </a:cubicBezTo>
+                  <a:cubicBezTo>
+                    <a:pt x="88" y="82"/>
+                    <a:pt x="88" y="82"/>
+                    <a:pt x="88" y="82"/>
+                  </a:cubicBezTo>
+                  <a:cubicBezTo>
+                    <a:pt x="36" y="82"/>
+                    <a:pt x="36" y="82"/>
+                    <a:pt x="36" y="82"/>
+                  </a:cubicBezTo>
+                  <a:cubicBezTo>
+                    <a:pt x="36" y="67"/>
+                    <a:pt x="36" y="67"/>
+                    <a:pt x="36" y="67"/>
+                  </a:cubicBezTo>
+                  <a:lnTo>
+                    <a:pt x="88" y="67"/>
+                  </a:lnTo>
+                  <a:close/>
+                  <a:moveTo>
+                    <a:pt x="74" y="9"/>
+                  </a:moveTo>
+                  <a:cubicBezTo>
+                    <a:pt x="110" y="9"/>
+                    <a:pt x="140" y="39"/>
+                    <a:pt x="140" y="75"/>
+                  </a:cubicBezTo>
+                  <a:cubicBezTo>
+                    <a:pt x="140" y="111"/>
+                    <a:pt x="110" y="140"/>
+                    <a:pt x="74" y="140"/>
+                  </a:cubicBezTo>
+                  <a:cubicBezTo>
+                    <a:pt x="38" y="140"/>
+                    <a:pt x="9" y="111"/>
+                    <a:pt x="9" y="75"/>
+                  </a:cubicBezTo>
+                  <a:cubicBezTo>
+                    <a:pt x="9" y="39"/>
+                    <a:pt x="38" y="9"/>
+                    <a:pt x="74" y="9"/>
+                  </a:cubicBezTo>
+                  <a:moveTo>
+                    <a:pt x="74" y="0"/>
+                  </a:moveTo>
+                  <a:cubicBezTo>
+                    <a:pt x="33" y="0"/>
+                    <a:pt x="0" y="33"/>
+                    <a:pt x="0" y="75"/>
+                  </a:cubicBezTo>
+                  <a:cubicBezTo>
+                    <a:pt x="0" y="116"/>
+                    <a:pt x="33" y="149"/>
+                    <a:pt x="74" y="149"/>
+                  </a:cubicBezTo>
+                  <a:cubicBezTo>
+                    <a:pt x="116" y="149"/>
+                    <a:pt x="149" y="116"/>
+                    <a:pt x="149" y="75"/>
+                  </a:cubicBezTo>
+                  <a:cubicBezTo>
+                    <a:pt x="149" y="33"/>
+                    <a:pt x="116" y="0"/>
+                    <a:pt x="74" y="0"/>
+                  </a:cubicBezTo>
+                </a:path>
+              </a:pathLst>
+            </a:custGeom>
+            <a:solidFill>
+              <a:srgbClr val="2C65E1"/>
+            </a:solidFill>
+            <a:ln>
+              <a:noFill/>
+            </a:ln>
+          </p:spPr>
+          <p:txBody>
+            <a:bodyPr vert="horz" wrap="square" lIns="91427" tIns="45713" rIns="91427" bIns="45713" numCol="1" anchor="t" anchorCtr="0" compatLnSpc="1">
+              <a:prstTxWarp prst="textNoShape">
+                <a:avLst/>
+              </a:prstTxWarp>
+            </a:bodyPr>
+            <a:lstStyle/>
+            <a:p>
+              <a:pPr defTabSz="914225">
+                <a:defRPr/>
+              </a:pPr>
+              <a:endParaRPr lang="en-US" sz="1800">
+                <a:solidFill>
+                  <a:srgbClr val="000000"/>
+                </a:solidFill>
+                <a:latin typeface="Segoe UI"/>
+              </a:endParaRPr>
+            </a:p>
+          </p:txBody>
+        </p:sp>
+      </p:grpSp>
+      <p:sp>
+        <p:nvSpPr>
+          <p:cNvPr id="3" name="Oval 2">
+            <a:extLst>
+              <a:ext uri="{FF2B5EF4-FFF2-40B4-BE49-F238E27FC236}">
+                <a16:creationId xmlns:a16="http://schemas.microsoft.com/office/drawing/2014/main" id="{B6E2592B-DA3B-4584-923A-088E6BF82DC2}"/>
+              </a:ext>
+              <a:ext uri="{C183D7F6-B498-43B3-948B-1728B52AA6E4}">
+                <adec:decorative xmlns:adec="http://schemas.microsoft.com/office/drawing/2017/decorative" val="1"/>
+              </a:ext>
+            </a:extLst>
+          </p:cNvPr>
+          <p:cNvSpPr/>
+          <p:nvPr/>
+        </p:nvSpPr>
+        <p:spPr bwMode="auto">
+          <a:xfrm>
+            <a:off x="425516" y="4010388"/>
+            <a:ext cx="544305" cy="544305"/>
+          </a:xfrm>
+          <a:prstGeom prst="ellipse">
+            <a:avLst/>
+          </a:prstGeom>
+          <a:solidFill>
+            <a:srgbClr val="EAEAEA"/>
+          </a:solidFill>
+          <a:ln>
+            <a:noFill/>
+            <a:headEnd type="none" w="med" len="med"/>
+            <a:tailEnd type="none" w="med" len="med"/>
+          </a:ln>
+          <a:effectLst/>
+        </p:spPr>
+        <p:style>
+          <a:lnRef idx="1">
+            <a:schemeClr val="accent2"/>
+          </a:lnRef>
+          <a:fillRef idx="3">
+            <a:schemeClr val="accent2"/>
+          </a:fillRef>
+          <a:effectRef idx="2">
+            <a:schemeClr val="accent2"/>
+          </a:effectRef>
+          <a:fontRef idx="minor">
+            <a:schemeClr val="lt1"/>
+          </a:fontRef>
+        </p:style>
+        <p:txBody>
+          <a:bodyPr rot="0" spcFirstLastPara="0" vertOverflow="overflow" horzOverflow="overflow" vert="horz" wrap="square" lIns="179259" tIns="143407" rIns="179259" bIns="143407" numCol="1" spcCol="0" rtlCol="0" fromWordArt="0" anchor="t" anchorCtr="0" forceAA="0" compatLnSpc="1">
+            <a:prstTxWarp prst="textNoShape">
+              <a:avLst/>
+            </a:prstTxWarp>
+            <a:noAutofit/>
+          </a:bodyPr>
+          <a:lstStyle/>
+          <a:p>
+            <a:pPr algn="ctr" defTabSz="913927" fontAlgn="base">
+              <a:lnSpc>
+                <a:spcPct val="90000"/>
+              </a:lnSpc>
+              <a:spcBef>
+                <a:spcPct val="0"/>
+              </a:spcBef>
+              <a:spcAft>
+                <a:spcPct val="0"/>
+              </a:spcAft>
+              <a:defRPr/>
+            </a:pPr>
+            <a:endParaRPr lang="en-US" sz="2353" err="1">
+              <a:gradFill>
+                <a:gsLst>
+                  <a:gs pos="0">
+                    <a:srgbClr val="FFFFFF"/>
+                  </a:gs>
+                  <a:gs pos="100000">
+                    <a:srgbClr val="FFFFFF"/>
+                  </a:gs>
+                </a:gsLst>
+                <a:lin ang="5400000" scaled="0"/>
+              </a:gradFill>
+              <a:latin typeface="Segoe UI"/>
+              <a:ea typeface="Segoe UI" pitchFamily="34" charset="0"/>
+              <a:cs typeface="Segoe UI" pitchFamily="34" charset="0"/>
+            </a:endParaRPr>
+          </a:p>
+        </p:txBody>
+      </p:sp>
+      <p:pic>
+        <p:nvPicPr>
+          <p:cNvPr id="4" name="Graphic 3" descr="Cloud outline">
+            <a:extLst>
+              <a:ext uri="{FF2B5EF4-FFF2-40B4-BE49-F238E27FC236}">
+                <a16:creationId xmlns:a16="http://schemas.microsoft.com/office/drawing/2014/main" id="{69935899-2D13-43BA-B08C-673303C7847E}"/>
+              </a:ext>
+              <a:ext uri="{C183D7F6-B498-43B3-948B-1728B52AA6E4}">
+                <adec:decorative xmlns:adec="http://schemas.microsoft.com/office/drawing/2017/decorative" val="1"/>
+              </a:ext>
+            </a:extLst>
+          </p:cNvPr>
+          <p:cNvPicPr>
+            <a:picLocks noChangeAspect="1"/>
+          </p:cNvPicPr>
+          <p:nvPr/>
+        </p:nvPicPr>
+        <p:blipFill>
+          <a:blip r:embed="rId9">
+            <a:extLst>
+              <a:ext uri="{28A0092B-C50C-407E-A947-70E740481C1C}">
+                <a14:useLocalDpi xmlns:a14="http://schemas.microsoft.com/office/drawing/2010/main" val="0"/>
+              </a:ext>
+              <a:ext uri="{96DAC541-7B7A-43D3-8B79-37D633B846F1}">
+                <asvg:svgBlip xmlns:asvg="http://schemas.microsoft.com/office/drawing/2016/SVG/main" r:embed="rId10"/>
+              </a:ext>
+            </a:extLst>
+          </a:blip>
+          <a:srcRect/>
+          <a:stretch/>
+        </p:blipFill>
+        <p:spPr>
+          <a:xfrm>
+            <a:off x="557621" y="4142493"/>
+            <a:ext cx="280093" cy="280093"/>
+          </a:xfrm>
+          <a:prstGeom prst="rect">
+            <a:avLst/>
+          </a:prstGeom>
+        </p:spPr>
+      </p:pic>
+    </p:spTree>
+    <p:extLst>
+      <p:ext uri="{BB962C8B-B14F-4D97-AF65-F5344CB8AC3E}">
+        <p14:creationId xmlns:p14="http://schemas.microsoft.com/office/powerpoint/2010/main" val="1482256732"/>
+      </p:ext>
+    </p:extLst>
+  </p:cSld>
+  <p:clrMapOvr>
+    <a:masterClrMapping/>
+  </p:clrMapOvr>
+  <mc:AlternateContent xmlns:mc="http://schemas.openxmlformats.org/markup-compatibility/2006" xmlns:p14="http://schemas.microsoft.com/office/powerpoint/2010/main">
+    <mc:Choice Requires="p14">
+      <p:transition spd="med" p14:dur="700">
+        <p:fade/>
+      </p:transition>
+    </mc:Choice>
+    <mc:Fallback xmlns="">
+      <p:transition spd="med">
+        <p:fade/>
+      </p:transition>
+    </mc:Fallback>
+  </mc:AlternateContent>
+</p:sld>
+</file>
+
+<file path=ppt/slides/slide12.xml><?xml version="1.0" encoding="utf-8"?>
 <p:sld xmlns:a="http://schemas.openxmlformats.org/drawingml/2006/main" xmlns:r="http://schemas.openxmlformats.org/officeDocument/2006/relationships" xmlns:p="http://schemas.openxmlformats.org/presentationml/2006/main">
   <p:cSld>
     <p:spTree>
@@ -29997,2793 +33902,6 @@
 </p:sld>
 </file>
 
-<file path=ppt/slides/slide11.xml><?xml version="1.0" encoding="utf-8"?>
-<p:sld xmlns:a="http://schemas.openxmlformats.org/drawingml/2006/main" xmlns:r="http://schemas.openxmlformats.org/officeDocument/2006/relationships" xmlns:p="http://schemas.openxmlformats.org/presentationml/2006/main" show="0">
-  <p:cSld>
-    <p:spTree>
-      <p:nvGrpSpPr>
-        <p:cNvPr id="1" name=""/>
-        <p:cNvGrpSpPr/>
-        <p:nvPr/>
-      </p:nvGrpSpPr>
-      <p:grpSpPr>
-        <a:xfrm>
-          <a:off x="0" y="0"/>
-          <a:ext cx="0" cy="0"/>
-          <a:chOff x="0" y="0"/>
-          <a:chExt cx="0" cy="0"/>
-        </a:xfrm>
-      </p:grpSpPr>
-      <p:sp>
-        <p:nvSpPr>
-          <p:cNvPr id="8" name="TextBox 7">
-            <a:extLst>
-              <a:ext uri="{FF2B5EF4-FFF2-40B4-BE49-F238E27FC236}">
-                <a16:creationId xmlns:a16="http://schemas.microsoft.com/office/drawing/2014/main" id="{2B26C363-220D-426E-934F-3F61D6428A22}"/>
-              </a:ext>
-            </a:extLst>
-          </p:cNvPr>
-          <p:cNvSpPr txBox="1"/>
-          <p:nvPr/>
-        </p:nvSpPr>
-        <p:spPr>
-          <a:xfrm>
-            <a:off x="278604" y="224061"/>
-            <a:ext cx="4714875" cy="646331"/>
-          </a:xfrm>
-          <a:prstGeom prst="rect">
-            <a:avLst/>
-          </a:prstGeom>
-          <a:noFill/>
-        </p:spPr>
-        <p:txBody>
-          <a:bodyPr wrap="square" rtlCol="0">
-            <a:spAutoFit/>
-          </a:bodyPr>
-          <a:lstStyle/>
-          <a:p>
-            <a:r>
-              <a:rPr lang="en-US" sz="3600">
-                <a:latin typeface="Segoe UI Semibold" panose="020B0702040204020203" pitchFamily="34" charset="0"/>
-                <a:cs typeface="Segoe UI Semibold" panose="020B0702040204020203" pitchFamily="34" charset="0"/>
-              </a:rPr>
-              <a:t>When to use Bicep</a:t>
-            </a:r>
-          </a:p>
-        </p:txBody>
-      </p:sp>
-      <p:sp>
-        <p:nvSpPr>
-          <p:cNvPr id="9" name="TextBox 8">
-            <a:extLst>
-              <a:ext uri="{FF2B5EF4-FFF2-40B4-BE49-F238E27FC236}">
-                <a16:creationId xmlns:a16="http://schemas.microsoft.com/office/drawing/2014/main" id="{682ED9ED-FB52-4ECF-9A98-8AE89F5178A3}"/>
-              </a:ext>
-            </a:extLst>
-          </p:cNvPr>
-          <p:cNvSpPr txBox="1"/>
-          <p:nvPr/>
-        </p:nvSpPr>
-        <p:spPr>
-          <a:xfrm>
-            <a:off x="7865198" y="6424364"/>
-            <a:ext cx="6097508" cy="369332"/>
-          </a:xfrm>
-          <a:prstGeom prst="rect">
-            <a:avLst/>
-          </a:prstGeom>
-          <a:noFill/>
-        </p:spPr>
-        <p:txBody>
-          <a:bodyPr wrap="square">
-            <a:spAutoFit/>
-          </a:bodyPr>
-          <a:lstStyle/>
-          <a:p>
-            <a:r>
-              <a:rPr lang="en-GB" dirty="0">
-                <a:hlinkClick r:id="rId3"/>
-              </a:rPr>
-              <a:t>When to use Bicep - Learn | Microsoft Docs</a:t>
-            </a:r>
-            <a:endParaRPr lang="en-GB" dirty="0"/>
-          </a:p>
-        </p:txBody>
-      </p:sp>
-      <p:sp>
-        <p:nvSpPr>
-          <p:cNvPr id="13" name="Rectangle 5">
-            <a:extLst>
-              <a:ext uri="{FF2B5EF4-FFF2-40B4-BE49-F238E27FC236}">
-                <a16:creationId xmlns:a16="http://schemas.microsoft.com/office/drawing/2014/main" id="{740DAD87-6F1A-4F6F-A916-D3975A35F294}"/>
-              </a:ext>
-            </a:extLst>
-          </p:cNvPr>
-          <p:cNvSpPr>
-            <a:spLocks noChangeArrowheads="1"/>
-          </p:cNvSpPr>
-          <p:nvPr/>
-        </p:nvSpPr>
-        <p:spPr bwMode="auto">
-          <a:xfrm>
-            <a:off x="278604" y="1577575"/>
-            <a:ext cx="11913396" cy="3790717"/>
-          </a:xfrm>
-          <a:prstGeom prst="rect">
-            <a:avLst/>
-          </a:prstGeom>
-          <a:solidFill>
-            <a:srgbClr val="FFFFFF"/>
-          </a:solidFill>
-          <a:ln>
-            <a:noFill/>
-          </a:ln>
-          <a:effectLst/>
-          <a:extLst>
-            <a:ext uri="{91240B29-F687-4F45-9708-019B960494DF}">
-              <a14:hiddenLine xmlns:a14="http://schemas.microsoft.com/office/drawing/2010/main" w="9525">
-                <a:solidFill>
-                  <a:schemeClr val="tx1"/>
-                </a:solidFill>
-                <a:miter lim="800000"/>
-                <a:headEnd/>
-                <a:tailEnd/>
-              </a14:hiddenLine>
-            </a:ext>
-            <a:ext uri="{AF507438-7753-43E0-B8FC-AC1667EBCBE1}">
-              <a14:hiddenEffects xmlns:a14="http://schemas.microsoft.com/office/drawing/2010/main">
-                <a:effectLst>
-                  <a:outerShdw dist="35921" dir="2700000" algn="ctr" rotWithShape="0">
-                    <a:schemeClr val="bg2"/>
-                  </a:outerShdw>
-                </a:effectLst>
-              </a14:hiddenEffects>
-            </a:ext>
-          </a:extLst>
-        </p:spPr>
-        <p:txBody>
-          <a:bodyPr vert="horz" wrap="square" lIns="241224" tIns="101568" rIns="0" bIns="101568" numCol="1" anchor="ctr" anchorCtr="0" compatLnSpc="1">
-            <a:prstTxWarp prst="textNoShape">
-              <a:avLst/>
-            </a:prstTxWarp>
-            <a:spAutoFit/>
-          </a:bodyPr>
-          <a:lstStyle>
-            <a:lvl1pPr eaLnBrk="0" fontAlgn="base" hangingPunct="0">
-              <a:spcBef>
-                <a:spcPct val="0"/>
-              </a:spcBef>
-              <a:spcAft>
-                <a:spcPct val="0"/>
-              </a:spcAft>
-              <a:defRPr>
-                <a:solidFill>
-                  <a:schemeClr val="tx1"/>
-                </a:solidFill>
-                <a:latin typeface="Arial" panose="020B0604020202020204" pitchFamily="34" charset="0"/>
-              </a:defRPr>
-            </a:lvl1pPr>
-            <a:lvl2pPr eaLnBrk="0" fontAlgn="base" hangingPunct="0">
-              <a:spcBef>
-                <a:spcPct val="0"/>
-              </a:spcBef>
-              <a:spcAft>
-                <a:spcPct val="0"/>
-              </a:spcAft>
-              <a:defRPr>
-                <a:solidFill>
-                  <a:schemeClr val="tx1"/>
-                </a:solidFill>
-                <a:latin typeface="Arial" panose="020B0604020202020204" pitchFamily="34" charset="0"/>
-              </a:defRPr>
-            </a:lvl2pPr>
-            <a:lvl3pPr eaLnBrk="0" fontAlgn="base" hangingPunct="0">
-              <a:spcBef>
-                <a:spcPct val="0"/>
-              </a:spcBef>
-              <a:spcAft>
-                <a:spcPct val="0"/>
-              </a:spcAft>
-              <a:defRPr>
-                <a:solidFill>
-                  <a:schemeClr val="tx1"/>
-                </a:solidFill>
-                <a:latin typeface="Arial" panose="020B0604020202020204" pitchFamily="34" charset="0"/>
-              </a:defRPr>
-            </a:lvl3pPr>
-            <a:lvl4pPr eaLnBrk="0" fontAlgn="base" hangingPunct="0">
-              <a:spcBef>
-                <a:spcPct val="0"/>
-              </a:spcBef>
-              <a:spcAft>
-                <a:spcPct val="0"/>
-              </a:spcAft>
-              <a:defRPr>
-                <a:solidFill>
-                  <a:schemeClr val="tx1"/>
-                </a:solidFill>
-                <a:latin typeface="Arial" panose="020B0604020202020204" pitchFamily="34" charset="0"/>
-              </a:defRPr>
-            </a:lvl4pPr>
-            <a:lvl5pPr eaLnBrk="0" fontAlgn="base" hangingPunct="0">
-              <a:spcBef>
-                <a:spcPct val="0"/>
-              </a:spcBef>
-              <a:spcAft>
-                <a:spcPct val="0"/>
-              </a:spcAft>
-              <a:defRPr>
-                <a:solidFill>
-                  <a:schemeClr val="tx1"/>
-                </a:solidFill>
-                <a:latin typeface="Arial" panose="020B0604020202020204" pitchFamily="34" charset="0"/>
-              </a:defRPr>
-            </a:lvl5pPr>
-            <a:lvl6pPr eaLnBrk="0" fontAlgn="base" hangingPunct="0">
-              <a:spcBef>
-                <a:spcPct val="0"/>
-              </a:spcBef>
-              <a:spcAft>
-                <a:spcPct val="0"/>
-              </a:spcAft>
-              <a:defRPr>
-                <a:solidFill>
-                  <a:schemeClr val="tx1"/>
-                </a:solidFill>
-                <a:latin typeface="Arial" panose="020B0604020202020204" pitchFamily="34" charset="0"/>
-              </a:defRPr>
-            </a:lvl6pPr>
-            <a:lvl7pPr eaLnBrk="0" fontAlgn="base" hangingPunct="0">
-              <a:spcBef>
-                <a:spcPct val="0"/>
-              </a:spcBef>
-              <a:spcAft>
-                <a:spcPct val="0"/>
-              </a:spcAft>
-              <a:defRPr>
-                <a:solidFill>
-                  <a:schemeClr val="tx1"/>
-                </a:solidFill>
-                <a:latin typeface="Arial" panose="020B0604020202020204" pitchFamily="34" charset="0"/>
-              </a:defRPr>
-            </a:lvl7pPr>
-            <a:lvl8pPr eaLnBrk="0" fontAlgn="base" hangingPunct="0">
-              <a:spcBef>
-                <a:spcPct val="0"/>
-              </a:spcBef>
-              <a:spcAft>
-                <a:spcPct val="0"/>
-              </a:spcAft>
-              <a:defRPr>
-                <a:solidFill>
-                  <a:schemeClr val="tx1"/>
-                </a:solidFill>
-                <a:latin typeface="Arial" panose="020B0604020202020204" pitchFamily="34" charset="0"/>
-              </a:defRPr>
-            </a:lvl8pPr>
-            <a:lvl9pPr eaLnBrk="0" fontAlgn="base" hangingPunct="0">
-              <a:spcBef>
-                <a:spcPct val="0"/>
-              </a:spcBef>
-              <a:spcAft>
-                <a:spcPct val="0"/>
-              </a:spcAft>
-              <a:defRPr>
-                <a:solidFill>
-                  <a:schemeClr val="tx1"/>
-                </a:solidFill>
-                <a:latin typeface="Arial" panose="020B0604020202020204" pitchFamily="34" charset="0"/>
-              </a:defRPr>
-            </a:lvl9pPr>
-          </a:lstStyle>
-          <a:p>
-            <a:pPr eaLnBrk="1" hangingPunct="1">
-              <a:spcBef>
-                <a:spcPts val="300"/>
-              </a:spcBef>
-            </a:pPr>
-            <a:r>
-              <a:rPr lang="en-US" altLang="en-US" sz="1600" b="1" dirty="0">
-                <a:latin typeface="Segoe UI"/>
-                <a:cs typeface="Segoe UI"/>
-              </a:rPr>
-              <a:t>When to use Bicep?</a:t>
-            </a:r>
-          </a:p>
-          <a:p>
-            <a:pPr marL="285750" marR="0" lvl="0" indent="-285750" eaLnBrk="1" fontAlgn="base" hangingPunct="1">
-              <a:lnSpc>
-                <a:spcPct val="100000"/>
-              </a:lnSpc>
-              <a:spcBef>
-                <a:spcPts val="300"/>
-              </a:spcBef>
-              <a:spcAft>
-                <a:spcPct val="0"/>
-              </a:spcAft>
-              <a:buClrTx/>
-              <a:buSzTx/>
-              <a:buFont typeface="Arial" panose="020B0604020202020204" pitchFamily="34" charset="0"/>
-              <a:buChar char="•"/>
-              <a:tabLst/>
-            </a:pPr>
-            <a:r>
-              <a:rPr lang="en-US" altLang="en-US" sz="1400" b="1" dirty="0">
-                <a:latin typeface="Segoe UI"/>
-                <a:cs typeface="Segoe UI"/>
-              </a:rPr>
-              <a:t>Azure-native: </a:t>
-            </a:r>
-            <a:r>
-              <a:rPr lang="en-US" altLang="en-US" sz="1400" dirty="0">
-                <a:latin typeface="Segoe UI"/>
-                <a:cs typeface="Segoe UI"/>
-              </a:rPr>
-              <a:t>With Bicep, you're using a language that is native to Azure. When new Azure resources are released or updated, Bicep will support those features on day one. When using other third-party tools, it might take some time for new features to be defined in the tool set.</a:t>
-            </a:r>
-          </a:p>
-          <a:p>
-            <a:pPr marL="285750" marR="0" lvl="0" indent="-285750" eaLnBrk="1" fontAlgn="base" hangingPunct="1">
-              <a:lnSpc>
-                <a:spcPct val="100000"/>
-              </a:lnSpc>
-              <a:spcBef>
-                <a:spcPts val="300"/>
-              </a:spcBef>
-              <a:spcAft>
-                <a:spcPct val="0"/>
-              </a:spcAft>
-              <a:buClrTx/>
-              <a:buSzTx/>
-              <a:buFont typeface="Arial" panose="020B0604020202020204" pitchFamily="34" charset="0"/>
-              <a:buChar char="•"/>
-              <a:tabLst/>
-            </a:pPr>
-            <a:r>
-              <a:rPr lang="en-US" altLang="en-US" sz="1400" b="1" dirty="0">
-                <a:latin typeface="Segoe UI"/>
-                <a:cs typeface="Segoe UI"/>
-              </a:rPr>
-              <a:t>Azure integration: </a:t>
-            </a:r>
-            <a:r>
-              <a:rPr lang="en-US" altLang="en-US" sz="1400" dirty="0">
-                <a:latin typeface="Segoe UI"/>
-                <a:cs typeface="Segoe UI"/>
-              </a:rPr>
-              <a:t>ARM templates, both JSON and Bicep, are fully integrated within the Azure platform. With Resource Manager-based deployments, you can monitor the progress of your deployment in the Azure portal.</a:t>
-            </a:r>
-          </a:p>
-          <a:p>
-            <a:pPr marL="285750" marR="0" lvl="0" indent="-285750" eaLnBrk="1" fontAlgn="base" hangingPunct="1">
-              <a:lnSpc>
-                <a:spcPct val="100000"/>
-              </a:lnSpc>
-              <a:spcBef>
-                <a:spcPts val="300"/>
-              </a:spcBef>
-              <a:spcAft>
-                <a:spcPct val="0"/>
-              </a:spcAft>
-              <a:buClrTx/>
-              <a:buSzTx/>
-              <a:buFont typeface="Arial" panose="020B0604020202020204" pitchFamily="34" charset="0"/>
-              <a:buChar char="•"/>
-              <a:tabLst/>
-            </a:pPr>
-            <a:r>
-              <a:rPr lang="en-US" altLang="en-US" sz="1400" b="1" dirty="0">
-                <a:latin typeface="Segoe UI"/>
-                <a:cs typeface="Segoe UI"/>
-              </a:rPr>
-              <a:t>Azure support: </a:t>
-            </a:r>
-            <a:r>
-              <a:rPr lang="en-US" altLang="en-US" sz="1400" dirty="0">
-                <a:latin typeface="Segoe UI"/>
-                <a:cs typeface="Segoe UI"/>
-              </a:rPr>
-              <a:t>Bicep is a fully supported product with Microsoft Support.</a:t>
-            </a:r>
-          </a:p>
-          <a:p>
-            <a:pPr marL="285750" marR="0" lvl="0" indent="-285750" eaLnBrk="1" fontAlgn="base" hangingPunct="1">
-              <a:lnSpc>
-                <a:spcPct val="100000"/>
-              </a:lnSpc>
-              <a:spcBef>
-                <a:spcPts val="300"/>
-              </a:spcBef>
-              <a:spcAft>
-                <a:spcPct val="0"/>
-              </a:spcAft>
-              <a:buClrTx/>
-              <a:buSzTx/>
-              <a:buFont typeface="Arial" panose="020B0604020202020204" pitchFamily="34" charset="0"/>
-              <a:buChar char="•"/>
-              <a:tabLst/>
-            </a:pPr>
-            <a:r>
-              <a:rPr lang="en-US" altLang="en-US" sz="1400" b="1" dirty="0">
-                <a:latin typeface="Segoe UI"/>
-                <a:cs typeface="Segoe UI"/>
-              </a:rPr>
-              <a:t>No state management: </a:t>
-            </a:r>
-            <a:r>
-              <a:rPr lang="en-US" altLang="en-US" sz="1400" dirty="0">
-                <a:latin typeface="Segoe UI"/>
-                <a:cs typeface="Segoe UI"/>
-              </a:rPr>
-              <a:t>Bicep deployments compare the current state of your Azure resources with the state that you define in the template. You don't need to keep your resource state information somewhere else, like in a storage account. Azure automatically keeps track of this state for you.</a:t>
-            </a:r>
-          </a:p>
-          <a:p>
-            <a:pPr marL="285750" marR="0" lvl="0" indent="-285750" eaLnBrk="1" fontAlgn="base" hangingPunct="1">
-              <a:lnSpc>
-                <a:spcPct val="100000"/>
-              </a:lnSpc>
-              <a:spcBef>
-                <a:spcPts val="300"/>
-              </a:spcBef>
-              <a:spcAft>
-                <a:spcPct val="0"/>
-              </a:spcAft>
-              <a:buClrTx/>
-              <a:buSzTx/>
-              <a:buFont typeface="Arial" panose="020B0604020202020204" pitchFamily="34" charset="0"/>
-              <a:buChar char="•"/>
-              <a:tabLst/>
-            </a:pPr>
-            <a:r>
-              <a:rPr lang="en-US" altLang="en-US" sz="1400" b="1" dirty="0">
-                <a:latin typeface="Segoe UI"/>
-                <a:cs typeface="Segoe UI"/>
-              </a:rPr>
-              <a:t>Easy transition from JSON: </a:t>
-            </a:r>
-            <a:r>
-              <a:rPr lang="en-US" altLang="en-US" sz="1400" dirty="0">
-                <a:latin typeface="Segoe UI"/>
-                <a:cs typeface="Segoe UI"/>
-              </a:rPr>
-              <a:t>If you're already using ARM JSON templates as your declarative template language, it isn't a difficult process to transition to using Bicep. You can use the Bicep CLI to decompile any ARM template into a Bicep template by using the bicep decompile command.</a:t>
-            </a:r>
-          </a:p>
-          <a:p>
-            <a:pPr marL="182880" marR="0" lvl="0" indent="-274320" eaLnBrk="1" fontAlgn="base" hangingPunct="1">
-              <a:lnSpc>
-                <a:spcPct val="100000"/>
-              </a:lnSpc>
-              <a:spcBef>
-                <a:spcPts val="300"/>
-              </a:spcBef>
-              <a:spcAft>
-                <a:spcPct val="0"/>
-              </a:spcAft>
-              <a:buClrTx/>
-              <a:buSzTx/>
-              <a:buFont typeface="Wingdings" panose="05000000000000000000" pitchFamily="2" charset="2"/>
-              <a:buChar char="§"/>
-              <a:tabLst/>
-            </a:pPr>
-            <a:endParaRPr lang="en-US" altLang="en-US" sz="1400" dirty="0">
-              <a:latin typeface="Segoe UI"/>
-              <a:cs typeface="Segoe UI"/>
-            </a:endParaRPr>
-          </a:p>
-          <a:p>
-            <a:pPr marL="0" marR="0" lvl="0" indent="0" algn="l" defTabSz="914400" rtl="0" eaLnBrk="0" fontAlgn="base" latinLnBrk="0" hangingPunct="0">
-              <a:lnSpc>
-                <a:spcPct val="100000"/>
-              </a:lnSpc>
-              <a:spcBef>
-                <a:spcPct val="0"/>
-              </a:spcBef>
-              <a:spcAft>
-                <a:spcPct val="0"/>
-              </a:spcAft>
-              <a:buClrTx/>
-              <a:buSzTx/>
-              <a:buFontTx/>
-              <a:buNone/>
-              <a:tabLst/>
-            </a:pPr>
-            <a:r>
-              <a:rPr lang="en-US" altLang="en-US" sz="1600" b="1" dirty="0">
-                <a:latin typeface="Segoe UI"/>
-                <a:cs typeface="Segoe UI"/>
-              </a:rPr>
-              <a:t>When is Bicep not the right tool?</a:t>
-            </a:r>
-          </a:p>
-          <a:p>
-            <a:pPr marL="0" marR="0" lvl="0" indent="0" algn="l" defTabSz="914400" rtl="0" eaLnBrk="0" fontAlgn="base" latinLnBrk="0" hangingPunct="0">
-              <a:lnSpc>
-                <a:spcPct val="100000"/>
-              </a:lnSpc>
-              <a:spcBef>
-                <a:spcPct val="0"/>
-              </a:spcBef>
-              <a:spcAft>
-                <a:spcPct val="0"/>
-              </a:spcAft>
-              <a:buClrTx/>
-              <a:buSzTx/>
-              <a:buFontTx/>
-              <a:buNone/>
-              <a:tabLst/>
-            </a:pPr>
-            <a:endParaRPr kumimoji="0" lang="en-US" altLang="en-US" sz="1800" b="0" i="0" u="none" strike="noStrike" cap="none" normalizeH="0" baseline="0" dirty="0">
-              <a:ln>
-                <a:noFill/>
-              </a:ln>
-              <a:solidFill>
-                <a:schemeClr val="tx1"/>
-              </a:solidFill>
-              <a:effectLst/>
-              <a:latin typeface="Arial" panose="020B0604020202020204" pitchFamily="34" charset="0"/>
-            </a:endParaRPr>
-          </a:p>
-        </p:txBody>
-      </p:sp>
-    </p:spTree>
-    <p:extLst>
-      <p:ext uri="{BB962C8B-B14F-4D97-AF65-F5344CB8AC3E}">
-        <p14:creationId xmlns:p14="http://schemas.microsoft.com/office/powerpoint/2010/main" val="4172461425"/>
-      </p:ext>
-    </p:extLst>
-  </p:cSld>
-  <p:clrMapOvr>
-    <a:masterClrMapping/>
-  </p:clrMapOvr>
-</p:sld>
-</file>
-
-<file path=ppt/slides/slide12.xml><?xml version="1.0" encoding="utf-8"?>
-<p:sld xmlns:a="http://schemas.openxmlformats.org/drawingml/2006/main" xmlns:r="http://schemas.openxmlformats.org/officeDocument/2006/relationships" xmlns:p="http://schemas.openxmlformats.org/presentationml/2006/main">
-  <p:cSld>
-    <p:spTree>
-      <p:nvGrpSpPr>
-        <p:cNvPr id="1" name=""/>
-        <p:cNvGrpSpPr/>
-        <p:nvPr/>
-      </p:nvGrpSpPr>
-      <p:grpSpPr>
-        <a:xfrm>
-          <a:off x="0" y="0"/>
-          <a:ext cx="0" cy="0"/>
-          <a:chOff x="0" y="0"/>
-          <a:chExt cx="0" cy="0"/>
-        </a:xfrm>
-      </p:grpSpPr>
-      <p:grpSp>
-        <p:nvGrpSpPr>
-          <p:cNvPr id="7" name="Group 6">
-            <a:extLst>
-              <a:ext uri="{FF2B5EF4-FFF2-40B4-BE49-F238E27FC236}">
-                <a16:creationId xmlns:a16="http://schemas.microsoft.com/office/drawing/2014/main" id="{D1C6A5ED-F3AF-47DE-85F1-1B9E3BE56459}"/>
-              </a:ext>
-              <a:ext uri="{C183D7F6-B498-43B3-948B-1728B52AA6E4}">
-                <adec:decorative xmlns:adec="http://schemas.microsoft.com/office/drawing/2017/decorative" val="1"/>
-              </a:ext>
-            </a:extLst>
-          </p:cNvPr>
-          <p:cNvGrpSpPr/>
-          <p:nvPr/>
-        </p:nvGrpSpPr>
-        <p:grpSpPr>
-          <a:xfrm>
-            <a:off x="433387" y="1422923"/>
-            <a:ext cx="6607428" cy="1009381"/>
-            <a:chOff x="436378" y="1545025"/>
-            <a:chExt cx="6608366" cy="1009524"/>
-          </a:xfrm>
-        </p:grpSpPr>
-        <p:sp>
-          <p:nvSpPr>
-            <p:cNvPr id="12" name="TextBox 11">
-              <a:extLst>
-                <a:ext uri="{FF2B5EF4-FFF2-40B4-BE49-F238E27FC236}">
-                  <a16:creationId xmlns:a16="http://schemas.microsoft.com/office/drawing/2014/main" id="{2C90A02D-FA22-4D75-8262-E67026C3F459}"/>
-                </a:ext>
-              </a:extLst>
-            </p:cNvPr>
-            <p:cNvSpPr txBox="1"/>
-            <p:nvPr/>
-          </p:nvSpPr>
-          <p:spPr>
-            <a:xfrm>
-              <a:off x="1044773" y="1545025"/>
-              <a:ext cx="5600726" cy="622056"/>
-            </a:xfrm>
-            <a:prstGeom prst="rect">
-              <a:avLst/>
-            </a:prstGeom>
-            <a:noFill/>
-          </p:spPr>
-          <p:txBody>
-            <a:bodyPr wrap="square" lIns="179259" tIns="143407" rIns="179259" bIns="143407" rtlCol="0">
-              <a:spAutoFit/>
-            </a:bodyPr>
-            <a:lstStyle/>
-            <a:p>
-              <a:pPr defTabSz="914192">
-                <a:lnSpc>
-                  <a:spcPct val="90000"/>
-                </a:lnSpc>
-                <a:spcAft>
-                  <a:spcPts val="588"/>
-                </a:spcAft>
-                <a:defRPr/>
-              </a:pPr>
-              <a:r>
-                <a:rPr lang="en-GB" sz="2353" dirty="0">
-                  <a:solidFill>
-                    <a:srgbClr val="000000">
-                      <a:lumMod val="65000"/>
-                      <a:lumOff val="35000"/>
-                    </a:srgbClr>
-                  </a:solidFill>
-                  <a:latin typeface="Segoe UI Semibold"/>
-                </a:rPr>
-                <a:t>One language to rule them all</a:t>
-              </a:r>
-            </a:p>
-          </p:txBody>
-        </p:sp>
-        <p:sp>
-          <p:nvSpPr>
-            <p:cNvPr id="9" name="Oval 8">
-              <a:extLst>
-                <a:ext uri="{FF2B5EF4-FFF2-40B4-BE49-F238E27FC236}">
-                  <a16:creationId xmlns:a16="http://schemas.microsoft.com/office/drawing/2014/main" id="{3303B4F4-BD54-418F-ABEC-9DA56768EB4B}"/>
-                </a:ext>
-                <a:ext uri="{C183D7F6-B498-43B3-948B-1728B52AA6E4}">
-                  <adec:decorative xmlns:adec="http://schemas.microsoft.com/office/drawing/2017/decorative" val="1"/>
-                </a:ext>
-              </a:extLst>
-            </p:cNvPr>
-            <p:cNvSpPr/>
-            <p:nvPr/>
-          </p:nvSpPr>
-          <p:spPr bwMode="auto">
-            <a:xfrm>
-              <a:off x="436378" y="1698136"/>
-              <a:ext cx="544382" cy="544382"/>
-            </a:xfrm>
-            <a:prstGeom prst="ellipse">
-              <a:avLst/>
-            </a:prstGeom>
-            <a:solidFill>
-              <a:srgbClr val="EAEAEA"/>
-            </a:solidFill>
-            <a:ln>
-              <a:noFill/>
-              <a:headEnd type="none" w="med" len="med"/>
-              <a:tailEnd type="none" w="med" len="med"/>
-            </a:ln>
-            <a:effectLst/>
-          </p:spPr>
-          <p:style>
-            <a:lnRef idx="1">
-              <a:schemeClr val="accent2"/>
-            </a:lnRef>
-            <a:fillRef idx="3">
-              <a:schemeClr val="accent2"/>
-            </a:fillRef>
-            <a:effectRef idx="2">
-              <a:schemeClr val="accent2"/>
-            </a:effectRef>
-            <a:fontRef idx="minor">
-              <a:schemeClr val="lt1"/>
-            </a:fontRef>
-          </p:style>
-          <p:txBody>
-            <a:bodyPr rot="0" spcFirstLastPara="0" vertOverflow="overflow" horzOverflow="overflow" vert="horz" wrap="square" lIns="179259" tIns="143407" rIns="179259" bIns="143407" numCol="1" spcCol="0" rtlCol="0" fromWordArt="0" anchor="t" anchorCtr="0" forceAA="0" compatLnSpc="1">
-              <a:prstTxWarp prst="textNoShape">
-                <a:avLst/>
-              </a:prstTxWarp>
-              <a:noAutofit/>
-            </a:bodyPr>
-            <a:lstStyle/>
-            <a:p>
-              <a:pPr algn="ctr" defTabSz="913927" fontAlgn="base">
-                <a:lnSpc>
-                  <a:spcPct val="90000"/>
-                </a:lnSpc>
-                <a:spcBef>
-                  <a:spcPct val="0"/>
-                </a:spcBef>
-                <a:spcAft>
-                  <a:spcPct val="0"/>
-                </a:spcAft>
-                <a:defRPr/>
-              </a:pPr>
-              <a:endParaRPr lang="en-US" sz="2353" err="1">
-                <a:gradFill>
-                  <a:gsLst>
-                    <a:gs pos="0">
-                      <a:srgbClr val="FFFFFF"/>
-                    </a:gs>
-                    <a:gs pos="100000">
-                      <a:srgbClr val="FFFFFF"/>
-                    </a:gs>
-                  </a:gsLst>
-                  <a:lin ang="5400000" scaled="0"/>
-                </a:gradFill>
-                <a:latin typeface="Segoe UI"/>
-                <a:ea typeface="Segoe UI" pitchFamily="34" charset="0"/>
-                <a:cs typeface="Segoe UI" pitchFamily="34" charset="0"/>
-              </a:endParaRPr>
-            </a:p>
-          </p:txBody>
-        </p:sp>
-        <p:sp>
-          <p:nvSpPr>
-            <p:cNvPr id="10" name="TextBox 9">
-              <a:extLst>
-                <a:ext uri="{FF2B5EF4-FFF2-40B4-BE49-F238E27FC236}">
-                  <a16:creationId xmlns:a16="http://schemas.microsoft.com/office/drawing/2014/main" id="{967D699B-D6CA-484D-9DCC-8760B5AE64AE}"/>
-                </a:ext>
-              </a:extLst>
-            </p:cNvPr>
-            <p:cNvSpPr txBox="1"/>
-            <p:nvPr/>
-          </p:nvSpPr>
-          <p:spPr>
-            <a:xfrm>
-              <a:off x="1044772" y="1903205"/>
-              <a:ext cx="5999972" cy="651344"/>
-            </a:xfrm>
-            <a:prstGeom prst="rect">
-              <a:avLst/>
-            </a:prstGeom>
-            <a:noFill/>
-          </p:spPr>
-          <p:txBody>
-            <a:bodyPr wrap="square" lIns="179259" tIns="143407" rIns="179259" bIns="143407" rtlCol="0">
-              <a:spAutoFit/>
-            </a:bodyPr>
-            <a:lstStyle/>
-            <a:p>
-              <a:pPr defTabSz="914192">
-                <a:spcAft>
-                  <a:spcPts val="588"/>
-                </a:spcAft>
-                <a:defRPr/>
-              </a:pPr>
-              <a:r>
-                <a:rPr lang="en-US" sz="1175" dirty="0">
-                  <a:solidFill>
-                    <a:srgbClr val="595959"/>
-                  </a:solidFill>
-                  <a:latin typeface="Segoe UI"/>
-                </a:rPr>
-                <a:t>Bicep does not have awareness of State so if this is a requirement Terraform may be a better option</a:t>
-              </a:r>
-            </a:p>
-          </p:txBody>
-        </p:sp>
-      </p:grpSp>
-      <p:grpSp>
-        <p:nvGrpSpPr>
-          <p:cNvPr id="8" name="Group 7">
-            <a:extLst>
-              <a:ext uri="{FF2B5EF4-FFF2-40B4-BE49-F238E27FC236}">
-                <a16:creationId xmlns:a16="http://schemas.microsoft.com/office/drawing/2014/main" id="{C41EC495-2DF9-4DAC-9F24-4E202FB16F12}"/>
-              </a:ext>
-              <a:ext uri="{C183D7F6-B498-43B3-948B-1728B52AA6E4}">
-                <adec:decorative xmlns:adec="http://schemas.microsoft.com/office/drawing/2017/decorative" val="1"/>
-              </a:ext>
-            </a:extLst>
-          </p:cNvPr>
-          <p:cNvGrpSpPr/>
-          <p:nvPr/>
-        </p:nvGrpSpPr>
-        <p:grpSpPr>
-          <a:xfrm>
-            <a:off x="437182" y="2380088"/>
-            <a:ext cx="6603634" cy="1902453"/>
-            <a:chOff x="436378" y="2624823"/>
-            <a:chExt cx="6604571" cy="1902724"/>
-          </a:xfrm>
-        </p:grpSpPr>
-        <p:sp>
-          <p:nvSpPr>
-            <p:cNvPr id="18" name="Oval 17">
-              <a:extLst>
-                <a:ext uri="{FF2B5EF4-FFF2-40B4-BE49-F238E27FC236}">
-                  <a16:creationId xmlns:a16="http://schemas.microsoft.com/office/drawing/2014/main" id="{FFDB50A0-8DD6-48CA-80CD-8F55978146FF}"/>
-                </a:ext>
-                <a:ext uri="{C183D7F6-B498-43B3-948B-1728B52AA6E4}">
-                  <adec:decorative xmlns:adec="http://schemas.microsoft.com/office/drawing/2017/decorative" val="1"/>
-                </a:ext>
-              </a:extLst>
-            </p:cNvPr>
-            <p:cNvSpPr/>
-            <p:nvPr/>
-          </p:nvSpPr>
-          <p:spPr bwMode="auto">
-            <a:xfrm>
-              <a:off x="436378" y="2770677"/>
-              <a:ext cx="544382" cy="544382"/>
-            </a:xfrm>
-            <a:prstGeom prst="ellipse">
-              <a:avLst/>
-            </a:prstGeom>
-            <a:solidFill>
-              <a:srgbClr val="EAEAEA"/>
-            </a:solidFill>
-            <a:ln>
-              <a:noFill/>
-              <a:headEnd type="none" w="med" len="med"/>
-              <a:tailEnd type="none" w="med" len="med"/>
-            </a:ln>
-            <a:effectLst/>
-          </p:spPr>
-          <p:style>
-            <a:lnRef idx="1">
-              <a:schemeClr val="accent2"/>
-            </a:lnRef>
-            <a:fillRef idx="3">
-              <a:schemeClr val="accent2"/>
-            </a:fillRef>
-            <a:effectRef idx="2">
-              <a:schemeClr val="accent2"/>
-            </a:effectRef>
-            <a:fontRef idx="minor">
-              <a:schemeClr val="lt1"/>
-            </a:fontRef>
-          </p:style>
-          <p:txBody>
-            <a:bodyPr rot="0" spcFirstLastPara="0" vertOverflow="overflow" horzOverflow="overflow" vert="horz" wrap="square" lIns="179259" tIns="143407" rIns="179259" bIns="143407" numCol="1" spcCol="0" rtlCol="0" fromWordArt="0" anchor="t" anchorCtr="0" forceAA="0" compatLnSpc="1">
-              <a:prstTxWarp prst="textNoShape">
-                <a:avLst/>
-              </a:prstTxWarp>
-              <a:noAutofit/>
-            </a:bodyPr>
-            <a:lstStyle/>
-            <a:p>
-              <a:pPr algn="ctr" defTabSz="913927" fontAlgn="base">
-                <a:lnSpc>
-                  <a:spcPct val="90000"/>
-                </a:lnSpc>
-                <a:spcBef>
-                  <a:spcPct val="0"/>
-                </a:spcBef>
-                <a:spcAft>
-                  <a:spcPct val="0"/>
-                </a:spcAft>
-                <a:defRPr/>
-              </a:pPr>
-              <a:endParaRPr lang="en-US" sz="2353" err="1">
-                <a:gradFill>
-                  <a:gsLst>
-                    <a:gs pos="0">
-                      <a:srgbClr val="FFFFFF"/>
-                    </a:gs>
-                    <a:gs pos="100000">
-                      <a:srgbClr val="FFFFFF"/>
-                    </a:gs>
-                  </a:gsLst>
-                  <a:lin ang="5400000" scaled="0"/>
-                </a:gradFill>
-                <a:latin typeface="Segoe UI"/>
-                <a:ea typeface="Segoe UI" pitchFamily="34" charset="0"/>
-                <a:cs typeface="Segoe UI" pitchFamily="34" charset="0"/>
-              </a:endParaRPr>
-            </a:p>
-          </p:txBody>
-        </p:sp>
-        <p:sp>
-          <p:nvSpPr>
-            <p:cNvPr id="20" name="TextBox 19">
-              <a:extLst>
-                <a:ext uri="{FF2B5EF4-FFF2-40B4-BE49-F238E27FC236}">
-                  <a16:creationId xmlns:a16="http://schemas.microsoft.com/office/drawing/2014/main" id="{D306CDB6-E465-4A41-B520-9DC0AC0600BC}"/>
-                </a:ext>
-              </a:extLst>
-            </p:cNvPr>
-            <p:cNvSpPr txBox="1"/>
-            <p:nvPr/>
-          </p:nvSpPr>
-          <p:spPr>
-            <a:xfrm>
-              <a:off x="1044773" y="2624823"/>
-              <a:ext cx="3584824" cy="622056"/>
-            </a:xfrm>
-            <a:prstGeom prst="rect">
-              <a:avLst/>
-            </a:prstGeom>
-            <a:noFill/>
-          </p:spPr>
-          <p:txBody>
-            <a:bodyPr wrap="square" lIns="179259" tIns="143407" rIns="179259" bIns="143407" rtlCol="0">
-              <a:spAutoFit/>
-            </a:bodyPr>
-            <a:lstStyle/>
-            <a:p>
-              <a:pPr defTabSz="914192">
-                <a:lnSpc>
-                  <a:spcPct val="90000"/>
-                </a:lnSpc>
-                <a:spcAft>
-                  <a:spcPts val="588"/>
-                </a:spcAft>
-                <a:defRPr/>
-              </a:pPr>
-              <a:r>
-                <a:rPr lang="en-US" sz="2353" dirty="0">
-                  <a:solidFill>
-                    <a:srgbClr val="000000">
-                      <a:lumMod val="65000"/>
-                      <a:lumOff val="35000"/>
-                    </a:srgbClr>
-                  </a:solidFill>
-                  <a:latin typeface="Segoe UI Semibold"/>
-                </a:rPr>
-                <a:t>Invent new technology</a:t>
-              </a:r>
-            </a:p>
-          </p:txBody>
-        </p:sp>
-        <p:sp>
-          <p:nvSpPr>
-            <p:cNvPr id="21" name="TextBox 20">
-              <a:extLst>
-                <a:ext uri="{FF2B5EF4-FFF2-40B4-BE49-F238E27FC236}">
-                  <a16:creationId xmlns:a16="http://schemas.microsoft.com/office/drawing/2014/main" id="{48F696DB-EE80-40C9-9008-6142F73C1492}"/>
-                </a:ext>
-              </a:extLst>
-            </p:cNvPr>
-            <p:cNvSpPr txBox="1"/>
-            <p:nvPr/>
-          </p:nvSpPr>
-          <p:spPr>
-            <a:xfrm>
-              <a:off x="1044773" y="2983523"/>
-              <a:ext cx="5996176" cy="1544024"/>
-            </a:xfrm>
-            <a:prstGeom prst="rect">
-              <a:avLst/>
-            </a:prstGeom>
-            <a:noFill/>
-          </p:spPr>
-          <p:txBody>
-            <a:bodyPr wrap="square" lIns="179259" tIns="143407" rIns="179259" bIns="143407" rtlCol="0">
-              <a:spAutoFit/>
-            </a:bodyPr>
-            <a:lstStyle/>
-            <a:p>
-              <a:pPr defTabSz="914192">
-                <a:spcAft>
-                  <a:spcPts val="588"/>
-                </a:spcAft>
-                <a:defRPr/>
-              </a:pPr>
-              <a:r>
-                <a:rPr lang="en-NZ" sz="1175" dirty="0">
-                  <a:solidFill>
-                    <a:srgbClr val="595959"/>
-                  </a:solidFill>
-                  <a:latin typeface="Segoe UI"/>
-                </a:rPr>
-                <a:t>Based off existing Azure Resource Manager principles. </a:t>
-              </a:r>
-            </a:p>
-            <a:p>
-              <a:pPr defTabSz="914192">
-                <a:spcAft>
-                  <a:spcPts val="588"/>
-                </a:spcAft>
-                <a:defRPr/>
-              </a:pPr>
-              <a:r>
-                <a:rPr lang="en-US" altLang="en-US" sz="1200" dirty="0">
-                  <a:latin typeface="Segoe UI"/>
-                  <a:cs typeface="Segoe UI"/>
-                </a:rPr>
-                <a:t>the first question to ask is, "Does my organization already have a tool set in use?" Many tooling options are available that can be used for infrastructure as code-based resource provisioning. Sometimes, it makes sense to use existing financial and knowledge investments when you consider adopting a new process.</a:t>
-              </a:r>
-            </a:p>
-            <a:p>
-              <a:pPr defTabSz="914192">
-                <a:spcAft>
-                  <a:spcPts val="588"/>
-                </a:spcAft>
-                <a:defRPr/>
-              </a:pPr>
-              <a:endParaRPr lang="en-US" sz="1175" dirty="0">
-                <a:solidFill>
-                  <a:srgbClr val="595959"/>
-                </a:solidFill>
-                <a:latin typeface="Segoe UI"/>
-              </a:endParaRPr>
-            </a:p>
-          </p:txBody>
-        </p:sp>
-        <p:pic>
-          <p:nvPicPr>
-            <p:cNvPr id="35" name="Graphic 34">
-              <a:extLst>
-                <a:ext uri="{FF2B5EF4-FFF2-40B4-BE49-F238E27FC236}">
-                  <a16:creationId xmlns:a16="http://schemas.microsoft.com/office/drawing/2014/main" id="{ABE2A09F-ABD7-45CC-B307-1E4AEABBFC16}"/>
-                </a:ext>
-                <a:ext uri="{C183D7F6-B498-43B3-948B-1728B52AA6E4}">
-                  <adec:decorative xmlns:adec="http://schemas.microsoft.com/office/drawing/2017/decorative" val="1"/>
-                </a:ext>
-              </a:extLst>
-            </p:cNvPr>
-            <p:cNvPicPr>
-              <a:picLocks noChangeAspect="1"/>
-            </p:cNvPicPr>
-            <p:nvPr/>
-          </p:nvPicPr>
-          <p:blipFill>
-            <a:blip r:embed="rId3">
-              <a:extLst>
-                <a:ext uri="{28A0092B-C50C-407E-A947-70E740481C1C}">
-                  <a14:useLocalDpi xmlns:a14="http://schemas.microsoft.com/office/drawing/2010/main" val="0"/>
-                </a:ext>
-                <a:ext uri="{96DAC541-7B7A-43D3-8B79-37D633B846F1}">
-                  <asvg:svgBlip xmlns:asvg="http://schemas.microsoft.com/office/drawing/2016/SVG/main" r:embed="rId4"/>
-                </a:ext>
-              </a:extLst>
-            </a:blip>
-            <a:stretch>
-              <a:fillRect/>
-            </a:stretch>
-          </p:blipFill>
-          <p:spPr>
-            <a:xfrm>
-              <a:off x="564708" y="2902801"/>
-              <a:ext cx="280133" cy="280133"/>
-            </a:xfrm>
-            <a:prstGeom prst="rect">
-              <a:avLst/>
-            </a:prstGeom>
-          </p:spPr>
-        </p:pic>
-      </p:grpSp>
-      <p:grpSp>
-        <p:nvGrpSpPr>
-          <p:cNvPr id="46" name="Group 45">
-            <a:extLst>
-              <a:ext uri="{FF2B5EF4-FFF2-40B4-BE49-F238E27FC236}">
-                <a16:creationId xmlns:a16="http://schemas.microsoft.com/office/drawing/2014/main" id="{EF9AFAD9-4ECD-4E9F-977B-4D2A1CB7CD27}"/>
-              </a:ext>
-              <a:ext uri="{C183D7F6-B498-43B3-948B-1728B52AA6E4}">
-                <adec:decorative xmlns:adec="http://schemas.microsoft.com/office/drawing/2017/decorative" val="1"/>
-              </a:ext>
-            </a:extLst>
-          </p:cNvPr>
-          <p:cNvGrpSpPr/>
-          <p:nvPr/>
-        </p:nvGrpSpPr>
-        <p:grpSpPr>
-          <a:xfrm>
-            <a:off x="10150622" y="6373551"/>
-            <a:ext cx="2490398" cy="229259"/>
-            <a:chOff x="9701248" y="4775731"/>
-            <a:chExt cx="2490752" cy="229291"/>
-          </a:xfrm>
-        </p:grpSpPr>
-        <p:sp>
-          <p:nvSpPr>
-            <p:cNvPr id="28" name="Text Placeholder 3">
-              <a:extLst>
-                <a:ext uri="{FF2B5EF4-FFF2-40B4-BE49-F238E27FC236}">
-                  <a16:creationId xmlns:a16="http://schemas.microsoft.com/office/drawing/2014/main" id="{12CDE9BA-C365-4833-B2DD-01DF20A79BB3}"/>
-                </a:ext>
-              </a:extLst>
-            </p:cNvPr>
-            <p:cNvSpPr txBox="1">
-              <a:spLocks/>
-            </p:cNvSpPr>
-            <p:nvPr/>
-          </p:nvSpPr>
-          <p:spPr>
-            <a:xfrm>
-              <a:off x="10006819" y="4790881"/>
-              <a:ext cx="2185181" cy="169301"/>
-            </a:xfrm>
-            <a:prstGeom prst="rect">
-              <a:avLst/>
-            </a:prstGeom>
-          </p:spPr>
-          <p:txBody>
-            <a:bodyPr vert="horz" wrap="square" lIns="0" tIns="0" rIns="0" bIns="0" rtlCol="0">
-              <a:spAutoFit/>
-            </a:bodyPr>
-            <a:lstStyle>
-              <a:lvl1pPr marL="228600" marR="0" indent="-228600" algn="l" defTabSz="932742" rtl="0" eaLnBrk="1" fontAlgn="auto" latinLnBrk="0" hangingPunct="1">
-                <a:lnSpc>
-                  <a:spcPct val="100000"/>
-                </a:lnSpc>
-                <a:spcBef>
-                  <a:spcPct val="20000"/>
-                </a:spcBef>
-                <a:spcAft>
-                  <a:spcPts val="0"/>
-                </a:spcAft>
-                <a:buClrTx/>
-                <a:buSzPct val="90000"/>
-                <a:buFont typeface="Wingdings" panose="05000000000000000000" pitchFamily="2" charset="2"/>
-                <a:buChar char=""/>
-                <a:tabLst/>
-                <a:defRPr sz="2800" kern="1200" spc="0" baseline="0">
-                  <a:gradFill>
-                    <a:gsLst>
-                      <a:gs pos="1250">
-                        <a:schemeClr val="tx1"/>
-                      </a:gs>
-                      <a:gs pos="100000">
-                        <a:schemeClr val="tx1"/>
-                      </a:gs>
-                    </a:gsLst>
-                    <a:lin ang="5400000" scaled="0"/>
-                  </a:gradFill>
-                  <a:latin typeface="Segoe UI Semilight" panose="020B0402040204020203" pitchFamily="34" charset="0"/>
-                  <a:ea typeface="+mn-ea"/>
-                  <a:cs typeface="Segoe UI Semilight" panose="020B0402040204020203" pitchFamily="34" charset="0"/>
-                </a:defRPr>
-              </a:lvl1pPr>
-              <a:lvl2pPr marL="457200" marR="0" indent="-228600" algn="l" defTabSz="932742" rtl="0" eaLnBrk="1" fontAlgn="auto" latinLnBrk="0" hangingPunct="1">
-                <a:lnSpc>
-                  <a:spcPct val="100000"/>
-                </a:lnSpc>
-                <a:spcBef>
-                  <a:spcPct val="20000"/>
-                </a:spcBef>
-                <a:spcAft>
-                  <a:spcPts val="0"/>
-                </a:spcAft>
-                <a:buClrTx/>
-                <a:buSzPct val="90000"/>
-                <a:buFont typeface="Wingdings" panose="05000000000000000000" pitchFamily="2" charset="2"/>
-                <a:buChar char=""/>
-                <a:tabLst/>
-                <a:defRPr sz="2000" kern="1200" spc="0" baseline="0">
-                  <a:gradFill>
-                    <a:gsLst>
-                      <a:gs pos="1250">
-                        <a:schemeClr val="tx1"/>
-                      </a:gs>
-                      <a:gs pos="100000">
-                        <a:schemeClr val="tx1"/>
-                      </a:gs>
-                    </a:gsLst>
-                    <a:lin ang="5400000" scaled="0"/>
-                  </a:gradFill>
-                  <a:latin typeface="+mn-lt"/>
-                  <a:ea typeface="+mn-ea"/>
-                  <a:cs typeface="+mn-cs"/>
-                </a:defRPr>
-              </a:lvl2pPr>
-              <a:lvl3pPr marL="657225" marR="0" indent="-200025" algn="l" defTabSz="932742" rtl="0" eaLnBrk="1" fontAlgn="auto" latinLnBrk="0" hangingPunct="1">
-                <a:lnSpc>
-                  <a:spcPct val="100000"/>
-                </a:lnSpc>
-                <a:spcBef>
-                  <a:spcPct val="20000"/>
-                </a:spcBef>
-                <a:spcAft>
-                  <a:spcPts val="0"/>
-                </a:spcAft>
-                <a:buClrTx/>
-                <a:buSzPct val="90000"/>
-                <a:buFont typeface="Wingdings" panose="05000000000000000000" pitchFamily="2" charset="2"/>
-                <a:buChar char=""/>
-                <a:tabLst/>
-                <a:defRPr sz="1600" kern="1200" spc="0" baseline="0">
-                  <a:gradFill>
-                    <a:gsLst>
-                      <a:gs pos="1250">
-                        <a:schemeClr val="tx1"/>
-                      </a:gs>
-                      <a:gs pos="100000">
-                        <a:schemeClr val="tx1"/>
-                      </a:gs>
-                    </a:gsLst>
-                    <a:lin ang="5400000" scaled="0"/>
-                  </a:gradFill>
-                  <a:latin typeface="+mn-lt"/>
-                  <a:ea typeface="+mn-ea"/>
-                  <a:cs typeface="+mn-cs"/>
-                </a:defRPr>
-              </a:lvl3pPr>
-              <a:lvl4pPr marL="842963" marR="0" indent="-180975" algn="l" defTabSz="932742" rtl="0" eaLnBrk="1" fontAlgn="auto" latinLnBrk="0" hangingPunct="1">
-                <a:lnSpc>
-                  <a:spcPct val="100000"/>
-                </a:lnSpc>
-                <a:spcBef>
-                  <a:spcPct val="20000"/>
-                </a:spcBef>
-                <a:spcAft>
-                  <a:spcPts val="0"/>
-                </a:spcAft>
-                <a:buClrTx/>
-                <a:buSzPct val="90000"/>
-                <a:buFont typeface="Wingdings" panose="05000000000000000000" pitchFamily="2" charset="2"/>
-                <a:buChar char=""/>
-                <a:tabLst/>
-                <a:defRPr sz="1400" kern="1200" spc="0" baseline="0">
-                  <a:gradFill>
-                    <a:gsLst>
-                      <a:gs pos="1250">
-                        <a:schemeClr val="tx1"/>
-                      </a:gs>
-                      <a:gs pos="100000">
-                        <a:schemeClr val="tx1"/>
-                      </a:gs>
-                    </a:gsLst>
-                    <a:lin ang="5400000" scaled="0"/>
-                  </a:gradFill>
-                  <a:latin typeface="+mn-lt"/>
-                  <a:ea typeface="+mn-ea"/>
-                  <a:cs typeface="+mn-cs"/>
-                </a:defRPr>
-              </a:lvl4pPr>
-              <a:lvl5pPr marL="1023938" marR="0" indent="-168275" algn="l" defTabSz="932742" rtl="0" eaLnBrk="1" fontAlgn="auto" latinLnBrk="0" hangingPunct="1">
-                <a:lnSpc>
-                  <a:spcPct val="100000"/>
-                </a:lnSpc>
-                <a:spcBef>
-                  <a:spcPct val="20000"/>
-                </a:spcBef>
-                <a:spcAft>
-                  <a:spcPts val="0"/>
-                </a:spcAft>
-                <a:buClrTx/>
-                <a:buSzPct val="90000"/>
-                <a:buFont typeface="Wingdings" panose="05000000000000000000" pitchFamily="2" charset="2"/>
-                <a:buChar char=""/>
-                <a:tabLst/>
-                <a:defRPr sz="1400" kern="1200" spc="0" baseline="0">
-                  <a:gradFill>
-                    <a:gsLst>
-                      <a:gs pos="1250">
-                        <a:schemeClr val="tx1"/>
-                      </a:gs>
-                      <a:gs pos="100000">
-                        <a:schemeClr val="tx1"/>
-                      </a:gs>
-                    </a:gsLst>
-                    <a:lin ang="5400000" scaled="0"/>
-                  </a:gradFill>
-                  <a:latin typeface="+mn-lt"/>
-                  <a:ea typeface="+mn-ea"/>
-                  <a:cs typeface="+mn-cs"/>
-                </a:defRPr>
-              </a:lvl5pPr>
-              <a:lvl6pPr marL="2565040" indent="-233186" algn="l" defTabSz="932742" rtl="0" eaLnBrk="1" latinLnBrk="0" hangingPunct="1">
-                <a:spcBef>
-                  <a:spcPct val="20000"/>
-                </a:spcBef>
-                <a:buFont typeface="Arial" pitchFamily="34" charset="0"/>
-                <a:buChar char="•"/>
-                <a:defRPr sz="2000" kern="1200">
-                  <a:solidFill>
-                    <a:schemeClr val="tx1"/>
-                  </a:solidFill>
-                  <a:latin typeface="+mn-lt"/>
-                  <a:ea typeface="+mn-ea"/>
-                  <a:cs typeface="+mn-cs"/>
-                </a:defRPr>
-              </a:lvl6pPr>
-              <a:lvl7pPr marL="3031412" indent="-233186" algn="l" defTabSz="932742" rtl="0" eaLnBrk="1" latinLnBrk="0" hangingPunct="1">
-                <a:spcBef>
-                  <a:spcPct val="20000"/>
-                </a:spcBef>
-                <a:buFont typeface="Arial" pitchFamily="34" charset="0"/>
-                <a:buChar char="•"/>
-                <a:defRPr sz="2000" kern="1200">
-                  <a:solidFill>
-                    <a:schemeClr val="tx1"/>
-                  </a:solidFill>
-                  <a:latin typeface="+mn-lt"/>
-                  <a:ea typeface="+mn-ea"/>
-                  <a:cs typeface="+mn-cs"/>
-                </a:defRPr>
-              </a:lvl7pPr>
-              <a:lvl8pPr marL="3497783" indent="-233186" algn="l" defTabSz="932742" rtl="0" eaLnBrk="1" latinLnBrk="0" hangingPunct="1">
-                <a:spcBef>
-                  <a:spcPct val="20000"/>
-                </a:spcBef>
-                <a:buFont typeface="Arial" pitchFamily="34" charset="0"/>
-                <a:buChar char="•"/>
-                <a:defRPr sz="2000" kern="1200">
-                  <a:solidFill>
-                    <a:schemeClr val="tx1"/>
-                  </a:solidFill>
-                  <a:latin typeface="+mn-lt"/>
-                  <a:ea typeface="+mn-ea"/>
-                  <a:cs typeface="+mn-cs"/>
-                </a:defRPr>
-              </a:lvl8pPr>
-              <a:lvl9pPr marL="3964155" indent="-233186" algn="l" defTabSz="932742" rtl="0" eaLnBrk="1" latinLnBrk="0" hangingPunct="1">
-                <a:spcBef>
-                  <a:spcPct val="20000"/>
-                </a:spcBef>
-                <a:buFont typeface="Arial" pitchFamily="34" charset="0"/>
-                <a:buChar char="•"/>
-                <a:defRPr sz="2000" kern="1200">
-                  <a:solidFill>
-                    <a:schemeClr val="tx1"/>
-                  </a:solidFill>
-                  <a:latin typeface="+mn-lt"/>
-                  <a:ea typeface="+mn-ea"/>
-                  <a:cs typeface="+mn-cs"/>
-                </a:defRPr>
-              </a:lvl9pPr>
-            </a:lstStyle>
-            <a:p>
-              <a:pPr marL="0" indent="0" defTabSz="932563">
-                <a:buNone/>
-                <a:defRPr/>
-              </a:pPr>
-              <a:r>
-                <a:rPr lang="en-US" sz="1100" b="1" dirty="0">
-                  <a:solidFill>
-                    <a:srgbClr val="2C65E1"/>
-                  </a:solidFill>
-                  <a:latin typeface="Segoe UI Semibold" panose="020B0702040204020203" pitchFamily="34" charset="0"/>
-                  <a:cs typeface="Segoe UI Semibold" panose="020B0702040204020203" pitchFamily="34" charset="0"/>
-                </a:rPr>
-                <a:t>https://aka.ms/BicepDocs</a:t>
-              </a:r>
-            </a:p>
-          </p:txBody>
-        </p:sp>
-        <p:sp>
-          <p:nvSpPr>
-            <p:cNvPr id="27" name="Freeform 9">
-              <a:extLst>
-                <a:ext uri="{FF2B5EF4-FFF2-40B4-BE49-F238E27FC236}">
-                  <a16:creationId xmlns:a16="http://schemas.microsoft.com/office/drawing/2014/main" id="{F0C7D1F0-6926-4143-897F-8BF9C54E9CEC}"/>
-                </a:ext>
-              </a:extLst>
-            </p:cNvPr>
-            <p:cNvSpPr>
-              <a:spLocks noEditPoints="1"/>
-            </p:cNvSpPr>
-            <p:nvPr/>
-          </p:nvSpPr>
-          <p:spPr bwMode="black">
-            <a:xfrm>
-              <a:off x="9701248" y="4775731"/>
-              <a:ext cx="228363" cy="229291"/>
-            </a:xfrm>
-            <a:custGeom>
-              <a:avLst/>
-              <a:gdLst>
-                <a:gd name="T0" fmla="*/ 88 w 149"/>
-                <a:gd name="T1" fmla="*/ 67 h 149"/>
-                <a:gd name="T2" fmla="*/ 65 w 149"/>
-                <a:gd name="T3" fmla="*/ 46 h 149"/>
-                <a:gd name="T4" fmla="*/ 84 w 149"/>
-                <a:gd name="T5" fmla="*/ 46 h 149"/>
-                <a:gd name="T6" fmla="*/ 115 w 149"/>
-                <a:gd name="T7" fmla="*/ 75 h 149"/>
-                <a:gd name="T8" fmla="*/ 84 w 149"/>
-                <a:gd name="T9" fmla="*/ 104 h 149"/>
-                <a:gd name="T10" fmla="*/ 65 w 149"/>
-                <a:gd name="T11" fmla="*/ 104 h 149"/>
-                <a:gd name="T12" fmla="*/ 88 w 149"/>
-                <a:gd name="T13" fmla="*/ 82 h 149"/>
-                <a:gd name="T14" fmla="*/ 36 w 149"/>
-                <a:gd name="T15" fmla="*/ 82 h 149"/>
-                <a:gd name="T16" fmla="*/ 36 w 149"/>
-                <a:gd name="T17" fmla="*/ 67 h 149"/>
-                <a:gd name="T18" fmla="*/ 88 w 149"/>
-                <a:gd name="T19" fmla="*/ 67 h 149"/>
-                <a:gd name="T20" fmla="*/ 74 w 149"/>
-                <a:gd name="T21" fmla="*/ 9 h 149"/>
-                <a:gd name="T22" fmla="*/ 140 w 149"/>
-                <a:gd name="T23" fmla="*/ 75 h 149"/>
-                <a:gd name="T24" fmla="*/ 74 w 149"/>
-                <a:gd name="T25" fmla="*/ 140 h 149"/>
-                <a:gd name="T26" fmla="*/ 9 w 149"/>
-                <a:gd name="T27" fmla="*/ 75 h 149"/>
-                <a:gd name="T28" fmla="*/ 74 w 149"/>
-                <a:gd name="T29" fmla="*/ 9 h 149"/>
-                <a:gd name="T30" fmla="*/ 74 w 149"/>
-                <a:gd name="T31" fmla="*/ 0 h 149"/>
-                <a:gd name="T32" fmla="*/ 0 w 149"/>
-                <a:gd name="T33" fmla="*/ 75 h 149"/>
-                <a:gd name="T34" fmla="*/ 74 w 149"/>
-                <a:gd name="T35" fmla="*/ 149 h 149"/>
-                <a:gd name="T36" fmla="*/ 149 w 149"/>
-                <a:gd name="T37" fmla="*/ 75 h 149"/>
-                <a:gd name="T38" fmla="*/ 74 w 149"/>
-                <a:gd name="T39" fmla="*/ 0 h 149"/>
-              </a:gdLst>
-              <a:ahLst/>
-              <a:cxnLst>
-                <a:cxn ang="0">
-                  <a:pos x="T0" y="T1"/>
-                </a:cxn>
-                <a:cxn ang="0">
-                  <a:pos x="T2" y="T3"/>
-                </a:cxn>
-                <a:cxn ang="0">
-                  <a:pos x="T4" y="T5"/>
-                </a:cxn>
-                <a:cxn ang="0">
-                  <a:pos x="T6" y="T7"/>
-                </a:cxn>
-                <a:cxn ang="0">
-                  <a:pos x="T8" y="T9"/>
-                </a:cxn>
-                <a:cxn ang="0">
-                  <a:pos x="T10" y="T11"/>
-                </a:cxn>
-                <a:cxn ang="0">
-                  <a:pos x="T12" y="T13"/>
-                </a:cxn>
-                <a:cxn ang="0">
-                  <a:pos x="T14" y="T15"/>
-                </a:cxn>
-                <a:cxn ang="0">
-                  <a:pos x="T16" y="T17"/>
-                </a:cxn>
-                <a:cxn ang="0">
-                  <a:pos x="T18" y="T19"/>
-                </a:cxn>
-                <a:cxn ang="0">
-                  <a:pos x="T20" y="T21"/>
-                </a:cxn>
-                <a:cxn ang="0">
-                  <a:pos x="T22" y="T23"/>
-                </a:cxn>
-                <a:cxn ang="0">
-                  <a:pos x="T24" y="T25"/>
-                </a:cxn>
-                <a:cxn ang="0">
-                  <a:pos x="T26" y="T27"/>
-                </a:cxn>
-                <a:cxn ang="0">
-                  <a:pos x="T28" y="T29"/>
-                </a:cxn>
-                <a:cxn ang="0">
-                  <a:pos x="T30" y="T31"/>
-                </a:cxn>
-                <a:cxn ang="0">
-                  <a:pos x="T32" y="T33"/>
-                </a:cxn>
-                <a:cxn ang="0">
-                  <a:pos x="T34" y="T35"/>
-                </a:cxn>
-                <a:cxn ang="0">
-                  <a:pos x="T36" y="T37"/>
-                </a:cxn>
-                <a:cxn ang="0">
-                  <a:pos x="T38" y="T39"/>
-                </a:cxn>
-              </a:cxnLst>
-              <a:rect l="0" t="0" r="r" b="b"/>
-              <a:pathLst>
-                <a:path w="149" h="149">
-                  <a:moveTo>
-                    <a:pt x="88" y="67"/>
-                  </a:moveTo>
-                  <a:cubicBezTo>
-                    <a:pt x="65" y="46"/>
-                    <a:pt x="65" y="46"/>
-                    <a:pt x="65" y="46"/>
-                  </a:cubicBezTo>
-                  <a:cubicBezTo>
-                    <a:pt x="84" y="46"/>
-                    <a:pt x="84" y="46"/>
-                    <a:pt x="84" y="46"/>
-                  </a:cubicBezTo>
-                  <a:cubicBezTo>
-                    <a:pt x="115" y="75"/>
-                    <a:pt x="115" y="75"/>
-                    <a:pt x="115" y="75"/>
-                  </a:cubicBezTo>
-                  <a:cubicBezTo>
-                    <a:pt x="84" y="104"/>
-                    <a:pt x="84" y="104"/>
-                    <a:pt x="84" y="104"/>
-                  </a:cubicBezTo>
-                  <a:cubicBezTo>
-                    <a:pt x="65" y="104"/>
-                    <a:pt x="65" y="104"/>
-                    <a:pt x="65" y="104"/>
-                  </a:cubicBezTo>
-                  <a:cubicBezTo>
-                    <a:pt x="88" y="82"/>
-                    <a:pt x="88" y="82"/>
-                    <a:pt x="88" y="82"/>
-                  </a:cubicBezTo>
-                  <a:cubicBezTo>
-                    <a:pt x="36" y="82"/>
-                    <a:pt x="36" y="82"/>
-                    <a:pt x="36" y="82"/>
-                  </a:cubicBezTo>
-                  <a:cubicBezTo>
-                    <a:pt x="36" y="67"/>
-                    <a:pt x="36" y="67"/>
-                    <a:pt x="36" y="67"/>
-                  </a:cubicBezTo>
-                  <a:lnTo>
-                    <a:pt x="88" y="67"/>
-                  </a:lnTo>
-                  <a:close/>
-                  <a:moveTo>
-                    <a:pt x="74" y="9"/>
-                  </a:moveTo>
-                  <a:cubicBezTo>
-                    <a:pt x="110" y="9"/>
-                    <a:pt x="140" y="39"/>
-                    <a:pt x="140" y="75"/>
-                  </a:cubicBezTo>
-                  <a:cubicBezTo>
-                    <a:pt x="140" y="111"/>
-                    <a:pt x="110" y="140"/>
-                    <a:pt x="74" y="140"/>
-                  </a:cubicBezTo>
-                  <a:cubicBezTo>
-                    <a:pt x="38" y="140"/>
-                    <a:pt x="9" y="111"/>
-                    <a:pt x="9" y="75"/>
-                  </a:cubicBezTo>
-                  <a:cubicBezTo>
-                    <a:pt x="9" y="39"/>
-                    <a:pt x="38" y="9"/>
-                    <a:pt x="74" y="9"/>
-                  </a:cubicBezTo>
-                  <a:moveTo>
-                    <a:pt x="74" y="0"/>
-                  </a:moveTo>
-                  <a:cubicBezTo>
-                    <a:pt x="33" y="0"/>
-                    <a:pt x="0" y="33"/>
-                    <a:pt x="0" y="75"/>
-                  </a:cubicBezTo>
-                  <a:cubicBezTo>
-                    <a:pt x="0" y="116"/>
-                    <a:pt x="33" y="149"/>
-                    <a:pt x="74" y="149"/>
-                  </a:cubicBezTo>
-                  <a:cubicBezTo>
-                    <a:pt x="116" y="149"/>
-                    <a:pt x="149" y="116"/>
-                    <a:pt x="149" y="75"/>
-                  </a:cubicBezTo>
-                  <a:cubicBezTo>
-                    <a:pt x="149" y="33"/>
-                    <a:pt x="116" y="0"/>
-                    <a:pt x="74" y="0"/>
-                  </a:cubicBezTo>
-                </a:path>
-              </a:pathLst>
-            </a:custGeom>
-            <a:solidFill>
-              <a:srgbClr val="2C65E1"/>
-            </a:solidFill>
-            <a:ln>
-              <a:noFill/>
-            </a:ln>
-          </p:spPr>
-          <p:txBody>
-            <a:bodyPr vert="horz" wrap="square" lIns="91427" tIns="45713" rIns="91427" bIns="45713" numCol="1" anchor="t" anchorCtr="0" compatLnSpc="1">
-              <a:prstTxWarp prst="textNoShape">
-                <a:avLst/>
-              </a:prstTxWarp>
-            </a:bodyPr>
-            <a:lstStyle/>
-            <a:p>
-              <a:pPr defTabSz="914225">
-                <a:defRPr/>
-              </a:pPr>
-              <a:endParaRPr lang="en-US" sz="1800">
-                <a:solidFill>
-                  <a:srgbClr val="000000"/>
-                </a:solidFill>
-                <a:latin typeface="Segoe UI"/>
-              </a:endParaRPr>
-            </a:p>
-          </p:txBody>
-        </p:sp>
-      </p:grpSp>
-      <p:sp>
-        <p:nvSpPr>
-          <p:cNvPr id="36" name="Title 3">
-            <a:extLst>
-              <a:ext uri="{FF2B5EF4-FFF2-40B4-BE49-F238E27FC236}">
-                <a16:creationId xmlns:a16="http://schemas.microsoft.com/office/drawing/2014/main" id="{F31C2209-FBCC-D444-88EA-B274AED4593E}"/>
-              </a:ext>
-            </a:extLst>
-          </p:cNvPr>
-          <p:cNvSpPr txBox="1">
-            <a:spLocks/>
-          </p:cNvSpPr>
-          <p:nvPr/>
-        </p:nvSpPr>
-        <p:spPr>
-          <a:xfrm>
-            <a:off x="197867" y="155321"/>
-            <a:ext cx="5081270" cy="199140"/>
-          </a:xfrm>
-          <a:prstGeom prst="rect">
-            <a:avLst/>
-          </a:prstGeom>
-        </p:spPr>
-        <p:txBody>
-          <a:bodyPr/>
-          <a:lstStyle>
-            <a:lvl1pPr algn="l" defTabSz="932597" rtl="0" eaLnBrk="1" latinLnBrk="0" hangingPunct="1">
-              <a:lnSpc>
-                <a:spcPct val="90000"/>
-              </a:lnSpc>
-              <a:spcBef>
-                <a:spcPct val="0"/>
-              </a:spcBef>
-              <a:buNone/>
-              <a:defRPr kumimoji="0" lang="en-US" sz="4488" b="1" i="0" u="none" strike="noStrike" kern="1200" cap="none" spc="0" normalizeH="0" baseline="0" smtClean="0">
-                <a:ln>
-                  <a:noFill/>
-                </a:ln>
-                <a:solidFill>
-                  <a:srgbClr val="331C58"/>
-                </a:solidFill>
-                <a:effectLst/>
-                <a:uLnTx/>
-                <a:uFillTx/>
-                <a:latin typeface="Segoe UI" panose="020B0502040204020203" pitchFamily="34" charset="0"/>
-                <a:ea typeface="+mn-ea"/>
-                <a:cs typeface="Segoe UI" panose="020B0502040204020203" pitchFamily="34" charset="0"/>
-              </a:defRPr>
-            </a:lvl1pPr>
-          </a:lstStyle>
-          <a:p>
-            <a:pPr defTabSz="914225">
-              <a:lnSpc>
-                <a:spcPct val="150000"/>
-              </a:lnSpc>
-              <a:defRPr/>
-            </a:pPr>
-            <a:r>
-              <a:rPr lang="en-US" sz="784" b="0" spc="294">
-                <a:solidFill>
-                  <a:prstClr val="black">
-                    <a:lumMod val="50000"/>
-                    <a:lumOff val="50000"/>
-                  </a:prstClr>
-                </a:solidFill>
-              </a:rPr>
-              <a:t>AZURE</a:t>
-            </a:r>
-          </a:p>
-        </p:txBody>
-      </p:sp>
-      <p:sp>
-        <p:nvSpPr>
-          <p:cNvPr id="38" name="Text Placeholder 4">
-            <a:extLst>
-              <a:ext uri="{FF2B5EF4-FFF2-40B4-BE49-F238E27FC236}">
-                <a16:creationId xmlns:a16="http://schemas.microsoft.com/office/drawing/2014/main" id="{7DDE4EB7-AB40-CA48-8310-B20D7CD8C201}"/>
-              </a:ext>
-            </a:extLst>
-          </p:cNvPr>
-          <p:cNvSpPr txBox="1">
-            <a:spLocks noGrp="1"/>
-          </p:cNvSpPr>
-          <p:nvPr>
-            <p:ph type="title" idx="4294967295"/>
-          </p:nvPr>
-        </p:nvSpPr>
-        <p:spPr>
-          <a:xfrm>
-            <a:off x="197867" y="383539"/>
-            <a:ext cx="5081270" cy="346521"/>
-          </a:xfrm>
-          <a:prstGeom prst="rect">
-            <a:avLst/>
-          </a:prstGeom>
-          <a:noFill/>
-          <a:ln>
-            <a:noFill/>
-            <a:prstDash/>
-          </a:ln>
-          <a:effectLst/>
-        </p:spPr>
-        <p:txBody>
-          <a:bodyPr rot="0" spcFirstLastPara="0" vertOverflow="overflow" horzOverflow="overflow" vert="horz" wrap="square" lIns="89642" tIns="44821" rIns="89642" bIns="44821" numCol="1" spcCol="0" rtlCol="0" fromWordArt="0" anchor="t" anchorCtr="0" forceAA="0" compatLnSpc="1">
-            <a:prstTxWarp prst="textNoShape">
-              <a:avLst/>
-            </a:prstTxWarp>
-            <a:noAutofit/>
-          </a:bodyPr>
-          <a:lstStyle>
-            <a:lvl1pPr marL="233149" indent="-233149" algn="l" defTabSz="932597" rtl="0" eaLnBrk="1" latinLnBrk="0" hangingPunct="1">
-              <a:lnSpc>
-                <a:spcPct val="90000"/>
-              </a:lnSpc>
-              <a:spcBef>
-                <a:spcPts val="1020"/>
-              </a:spcBef>
-              <a:buFont typeface="Arial" panose="020B0604020202020204" pitchFamily="34" charset="0"/>
-              <a:buChar char="•"/>
-              <a:defRPr sz="2856" kern="1200">
-                <a:solidFill>
-                  <a:schemeClr val="tx1"/>
-                </a:solidFill>
-                <a:latin typeface="Segoe UI" panose="020B0502040204020203" pitchFamily="34" charset="0"/>
-                <a:ea typeface="+mn-ea"/>
-                <a:cs typeface="Segoe UI" panose="020B0502040204020203" pitchFamily="34" charset="0"/>
-              </a:defRPr>
-            </a:lvl1pPr>
-            <a:lvl2pPr marL="699447" indent="-233149" algn="l" defTabSz="932597" rtl="0" eaLnBrk="1" latinLnBrk="0" hangingPunct="1">
-              <a:lnSpc>
-                <a:spcPct val="90000"/>
-              </a:lnSpc>
-              <a:spcBef>
-                <a:spcPts val="510"/>
-              </a:spcBef>
-              <a:buFont typeface="Arial" panose="020B0604020202020204" pitchFamily="34" charset="0"/>
-              <a:buChar char="•"/>
-              <a:defRPr sz="2448" kern="1200">
-                <a:solidFill>
-                  <a:schemeClr val="tx1"/>
-                </a:solidFill>
-                <a:latin typeface="Segoe UI" panose="020B0502040204020203" pitchFamily="34" charset="0"/>
-                <a:ea typeface="+mn-ea"/>
-                <a:cs typeface="Segoe UI" panose="020B0502040204020203" pitchFamily="34" charset="0"/>
-              </a:defRPr>
-            </a:lvl2pPr>
-            <a:lvl3pPr marL="1165746" indent="-233149" algn="l" defTabSz="932597" rtl="0" eaLnBrk="1" latinLnBrk="0" hangingPunct="1">
-              <a:lnSpc>
-                <a:spcPct val="90000"/>
-              </a:lnSpc>
-              <a:spcBef>
-                <a:spcPts val="510"/>
-              </a:spcBef>
-              <a:buFont typeface="Arial" panose="020B0604020202020204" pitchFamily="34" charset="0"/>
-              <a:buChar char="•"/>
-              <a:defRPr sz="2040" kern="1200">
-                <a:solidFill>
-                  <a:schemeClr val="tx1"/>
-                </a:solidFill>
-                <a:latin typeface="Segoe UI" panose="020B0502040204020203" pitchFamily="34" charset="0"/>
-                <a:ea typeface="+mn-ea"/>
-                <a:cs typeface="Segoe UI" panose="020B0502040204020203" pitchFamily="34" charset="0"/>
-              </a:defRPr>
-            </a:lvl3pPr>
-            <a:lvl4pPr marL="1632044" indent="-233149" algn="l" defTabSz="932597" rtl="0" eaLnBrk="1" latinLnBrk="0" hangingPunct="1">
-              <a:lnSpc>
-                <a:spcPct val="90000"/>
-              </a:lnSpc>
-              <a:spcBef>
-                <a:spcPts val="510"/>
-              </a:spcBef>
-              <a:buFont typeface="Arial" panose="020B0604020202020204" pitchFamily="34" charset="0"/>
-              <a:buChar char="•"/>
-              <a:defRPr sz="1836" kern="1200">
-                <a:solidFill>
-                  <a:schemeClr val="tx1"/>
-                </a:solidFill>
-                <a:latin typeface="Segoe UI" panose="020B0502040204020203" pitchFamily="34" charset="0"/>
-                <a:ea typeface="+mn-ea"/>
-                <a:cs typeface="Segoe UI" panose="020B0502040204020203" pitchFamily="34" charset="0"/>
-              </a:defRPr>
-            </a:lvl4pPr>
-            <a:lvl5pPr marL="2098342" indent="-233149" algn="l" defTabSz="932597" rtl="0" eaLnBrk="1" latinLnBrk="0" hangingPunct="1">
-              <a:lnSpc>
-                <a:spcPct val="90000"/>
-              </a:lnSpc>
-              <a:spcBef>
-                <a:spcPts val="510"/>
-              </a:spcBef>
-              <a:buFont typeface="Arial" panose="020B0604020202020204" pitchFamily="34" charset="0"/>
-              <a:buChar char="•"/>
-              <a:defRPr sz="1836" kern="1200">
-                <a:solidFill>
-                  <a:schemeClr val="tx1"/>
-                </a:solidFill>
-                <a:latin typeface="Segoe UI" panose="020B0502040204020203" pitchFamily="34" charset="0"/>
-                <a:ea typeface="+mn-ea"/>
-                <a:cs typeface="Segoe UI" panose="020B0502040204020203" pitchFamily="34" charset="0"/>
-              </a:defRPr>
-            </a:lvl5pPr>
-            <a:lvl6pPr marL="2564641" indent="-233149" algn="l" defTabSz="932597" rtl="0" eaLnBrk="1" latinLnBrk="0" hangingPunct="1">
-              <a:lnSpc>
-                <a:spcPct val="90000"/>
-              </a:lnSpc>
-              <a:spcBef>
-                <a:spcPts val="510"/>
-              </a:spcBef>
-              <a:buFont typeface="Arial" panose="020B0604020202020204" pitchFamily="34" charset="0"/>
-              <a:buChar char="•"/>
-              <a:defRPr sz="1836" kern="1200">
-                <a:solidFill>
-                  <a:schemeClr val="tx1"/>
-                </a:solidFill>
-                <a:latin typeface="+mn-lt"/>
-                <a:ea typeface="+mn-ea"/>
-                <a:cs typeface="+mn-cs"/>
-              </a:defRPr>
-            </a:lvl6pPr>
-            <a:lvl7pPr marL="3030939" indent="-233149" algn="l" defTabSz="932597" rtl="0" eaLnBrk="1" latinLnBrk="0" hangingPunct="1">
-              <a:lnSpc>
-                <a:spcPct val="90000"/>
-              </a:lnSpc>
-              <a:spcBef>
-                <a:spcPts val="510"/>
-              </a:spcBef>
-              <a:buFont typeface="Arial" panose="020B0604020202020204" pitchFamily="34" charset="0"/>
-              <a:buChar char="•"/>
-              <a:defRPr sz="1836" kern="1200">
-                <a:solidFill>
-                  <a:schemeClr val="tx1"/>
-                </a:solidFill>
-                <a:latin typeface="+mn-lt"/>
-                <a:ea typeface="+mn-ea"/>
-                <a:cs typeface="+mn-cs"/>
-              </a:defRPr>
-            </a:lvl7pPr>
-            <a:lvl8pPr marL="3497237" indent="-233149" algn="l" defTabSz="932597" rtl="0" eaLnBrk="1" latinLnBrk="0" hangingPunct="1">
-              <a:lnSpc>
-                <a:spcPct val="90000"/>
-              </a:lnSpc>
-              <a:spcBef>
-                <a:spcPts val="510"/>
-              </a:spcBef>
-              <a:buFont typeface="Arial" panose="020B0604020202020204" pitchFamily="34" charset="0"/>
-              <a:buChar char="•"/>
-              <a:defRPr sz="1836" kern="1200">
-                <a:solidFill>
-                  <a:schemeClr val="tx1"/>
-                </a:solidFill>
-                <a:latin typeface="+mn-lt"/>
-                <a:ea typeface="+mn-ea"/>
-                <a:cs typeface="+mn-cs"/>
-              </a:defRPr>
-            </a:lvl8pPr>
-            <a:lvl9pPr marL="3963535" indent="-233149" algn="l" defTabSz="932597" rtl="0" eaLnBrk="1" latinLnBrk="0" hangingPunct="1">
-              <a:lnSpc>
-                <a:spcPct val="90000"/>
-              </a:lnSpc>
-              <a:spcBef>
-                <a:spcPts val="510"/>
-              </a:spcBef>
-              <a:buFont typeface="Arial" panose="020B0604020202020204" pitchFamily="34" charset="0"/>
-              <a:buChar char="•"/>
-              <a:defRPr sz="1836" kern="1200">
-                <a:solidFill>
-                  <a:schemeClr val="tx1"/>
-                </a:solidFill>
-                <a:latin typeface="+mn-lt"/>
-                <a:ea typeface="+mn-ea"/>
-                <a:cs typeface="+mn-cs"/>
-              </a:defRPr>
-            </a:lvl9pPr>
-          </a:lstStyle>
-          <a:p>
-            <a:pPr marL="0" indent="0" defTabSz="914225">
-              <a:lnSpc>
-                <a:spcPct val="100000"/>
-              </a:lnSpc>
-              <a:spcBef>
-                <a:spcPts val="1000"/>
-              </a:spcBef>
-              <a:buNone/>
-              <a:defRPr/>
-            </a:pPr>
-            <a:r>
-              <a:rPr lang="en-US" sz="1765" b="1" spc="0" dirty="0">
-                <a:ln>
-                  <a:noFill/>
-                </a:ln>
-                <a:solidFill>
-                  <a:srgbClr val="0000FF"/>
-                </a:solidFill>
-              </a:rPr>
-              <a:t>What Bicep is NOT</a:t>
-            </a:r>
-          </a:p>
-        </p:txBody>
-      </p:sp>
-      <p:sp>
-        <p:nvSpPr>
-          <p:cNvPr id="41" name="Rectangle 40">
-            <a:extLst>
-              <a:ext uri="{FF2B5EF4-FFF2-40B4-BE49-F238E27FC236}">
-                <a16:creationId xmlns:a16="http://schemas.microsoft.com/office/drawing/2014/main" id="{68FE213C-5448-5C40-BAC2-1DCA15A0C038}"/>
-              </a:ext>
-              <a:ext uri="{C183D7F6-B498-43B3-948B-1728B52AA6E4}">
-                <adec:decorative xmlns:adec="http://schemas.microsoft.com/office/drawing/2017/decorative" val="1"/>
-              </a:ext>
-            </a:extLst>
-          </p:cNvPr>
-          <p:cNvSpPr/>
-          <p:nvPr/>
-        </p:nvSpPr>
-        <p:spPr>
-          <a:xfrm>
-            <a:off x="299121" y="776407"/>
-            <a:ext cx="44820" cy="155419"/>
-          </a:xfrm>
-          <a:prstGeom prst="rect">
-            <a:avLst/>
-          </a:prstGeom>
-          <a:solidFill>
-            <a:srgbClr val="0000FF"/>
-          </a:solidFill>
-          <a:ln>
-            <a:noFill/>
-          </a:ln>
-        </p:spPr>
-        <p:style>
-          <a:lnRef idx="2">
-            <a:schemeClr val="accent1">
-              <a:shade val="50000"/>
-            </a:schemeClr>
-          </a:lnRef>
-          <a:fillRef idx="1">
-            <a:schemeClr val="accent1"/>
-          </a:fillRef>
-          <a:effectRef idx="0">
-            <a:schemeClr val="accent1"/>
-          </a:effectRef>
-          <a:fontRef idx="minor">
-            <a:schemeClr val="lt1"/>
-          </a:fontRef>
-        </p:style>
-        <p:txBody>
-          <a:bodyPr rtlCol="0" anchor="ctr"/>
-          <a:lstStyle>
-            <a:defPPr>
-              <a:defRPr lang="en-US"/>
-            </a:defPPr>
-            <a:lvl1pPr marL="0" algn="l" defTabSz="914400" rtl="0" eaLnBrk="1" latinLnBrk="0" hangingPunct="1">
-              <a:defRPr sz="1800" kern="1200">
-                <a:solidFill>
-                  <a:schemeClr val="lt1"/>
-                </a:solidFill>
-                <a:latin typeface="+mn-lt"/>
-                <a:ea typeface="+mn-ea"/>
-                <a:cs typeface="+mn-cs"/>
-              </a:defRPr>
-            </a:lvl1pPr>
-            <a:lvl2pPr marL="457200" algn="l" defTabSz="914400" rtl="0" eaLnBrk="1" latinLnBrk="0" hangingPunct="1">
-              <a:defRPr sz="1800" kern="1200">
-                <a:solidFill>
-                  <a:schemeClr val="lt1"/>
-                </a:solidFill>
-                <a:latin typeface="+mn-lt"/>
-                <a:ea typeface="+mn-ea"/>
-                <a:cs typeface="+mn-cs"/>
-              </a:defRPr>
-            </a:lvl2pPr>
-            <a:lvl3pPr marL="914400" algn="l" defTabSz="914400" rtl="0" eaLnBrk="1" latinLnBrk="0" hangingPunct="1">
-              <a:defRPr sz="1800" kern="1200">
-                <a:solidFill>
-                  <a:schemeClr val="lt1"/>
-                </a:solidFill>
-                <a:latin typeface="+mn-lt"/>
-                <a:ea typeface="+mn-ea"/>
-                <a:cs typeface="+mn-cs"/>
-              </a:defRPr>
-            </a:lvl3pPr>
-            <a:lvl4pPr marL="1371600" algn="l" defTabSz="914400" rtl="0" eaLnBrk="1" latinLnBrk="0" hangingPunct="1">
-              <a:defRPr sz="1800" kern="1200">
-                <a:solidFill>
-                  <a:schemeClr val="lt1"/>
-                </a:solidFill>
-                <a:latin typeface="+mn-lt"/>
-                <a:ea typeface="+mn-ea"/>
-                <a:cs typeface="+mn-cs"/>
-              </a:defRPr>
-            </a:lvl4pPr>
-            <a:lvl5pPr marL="1828800" algn="l" defTabSz="914400" rtl="0" eaLnBrk="1" latinLnBrk="0" hangingPunct="1">
-              <a:defRPr sz="1800" kern="1200">
-                <a:solidFill>
-                  <a:schemeClr val="lt1"/>
-                </a:solidFill>
-                <a:latin typeface="+mn-lt"/>
-                <a:ea typeface="+mn-ea"/>
-                <a:cs typeface="+mn-cs"/>
-              </a:defRPr>
-            </a:lvl5pPr>
-            <a:lvl6pPr marL="2286000" algn="l" defTabSz="914400" rtl="0" eaLnBrk="1" latinLnBrk="0" hangingPunct="1">
-              <a:defRPr sz="1800" kern="1200">
-                <a:solidFill>
-                  <a:schemeClr val="lt1"/>
-                </a:solidFill>
-                <a:latin typeface="+mn-lt"/>
-                <a:ea typeface="+mn-ea"/>
-                <a:cs typeface="+mn-cs"/>
-              </a:defRPr>
-            </a:lvl6pPr>
-            <a:lvl7pPr marL="2743200" algn="l" defTabSz="914400" rtl="0" eaLnBrk="1" latinLnBrk="0" hangingPunct="1">
-              <a:defRPr sz="1800" kern="1200">
-                <a:solidFill>
-                  <a:schemeClr val="lt1"/>
-                </a:solidFill>
-                <a:latin typeface="+mn-lt"/>
-                <a:ea typeface="+mn-ea"/>
-                <a:cs typeface="+mn-cs"/>
-              </a:defRPr>
-            </a:lvl7pPr>
-            <a:lvl8pPr marL="3200400" algn="l" defTabSz="914400" rtl="0" eaLnBrk="1" latinLnBrk="0" hangingPunct="1">
-              <a:defRPr sz="1800" kern="1200">
-                <a:solidFill>
-                  <a:schemeClr val="lt1"/>
-                </a:solidFill>
-                <a:latin typeface="+mn-lt"/>
-                <a:ea typeface="+mn-ea"/>
-                <a:cs typeface="+mn-cs"/>
-              </a:defRPr>
-            </a:lvl8pPr>
-            <a:lvl9pPr marL="3657600" algn="l" defTabSz="914400" rtl="0" eaLnBrk="1" latinLnBrk="0" hangingPunct="1">
-              <a:defRPr sz="1800" kern="1200">
-                <a:solidFill>
-                  <a:schemeClr val="lt1"/>
-                </a:solidFill>
-                <a:latin typeface="+mn-lt"/>
-                <a:ea typeface="+mn-ea"/>
-                <a:cs typeface="+mn-cs"/>
-              </a:defRPr>
-            </a:lvl9pPr>
-          </a:lstStyle>
-          <a:p>
-            <a:pPr algn="ctr" defTabSz="896386">
-              <a:defRPr/>
-            </a:pPr>
-            <a:endParaRPr lang="en-US" sz="1765">
-              <a:solidFill>
-                <a:prstClr val="white"/>
-              </a:solidFill>
-              <a:latin typeface="Calibri" panose="020F0502020204030204"/>
-            </a:endParaRPr>
-          </a:p>
-        </p:txBody>
-      </p:sp>
-      <p:pic>
-        <p:nvPicPr>
-          <p:cNvPr id="2" name="Graphic 1">
-            <a:extLst>
-              <a:ext uri="{FF2B5EF4-FFF2-40B4-BE49-F238E27FC236}">
-                <a16:creationId xmlns:a16="http://schemas.microsoft.com/office/drawing/2014/main" id="{0720EAA1-CCB6-4021-8113-EC1682FEE72D}"/>
-              </a:ext>
-            </a:extLst>
-          </p:cNvPr>
-          <p:cNvPicPr>
-            <a:picLocks noChangeAspect="1"/>
-          </p:cNvPicPr>
-          <p:nvPr/>
-        </p:nvPicPr>
-        <p:blipFill>
-          <a:blip r:embed="rId5" cstate="print">
-            <a:extLst>
-              <a:ext uri="{28A0092B-C50C-407E-A947-70E740481C1C}">
-                <a14:useLocalDpi xmlns:a14="http://schemas.microsoft.com/office/drawing/2010/main" val="0"/>
-              </a:ext>
-              <a:ext uri="{96DAC541-7B7A-43D3-8B79-37D633B846F1}">
-                <asvg:svgBlip xmlns:asvg="http://schemas.microsoft.com/office/drawing/2016/SVG/main" r:embed="rId6"/>
-              </a:ext>
-            </a:extLst>
-          </a:blip>
-          <a:stretch>
-            <a:fillRect/>
-          </a:stretch>
-        </p:blipFill>
-        <p:spPr>
-          <a:xfrm>
-            <a:off x="585328" y="1709503"/>
-            <a:ext cx="268038" cy="277324"/>
-          </a:xfrm>
-          <a:prstGeom prst="rect">
-            <a:avLst/>
-          </a:prstGeom>
-        </p:spPr>
-      </p:pic>
-      <p:pic>
-        <p:nvPicPr>
-          <p:cNvPr id="1026" name="Picture 2" descr="one language to rule them all - lotr-one-ring-to-rule-them-all | Meme  Generator">
-            <a:extLst>
-              <a:ext uri="{FF2B5EF4-FFF2-40B4-BE49-F238E27FC236}">
-                <a16:creationId xmlns:a16="http://schemas.microsoft.com/office/drawing/2014/main" id="{272859A2-8E5C-4E31-8D04-4B33599C2D09}"/>
-              </a:ext>
-            </a:extLst>
-          </p:cNvPr>
-          <p:cNvPicPr>
-            <a:picLocks noChangeAspect="1" noChangeArrowheads="1"/>
-          </p:cNvPicPr>
-          <p:nvPr/>
-        </p:nvPicPr>
-        <p:blipFill>
-          <a:blip r:embed="rId7">
-            <a:extLst>
-              <a:ext uri="{28A0092B-C50C-407E-A947-70E740481C1C}">
-                <a14:useLocalDpi xmlns:a14="http://schemas.microsoft.com/office/drawing/2010/main" val="0"/>
-              </a:ext>
-            </a:extLst>
-          </a:blip>
-          <a:srcRect/>
-          <a:stretch>
-            <a:fillRect/>
-          </a:stretch>
-        </p:blipFill>
-        <p:spPr bwMode="auto">
-          <a:xfrm>
-            <a:off x="9173466" y="457157"/>
-            <a:ext cx="2719413" cy="1529670"/>
-          </a:xfrm>
-          <a:prstGeom prst="rect">
-            <a:avLst/>
-          </a:prstGeom>
-          <a:noFill/>
-          <a:extLst>
-            <a:ext uri="{909E8E84-426E-40DD-AFC4-6F175D3DCCD1}">
-              <a14:hiddenFill xmlns:a14="http://schemas.microsoft.com/office/drawing/2010/main">
-                <a:solidFill>
-                  <a:srgbClr val="FFFFFF"/>
-                </a:solidFill>
-              </a14:hiddenFill>
-            </a:ext>
-          </a:extLst>
-        </p:spPr>
-      </p:pic>
-      <p:sp>
-        <p:nvSpPr>
-          <p:cNvPr id="44" name="TextBox 43">
-            <a:extLst>
-              <a:ext uri="{FF2B5EF4-FFF2-40B4-BE49-F238E27FC236}">
-                <a16:creationId xmlns:a16="http://schemas.microsoft.com/office/drawing/2014/main" id="{AC9001B7-CA4A-4232-9F6A-E39A03EEF74F}"/>
-              </a:ext>
-            </a:extLst>
-          </p:cNvPr>
-          <p:cNvSpPr txBox="1"/>
-          <p:nvPr/>
-        </p:nvSpPr>
-        <p:spPr>
-          <a:xfrm>
-            <a:off x="197867" y="4425697"/>
-            <a:ext cx="8594523" cy="1200329"/>
-          </a:xfrm>
-          <a:prstGeom prst="rect">
-            <a:avLst/>
-          </a:prstGeom>
-          <a:noFill/>
-        </p:spPr>
-        <p:txBody>
-          <a:bodyPr wrap="square">
-            <a:spAutoFit/>
-          </a:bodyPr>
-          <a:lstStyle/>
-          <a:p>
-            <a:pPr marL="285750" indent="-285750" eaLnBrk="1" hangingPunct="1">
-              <a:spcBef>
-                <a:spcPts val="300"/>
-              </a:spcBef>
-              <a:buFont typeface="Arial" panose="020B0604020202020204" pitchFamily="34" charset="0"/>
-              <a:buChar char="•"/>
-            </a:pPr>
-            <a:r>
-              <a:rPr lang="en-US" altLang="en-US" sz="1800" b="1" dirty="0">
-                <a:latin typeface="Segoe UI"/>
-                <a:cs typeface="Segoe UI"/>
-              </a:rPr>
-              <a:t>Multi-cloud: </a:t>
-            </a:r>
-            <a:r>
-              <a:rPr lang="en-US" altLang="en-US" sz="1800" dirty="0">
-                <a:latin typeface="Segoe UI"/>
-                <a:cs typeface="Segoe UI"/>
-              </a:rPr>
-              <a:t>If your organization uses multiple cloud providers to host its infrastructure, Bicep might not be the right tool. Other cloud providers don't support Bicep as a template language. Open-source tools like Terraform can be used for multi-cloud deployments, including deployments to Azure.</a:t>
-            </a:r>
-          </a:p>
-        </p:txBody>
-      </p:sp>
-      <p:grpSp>
-        <p:nvGrpSpPr>
-          <p:cNvPr id="47" name="Group 46">
-            <a:extLst>
-              <a:ext uri="{FF2B5EF4-FFF2-40B4-BE49-F238E27FC236}">
-                <a16:creationId xmlns:a16="http://schemas.microsoft.com/office/drawing/2014/main" id="{95DC6F3A-D35A-4ADB-BED5-77D5F680DF42}"/>
-              </a:ext>
-              <a:ext uri="{C183D7F6-B498-43B3-948B-1728B52AA6E4}">
-                <adec:decorative xmlns:adec="http://schemas.microsoft.com/office/drawing/2017/decorative" val="1"/>
-              </a:ext>
-            </a:extLst>
-          </p:cNvPr>
-          <p:cNvGrpSpPr/>
-          <p:nvPr/>
-        </p:nvGrpSpPr>
-        <p:grpSpPr>
-          <a:xfrm>
-            <a:off x="7545348" y="6376419"/>
-            <a:ext cx="2490398" cy="353702"/>
-            <a:chOff x="9701248" y="4775731"/>
-            <a:chExt cx="2490752" cy="353751"/>
-          </a:xfrm>
-        </p:grpSpPr>
-        <p:sp>
-          <p:nvSpPr>
-            <p:cNvPr id="48" name="Text Placeholder 3">
-              <a:extLst>
-                <a:ext uri="{FF2B5EF4-FFF2-40B4-BE49-F238E27FC236}">
-                  <a16:creationId xmlns:a16="http://schemas.microsoft.com/office/drawing/2014/main" id="{95EDC105-6F39-4DDE-AC20-975817173699}"/>
-                </a:ext>
-              </a:extLst>
-            </p:cNvPr>
-            <p:cNvSpPr txBox="1">
-              <a:spLocks/>
-            </p:cNvSpPr>
-            <p:nvPr/>
-          </p:nvSpPr>
-          <p:spPr>
-            <a:xfrm>
-              <a:off x="10006819" y="4790881"/>
-              <a:ext cx="2185181" cy="338601"/>
-            </a:xfrm>
-            <a:prstGeom prst="rect">
-              <a:avLst/>
-            </a:prstGeom>
-          </p:spPr>
-          <p:txBody>
-            <a:bodyPr vert="horz" wrap="square" lIns="0" tIns="0" rIns="0" bIns="0" rtlCol="0">
-              <a:spAutoFit/>
-            </a:bodyPr>
-            <a:lstStyle>
-              <a:lvl1pPr marL="228600" marR="0" indent="-228600" algn="l" defTabSz="932742" rtl="0" eaLnBrk="1" fontAlgn="auto" latinLnBrk="0" hangingPunct="1">
-                <a:lnSpc>
-                  <a:spcPct val="100000"/>
-                </a:lnSpc>
-                <a:spcBef>
-                  <a:spcPct val="20000"/>
-                </a:spcBef>
-                <a:spcAft>
-                  <a:spcPts val="0"/>
-                </a:spcAft>
-                <a:buClrTx/>
-                <a:buSzPct val="90000"/>
-                <a:buFont typeface="Wingdings" panose="05000000000000000000" pitchFamily="2" charset="2"/>
-                <a:buChar char=""/>
-                <a:tabLst/>
-                <a:defRPr sz="2800" kern="1200" spc="0" baseline="0">
-                  <a:gradFill>
-                    <a:gsLst>
-                      <a:gs pos="1250">
-                        <a:schemeClr val="tx1"/>
-                      </a:gs>
-                      <a:gs pos="100000">
-                        <a:schemeClr val="tx1"/>
-                      </a:gs>
-                    </a:gsLst>
-                    <a:lin ang="5400000" scaled="0"/>
-                  </a:gradFill>
-                  <a:latin typeface="Segoe UI Semilight" panose="020B0402040204020203" pitchFamily="34" charset="0"/>
-                  <a:ea typeface="+mn-ea"/>
-                  <a:cs typeface="Segoe UI Semilight" panose="020B0402040204020203" pitchFamily="34" charset="0"/>
-                </a:defRPr>
-              </a:lvl1pPr>
-              <a:lvl2pPr marL="457200" marR="0" indent="-228600" algn="l" defTabSz="932742" rtl="0" eaLnBrk="1" fontAlgn="auto" latinLnBrk="0" hangingPunct="1">
-                <a:lnSpc>
-                  <a:spcPct val="100000"/>
-                </a:lnSpc>
-                <a:spcBef>
-                  <a:spcPct val="20000"/>
-                </a:spcBef>
-                <a:spcAft>
-                  <a:spcPts val="0"/>
-                </a:spcAft>
-                <a:buClrTx/>
-                <a:buSzPct val="90000"/>
-                <a:buFont typeface="Wingdings" panose="05000000000000000000" pitchFamily="2" charset="2"/>
-                <a:buChar char=""/>
-                <a:tabLst/>
-                <a:defRPr sz="2000" kern="1200" spc="0" baseline="0">
-                  <a:gradFill>
-                    <a:gsLst>
-                      <a:gs pos="1250">
-                        <a:schemeClr val="tx1"/>
-                      </a:gs>
-                      <a:gs pos="100000">
-                        <a:schemeClr val="tx1"/>
-                      </a:gs>
-                    </a:gsLst>
-                    <a:lin ang="5400000" scaled="0"/>
-                  </a:gradFill>
-                  <a:latin typeface="+mn-lt"/>
-                  <a:ea typeface="+mn-ea"/>
-                  <a:cs typeface="+mn-cs"/>
-                </a:defRPr>
-              </a:lvl2pPr>
-              <a:lvl3pPr marL="657225" marR="0" indent="-200025" algn="l" defTabSz="932742" rtl="0" eaLnBrk="1" fontAlgn="auto" latinLnBrk="0" hangingPunct="1">
-                <a:lnSpc>
-                  <a:spcPct val="100000"/>
-                </a:lnSpc>
-                <a:spcBef>
-                  <a:spcPct val="20000"/>
-                </a:spcBef>
-                <a:spcAft>
-                  <a:spcPts val="0"/>
-                </a:spcAft>
-                <a:buClrTx/>
-                <a:buSzPct val="90000"/>
-                <a:buFont typeface="Wingdings" panose="05000000000000000000" pitchFamily="2" charset="2"/>
-                <a:buChar char=""/>
-                <a:tabLst/>
-                <a:defRPr sz="1600" kern="1200" spc="0" baseline="0">
-                  <a:gradFill>
-                    <a:gsLst>
-                      <a:gs pos="1250">
-                        <a:schemeClr val="tx1"/>
-                      </a:gs>
-                      <a:gs pos="100000">
-                        <a:schemeClr val="tx1"/>
-                      </a:gs>
-                    </a:gsLst>
-                    <a:lin ang="5400000" scaled="0"/>
-                  </a:gradFill>
-                  <a:latin typeface="+mn-lt"/>
-                  <a:ea typeface="+mn-ea"/>
-                  <a:cs typeface="+mn-cs"/>
-                </a:defRPr>
-              </a:lvl3pPr>
-              <a:lvl4pPr marL="842963" marR="0" indent="-180975" algn="l" defTabSz="932742" rtl="0" eaLnBrk="1" fontAlgn="auto" latinLnBrk="0" hangingPunct="1">
-                <a:lnSpc>
-                  <a:spcPct val="100000"/>
-                </a:lnSpc>
-                <a:spcBef>
-                  <a:spcPct val="20000"/>
-                </a:spcBef>
-                <a:spcAft>
-                  <a:spcPts val="0"/>
-                </a:spcAft>
-                <a:buClrTx/>
-                <a:buSzPct val="90000"/>
-                <a:buFont typeface="Wingdings" panose="05000000000000000000" pitchFamily="2" charset="2"/>
-                <a:buChar char=""/>
-                <a:tabLst/>
-                <a:defRPr sz="1400" kern="1200" spc="0" baseline="0">
-                  <a:gradFill>
-                    <a:gsLst>
-                      <a:gs pos="1250">
-                        <a:schemeClr val="tx1"/>
-                      </a:gs>
-                      <a:gs pos="100000">
-                        <a:schemeClr val="tx1"/>
-                      </a:gs>
-                    </a:gsLst>
-                    <a:lin ang="5400000" scaled="0"/>
-                  </a:gradFill>
-                  <a:latin typeface="+mn-lt"/>
-                  <a:ea typeface="+mn-ea"/>
-                  <a:cs typeface="+mn-cs"/>
-                </a:defRPr>
-              </a:lvl4pPr>
-              <a:lvl5pPr marL="1023938" marR="0" indent="-168275" algn="l" defTabSz="932742" rtl="0" eaLnBrk="1" fontAlgn="auto" latinLnBrk="0" hangingPunct="1">
-                <a:lnSpc>
-                  <a:spcPct val="100000"/>
-                </a:lnSpc>
-                <a:spcBef>
-                  <a:spcPct val="20000"/>
-                </a:spcBef>
-                <a:spcAft>
-                  <a:spcPts val="0"/>
-                </a:spcAft>
-                <a:buClrTx/>
-                <a:buSzPct val="90000"/>
-                <a:buFont typeface="Wingdings" panose="05000000000000000000" pitchFamily="2" charset="2"/>
-                <a:buChar char=""/>
-                <a:tabLst/>
-                <a:defRPr sz="1400" kern="1200" spc="0" baseline="0">
-                  <a:gradFill>
-                    <a:gsLst>
-                      <a:gs pos="1250">
-                        <a:schemeClr val="tx1"/>
-                      </a:gs>
-                      <a:gs pos="100000">
-                        <a:schemeClr val="tx1"/>
-                      </a:gs>
-                    </a:gsLst>
-                    <a:lin ang="5400000" scaled="0"/>
-                  </a:gradFill>
-                  <a:latin typeface="+mn-lt"/>
-                  <a:ea typeface="+mn-ea"/>
-                  <a:cs typeface="+mn-cs"/>
-                </a:defRPr>
-              </a:lvl5pPr>
-              <a:lvl6pPr marL="2565040" indent="-233186" algn="l" defTabSz="932742" rtl="0" eaLnBrk="1" latinLnBrk="0" hangingPunct="1">
-                <a:spcBef>
-                  <a:spcPct val="20000"/>
-                </a:spcBef>
-                <a:buFont typeface="Arial" pitchFamily="34" charset="0"/>
-                <a:buChar char="•"/>
-                <a:defRPr sz="2000" kern="1200">
-                  <a:solidFill>
-                    <a:schemeClr val="tx1"/>
-                  </a:solidFill>
-                  <a:latin typeface="+mn-lt"/>
-                  <a:ea typeface="+mn-ea"/>
-                  <a:cs typeface="+mn-cs"/>
-                </a:defRPr>
-              </a:lvl6pPr>
-              <a:lvl7pPr marL="3031412" indent="-233186" algn="l" defTabSz="932742" rtl="0" eaLnBrk="1" latinLnBrk="0" hangingPunct="1">
-                <a:spcBef>
-                  <a:spcPct val="20000"/>
-                </a:spcBef>
-                <a:buFont typeface="Arial" pitchFamily="34" charset="0"/>
-                <a:buChar char="•"/>
-                <a:defRPr sz="2000" kern="1200">
-                  <a:solidFill>
-                    <a:schemeClr val="tx1"/>
-                  </a:solidFill>
-                  <a:latin typeface="+mn-lt"/>
-                  <a:ea typeface="+mn-ea"/>
-                  <a:cs typeface="+mn-cs"/>
-                </a:defRPr>
-              </a:lvl7pPr>
-              <a:lvl8pPr marL="3497783" indent="-233186" algn="l" defTabSz="932742" rtl="0" eaLnBrk="1" latinLnBrk="0" hangingPunct="1">
-                <a:spcBef>
-                  <a:spcPct val="20000"/>
-                </a:spcBef>
-                <a:buFont typeface="Arial" pitchFamily="34" charset="0"/>
-                <a:buChar char="•"/>
-                <a:defRPr sz="2000" kern="1200">
-                  <a:solidFill>
-                    <a:schemeClr val="tx1"/>
-                  </a:solidFill>
-                  <a:latin typeface="+mn-lt"/>
-                  <a:ea typeface="+mn-ea"/>
-                  <a:cs typeface="+mn-cs"/>
-                </a:defRPr>
-              </a:lvl8pPr>
-              <a:lvl9pPr marL="3964155" indent="-233186" algn="l" defTabSz="932742" rtl="0" eaLnBrk="1" latinLnBrk="0" hangingPunct="1">
-                <a:spcBef>
-                  <a:spcPct val="20000"/>
-                </a:spcBef>
-                <a:buFont typeface="Arial" pitchFamily="34" charset="0"/>
-                <a:buChar char="•"/>
-                <a:defRPr sz="2000" kern="1200">
-                  <a:solidFill>
-                    <a:schemeClr val="tx1"/>
-                  </a:solidFill>
-                  <a:latin typeface="+mn-lt"/>
-                  <a:ea typeface="+mn-ea"/>
-                  <a:cs typeface="+mn-cs"/>
-                </a:defRPr>
-              </a:lvl9pPr>
-            </a:lstStyle>
-            <a:p>
-              <a:pPr marL="0" marR="0" lvl="0" indent="0" algn="l" defTabSz="914400" rtl="0" eaLnBrk="1" fontAlgn="auto" latinLnBrk="0" hangingPunct="1">
-                <a:lnSpc>
-                  <a:spcPct val="100000"/>
-                </a:lnSpc>
-                <a:spcBef>
-                  <a:spcPts val="0"/>
-                </a:spcBef>
-                <a:spcAft>
-                  <a:spcPts val="0"/>
-                </a:spcAft>
-                <a:buClrTx/>
-                <a:buSzTx/>
-                <a:buFontTx/>
-                <a:buNone/>
-                <a:tabLst/>
-                <a:defRPr/>
-              </a:pPr>
-              <a:r>
-                <a:rPr kumimoji="0" lang="en-GB" sz="1100" b="0" i="0" u="none" strike="noStrike" kern="1200" cap="none" spc="0" normalizeH="0" baseline="0" noProof="0" dirty="0">
-                  <a:ln>
-                    <a:noFill/>
-                  </a:ln>
-                  <a:solidFill>
-                    <a:prstClr val="black"/>
-                  </a:solidFill>
-                  <a:effectLst/>
-                  <a:uLnTx/>
-                  <a:uFillTx/>
-                  <a:latin typeface="Calibri" panose="020F0502020204030204"/>
-                  <a:ea typeface="+mn-ea"/>
-                  <a:cs typeface="+mn-cs"/>
-                  <a:hlinkClick r:id="rId8"/>
-                </a:rPr>
-                <a:t>When to use Bicep - Learn | Microsoft Docs</a:t>
-              </a:r>
-              <a:endParaRPr kumimoji="0" lang="en-GB" sz="1100" b="0" i="0" u="none" strike="noStrike" kern="1200" cap="none" spc="0" normalizeH="0" baseline="0" noProof="0" dirty="0">
-                <a:ln>
-                  <a:noFill/>
-                </a:ln>
-                <a:solidFill>
-                  <a:prstClr val="black"/>
-                </a:solidFill>
-                <a:effectLst/>
-                <a:uLnTx/>
-                <a:uFillTx/>
-                <a:latin typeface="Calibri" panose="020F0502020204030204"/>
-                <a:ea typeface="+mn-ea"/>
-                <a:cs typeface="+mn-cs"/>
-              </a:endParaRPr>
-            </a:p>
-          </p:txBody>
-        </p:sp>
-        <p:sp>
-          <p:nvSpPr>
-            <p:cNvPr id="49" name="Freeform 9">
-              <a:extLst>
-                <a:ext uri="{FF2B5EF4-FFF2-40B4-BE49-F238E27FC236}">
-                  <a16:creationId xmlns:a16="http://schemas.microsoft.com/office/drawing/2014/main" id="{898DA0C2-BDA4-4158-B6AA-7F112210AA2E}"/>
-                </a:ext>
-              </a:extLst>
-            </p:cNvPr>
-            <p:cNvSpPr>
-              <a:spLocks noEditPoints="1"/>
-            </p:cNvSpPr>
-            <p:nvPr/>
-          </p:nvSpPr>
-          <p:spPr bwMode="black">
-            <a:xfrm>
-              <a:off x="9701248" y="4775731"/>
-              <a:ext cx="228363" cy="229291"/>
-            </a:xfrm>
-            <a:custGeom>
-              <a:avLst/>
-              <a:gdLst>
-                <a:gd name="T0" fmla="*/ 88 w 149"/>
-                <a:gd name="T1" fmla="*/ 67 h 149"/>
-                <a:gd name="T2" fmla="*/ 65 w 149"/>
-                <a:gd name="T3" fmla="*/ 46 h 149"/>
-                <a:gd name="T4" fmla="*/ 84 w 149"/>
-                <a:gd name="T5" fmla="*/ 46 h 149"/>
-                <a:gd name="T6" fmla="*/ 115 w 149"/>
-                <a:gd name="T7" fmla="*/ 75 h 149"/>
-                <a:gd name="T8" fmla="*/ 84 w 149"/>
-                <a:gd name="T9" fmla="*/ 104 h 149"/>
-                <a:gd name="T10" fmla="*/ 65 w 149"/>
-                <a:gd name="T11" fmla="*/ 104 h 149"/>
-                <a:gd name="T12" fmla="*/ 88 w 149"/>
-                <a:gd name="T13" fmla="*/ 82 h 149"/>
-                <a:gd name="T14" fmla="*/ 36 w 149"/>
-                <a:gd name="T15" fmla="*/ 82 h 149"/>
-                <a:gd name="T16" fmla="*/ 36 w 149"/>
-                <a:gd name="T17" fmla="*/ 67 h 149"/>
-                <a:gd name="T18" fmla="*/ 88 w 149"/>
-                <a:gd name="T19" fmla="*/ 67 h 149"/>
-                <a:gd name="T20" fmla="*/ 74 w 149"/>
-                <a:gd name="T21" fmla="*/ 9 h 149"/>
-                <a:gd name="T22" fmla="*/ 140 w 149"/>
-                <a:gd name="T23" fmla="*/ 75 h 149"/>
-                <a:gd name="T24" fmla="*/ 74 w 149"/>
-                <a:gd name="T25" fmla="*/ 140 h 149"/>
-                <a:gd name="T26" fmla="*/ 9 w 149"/>
-                <a:gd name="T27" fmla="*/ 75 h 149"/>
-                <a:gd name="T28" fmla="*/ 74 w 149"/>
-                <a:gd name="T29" fmla="*/ 9 h 149"/>
-                <a:gd name="T30" fmla="*/ 74 w 149"/>
-                <a:gd name="T31" fmla="*/ 0 h 149"/>
-                <a:gd name="T32" fmla="*/ 0 w 149"/>
-                <a:gd name="T33" fmla="*/ 75 h 149"/>
-                <a:gd name="T34" fmla="*/ 74 w 149"/>
-                <a:gd name="T35" fmla="*/ 149 h 149"/>
-                <a:gd name="T36" fmla="*/ 149 w 149"/>
-                <a:gd name="T37" fmla="*/ 75 h 149"/>
-                <a:gd name="T38" fmla="*/ 74 w 149"/>
-                <a:gd name="T39" fmla="*/ 0 h 149"/>
-              </a:gdLst>
-              <a:ahLst/>
-              <a:cxnLst>
-                <a:cxn ang="0">
-                  <a:pos x="T0" y="T1"/>
-                </a:cxn>
-                <a:cxn ang="0">
-                  <a:pos x="T2" y="T3"/>
-                </a:cxn>
-                <a:cxn ang="0">
-                  <a:pos x="T4" y="T5"/>
-                </a:cxn>
-                <a:cxn ang="0">
-                  <a:pos x="T6" y="T7"/>
-                </a:cxn>
-                <a:cxn ang="0">
-                  <a:pos x="T8" y="T9"/>
-                </a:cxn>
-                <a:cxn ang="0">
-                  <a:pos x="T10" y="T11"/>
-                </a:cxn>
-                <a:cxn ang="0">
-                  <a:pos x="T12" y="T13"/>
-                </a:cxn>
-                <a:cxn ang="0">
-                  <a:pos x="T14" y="T15"/>
-                </a:cxn>
-                <a:cxn ang="0">
-                  <a:pos x="T16" y="T17"/>
-                </a:cxn>
-                <a:cxn ang="0">
-                  <a:pos x="T18" y="T19"/>
-                </a:cxn>
-                <a:cxn ang="0">
-                  <a:pos x="T20" y="T21"/>
-                </a:cxn>
-                <a:cxn ang="0">
-                  <a:pos x="T22" y="T23"/>
-                </a:cxn>
-                <a:cxn ang="0">
-                  <a:pos x="T24" y="T25"/>
-                </a:cxn>
-                <a:cxn ang="0">
-                  <a:pos x="T26" y="T27"/>
-                </a:cxn>
-                <a:cxn ang="0">
-                  <a:pos x="T28" y="T29"/>
-                </a:cxn>
-                <a:cxn ang="0">
-                  <a:pos x="T30" y="T31"/>
-                </a:cxn>
-                <a:cxn ang="0">
-                  <a:pos x="T32" y="T33"/>
-                </a:cxn>
-                <a:cxn ang="0">
-                  <a:pos x="T34" y="T35"/>
-                </a:cxn>
-                <a:cxn ang="0">
-                  <a:pos x="T36" y="T37"/>
-                </a:cxn>
-                <a:cxn ang="0">
-                  <a:pos x="T38" y="T39"/>
-                </a:cxn>
-              </a:cxnLst>
-              <a:rect l="0" t="0" r="r" b="b"/>
-              <a:pathLst>
-                <a:path w="149" h="149">
-                  <a:moveTo>
-                    <a:pt x="88" y="67"/>
-                  </a:moveTo>
-                  <a:cubicBezTo>
-                    <a:pt x="65" y="46"/>
-                    <a:pt x="65" y="46"/>
-                    <a:pt x="65" y="46"/>
-                  </a:cubicBezTo>
-                  <a:cubicBezTo>
-                    <a:pt x="84" y="46"/>
-                    <a:pt x="84" y="46"/>
-                    <a:pt x="84" y="46"/>
-                  </a:cubicBezTo>
-                  <a:cubicBezTo>
-                    <a:pt x="115" y="75"/>
-                    <a:pt x="115" y="75"/>
-                    <a:pt x="115" y="75"/>
-                  </a:cubicBezTo>
-                  <a:cubicBezTo>
-                    <a:pt x="84" y="104"/>
-                    <a:pt x="84" y="104"/>
-                    <a:pt x="84" y="104"/>
-                  </a:cubicBezTo>
-                  <a:cubicBezTo>
-                    <a:pt x="65" y="104"/>
-                    <a:pt x="65" y="104"/>
-                    <a:pt x="65" y="104"/>
-                  </a:cubicBezTo>
-                  <a:cubicBezTo>
-                    <a:pt x="88" y="82"/>
-                    <a:pt x="88" y="82"/>
-                    <a:pt x="88" y="82"/>
-                  </a:cubicBezTo>
-                  <a:cubicBezTo>
-                    <a:pt x="36" y="82"/>
-                    <a:pt x="36" y="82"/>
-                    <a:pt x="36" y="82"/>
-                  </a:cubicBezTo>
-                  <a:cubicBezTo>
-                    <a:pt x="36" y="67"/>
-                    <a:pt x="36" y="67"/>
-                    <a:pt x="36" y="67"/>
-                  </a:cubicBezTo>
-                  <a:lnTo>
-                    <a:pt x="88" y="67"/>
-                  </a:lnTo>
-                  <a:close/>
-                  <a:moveTo>
-                    <a:pt x="74" y="9"/>
-                  </a:moveTo>
-                  <a:cubicBezTo>
-                    <a:pt x="110" y="9"/>
-                    <a:pt x="140" y="39"/>
-                    <a:pt x="140" y="75"/>
-                  </a:cubicBezTo>
-                  <a:cubicBezTo>
-                    <a:pt x="140" y="111"/>
-                    <a:pt x="110" y="140"/>
-                    <a:pt x="74" y="140"/>
-                  </a:cubicBezTo>
-                  <a:cubicBezTo>
-                    <a:pt x="38" y="140"/>
-                    <a:pt x="9" y="111"/>
-                    <a:pt x="9" y="75"/>
-                  </a:cubicBezTo>
-                  <a:cubicBezTo>
-                    <a:pt x="9" y="39"/>
-                    <a:pt x="38" y="9"/>
-                    <a:pt x="74" y="9"/>
-                  </a:cubicBezTo>
-                  <a:moveTo>
-                    <a:pt x="74" y="0"/>
-                  </a:moveTo>
-                  <a:cubicBezTo>
-                    <a:pt x="33" y="0"/>
-                    <a:pt x="0" y="33"/>
-                    <a:pt x="0" y="75"/>
-                  </a:cubicBezTo>
-                  <a:cubicBezTo>
-                    <a:pt x="0" y="116"/>
-                    <a:pt x="33" y="149"/>
-                    <a:pt x="74" y="149"/>
-                  </a:cubicBezTo>
-                  <a:cubicBezTo>
-                    <a:pt x="116" y="149"/>
-                    <a:pt x="149" y="116"/>
-                    <a:pt x="149" y="75"/>
-                  </a:cubicBezTo>
-                  <a:cubicBezTo>
-                    <a:pt x="149" y="33"/>
-                    <a:pt x="116" y="0"/>
-                    <a:pt x="74" y="0"/>
-                  </a:cubicBezTo>
-                </a:path>
-              </a:pathLst>
-            </a:custGeom>
-            <a:solidFill>
-              <a:srgbClr val="2C65E1"/>
-            </a:solidFill>
-            <a:ln>
-              <a:noFill/>
-            </a:ln>
-          </p:spPr>
-          <p:txBody>
-            <a:bodyPr vert="horz" wrap="square" lIns="91427" tIns="45713" rIns="91427" bIns="45713" numCol="1" anchor="t" anchorCtr="0" compatLnSpc="1">
-              <a:prstTxWarp prst="textNoShape">
-                <a:avLst/>
-              </a:prstTxWarp>
-            </a:bodyPr>
-            <a:lstStyle/>
-            <a:p>
-              <a:pPr defTabSz="914225">
-                <a:defRPr/>
-              </a:pPr>
-              <a:endParaRPr lang="en-US" sz="1800">
-                <a:solidFill>
-                  <a:srgbClr val="000000"/>
-                </a:solidFill>
-                <a:latin typeface="Segoe UI"/>
-              </a:endParaRPr>
-            </a:p>
-          </p:txBody>
-        </p:sp>
-      </p:grpSp>
-    </p:spTree>
-    <p:extLst>
-      <p:ext uri="{BB962C8B-B14F-4D97-AF65-F5344CB8AC3E}">
-        <p14:creationId xmlns:p14="http://schemas.microsoft.com/office/powerpoint/2010/main" val="1482256732"/>
-      </p:ext>
-    </p:extLst>
-  </p:cSld>
-  <p:clrMapOvr>
-    <a:masterClrMapping/>
-  </p:clrMapOvr>
-  <mc:AlternateContent xmlns:mc="http://schemas.openxmlformats.org/markup-compatibility/2006">
-    <mc:Choice xmlns:p14="http://schemas.microsoft.com/office/powerpoint/2010/main" Requires="p14">
-      <p:transition spd="med" p14:dur="700">
-        <p:fade/>
-      </p:transition>
-    </mc:Choice>
-    <mc:Fallback>
-      <p:transition spd="med">
-        <p:fade/>
-      </p:transition>
-    </mc:Fallback>
-  </mc:AlternateContent>
-</p:sld>
-</file>
-
 <file path=ppt/slides/slide13.xml><?xml version="1.0" encoding="utf-8"?>
 <p:sld xmlns:a="http://schemas.openxmlformats.org/drawingml/2006/main" xmlns:r="http://schemas.openxmlformats.org/officeDocument/2006/relationships" xmlns:p="http://schemas.openxmlformats.org/presentationml/2006/main">
   <p:cSld>
@@ -36831,101 +37949,6 @@
       </p:grpSpPr>
       <p:sp>
         <p:nvSpPr>
-          <p:cNvPr id="2" name="Rectangle 1">
-            <a:extLst>
-              <a:ext uri="{FF2B5EF4-FFF2-40B4-BE49-F238E27FC236}">
-                <a16:creationId xmlns:a16="http://schemas.microsoft.com/office/drawing/2014/main" id="{4FCDACC8-B253-47B9-8BE4-CA23B1CEB147}"/>
-              </a:ext>
-            </a:extLst>
-          </p:cNvPr>
-          <p:cNvSpPr/>
-          <p:nvPr/>
-        </p:nvSpPr>
-        <p:spPr bwMode="auto">
-          <a:xfrm>
-            <a:off x="1766098" y="1943753"/>
-            <a:ext cx="8699863" cy="4914247"/>
-          </a:xfrm>
-          <a:prstGeom prst="rect">
-            <a:avLst/>
-          </a:prstGeom>
-          <a:solidFill>
-            <a:srgbClr val="666699"/>
-          </a:solidFill>
-          <a:ln w="3175">
-            <a:noFill/>
-            <a:headEnd type="none" w="med" len="med"/>
-            <a:tailEnd type="none" w="med" len="med"/>
-          </a:ln>
-        </p:spPr>
-        <p:style>
-          <a:lnRef idx="2">
-            <a:schemeClr val="accent1">
-              <a:shade val="50000"/>
-            </a:schemeClr>
-          </a:lnRef>
-          <a:fillRef idx="1">
-            <a:schemeClr val="accent1"/>
-          </a:fillRef>
-          <a:effectRef idx="0">
-            <a:schemeClr val="accent1"/>
-          </a:effectRef>
-          <a:fontRef idx="minor">
-            <a:schemeClr val="lt1"/>
-          </a:fontRef>
-        </p:style>
-        <p:txBody>
-          <a:bodyPr vert="horz" wrap="square" lIns="0" tIns="46637" rIns="0" bIns="46637" numCol="1" rtlCol="0" anchor="ctr" anchorCtr="0" compatLnSpc="1">
-            <a:prstTxWarp prst="textNoShape">
-              <a:avLst/>
-            </a:prstTxWarp>
-          </a:bodyPr>
-          <a:lstStyle/>
-          <a:p>
-            <a:pPr marL="0" marR="0" lvl="0" indent="0" algn="ctr" defTabSz="932472" rtl="0" eaLnBrk="1" fontAlgn="base" latinLnBrk="0" hangingPunct="1">
-              <a:lnSpc>
-                <a:spcPct val="100000"/>
-              </a:lnSpc>
-              <a:spcBef>
-                <a:spcPct val="0"/>
-              </a:spcBef>
-              <a:spcAft>
-                <a:spcPct val="0"/>
-              </a:spcAft>
-              <a:buClrTx/>
-              <a:buSzTx/>
-              <a:buFontTx/>
-              <a:buNone/>
-              <a:tabLst/>
-              <a:defRPr/>
-            </a:pPr>
-            <a:endParaRPr kumimoji="0" lang="en-US" sz="2000" b="0" i="0" u="none" strike="noStrike" kern="1200" cap="none" spc="0" normalizeH="0" baseline="0" noProof="0" dirty="0">
-              <a:ln>
-                <a:noFill/>
-              </a:ln>
-              <a:gradFill>
-                <a:gsLst>
-                  <a:gs pos="0">
-                    <a:srgbClr val="FFFFFF"/>
-                  </a:gs>
-                  <a:gs pos="100000">
-                    <a:srgbClr val="FFFFFF"/>
-                  </a:gs>
-                </a:gsLst>
-                <a:lin ang="5400000" scaled="0"/>
-              </a:gradFill>
-              <a:effectLst/>
-              <a:uLnTx/>
-              <a:uFillTx/>
-              <a:latin typeface="Segoe UI"/>
-              <a:ea typeface="+mn-ea"/>
-              <a:cs typeface="+mn-cs"/>
-            </a:endParaRPr>
-          </a:p>
-        </p:txBody>
-      </p:sp>
-      <p:sp>
-        <p:nvSpPr>
           <p:cNvPr id="4" name="Title 3"/>
           <p:cNvSpPr>
             <a:spLocks noGrp="1"/>
@@ -36970,10 +37993,10 @@
       </p:sp>
       <p:pic>
         <p:nvPicPr>
-          <p:cNvPr id="3" name="Picture 2" descr="Graphical user interface, text, application, email&#10;&#10;Description automatically generated">
+          <p:cNvPr id="6" name="Picture 5">
             <a:extLst>
               <a:ext uri="{FF2B5EF4-FFF2-40B4-BE49-F238E27FC236}">
-                <a16:creationId xmlns:a16="http://schemas.microsoft.com/office/drawing/2014/main" id="{5FA652A4-0451-4260-AFA5-349E820E031B}"/>
+                <a16:creationId xmlns:a16="http://schemas.microsoft.com/office/drawing/2014/main" id="{DA106E4C-BB65-4B1E-8B28-D7E20CAFB750}"/>
               </a:ext>
             </a:extLst>
           </p:cNvPr>
@@ -36982,15 +38005,16 @@
           </p:cNvPicPr>
           <p:nvPr/>
         </p:nvPicPr>
-        <p:blipFill rotWithShape="1">
+        <p:blipFill>
           <a:blip r:embed="rId3"/>
-          <a:srcRect b="5219"/>
-          <a:stretch/>
+          <a:stretch>
+            <a:fillRect/>
+          </a:stretch>
         </p:blipFill>
         <p:spPr>
           <a:xfrm>
-            <a:off x="1904482" y="2100507"/>
-            <a:ext cx="8383036" cy="4593385"/>
+            <a:off x="293410" y="2324303"/>
+            <a:ext cx="11631670" cy="2417818"/>
           </a:xfrm>
           <a:prstGeom prst="rect">
             <a:avLst/>
@@ -39785,101 +40809,6 @@
       </p:grpSpPr>
       <p:sp>
         <p:nvSpPr>
-          <p:cNvPr id="2" name="Rectangle 1">
-            <a:extLst>
-              <a:ext uri="{FF2B5EF4-FFF2-40B4-BE49-F238E27FC236}">
-                <a16:creationId xmlns:a16="http://schemas.microsoft.com/office/drawing/2014/main" id="{1C45BB3D-5835-4BBF-B22D-0F91C1BC5704}"/>
-              </a:ext>
-            </a:extLst>
-          </p:cNvPr>
-          <p:cNvSpPr/>
-          <p:nvPr/>
-        </p:nvSpPr>
-        <p:spPr bwMode="auto">
-          <a:xfrm>
-            <a:off x="0" y="1917627"/>
-            <a:ext cx="12192000" cy="4686954"/>
-          </a:xfrm>
-          <a:prstGeom prst="rect">
-            <a:avLst/>
-          </a:prstGeom>
-          <a:solidFill>
-            <a:srgbClr val="666699"/>
-          </a:solidFill>
-          <a:ln w="3175">
-            <a:noFill/>
-            <a:headEnd type="none" w="med" len="med"/>
-            <a:tailEnd type="none" w="med" len="med"/>
-          </a:ln>
-        </p:spPr>
-        <p:style>
-          <a:lnRef idx="2">
-            <a:schemeClr val="accent1">
-              <a:shade val="50000"/>
-            </a:schemeClr>
-          </a:lnRef>
-          <a:fillRef idx="1">
-            <a:schemeClr val="accent1"/>
-          </a:fillRef>
-          <a:effectRef idx="0">
-            <a:schemeClr val="accent1"/>
-          </a:effectRef>
-          <a:fontRef idx="minor">
-            <a:schemeClr val="lt1"/>
-          </a:fontRef>
-        </p:style>
-        <p:txBody>
-          <a:bodyPr vert="horz" wrap="square" lIns="0" tIns="46637" rIns="0" bIns="46637" numCol="1" rtlCol="0" anchor="ctr" anchorCtr="0" compatLnSpc="1">
-            <a:prstTxWarp prst="textNoShape">
-              <a:avLst/>
-            </a:prstTxWarp>
-          </a:bodyPr>
-          <a:lstStyle/>
-          <a:p>
-            <a:pPr marL="0" marR="0" lvl="0" indent="0" algn="ctr" defTabSz="932472" rtl="0" eaLnBrk="1" fontAlgn="base" latinLnBrk="0" hangingPunct="1">
-              <a:lnSpc>
-                <a:spcPct val="100000"/>
-              </a:lnSpc>
-              <a:spcBef>
-                <a:spcPct val="0"/>
-              </a:spcBef>
-              <a:spcAft>
-                <a:spcPct val="0"/>
-              </a:spcAft>
-              <a:buClrTx/>
-              <a:buSzTx/>
-              <a:buFontTx/>
-              <a:buNone/>
-              <a:tabLst/>
-              <a:defRPr/>
-            </a:pPr>
-            <a:endParaRPr kumimoji="0" lang="en-US" sz="2000" b="0" i="0" u="none" strike="noStrike" kern="1200" cap="none" spc="0" normalizeH="0" baseline="0" noProof="0" dirty="0">
-              <a:ln>
-                <a:noFill/>
-              </a:ln>
-              <a:gradFill>
-                <a:gsLst>
-                  <a:gs pos="0">
-                    <a:srgbClr val="FFFFFF"/>
-                  </a:gs>
-                  <a:gs pos="100000">
-                    <a:srgbClr val="FFFFFF"/>
-                  </a:gs>
-                </a:gsLst>
-                <a:lin ang="5400000" scaled="0"/>
-              </a:gradFill>
-              <a:effectLst/>
-              <a:uLnTx/>
-              <a:uFillTx/>
-              <a:latin typeface="Segoe UI"/>
-              <a:ea typeface="+mn-ea"/>
-              <a:cs typeface="+mn-cs"/>
-            </a:endParaRPr>
-          </a:p>
-        </p:txBody>
-      </p:sp>
-      <p:sp>
-        <p:nvSpPr>
           <p:cNvPr id="4" name="Title 3"/>
           <p:cNvSpPr>
             <a:spLocks noGrp="1"/>
@@ -39924,10 +40853,10 @@
       </p:sp>
       <p:pic>
         <p:nvPicPr>
-          <p:cNvPr id="5" name="Picture 4" descr="Graphical user interface, text&#10;&#10;Description automatically generated">
+          <p:cNvPr id="6" name="Picture 5">
             <a:extLst>
               <a:ext uri="{FF2B5EF4-FFF2-40B4-BE49-F238E27FC236}">
-                <a16:creationId xmlns:a16="http://schemas.microsoft.com/office/drawing/2014/main" id="{546EE67A-8A1F-4FA2-A519-1D022DBF18AC}"/>
+                <a16:creationId xmlns:a16="http://schemas.microsoft.com/office/drawing/2014/main" id="{04271098-2E17-4D63-9B0C-AC91DBA20F55}"/>
               </a:ext>
             </a:extLst>
           </p:cNvPr>
@@ -39936,15 +40865,16 @@
           </p:cNvPicPr>
           <p:nvPr/>
         </p:nvPicPr>
-        <p:blipFill rotWithShape="1">
+        <p:blipFill>
           <a:blip r:embed="rId3"/>
-          <a:srcRect r="2340"/>
-          <a:stretch/>
+          <a:stretch>
+            <a:fillRect/>
+          </a:stretch>
         </p:blipFill>
         <p:spPr>
           <a:xfrm>
-            <a:off x="142682" y="2121347"/>
-            <a:ext cx="11906636" cy="4315694"/>
+            <a:off x="189150" y="2549841"/>
+            <a:ext cx="11813699" cy="1758318"/>
           </a:xfrm>
           <a:prstGeom prst="rect">
             <a:avLst/>
@@ -40268,101 +41198,6 @@
       </p:grpSpPr>
       <p:sp>
         <p:nvSpPr>
-          <p:cNvPr id="2" name="Rectangle 1">
-            <a:extLst>
-              <a:ext uri="{FF2B5EF4-FFF2-40B4-BE49-F238E27FC236}">
-                <a16:creationId xmlns:a16="http://schemas.microsoft.com/office/drawing/2014/main" id="{A37F169F-F63B-40B3-8350-A44280B9E570}"/>
-              </a:ext>
-            </a:extLst>
-          </p:cNvPr>
-          <p:cNvSpPr/>
-          <p:nvPr/>
-        </p:nvSpPr>
-        <p:spPr bwMode="auto">
-          <a:xfrm>
-            <a:off x="4843707" y="1097280"/>
-            <a:ext cx="7205472" cy="5760720"/>
-          </a:xfrm>
-          <a:prstGeom prst="rect">
-            <a:avLst/>
-          </a:prstGeom>
-          <a:solidFill>
-            <a:srgbClr val="666699"/>
-          </a:solidFill>
-          <a:ln w="3175">
-            <a:noFill/>
-            <a:headEnd type="none" w="med" len="med"/>
-            <a:tailEnd type="none" w="med" len="med"/>
-          </a:ln>
-        </p:spPr>
-        <p:style>
-          <a:lnRef idx="2">
-            <a:schemeClr val="accent1">
-              <a:shade val="50000"/>
-            </a:schemeClr>
-          </a:lnRef>
-          <a:fillRef idx="1">
-            <a:schemeClr val="accent1"/>
-          </a:fillRef>
-          <a:effectRef idx="0">
-            <a:schemeClr val="accent1"/>
-          </a:effectRef>
-          <a:fontRef idx="minor">
-            <a:schemeClr val="lt1"/>
-          </a:fontRef>
-        </p:style>
-        <p:txBody>
-          <a:bodyPr vert="horz" wrap="square" lIns="0" tIns="46637" rIns="0" bIns="46637" numCol="1" rtlCol="0" anchor="ctr" anchorCtr="0" compatLnSpc="1">
-            <a:prstTxWarp prst="textNoShape">
-              <a:avLst/>
-            </a:prstTxWarp>
-          </a:bodyPr>
-          <a:lstStyle/>
-          <a:p>
-            <a:pPr marL="0" marR="0" lvl="0" indent="0" algn="ctr" defTabSz="932472" rtl="0" eaLnBrk="1" fontAlgn="base" latinLnBrk="0" hangingPunct="1">
-              <a:lnSpc>
-                <a:spcPct val="100000"/>
-              </a:lnSpc>
-              <a:spcBef>
-                <a:spcPct val="0"/>
-              </a:spcBef>
-              <a:spcAft>
-                <a:spcPct val="0"/>
-              </a:spcAft>
-              <a:buClrTx/>
-              <a:buSzTx/>
-              <a:buFontTx/>
-              <a:buNone/>
-              <a:tabLst/>
-              <a:defRPr/>
-            </a:pPr>
-            <a:endParaRPr kumimoji="0" lang="en-US" sz="2000" b="0" i="0" u="none" strike="noStrike" kern="1200" cap="none" spc="0" normalizeH="0" baseline="0" noProof="0" dirty="0">
-              <a:ln>
-                <a:noFill/>
-              </a:ln>
-              <a:gradFill>
-                <a:gsLst>
-                  <a:gs pos="0">
-                    <a:srgbClr val="FFFFFF"/>
-                  </a:gs>
-                  <a:gs pos="100000">
-                    <a:srgbClr val="FFFFFF"/>
-                  </a:gs>
-                </a:gsLst>
-                <a:lin ang="5400000" scaled="0"/>
-              </a:gradFill>
-              <a:effectLst/>
-              <a:uLnTx/>
-              <a:uFillTx/>
-              <a:latin typeface="Segoe UI"/>
-              <a:ea typeface="+mn-ea"/>
-              <a:cs typeface="+mn-cs"/>
-            </a:endParaRPr>
-          </a:p>
-        </p:txBody>
-      </p:sp>
-      <p:sp>
-        <p:nvSpPr>
           <p:cNvPr id="4" name="Title 3"/>
           <p:cNvSpPr>
             <a:spLocks noGrp="1"/>
@@ -40402,10 +41237,10 @@
       </p:sp>
       <p:pic>
         <p:nvPicPr>
-          <p:cNvPr id="9" name="Picture 8" descr="Text&#10;&#10;Description automatically generated with medium confidence">
+          <p:cNvPr id="5" name="Picture 4">
             <a:extLst>
               <a:ext uri="{FF2B5EF4-FFF2-40B4-BE49-F238E27FC236}">
-                <a16:creationId xmlns:a16="http://schemas.microsoft.com/office/drawing/2014/main" id="{6CDEF23C-6CA5-4D48-9D2E-26E7B5ECEA1A}"/>
+                <a16:creationId xmlns:a16="http://schemas.microsoft.com/office/drawing/2014/main" id="{56A00194-C68F-4350-9FEB-AEC9AEFD022F}"/>
               </a:ext>
             </a:extLst>
           </p:cNvPr>
@@ -40422,8 +41257,8 @@
         </p:blipFill>
         <p:spPr>
           <a:xfrm>
-            <a:off x="4978956" y="1265239"/>
-            <a:ext cx="6936715" cy="5546328"/>
+            <a:off x="1785648" y="1880067"/>
+            <a:ext cx="8620704" cy="3818984"/>
           </a:xfrm>
           <a:prstGeom prst="rect">
             <a:avLst/>
@@ -43556,7 +44391,7 @@
 </file>
 
 <file path=ppt/slides/slide4.xml><?xml version="1.0" encoding="utf-8"?>
-<p:sld xmlns:a="http://schemas.openxmlformats.org/drawingml/2006/main" xmlns:r="http://schemas.openxmlformats.org/officeDocument/2006/relationships" xmlns:p="http://schemas.openxmlformats.org/presentationml/2006/main">
+<p:sld xmlns:a="http://schemas.openxmlformats.org/drawingml/2006/main" xmlns:r="http://schemas.openxmlformats.org/officeDocument/2006/relationships" xmlns:p="http://schemas.openxmlformats.org/presentationml/2006/main" show="0">
   <p:cSld>
     <p:spTree>
       <p:nvGrpSpPr>

--- a/Coach/BicepIntro-MicroHack.pptx
+++ b/Coach/BicepIntro-MicroHack.pptx
@@ -157,10 +157,55 @@
   <pc:docChgLst>
     <pc:chgData name="Nicola Gallacher" userId="53d0426e-eedb-4f86-89d1-95436315b32b" providerId="ADAL" clId="{AB4C8AA5-AA05-4E67-B2F3-A466032C0053}"/>
     <pc:docChg chg="undo custSel addSld modSld">
-      <pc:chgData name="Nicola Gallacher" userId="53d0426e-eedb-4f86-89d1-95436315b32b" providerId="ADAL" clId="{AB4C8AA5-AA05-4E67-B2F3-A466032C0053}" dt="2022-04-11T08:52:09.552" v="434" actId="20577"/>
+      <pc:chgData name="Nicola Gallacher" userId="53d0426e-eedb-4f86-89d1-95436315b32b" providerId="ADAL" clId="{AB4C8AA5-AA05-4E67-B2F3-A466032C0053}" dt="2022-04-11T14:35:01.270" v="512" actId="20577"/>
       <pc:docMkLst>
         <pc:docMk/>
       </pc:docMkLst>
+      <pc:sldChg chg="modSp mod">
+        <pc:chgData name="Nicola Gallacher" userId="53d0426e-eedb-4f86-89d1-95436315b32b" providerId="ADAL" clId="{AB4C8AA5-AA05-4E67-B2F3-A466032C0053}" dt="2022-04-11T14:34:45.941" v="493" actId="20577"/>
+        <pc:sldMkLst>
+          <pc:docMk/>
+          <pc:sldMk cId="559782471" sldId="488"/>
+        </pc:sldMkLst>
+        <pc:spChg chg="mod">
+          <ac:chgData name="Nicola Gallacher" userId="53d0426e-eedb-4f86-89d1-95436315b32b" providerId="ADAL" clId="{AB4C8AA5-AA05-4E67-B2F3-A466032C0053}" dt="2022-04-11T14:34:45.941" v="493" actId="20577"/>
+          <ac:spMkLst>
+            <pc:docMk/>
+            <pc:sldMk cId="559782471" sldId="488"/>
+            <ac:spMk id="17" creationId="{00000000-0000-0000-0000-000000000000}"/>
+          </ac:spMkLst>
+        </pc:spChg>
+      </pc:sldChg>
+      <pc:sldChg chg="modSp mod">
+        <pc:chgData name="Nicola Gallacher" userId="53d0426e-eedb-4f86-89d1-95436315b32b" providerId="ADAL" clId="{AB4C8AA5-AA05-4E67-B2F3-A466032C0053}" dt="2022-04-11T14:34:33.522" v="453" actId="20577"/>
+        <pc:sldMkLst>
+          <pc:docMk/>
+          <pc:sldMk cId="2835728914" sldId="490"/>
+        </pc:sldMkLst>
+        <pc:spChg chg="mod">
+          <ac:chgData name="Nicola Gallacher" userId="53d0426e-eedb-4f86-89d1-95436315b32b" providerId="ADAL" clId="{AB4C8AA5-AA05-4E67-B2F3-A466032C0053}" dt="2022-04-11T14:34:33.522" v="453" actId="20577"/>
+          <ac:spMkLst>
+            <pc:docMk/>
+            <pc:sldMk cId="2835728914" sldId="490"/>
+            <ac:spMk id="17" creationId="{00000000-0000-0000-0000-000000000000}"/>
+          </ac:spMkLst>
+        </pc:spChg>
+      </pc:sldChg>
+      <pc:sldChg chg="modSp mod">
+        <pc:chgData name="Nicola Gallacher" userId="53d0426e-eedb-4f86-89d1-95436315b32b" providerId="ADAL" clId="{AB4C8AA5-AA05-4E67-B2F3-A466032C0053}" dt="2022-04-11T14:35:01.270" v="512" actId="20577"/>
+        <pc:sldMkLst>
+          <pc:docMk/>
+          <pc:sldMk cId="3321217172" sldId="492"/>
+        </pc:sldMkLst>
+        <pc:spChg chg="mod">
+          <ac:chgData name="Nicola Gallacher" userId="53d0426e-eedb-4f86-89d1-95436315b32b" providerId="ADAL" clId="{AB4C8AA5-AA05-4E67-B2F3-A466032C0053}" dt="2022-04-11T14:35:01.270" v="512" actId="20577"/>
+          <ac:spMkLst>
+            <pc:docMk/>
+            <pc:sldMk cId="3321217172" sldId="492"/>
+            <ac:spMk id="17" creationId="{00000000-0000-0000-0000-000000000000}"/>
+          </ac:spMkLst>
+        </pc:spChg>
+      </pc:sldChg>
       <pc:sldChg chg="modSp mod modNotesTx">
         <pc:chgData name="Nicola Gallacher" userId="53d0426e-eedb-4f86-89d1-95436315b32b" providerId="ADAL" clId="{AB4C8AA5-AA05-4E67-B2F3-A466032C0053}" dt="2022-04-11T08:49:28.541" v="342" actId="6549"/>
         <pc:sldMkLst>
@@ -2984,7 +3029,7 @@
                 <a:tabLst/>
                 <a:defRPr/>
               </a:pPr>
-              <a:t>4/11/2022 9:36 AM</a:t>
+              <a:t>4/11/2022 3:15 PM</a:t>
             </a:fld>
             <a:endParaRPr kumimoji="0" lang="en-US" sz="1800" b="0" i="0" u="none" strike="noStrike" kern="0" cap="none" spc="0" normalizeH="0" baseline="0" noProof="0" dirty="0">
               <a:ln>
@@ -3294,7 +3339,7 @@
                 <a:tabLst/>
                 <a:defRPr/>
               </a:pPr>
-              <a:t>4/11/2022 9:36 AM</a:t>
+              <a:t>4/11/2022 3:15 PM</a:t>
             </a:fld>
             <a:endParaRPr kumimoji="0" lang="en-US" sz="1800" b="0" i="0" u="none" strike="noStrike" kern="0" cap="none" spc="0" normalizeH="0" baseline="0" noProof="0" dirty="0">
               <a:ln>
@@ -3656,7 +3701,7 @@
                 <a:tabLst/>
                 <a:defRPr/>
               </a:pPr>
-              <a:t>4/11/2022 9:36 AM</a:t>
+              <a:t>4/11/2022 3:15 PM</a:t>
             </a:fld>
             <a:endParaRPr kumimoji="0" lang="en-US" sz="1800" b="0" i="0" u="none" strike="noStrike" kern="0" cap="none" spc="0" normalizeH="0" baseline="0" noProof="0" dirty="0">
               <a:ln>
@@ -3966,7 +4011,7 @@
                 <a:tabLst/>
                 <a:defRPr/>
               </a:pPr>
-              <a:t>4/11/2022 9:36 AM</a:t>
+              <a:t>4/11/2022 3:15 PM</a:t>
             </a:fld>
             <a:endParaRPr kumimoji="0" lang="en-US" sz="1800" b="0" i="0" u="none" strike="noStrike" kern="0" cap="none" spc="0" normalizeH="0" baseline="0" noProof="0" dirty="0">
               <a:ln>
@@ -4328,7 +4373,7 @@
                 <a:tabLst/>
                 <a:defRPr/>
               </a:pPr>
-              <a:t>4/11/2022 9:36 AM</a:t>
+              <a:t>4/11/2022 3:15 PM</a:t>
             </a:fld>
             <a:endParaRPr kumimoji="0" lang="en-US" sz="1800" b="0" i="0" u="none" strike="noStrike" kern="0" cap="none" spc="0" normalizeH="0" baseline="0" noProof="0" dirty="0">
               <a:ln>
@@ -4759,7 +4804,7 @@
                 <a:tabLst/>
                 <a:defRPr/>
               </a:pPr>
-              <a:t>4/11/2022 9:36 AM</a:t>
+              <a:t>4/11/2022 3:15 PM</a:t>
             </a:fld>
             <a:endParaRPr kumimoji="0" lang="en-US" sz="1200" b="0" i="0" u="none" strike="noStrike" kern="1200" cap="none" spc="0" normalizeH="0" baseline="0" noProof="0">
               <a:ln>
@@ -5069,7 +5114,7 @@
                 <a:tabLst/>
                 <a:defRPr/>
               </a:pPr>
-              <a:t>4/11/2022 9:36 AM</a:t>
+              <a:t>4/11/2022 3:15 PM</a:t>
             </a:fld>
             <a:endParaRPr kumimoji="0" lang="en-US" sz="1800" b="0" i="0" u="none" strike="noStrike" kern="0" cap="none" spc="0" normalizeH="0" baseline="0" noProof="0" dirty="0">
               <a:ln>
@@ -5431,7 +5476,7 @@
                 <a:tabLst/>
                 <a:defRPr/>
               </a:pPr>
-              <a:t>4/11/2022 9:36 AM</a:t>
+              <a:t>4/11/2022 3:15 PM</a:t>
             </a:fld>
             <a:endParaRPr kumimoji="0" lang="en-US" sz="1800" b="0" i="0" u="none" strike="noStrike" kern="0" cap="none" spc="0" normalizeH="0" baseline="0" noProof="0" dirty="0">
               <a:ln>
@@ -42822,8 +42867,20 @@
                   <a:srgbClr val="0070C0"/>
                 </a:solidFill>
               </a:rPr>
-              <a:t>Variables</a:t>
-            </a:r>
+              <a:t>Variables – Defined Values</a:t>
+            </a:r>
+            <a:br>
+              <a:rPr lang="en-US" sz="3200" dirty="0">
+                <a:solidFill>
+                  <a:srgbClr val="0070C0"/>
+                </a:solidFill>
+              </a:rPr>
+            </a:br>
+            <a:endParaRPr lang="en-US" sz="3200" dirty="0">
+              <a:solidFill>
+                <a:srgbClr val="0070C0"/>
+              </a:solidFill>
+            </a:endParaRPr>
           </a:p>
         </p:txBody>
       </p:sp>
@@ -43167,7 +43224,7 @@
                   <a:srgbClr val="0070C0"/>
                 </a:solidFill>
               </a:rPr>
-              <a:t>Parameters</a:t>
+              <a:t>Parameters – Values that are passed into the code</a:t>
             </a:r>
             <a:endParaRPr lang="en-US" sz="2800" dirty="0">
               <a:solidFill>
@@ -43601,7 +43658,7 @@
                   <a:srgbClr val="0070C0"/>
                 </a:solidFill>
               </a:rPr>
-              <a:t>Resources</a:t>
+              <a:t>Resources – Azure Resources</a:t>
             </a:r>
           </a:p>
         </p:txBody>
